--- a/Portfolio/CHANEL.pptx
+++ b/Portfolio/CHANEL.pptx
@@ -2,15 +2,26 @@
 <file path=ppt/presentation.xml><?xml version="1.0" encoding="utf-8"?>
 <p:presentation xmlns:a="http://schemas.openxmlformats.org/drawingml/2006/main" xmlns:r="http://schemas.openxmlformats.org/officeDocument/2006/relationships" xmlns:p="http://schemas.openxmlformats.org/presentationml/2006/main" saveSubsetFonts="1">
   <p:sldMasterIdLst>
-    <p:sldMasterId id="2147483684" r:id="rId1"/>
+    <p:sldMasterId id="2147483720" r:id="rId1"/>
   </p:sldMasterIdLst>
   <p:notesMasterIdLst>
-    <p:notesMasterId r:id="rId3"/>
+    <p:notesMasterId r:id="rId14"/>
   </p:notesMasterIdLst>
   <p:sldIdLst>
-    <p:sldId id="256" r:id="rId2"/>
+    <p:sldId id="258" r:id="rId2"/>
+    <p:sldId id="257" r:id="rId3"/>
+    <p:sldId id="263" r:id="rId4"/>
+    <p:sldId id="259" r:id="rId5"/>
+    <p:sldId id="262" r:id="rId6"/>
+    <p:sldId id="260" r:id="rId7"/>
+    <p:sldId id="261" r:id="rId8"/>
+    <p:sldId id="264" r:id="rId9"/>
+    <p:sldId id="265" r:id="rId10"/>
+    <p:sldId id="266" r:id="rId11"/>
+    <p:sldId id="267" r:id="rId12"/>
+    <p:sldId id="268" r:id="rId13"/>
   </p:sldIdLst>
-  <p:sldSz cx="6858000" cy="12192000"/>
+  <p:sldSz cx="12192000" cy="6858000"/>
   <p:notesSz cx="6858000" cy="9144000"/>
   <p:defaultTextStyle>
     <a:defPPr>
@@ -107,6 +118,11 @@
       </a:defRPr>
     </a:lvl9pPr>
   </p:defaultTextStyle>
+  <p:extLst>
+    <p:ext uri="{EFAFB233-063F-42B5-8137-9DF3F51BA10A}">
+      <p15:sldGuideLst xmlns:p15="http://schemas.microsoft.com/office/powerpoint/2012/main"/>
+    </p:ext>
+  </p:extLst>
 </p:presentation>
 </file>
 
@@ -192,7 +208,7 @@
           <a:p>
             <a:fld id="{D1F6C66E-B0EE-493D-B028-055B72CE50F6}" type="datetimeFigureOut">
               <a:rPr lang="ko-KR" altLang="en-US" smtClean="0"/>
-              <a:t>2021-10-29</a:t>
+              <a:t>2021-11-15</a:t>
             </a:fld>
             <a:endParaRPr lang="ko-KR" altLang="en-US"/>
           </a:p>
@@ -210,8 +226,8 @@
         </p:nvSpPr>
         <p:spPr>
           <a:xfrm>
-            <a:off x="2560638" y="1143000"/>
-            <a:ext cx="1736725" cy="3086100"/>
+            <a:off x="685800" y="1143000"/>
+            <a:ext cx="5486400" cy="3086100"/>
           </a:xfrm>
           <a:prstGeom prst="rect">
             <a:avLst/>
@@ -489,15 +505,15 @@
         </p:nvSpPr>
         <p:spPr>
           <a:xfrm>
-            <a:off x="514350" y="1995312"/>
-            <a:ext cx="5829300" cy="4244622"/>
+            <a:off x="1524000" y="1122363"/>
+            <a:ext cx="9144000" cy="2387600"/>
           </a:xfrm>
         </p:spPr>
         <p:txBody>
           <a:bodyPr anchor="b"/>
           <a:lstStyle>
             <a:lvl1pPr algn="ctr">
-              <a:defRPr sz="4500"/>
+              <a:defRPr sz="6000"/>
             </a:lvl1pPr>
           </a:lstStyle>
           <a:p>
@@ -521,8 +537,8 @@
         </p:nvSpPr>
         <p:spPr>
           <a:xfrm>
-            <a:off x="857250" y="6403623"/>
-            <a:ext cx="5143500" cy="2943577"/>
+            <a:off x="1524000" y="3602038"/>
+            <a:ext cx="9144000" cy="1655762"/>
           </a:xfrm>
         </p:spPr>
         <p:txBody>
@@ -530,39 +546,39 @@
           <a:lstStyle>
             <a:lvl1pPr marL="0" indent="0" algn="ctr">
               <a:buNone/>
+              <a:defRPr sz="2400"/>
+            </a:lvl1pPr>
+            <a:lvl2pPr marL="457200" indent="0" algn="ctr">
+              <a:buNone/>
+              <a:defRPr sz="2000"/>
+            </a:lvl2pPr>
+            <a:lvl3pPr marL="914400" indent="0" algn="ctr">
+              <a:buNone/>
               <a:defRPr sz="1800"/>
-            </a:lvl1pPr>
-            <a:lvl2pPr marL="342900" indent="0" algn="ctr">
+            </a:lvl3pPr>
+            <a:lvl4pPr marL="1371600" indent="0" algn="ctr">
               <a:buNone/>
-              <a:defRPr sz="1500"/>
-            </a:lvl2pPr>
-            <a:lvl3pPr marL="685800" indent="0" algn="ctr">
+              <a:defRPr sz="1600"/>
+            </a:lvl4pPr>
+            <a:lvl5pPr marL="1828800" indent="0" algn="ctr">
               <a:buNone/>
-              <a:defRPr sz="1350"/>
-            </a:lvl3pPr>
-            <a:lvl4pPr marL="1028700" indent="0" algn="ctr">
+              <a:defRPr sz="1600"/>
+            </a:lvl5pPr>
+            <a:lvl6pPr marL="2286000" indent="0" algn="ctr">
               <a:buNone/>
-              <a:defRPr sz="1200"/>
-            </a:lvl4pPr>
-            <a:lvl5pPr marL="1371600" indent="0" algn="ctr">
+              <a:defRPr sz="1600"/>
+            </a:lvl6pPr>
+            <a:lvl7pPr marL="2743200" indent="0" algn="ctr">
               <a:buNone/>
-              <a:defRPr sz="1200"/>
-            </a:lvl5pPr>
-            <a:lvl6pPr marL="1714500" indent="0" algn="ctr">
+              <a:defRPr sz="1600"/>
+            </a:lvl7pPr>
+            <a:lvl8pPr marL="3200400" indent="0" algn="ctr">
               <a:buNone/>
-              <a:defRPr sz="1200"/>
-            </a:lvl6pPr>
-            <a:lvl7pPr marL="2057400" indent="0" algn="ctr">
+              <a:defRPr sz="1600"/>
+            </a:lvl8pPr>
+            <a:lvl9pPr marL="3657600" indent="0" algn="ctr">
               <a:buNone/>
-              <a:defRPr sz="1200"/>
-            </a:lvl7pPr>
-            <a:lvl8pPr marL="2400300" indent="0" algn="ctr">
-              <a:buNone/>
-              <a:defRPr sz="1200"/>
-            </a:lvl8pPr>
-            <a:lvl9pPr marL="2743200" indent="0" algn="ctr">
-              <a:buNone/>
-              <a:defRPr sz="1200"/>
+              <a:defRPr sz="1600"/>
             </a:lvl9pPr>
           </a:lstStyle>
           <a:p>
@@ -591,7 +607,7 @@
           <a:p>
             <a:fld id="{5AE85F90-2EF6-4232-BC31-E6A325B723D3}" type="datetimeFigureOut">
               <a:rPr lang="ko-KR" altLang="en-US" smtClean="0"/>
-              <a:t>2021-10-29</a:t>
+              <a:t>2021-11-15</a:t>
             </a:fld>
             <a:endParaRPr lang="ko-KR" altLang="en-US"/>
           </a:p>
@@ -642,7 +658,7 @@
     </p:spTree>
     <p:extLst>
       <p:ext uri="{BB962C8B-B14F-4D97-AF65-F5344CB8AC3E}">
-        <p14:creationId xmlns:p14="http://schemas.microsoft.com/office/powerpoint/2010/main" val="2500985638"/>
+        <p14:creationId xmlns:p14="http://schemas.microsoft.com/office/powerpoint/2010/main" val="2586658477"/>
       </p:ext>
     </p:extLst>
   </p:cSld>
@@ -761,7 +777,7 @@
           <a:p>
             <a:fld id="{5AE85F90-2EF6-4232-BC31-E6A325B723D3}" type="datetimeFigureOut">
               <a:rPr lang="ko-KR" altLang="en-US" smtClean="0"/>
-              <a:t>2021-10-29</a:t>
+              <a:t>2021-11-15</a:t>
             </a:fld>
             <a:endParaRPr lang="ko-KR" altLang="en-US"/>
           </a:p>
@@ -812,7 +828,7 @@
     </p:spTree>
     <p:extLst>
       <p:ext uri="{BB962C8B-B14F-4D97-AF65-F5344CB8AC3E}">
-        <p14:creationId xmlns:p14="http://schemas.microsoft.com/office/powerpoint/2010/main" val="1227751830"/>
+        <p14:creationId xmlns:p14="http://schemas.microsoft.com/office/powerpoint/2010/main" val="643502712"/>
       </p:ext>
     </p:extLst>
   </p:cSld>
@@ -851,8 +867,8 @@
         </p:nvSpPr>
         <p:spPr>
           <a:xfrm>
-            <a:off x="4907757" y="649111"/>
-            <a:ext cx="1478756" cy="10332156"/>
+            <a:off x="8724900" y="365125"/>
+            <a:ext cx="2628900" cy="5811838"/>
           </a:xfrm>
         </p:spPr>
         <p:txBody>
@@ -879,8 +895,8 @@
         </p:nvSpPr>
         <p:spPr>
           <a:xfrm>
-            <a:off x="471488" y="649111"/>
-            <a:ext cx="4350544" cy="10332156"/>
+            <a:off x="838200" y="365125"/>
+            <a:ext cx="7734300" cy="5811838"/>
           </a:xfrm>
         </p:spPr>
         <p:txBody>
@@ -941,7 +957,7 @@
           <a:p>
             <a:fld id="{5AE85F90-2EF6-4232-BC31-E6A325B723D3}" type="datetimeFigureOut">
               <a:rPr lang="ko-KR" altLang="en-US" smtClean="0"/>
-              <a:t>2021-10-29</a:t>
+              <a:t>2021-11-15</a:t>
             </a:fld>
             <a:endParaRPr lang="ko-KR" altLang="en-US"/>
           </a:p>
@@ -992,7 +1008,7 @@
     </p:spTree>
     <p:extLst>
       <p:ext uri="{BB962C8B-B14F-4D97-AF65-F5344CB8AC3E}">
-        <p14:creationId xmlns:p14="http://schemas.microsoft.com/office/powerpoint/2010/main" val="2351876101"/>
+        <p14:creationId xmlns:p14="http://schemas.microsoft.com/office/powerpoint/2010/main" val="2324864992"/>
       </p:ext>
     </p:extLst>
   </p:cSld>
@@ -1111,7 +1127,7 @@
           <a:p>
             <a:fld id="{5AE85F90-2EF6-4232-BC31-E6A325B723D3}" type="datetimeFigureOut">
               <a:rPr lang="ko-KR" altLang="en-US" smtClean="0"/>
-              <a:t>2021-10-29</a:t>
+              <a:t>2021-11-15</a:t>
             </a:fld>
             <a:endParaRPr lang="ko-KR" altLang="en-US"/>
           </a:p>
@@ -1162,7 +1178,7 @@
     </p:spTree>
     <p:extLst>
       <p:ext uri="{BB962C8B-B14F-4D97-AF65-F5344CB8AC3E}">
-        <p14:creationId xmlns:p14="http://schemas.microsoft.com/office/powerpoint/2010/main" val="880819872"/>
+        <p14:creationId xmlns:p14="http://schemas.microsoft.com/office/powerpoint/2010/main" val="684281848"/>
       </p:ext>
     </p:extLst>
   </p:cSld>
@@ -1201,15 +1217,15 @@
         </p:nvSpPr>
         <p:spPr>
           <a:xfrm>
-            <a:off x="467916" y="3039537"/>
-            <a:ext cx="5915025" cy="5071532"/>
+            <a:off x="831850" y="1709738"/>
+            <a:ext cx="10515600" cy="2852737"/>
           </a:xfrm>
         </p:spPr>
         <p:txBody>
           <a:bodyPr anchor="b"/>
           <a:lstStyle>
             <a:lvl1pPr>
-              <a:defRPr sz="4500"/>
+              <a:defRPr sz="6000"/>
             </a:lvl1pPr>
           </a:lstStyle>
           <a:p>
@@ -1233,8 +1249,8 @@
         </p:nvSpPr>
         <p:spPr>
           <a:xfrm>
-            <a:off x="467916" y="8159048"/>
-            <a:ext cx="5915025" cy="2666999"/>
+            <a:off x="831850" y="4589463"/>
+            <a:ext cx="10515600" cy="1500187"/>
           </a:xfrm>
         </p:spPr>
         <p:txBody>
@@ -1242,91 +1258,93 @@
           <a:lstStyle>
             <a:lvl1pPr marL="0" indent="0">
               <a:buNone/>
-              <a:defRPr sz="1800">
-                <a:solidFill>
-                  <a:schemeClr val="tx1"/>
-                </a:solidFill>
-              </a:defRPr>
-            </a:lvl1pPr>
-            <a:lvl2pPr marL="342900" indent="0">
-              <a:buNone/>
-              <a:defRPr sz="1500">
+              <a:defRPr sz="2400">
                 <a:solidFill>
                   <a:schemeClr val="tx1">
                     <a:tint val="75000"/>
                   </a:schemeClr>
                 </a:solidFill>
               </a:defRPr>
-            </a:lvl2pPr>
-            <a:lvl3pPr marL="685800" indent="0">
+            </a:lvl1pPr>
+            <a:lvl2pPr marL="457200" indent="0">
               <a:buNone/>
-              <a:defRPr sz="1350">
+              <a:defRPr sz="2000">
                 <a:solidFill>
                   <a:schemeClr val="tx1">
                     <a:tint val="75000"/>
                   </a:schemeClr>
                 </a:solidFill>
               </a:defRPr>
-            </a:lvl3pPr>
-            <a:lvl4pPr marL="1028700" indent="0">
+            </a:lvl2pPr>
+            <a:lvl3pPr marL="914400" indent="0">
               <a:buNone/>
-              <a:defRPr sz="1200">
+              <a:defRPr sz="1800">
                 <a:solidFill>
                   <a:schemeClr val="tx1">
                     <a:tint val="75000"/>
                   </a:schemeClr>
                 </a:solidFill>
               </a:defRPr>
-            </a:lvl4pPr>
-            <a:lvl5pPr marL="1371600" indent="0">
+            </a:lvl3pPr>
+            <a:lvl4pPr marL="1371600" indent="0">
               <a:buNone/>
-              <a:defRPr sz="1200">
+              <a:defRPr sz="1600">
                 <a:solidFill>
                   <a:schemeClr val="tx1">
                     <a:tint val="75000"/>
                   </a:schemeClr>
                 </a:solidFill>
               </a:defRPr>
-            </a:lvl5pPr>
-            <a:lvl6pPr marL="1714500" indent="0">
+            </a:lvl4pPr>
+            <a:lvl5pPr marL="1828800" indent="0">
               <a:buNone/>
-              <a:defRPr sz="1200">
+              <a:defRPr sz="1600">
                 <a:solidFill>
                   <a:schemeClr val="tx1">
                     <a:tint val="75000"/>
                   </a:schemeClr>
                 </a:solidFill>
               </a:defRPr>
-            </a:lvl6pPr>
-            <a:lvl7pPr marL="2057400" indent="0">
+            </a:lvl5pPr>
+            <a:lvl6pPr marL="2286000" indent="0">
               <a:buNone/>
-              <a:defRPr sz="1200">
+              <a:defRPr sz="1600">
                 <a:solidFill>
                   <a:schemeClr val="tx1">
                     <a:tint val="75000"/>
                   </a:schemeClr>
                 </a:solidFill>
               </a:defRPr>
-            </a:lvl7pPr>
-            <a:lvl8pPr marL="2400300" indent="0">
+            </a:lvl6pPr>
+            <a:lvl7pPr marL="2743200" indent="0">
               <a:buNone/>
-              <a:defRPr sz="1200">
+              <a:defRPr sz="1600">
                 <a:solidFill>
                   <a:schemeClr val="tx1">
                     <a:tint val="75000"/>
                   </a:schemeClr>
                 </a:solidFill>
               </a:defRPr>
-            </a:lvl8pPr>
-            <a:lvl9pPr marL="2743200" indent="0">
+            </a:lvl7pPr>
+            <a:lvl8pPr marL="3200400" indent="0">
               <a:buNone/>
-              <a:defRPr sz="1200">
+              <a:defRPr sz="1600">
                 <a:solidFill>
                   <a:schemeClr val="tx1">
                     <a:tint val="75000"/>
                   </a:schemeClr>
                 </a:solidFill>
               </a:defRPr>
+            </a:lvl8pPr>
+            <a:lvl9pPr marL="3657600" indent="0">
+              <a:buNone/>
+              <a:defRPr sz="1600">
+                <a:solidFill>
+                  <a:schemeClr val="tx1">
+                    <a:tint val="75000"/>
+                  </a:schemeClr>
+                </a:solidFill>
+              </a:defRPr>
             </a:lvl9pPr>
           </a:lstStyle>
           <a:p>
@@ -1355,7 +1373,7 @@
           <a:p>
             <a:fld id="{5AE85F90-2EF6-4232-BC31-E6A325B723D3}" type="datetimeFigureOut">
               <a:rPr lang="ko-KR" altLang="en-US" smtClean="0"/>
-              <a:t>2021-10-29</a:t>
+              <a:t>2021-11-15</a:t>
             </a:fld>
             <a:endParaRPr lang="ko-KR" altLang="en-US"/>
           </a:p>
@@ -1406,7 +1424,7 @@
     </p:spTree>
     <p:extLst>
       <p:ext uri="{BB962C8B-B14F-4D97-AF65-F5344CB8AC3E}">
-        <p14:creationId xmlns:p14="http://schemas.microsoft.com/office/powerpoint/2010/main" val="2396902880"/>
+        <p14:creationId xmlns:p14="http://schemas.microsoft.com/office/powerpoint/2010/main" val="4239375829"/>
       </p:ext>
     </p:extLst>
   </p:cSld>
@@ -1468,8 +1486,8 @@
         </p:nvSpPr>
         <p:spPr>
           <a:xfrm>
-            <a:off x="471488" y="3245556"/>
-            <a:ext cx="2914650" cy="7735712"/>
+            <a:off x="838200" y="1825625"/>
+            <a:ext cx="5181600" cy="4351338"/>
           </a:xfrm>
         </p:spPr>
         <p:txBody>
@@ -1525,8 +1543,8 @@
         </p:nvSpPr>
         <p:spPr>
           <a:xfrm>
-            <a:off x="3471863" y="3245556"/>
-            <a:ext cx="2914650" cy="7735712"/>
+            <a:off x="6172200" y="1825625"/>
+            <a:ext cx="5181600" cy="4351338"/>
           </a:xfrm>
         </p:spPr>
         <p:txBody>
@@ -1587,7 +1605,7 @@
           <a:p>
             <a:fld id="{5AE85F90-2EF6-4232-BC31-E6A325B723D3}" type="datetimeFigureOut">
               <a:rPr lang="ko-KR" altLang="en-US" smtClean="0"/>
-              <a:t>2021-10-29</a:t>
+              <a:t>2021-11-15</a:t>
             </a:fld>
             <a:endParaRPr lang="ko-KR" altLang="en-US"/>
           </a:p>
@@ -1638,7 +1656,7 @@
     </p:spTree>
     <p:extLst>
       <p:ext uri="{BB962C8B-B14F-4D97-AF65-F5344CB8AC3E}">
-        <p14:creationId xmlns:p14="http://schemas.microsoft.com/office/powerpoint/2010/main" val="4287039965"/>
+        <p14:creationId xmlns:p14="http://schemas.microsoft.com/office/powerpoint/2010/main" val="3678009507"/>
       </p:ext>
     </p:extLst>
   </p:cSld>
@@ -1677,8 +1695,8 @@
         </p:nvSpPr>
         <p:spPr>
           <a:xfrm>
-            <a:off x="472381" y="649114"/>
-            <a:ext cx="5915025" cy="2356556"/>
+            <a:off x="839788" y="365125"/>
+            <a:ext cx="10515600" cy="1325563"/>
           </a:xfrm>
         </p:spPr>
         <p:txBody>
@@ -1705,8 +1723,8 @@
         </p:nvSpPr>
         <p:spPr>
           <a:xfrm>
-            <a:off x="472381" y="2988734"/>
-            <a:ext cx="2901255" cy="1464732"/>
+            <a:off x="839788" y="1681163"/>
+            <a:ext cx="5157787" cy="823912"/>
           </a:xfrm>
         </p:spPr>
         <p:txBody>
@@ -1714,39 +1732,39 @@
           <a:lstStyle>
             <a:lvl1pPr marL="0" indent="0">
               <a:buNone/>
+              <a:defRPr sz="2400" b="1"/>
+            </a:lvl1pPr>
+            <a:lvl2pPr marL="457200" indent="0">
+              <a:buNone/>
+              <a:defRPr sz="2000" b="1"/>
+            </a:lvl2pPr>
+            <a:lvl3pPr marL="914400" indent="0">
+              <a:buNone/>
               <a:defRPr sz="1800" b="1"/>
-            </a:lvl1pPr>
-            <a:lvl2pPr marL="342900" indent="0">
+            </a:lvl3pPr>
+            <a:lvl4pPr marL="1371600" indent="0">
               <a:buNone/>
-              <a:defRPr sz="1500" b="1"/>
-            </a:lvl2pPr>
-            <a:lvl3pPr marL="685800" indent="0">
+              <a:defRPr sz="1600" b="1"/>
+            </a:lvl4pPr>
+            <a:lvl5pPr marL="1828800" indent="0">
               <a:buNone/>
-              <a:defRPr sz="1350" b="1"/>
-            </a:lvl3pPr>
-            <a:lvl4pPr marL="1028700" indent="0">
+              <a:defRPr sz="1600" b="1"/>
+            </a:lvl5pPr>
+            <a:lvl6pPr marL="2286000" indent="0">
               <a:buNone/>
-              <a:defRPr sz="1200" b="1"/>
-            </a:lvl4pPr>
-            <a:lvl5pPr marL="1371600" indent="0">
+              <a:defRPr sz="1600" b="1"/>
+            </a:lvl6pPr>
+            <a:lvl7pPr marL="2743200" indent="0">
               <a:buNone/>
-              <a:defRPr sz="1200" b="1"/>
-            </a:lvl5pPr>
-            <a:lvl6pPr marL="1714500" indent="0">
+              <a:defRPr sz="1600" b="1"/>
+            </a:lvl7pPr>
+            <a:lvl8pPr marL="3200400" indent="0">
               <a:buNone/>
-              <a:defRPr sz="1200" b="1"/>
-            </a:lvl6pPr>
-            <a:lvl7pPr marL="2057400" indent="0">
+              <a:defRPr sz="1600" b="1"/>
+            </a:lvl8pPr>
+            <a:lvl9pPr marL="3657600" indent="0">
               <a:buNone/>
-              <a:defRPr sz="1200" b="1"/>
-            </a:lvl7pPr>
-            <a:lvl8pPr marL="2400300" indent="0">
-              <a:buNone/>
-              <a:defRPr sz="1200" b="1"/>
-            </a:lvl8pPr>
-            <a:lvl9pPr marL="2743200" indent="0">
-              <a:buNone/>
-              <a:defRPr sz="1200" b="1"/>
+              <a:defRPr sz="1600" b="1"/>
             </a:lvl9pPr>
           </a:lstStyle>
           <a:p>
@@ -1770,8 +1788,8 @@
         </p:nvSpPr>
         <p:spPr>
           <a:xfrm>
-            <a:off x="472381" y="4453467"/>
-            <a:ext cx="2901255" cy="6550379"/>
+            <a:off x="839788" y="2505075"/>
+            <a:ext cx="5157787" cy="3684588"/>
           </a:xfrm>
         </p:spPr>
         <p:txBody>
@@ -1827,8 +1845,8 @@
         </p:nvSpPr>
         <p:spPr>
           <a:xfrm>
-            <a:off x="3471863" y="2988734"/>
-            <a:ext cx="2915543" cy="1464732"/>
+            <a:off x="6172200" y="1681163"/>
+            <a:ext cx="5183188" cy="823912"/>
           </a:xfrm>
         </p:spPr>
         <p:txBody>
@@ -1836,39 +1854,39 @@
           <a:lstStyle>
             <a:lvl1pPr marL="0" indent="0">
               <a:buNone/>
+              <a:defRPr sz="2400" b="1"/>
+            </a:lvl1pPr>
+            <a:lvl2pPr marL="457200" indent="0">
+              <a:buNone/>
+              <a:defRPr sz="2000" b="1"/>
+            </a:lvl2pPr>
+            <a:lvl3pPr marL="914400" indent="0">
+              <a:buNone/>
               <a:defRPr sz="1800" b="1"/>
-            </a:lvl1pPr>
-            <a:lvl2pPr marL="342900" indent="0">
+            </a:lvl3pPr>
+            <a:lvl4pPr marL="1371600" indent="0">
               <a:buNone/>
-              <a:defRPr sz="1500" b="1"/>
-            </a:lvl2pPr>
-            <a:lvl3pPr marL="685800" indent="0">
+              <a:defRPr sz="1600" b="1"/>
+            </a:lvl4pPr>
+            <a:lvl5pPr marL="1828800" indent="0">
               <a:buNone/>
-              <a:defRPr sz="1350" b="1"/>
-            </a:lvl3pPr>
-            <a:lvl4pPr marL="1028700" indent="0">
+              <a:defRPr sz="1600" b="1"/>
+            </a:lvl5pPr>
+            <a:lvl6pPr marL="2286000" indent="0">
               <a:buNone/>
-              <a:defRPr sz="1200" b="1"/>
-            </a:lvl4pPr>
-            <a:lvl5pPr marL="1371600" indent="0">
+              <a:defRPr sz="1600" b="1"/>
+            </a:lvl6pPr>
+            <a:lvl7pPr marL="2743200" indent="0">
               <a:buNone/>
-              <a:defRPr sz="1200" b="1"/>
-            </a:lvl5pPr>
-            <a:lvl6pPr marL="1714500" indent="0">
+              <a:defRPr sz="1600" b="1"/>
+            </a:lvl7pPr>
+            <a:lvl8pPr marL="3200400" indent="0">
               <a:buNone/>
-              <a:defRPr sz="1200" b="1"/>
-            </a:lvl6pPr>
-            <a:lvl7pPr marL="2057400" indent="0">
+              <a:defRPr sz="1600" b="1"/>
+            </a:lvl8pPr>
+            <a:lvl9pPr marL="3657600" indent="0">
               <a:buNone/>
-              <a:defRPr sz="1200" b="1"/>
-            </a:lvl7pPr>
-            <a:lvl8pPr marL="2400300" indent="0">
-              <a:buNone/>
-              <a:defRPr sz="1200" b="1"/>
-            </a:lvl8pPr>
-            <a:lvl9pPr marL="2743200" indent="0">
-              <a:buNone/>
-              <a:defRPr sz="1200" b="1"/>
+              <a:defRPr sz="1600" b="1"/>
             </a:lvl9pPr>
           </a:lstStyle>
           <a:p>
@@ -1892,8 +1910,8 @@
         </p:nvSpPr>
         <p:spPr>
           <a:xfrm>
-            <a:off x="3471863" y="4453467"/>
-            <a:ext cx="2915543" cy="6550379"/>
+            <a:off x="6172200" y="2505075"/>
+            <a:ext cx="5183188" cy="3684588"/>
           </a:xfrm>
         </p:spPr>
         <p:txBody>
@@ -1954,7 +1972,7 @@
           <a:p>
             <a:fld id="{5AE85F90-2EF6-4232-BC31-E6A325B723D3}" type="datetimeFigureOut">
               <a:rPr lang="ko-KR" altLang="en-US" smtClean="0"/>
-              <a:t>2021-10-29</a:t>
+              <a:t>2021-11-15</a:t>
             </a:fld>
             <a:endParaRPr lang="ko-KR" altLang="en-US"/>
           </a:p>
@@ -2005,7 +2023,7 @@
     </p:spTree>
     <p:extLst>
       <p:ext uri="{BB962C8B-B14F-4D97-AF65-F5344CB8AC3E}">
-        <p14:creationId xmlns:p14="http://schemas.microsoft.com/office/powerpoint/2010/main" val="996522116"/>
+        <p14:creationId xmlns:p14="http://schemas.microsoft.com/office/powerpoint/2010/main" val="268342061"/>
       </p:ext>
     </p:extLst>
   </p:cSld>
@@ -2072,7 +2090,7 @@
           <a:p>
             <a:fld id="{5AE85F90-2EF6-4232-BC31-E6A325B723D3}" type="datetimeFigureOut">
               <a:rPr lang="ko-KR" altLang="en-US" smtClean="0"/>
-              <a:t>2021-10-29</a:t>
+              <a:t>2021-11-15</a:t>
             </a:fld>
             <a:endParaRPr lang="ko-KR" altLang="en-US"/>
           </a:p>
@@ -2123,7 +2141,7 @@
     </p:spTree>
     <p:extLst>
       <p:ext uri="{BB962C8B-B14F-4D97-AF65-F5344CB8AC3E}">
-        <p14:creationId xmlns:p14="http://schemas.microsoft.com/office/powerpoint/2010/main" val="589785893"/>
+        <p14:creationId xmlns:p14="http://schemas.microsoft.com/office/powerpoint/2010/main" val="3792122024"/>
       </p:ext>
     </p:extLst>
   </p:cSld>
@@ -2167,7 +2185,7 @@
           <a:p>
             <a:fld id="{5AE85F90-2EF6-4232-BC31-E6A325B723D3}" type="datetimeFigureOut">
               <a:rPr lang="ko-KR" altLang="en-US" smtClean="0"/>
-              <a:t>2021-10-29</a:t>
+              <a:t>2021-11-15</a:t>
             </a:fld>
             <a:endParaRPr lang="ko-KR" altLang="en-US"/>
           </a:p>
@@ -2218,7 +2236,7 @@
     </p:spTree>
     <p:extLst>
       <p:ext uri="{BB962C8B-B14F-4D97-AF65-F5344CB8AC3E}">
-        <p14:creationId xmlns:p14="http://schemas.microsoft.com/office/powerpoint/2010/main" val="2064272708"/>
+        <p14:creationId xmlns:p14="http://schemas.microsoft.com/office/powerpoint/2010/main" val="2381684891"/>
       </p:ext>
     </p:extLst>
   </p:cSld>
@@ -2257,15 +2275,15 @@
         </p:nvSpPr>
         <p:spPr>
           <a:xfrm>
-            <a:off x="472381" y="812800"/>
-            <a:ext cx="2211884" cy="2844800"/>
+            <a:off x="839788" y="457200"/>
+            <a:ext cx="3932237" cy="1600200"/>
           </a:xfrm>
         </p:spPr>
         <p:txBody>
           <a:bodyPr anchor="b"/>
           <a:lstStyle>
             <a:lvl1pPr>
-              <a:defRPr sz="2400"/>
+              <a:defRPr sz="3200"/>
             </a:lvl1pPr>
           </a:lstStyle>
           <a:p>
@@ -2289,39 +2307,39 @@
         </p:nvSpPr>
         <p:spPr>
           <a:xfrm>
-            <a:off x="2915543" y="1755425"/>
-            <a:ext cx="3471863" cy="8664222"/>
+            <a:off x="5183188" y="987425"/>
+            <a:ext cx="6172200" cy="4873625"/>
           </a:xfrm>
         </p:spPr>
         <p:txBody>
           <a:bodyPr/>
           <a:lstStyle>
             <a:lvl1pPr>
-              <a:defRPr sz="2400"/>
+              <a:defRPr sz="3200"/>
             </a:lvl1pPr>
             <a:lvl2pPr>
-              <a:defRPr sz="2100"/>
+              <a:defRPr sz="2800"/>
             </a:lvl2pPr>
             <a:lvl3pPr>
-              <a:defRPr sz="1800"/>
+              <a:defRPr sz="2400"/>
             </a:lvl3pPr>
             <a:lvl4pPr>
-              <a:defRPr sz="1500"/>
+              <a:defRPr sz="2000"/>
             </a:lvl4pPr>
             <a:lvl5pPr>
-              <a:defRPr sz="1500"/>
+              <a:defRPr sz="2000"/>
             </a:lvl5pPr>
             <a:lvl6pPr>
-              <a:defRPr sz="1500"/>
+              <a:defRPr sz="2000"/>
             </a:lvl6pPr>
             <a:lvl7pPr>
-              <a:defRPr sz="1500"/>
+              <a:defRPr sz="2000"/>
             </a:lvl7pPr>
             <a:lvl8pPr>
-              <a:defRPr sz="1500"/>
+              <a:defRPr sz="2000"/>
             </a:lvl8pPr>
             <a:lvl9pPr>
-              <a:defRPr sz="1500"/>
+              <a:defRPr sz="2000"/>
             </a:lvl9pPr>
           </a:lstStyle>
           <a:p>
@@ -2374,8 +2392,8 @@
         </p:nvSpPr>
         <p:spPr>
           <a:xfrm>
-            <a:off x="472381" y="3657600"/>
-            <a:ext cx="2211884" cy="6776156"/>
+            <a:off x="839788" y="2057400"/>
+            <a:ext cx="3932237" cy="3811588"/>
           </a:xfrm>
         </p:spPr>
         <p:txBody>
@@ -2383,39 +2401,39 @@
           <a:lstStyle>
             <a:lvl1pPr marL="0" indent="0">
               <a:buNone/>
+              <a:defRPr sz="1600"/>
+            </a:lvl1pPr>
+            <a:lvl2pPr marL="457200" indent="0">
+              <a:buNone/>
+              <a:defRPr sz="1400"/>
+            </a:lvl2pPr>
+            <a:lvl3pPr marL="914400" indent="0">
+              <a:buNone/>
               <a:defRPr sz="1200"/>
-            </a:lvl1pPr>
-            <a:lvl2pPr marL="342900" indent="0">
+            </a:lvl3pPr>
+            <a:lvl4pPr marL="1371600" indent="0">
               <a:buNone/>
-              <a:defRPr sz="1050"/>
-            </a:lvl2pPr>
-            <a:lvl3pPr marL="685800" indent="0">
+              <a:defRPr sz="1000"/>
+            </a:lvl4pPr>
+            <a:lvl5pPr marL="1828800" indent="0">
               <a:buNone/>
-              <a:defRPr sz="900"/>
-            </a:lvl3pPr>
-            <a:lvl4pPr marL="1028700" indent="0">
+              <a:defRPr sz="1000"/>
+            </a:lvl5pPr>
+            <a:lvl6pPr marL="2286000" indent="0">
               <a:buNone/>
-              <a:defRPr sz="750"/>
-            </a:lvl4pPr>
-            <a:lvl5pPr marL="1371600" indent="0">
+              <a:defRPr sz="1000"/>
+            </a:lvl6pPr>
+            <a:lvl7pPr marL="2743200" indent="0">
               <a:buNone/>
-              <a:defRPr sz="750"/>
-            </a:lvl5pPr>
-            <a:lvl6pPr marL="1714500" indent="0">
+              <a:defRPr sz="1000"/>
+            </a:lvl7pPr>
+            <a:lvl8pPr marL="3200400" indent="0">
               <a:buNone/>
-              <a:defRPr sz="750"/>
-            </a:lvl6pPr>
-            <a:lvl7pPr marL="2057400" indent="0">
+              <a:defRPr sz="1000"/>
+            </a:lvl8pPr>
+            <a:lvl9pPr marL="3657600" indent="0">
               <a:buNone/>
-              <a:defRPr sz="750"/>
-            </a:lvl7pPr>
-            <a:lvl8pPr marL="2400300" indent="0">
-              <a:buNone/>
-              <a:defRPr sz="750"/>
-            </a:lvl8pPr>
-            <a:lvl9pPr marL="2743200" indent="0">
-              <a:buNone/>
-              <a:defRPr sz="750"/>
+              <a:defRPr sz="1000"/>
             </a:lvl9pPr>
           </a:lstStyle>
           <a:p>
@@ -2444,7 +2462,7 @@
           <a:p>
             <a:fld id="{5AE85F90-2EF6-4232-BC31-E6A325B723D3}" type="datetimeFigureOut">
               <a:rPr lang="ko-KR" altLang="en-US" smtClean="0"/>
-              <a:t>2021-10-29</a:t>
+              <a:t>2021-11-15</a:t>
             </a:fld>
             <a:endParaRPr lang="ko-KR" altLang="en-US"/>
           </a:p>
@@ -2495,7 +2513,7 @@
     </p:spTree>
     <p:extLst>
       <p:ext uri="{BB962C8B-B14F-4D97-AF65-F5344CB8AC3E}">
-        <p14:creationId xmlns:p14="http://schemas.microsoft.com/office/powerpoint/2010/main" val="1888859367"/>
+        <p14:creationId xmlns:p14="http://schemas.microsoft.com/office/powerpoint/2010/main" val="491196279"/>
       </p:ext>
     </p:extLst>
   </p:cSld>
@@ -2534,15 +2552,15 @@
         </p:nvSpPr>
         <p:spPr>
           <a:xfrm>
-            <a:off x="472381" y="812800"/>
-            <a:ext cx="2211884" cy="2844800"/>
+            <a:off x="839788" y="457200"/>
+            <a:ext cx="3932237" cy="1600200"/>
           </a:xfrm>
         </p:spPr>
         <p:txBody>
           <a:bodyPr anchor="b"/>
           <a:lstStyle>
             <a:lvl1pPr>
-              <a:defRPr sz="2400"/>
+              <a:defRPr sz="3200"/>
             </a:lvl1pPr>
           </a:lstStyle>
           <a:p>
@@ -2566,8 +2584,8 @@
         </p:nvSpPr>
         <p:spPr>
           <a:xfrm>
-            <a:off x="2915543" y="1755425"/>
-            <a:ext cx="3471863" cy="8664222"/>
+            <a:off x="5183188" y="987425"/>
+            <a:ext cx="6172200" cy="4873625"/>
           </a:xfrm>
         </p:spPr>
         <p:txBody>
@@ -2575,39 +2593,39 @@
           <a:lstStyle>
             <a:lvl1pPr marL="0" indent="0">
               <a:buNone/>
+              <a:defRPr sz="3200"/>
+            </a:lvl1pPr>
+            <a:lvl2pPr marL="457200" indent="0">
+              <a:buNone/>
+              <a:defRPr sz="2800"/>
+            </a:lvl2pPr>
+            <a:lvl3pPr marL="914400" indent="0">
+              <a:buNone/>
               <a:defRPr sz="2400"/>
-            </a:lvl1pPr>
-            <a:lvl2pPr marL="342900" indent="0">
+            </a:lvl3pPr>
+            <a:lvl4pPr marL="1371600" indent="0">
               <a:buNone/>
-              <a:defRPr sz="2100"/>
-            </a:lvl2pPr>
-            <a:lvl3pPr marL="685800" indent="0">
+              <a:defRPr sz="2000"/>
+            </a:lvl4pPr>
+            <a:lvl5pPr marL="1828800" indent="0">
               <a:buNone/>
-              <a:defRPr sz="1800"/>
-            </a:lvl3pPr>
-            <a:lvl4pPr marL="1028700" indent="0">
+              <a:defRPr sz="2000"/>
+            </a:lvl5pPr>
+            <a:lvl6pPr marL="2286000" indent="0">
               <a:buNone/>
-              <a:defRPr sz="1500"/>
-            </a:lvl4pPr>
-            <a:lvl5pPr marL="1371600" indent="0">
+              <a:defRPr sz="2000"/>
+            </a:lvl6pPr>
+            <a:lvl7pPr marL="2743200" indent="0">
               <a:buNone/>
-              <a:defRPr sz="1500"/>
-            </a:lvl5pPr>
-            <a:lvl6pPr marL="1714500" indent="0">
+              <a:defRPr sz="2000"/>
+            </a:lvl7pPr>
+            <a:lvl8pPr marL="3200400" indent="0">
               <a:buNone/>
-              <a:defRPr sz="1500"/>
-            </a:lvl6pPr>
-            <a:lvl7pPr marL="2057400" indent="0">
+              <a:defRPr sz="2000"/>
+            </a:lvl8pPr>
+            <a:lvl9pPr marL="3657600" indent="0">
               <a:buNone/>
-              <a:defRPr sz="1500"/>
-            </a:lvl7pPr>
-            <a:lvl8pPr marL="2400300" indent="0">
-              <a:buNone/>
-              <a:defRPr sz="1500"/>
-            </a:lvl8pPr>
-            <a:lvl9pPr marL="2743200" indent="0">
-              <a:buNone/>
-              <a:defRPr sz="1500"/>
+              <a:defRPr sz="2000"/>
             </a:lvl9pPr>
           </a:lstStyle>
           <a:p>
@@ -2631,8 +2649,8 @@
         </p:nvSpPr>
         <p:spPr>
           <a:xfrm>
-            <a:off x="472381" y="3657600"/>
-            <a:ext cx="2211884" cy="6776156"/>
+            <a:off x="839788" y="2057400"/>
+            <a:ext cx="3932237" cy="3811588"/>
           </a:xfrm>
         </p:spPr>
         <p:txBody>
@@ -2640,39 +2658,39 @@
           <a:lstStyle>
             <a:lvl1pPr marL="0" indent="0">
               <a:buNone/>
+              <a:defRPr sz="1600"/>
+            </a:lvl1pPr>
+            <a:lvl2pPr marL="457200" indent="0">
+              <a:buNone/>
+              <a:defRPr sz="1400"/>
+            </a:lvl2pPr>
+            <a:lvl3pPr marL="914400" indent="0">
+              <a:buNone/>
               <a:defRPr sz="1200"/>
-            </a:lvl1pPr>
-            <a:lvl2pPr marL="342900" indent="0">
+            </a:lvl3pPr>
+            <a:lvl4pPr marL="1371600" indent="0">
               <a:buNone/>
-              <a:defRPr sz="1050"/>
-            </a:lvl2pPr>
-            <a:lvl3pPr marL="685800" indent="0">
+              <a:defRPr sz="1000"/>
+            </a:lvl4pPr>
+            <a:lvl5pPr marL="1828800" indent="0">
               <a:buNone/>
-              <a:defRPr sz="900"/>
-            </a:lvl3pPr>
-            <a:lvl4pPr marL="1028700" indent="0">
+              <a:defRPr sz="1000"/>
+            </a:lvl5pPr>
+            <a:lvl6pPr marL="2286000" indent="0">
               <a:buNone/>
-              <a:defRPr sz="750"/>
-            </a:lvl4pPr>
-            <a:lvl5pPr marL="1371600" indent="0">
+              <a:defRPr sz="1000"/>
+            </a:lvl6pPr>
+            <a:lvl7pPr marL="2743200" indent="0">
               <a:buNone/>
-              <a:defRPr sz="750"/>
-            </a:lvl5pPr>
-            <a:lvl6pPr marL="1714500" indent="0">
+              <a:defRPr sz="1000"/>
+            </a:lvl7pPr>
+            <a:lvl8pPr marL="3200400" indent="0">
               <a:buNone/>
-              <a:defRPr sz="750"/>
-            </a:lvl6pPr>
-            <a:lvl7pPr marL="2057400" indent="0">
+              <a:defRPr sz="1000"/>
+            </a:lvl8pPr>
+            <a:lvl9pPr marL="3657600" indent="0">
               <a:buNone/>
-              <a:defRPr sz="750"/>
-            </a:lvl7pPr>
-            <a:lvl8pPr marL="2400300" indent="0">
-              <a:buNone/>
-              <a:defRPr sz="750"/>
-            </a:lvl8pPr>
-            <a:lvl9pPr marL="2743200" indent="0">
-              <a:buNone/>
-              <a:defRPr sz="750"/>
+              <a:defRPr sz="1000"/>
             </a:lvl9pPr>
           </a:lstStyle>
           <a:p>
@@ -2701,7 +2719,7 @@
           <a:p>
             <a:fld id="{5AE85F90-2EF6-4232-BC31-E6A325B723D3}" type="datetimeFigureOut">
               <a:rPr lang="ko-KR" altLang="en-US" smtClean="0"/>
-              <a:t>2021-10-29</a:t>
+              <a:t>2021-11-15</a:t>
             </a:fld>
             <a:endParaRPr lang="ko-KR" altLang="en-US"/>
           </a:p>
@@ -2752,7 +2770,7 @@
     </p:spTree>
     <p:extLst>
       <p:ext uri="{BB962C8B-B14F-4D97-AF65-F5344CB8AC3E}">
-        <p14:creationId xmlns:p14="http://schemas.microsoft.com/office/powerpoint/2010/main" val="2176585845"/>
+        <p14:creationId xmlns:p14="http://schemas.microsoft.com/office/powerpoint/2010/main" val="3928963528"/>
       </p:ext>
     </p:extLst>
   </p:cSld>
@@ -2796,8 +2814,8 @@
         </p:nvSpPr>
         <p:spPr>
           <a:xfrm>
-            <a:off x="471488" y="649114"/>
-            <a:ext cx="5915025" cy="2356556"/>
+            <a:off x="838200" y="365125"/>
+            <a:ext cx="10515600" cy="1325563"/>
           </a:xfrm>
           <a:prstGeom prst="rect">
             <a:avLst/>
@@ -2829,8 +2847,8 @@
         </p:nvSpPr>
         <p:spPr>
           <a:xfrm>
-            <a:off x="471488" y="3245556"/>
-            <a:ext cx="5915025" cy="7735712"/>
+            <a:off x="838200" y="1825625"/>
+            <a:ext cx="10515600" cy="4351338"/>
           </a:xfrm>
           <a:prstGeom prst="rect">
             <a:avLst/>
@@ -2891,8 +2909,8 @@
         </p:nvSpPr>
         <p:spPr>
           <a:xfrm>
-            <a:off x="471488" y="11300181"/>
-            <a:ext cx="1543050" cy="649111"/>
+            <a:off x="838200" y="6356350"/>
+            <a:ext cx="2743200" cy="365125"/>
           </a:xfrm>
           <a:prstGeom prst="rect">
             <a:avLst/>
@@ -2902,7 +2920,7 @@
           <a:bodyPr vert="horz" lIns="91440" tIns="45720" rIns="91440" bIns="45720" rtlCol="0" anchor="ctr"/>
           <a:lstStyle>
             <a:lvl1pPr algn="l">
-              <a:defRPr sz="900">
+              <a:defRPr sz="1200">
                 <a:solidFill>
                   <a:schemeClr val="tx1">
                     <a:tint val="75000"/>
@@ -2914,7 +2932,7 @@
           <a:p>
             <a:fld id="{5AE85F90-2EF6-4232-BC31-E6A325B723D3}" type="datetimeFigureOut">
               <a:rPr lang="ko-KR" altLang="en-US" smtClean="0"/>
-              <a:t>2021-10-29</a:t>
+              <a:t>2021-11-15</a:t>
             </a:fld>
             <a:endParaRPr lang="ko-KR" altLang="en-US"/>
           </a:p>
@@ -2932,8 +2950,8 @@
         </p:nvSpPr>
         <p:spPr>
           <a:xfrm>
-            <a:off x="2271713" y="11300181"/>
-            <a:ext cx="2314575" cy="649111"/>
+            <a:off x="4038600" y="6356350"/>
+            <a:ext cx="4114800" cy="365125"/>
           </a:xfrm>
           <a:prstGeom prst="rect">
             <a:avLst/>
@@ -2943,7 +2961,7 @@
           <a:bodyPr vert="horz" lIns="91440" tIns="45720" rIns="91440" bIns="45720" rtlCol="0" anchor="ctr"/>
           <a:lstStyle>
             <a:lvl1pPr algn="ctr">
-              <a:defRPr sz="900">
+              <a:defRPr sz="1200">
                 <a:solidFill>
                   <a:schemeClr val="tx1">
                     <a:tint val="75000"/>
@@ -2969,8 +2987,8 @@
         </p:nvSpPr>
         <p:spPr>
           <a:xfrm>
-            <a:off x="4843463" y="11300181"/>
-            <a:ext cx="1543050" cy="649111"/>
+            <a:off x="8610600" y="6356350"/>
+            <a:ext cx="2743200" cy="365125"/>
           </a:xfrm>
           <a:prstGeom prst="rect">
             <a:avLst/>
@@ -2980,7 +2998,7 @@
           <a:bodyPr vert="horz" lIns="91440" tIns="45720" rIns="91440" bIns="45720" rtlCol="0" anchor="ctr"/>
           <a:lstStyle>
             <a:lvl1pPr algn="r">
-              <a:defRPr sz="900">
+              <a:defRPr sz="1200">
                 <a:solidFill>
                   <a:schemeClr val="tx1">
                     <a:tint val="75000"/>
@@ -3001,27 +3019,27 @@
     </p:spTree>
     <p:extLst>
       <p:ext uri="{BB962C8B-B14F-4D97-AF65-F5344CB8AC3E}">
-        <p14:creationId xmlns:p14="http://schemas.microsoft.com/office/powerpoint/2010/main" val="1497492756"/>
+        <p14:creationId xmlns:p14="http://schemas.microsoft.com/office/powerpoint/2010/main" val="2847077796"/>
       </p:ext>
     </p:extLst>
   </p:cSld>
   <p:clrMap bg1="lt1" tx1="dk1" bg2="lt2" tx2="dk2" accent1="accent1" accent2="accent2" accent3="accent3" accent4="accent4" accent5="accent5" accent6="accent6" hlink="hlink" folHlink="folHlink"/>
   <p:sldLayoutIdLst>
-    <p:sldLayoutId id="2147483685" r:id="rId1"/>
-    <p:sldLayoutId id="2147483686" r:id="rId2"/>
-    <p:sldLayoutId id="2147483687" r:id="rId3"/>
-    <p:sldLayoutId id="2147483688" r:id="rId4"/>
-    <p:sldLayoutId id="2147483689" r:id="rId5"/>
-    <p:sldLayoutId id="2147483690" r:id="rId6"/>
-    <p:sldLayoutId id="2147483691" r:id="rId7"/>
-    <p:sldLayoutId id="2147483692" r:id="rId8"/>
-    <p:sldLayoutId id="2147483693" r:id="rId9"/>
-    <p:sldLayoutId id="2147483694" r:id="rId10"/>
-    <p:sldLayoutId id="2147483695" r:id="rId11"/>
+    <p:sldLayoutId id="2147483721" r:id="rId1"/>
+    <p:sldLayoutId id="2147483722" r:id="rId2"/>
+    <p:sldLayoutId id="2147483723" r:id="rId3"/>
+    <p:sldLayoutId id="2147483724" r:id="rId4"/>
+    <p:sldLayoutId id="2147483725" r:id="rId5"/>
+    <p:sldLayoutId id="2147483726" r:id="rId6"/>
+    <p:sldLayoutId id="2147483727" r:id="rId7"/>
+    <p:sldLayoutId id="2147483728" r:id="rId8"/>
+    <p:sldLayoutId id="2147483729" r:id="rId9"/>
+    <p:sldLayoutId id="2147483730" r:id="rId10"/>
+    <p:sldLayoutId id="2147483731" r:id="rId11"/>
   </p:sldLayoutIdLst>
   <p:txStyles>
     <p:titleStyle>
-      <a:lvl1pPr algn="l" defTabSz="685800" rtl="0" eaLnBrk="1" latinLnBrk="1" hangingPunct="1">
+      <a:lvl1pPr algn="l" defTabSz="914400" rtl="0" eaLnBrk="1" latinLnBrk="1" hangingPunct="1">
         <a:lnSpc>
           <a:spcPct val="90000"/>
         </a:lnSpc>
@@ -3029,7 +3047,7 @@
           <a:spcPct val="0"/>
         </a:spcBef>
         <a:buNone/>
-        <a:defRPr sz="3300" kern="1200">
+        <a:defRPr sz="4400" kern="1200">
           <a:solidFill>
             <a:schemeClr val="tx1"/>
           </a:solidFill>
@@ -3040,16 +3058,16 @@
       </a:lvl1pPr>
     </p:titleStyle>
     <p:bodyStyle>
-      <a:lvl1pPr marL="171450" indent="-171450" algn="l" defTabSz="685800" rtl="0" eaLnBrk="1" latinLnBrk="1" hangingPunct="1">
+      <a:lvl1pPr marL="228600" indent="-228600" algn="l" defTabSz="914400" rtl="0" eaLnBrk="1" latinLnBrk="1" hangingPunct="1">
         <a:lnSpc>
           <a:spcPct val="90000"/>
         </a:lnSpc>
         <a:spcBef>
-          <a:spcPts val="750"/>
+          <a:spcPts val="1000"/>
         </a:spcBef>
         <a:buFont typeface="Arial" panose="020B0604020202020204" pitchFamily="34" charset="0"/>
         <a:buChar char="•"/>
-        <a:defRPr sz="2100" kern="1200">
+        <a:defRPr sz="2800" kern="1200">
           <a:solidFill>
             <a:schemeClr val="tx1"/>
           </a:solidFill>
@@ -3058,12 +3076,48 @@
           <a:cs typeface="+mn-cs"/>
         </a:defRPr>
       </a:lvl1pPr>
-      <a:lvl2pPr marL="514350" indent="-171450" algn="l" defTabSz="685800" rtl="0" eaLnBrk="1" latinLnBrk="1" hangingPunct="1">
+      <a:lvl2pPr marL="685800" indent="-228600" algn="l" defTabSz="914400" rtl="0" eaLnBrk="1" latinLnBrk="1" hangingPunct="1">
         <a:lnSpc>
           <a:spcPct val="90000"/>
         </a:lnSpc>
         <a:spcBef>
-          <a:spcPts val="375"/>
+          <a:spcPts val="500"/>
+        </a:spcBef>
+        <a:buFont typeface="Arial" panose="020B0604020202020204" pitchFamily="34" charset="0"/>
+        <a:buChar char="•"/>
+        <a:defRPr sz="2400" kern="1200">
+          <a:solidFill>
+            <a:schemeClr val="tx1"/>
+          </a:solidFill>
+          <a:latin typeface="+mn-lt"/>
+          <a:ea typeface="+mn-ea"/>
+          <a:cs typeface="+mn-cs"/>
+        </a:defRPr>
+      </a:lvl2pPr>
+      <a:lvl3pPr marL="1143000" indent="-228600" algn="l" defTabSz="914400" rtl="0" eaLnBrk="1" latinLnBrk="1" hangingPunct="1">
+        <a:lnSpc>
+          <a:spcPct val="90000"/>
+        </a:lnSpc>
+        <a:spcBef>
+          <a:spcPts val="500"/>
+        </a:spcBef>
+        <a:buFont typeface="Arial" panose="020B0604020202020204" pitchFamily="34" charset="0"/>
+        <a:buChar char="•"/>
+        <a:defRPr sz="2000" kern="1200">
+          <a:solidFill>
+            <a:schemeClr val="tx1"/>
+          </a:solidFill>
+          <a:latin typeface="+mn-lt"/>
+          <a:ea typeface="+mn-ea"/>
+          <a:cs typeface="+mn-cs"/>
+        </a:defRPr>
+      </a:lvl3pPr>
+      <a:lvl4pPr marL="1600200" indent="-228600" algn="l" defTabSz="914400" rtl="0" eaLnBrk="1" latinLnBrk="1" hangingPunct="1">
+        <a:lnSpc>
+          <a:spcPct val="90000"/>
+        </a:lnSpc>
+        <a:spcBef>
+          <a:spcPts val="500"/>
         </a:spcBef>
         <a:buFont typeface="Arial" panose="020B0604020202020204" pitchFamily="34" charset="0"/>
         <a:buChar char="•"/>
@@ -3075,53 +3129,17 @@
           <a:ea typeface="+mn-ea"/>
           <a:cs typeface="+mn-cs"/>
         </a:defRPr>
-      </a:lvl2pPr>
-      <a:lvl3pPr marL="857250" indent="-171450" algn="l" defTabSz="685800" rtl="0" eaLnBrk="1" latinLnBrk="1" hangingPunct="1">
+      </a:lvl4pPr>
+      <a:lvl5pPr marL="2057400" indent="-228600" algn="l" defTabSz="914400" rtl="0" eaLnBrk="1" latinLnBrk="1" hangingPunct="1">
         <a:lnSpc>
           <a:spcPct val="90000"/>
         </a:lnSpc>
         <a:spcBef>
-          <a:spcPts val="375"/>
+          <a:spcPts val="500"/>
         </a:spcBef>
         <a:buFont typeface="Arial" panose="020B0604020202020204" pitchFamily="34" charset="0"/>
         <a:buChar char="•"/>
-        <a:defRPr sz="1500" kern="1200">
-          <a:solidFill>
-            <a:schemeClr val="tx1"/>
-          </a:solidFill>
-          <a:latin typeface="+mn-lt"/>
-          <a:ea typeface="+mn-ea"/>
-          <a:cs typeface="+mn-cs"/>
-        </a:defRPr>
-      </a:lvl3pPr>
-      <a:lvl4pPr marL="1200150" indent="-171450" algn="l" defTabSz="685800" rtl="0" eaLnBrk="1" latinLnBrk="1" hangingPunct="1">
-        <a:lnSpc>
-          <a:spcPct val="90000"/>
-        </a:lnSpc>
-        <a:spcBef>
-          <a:spcPts val="375"/>
-        </a:spcBef>
-        <a:buFont typeface="Arial" panose="020B0604020202020204" pitchFamily="34" charset="0"/>
-        <a:buChar char="•"/>
-        <a:defRPr sz="1350" kern="1200">
-          <a:solidFill>
-            <a:schemeClr val="tx1"/>
-          </a:solidFill>
-          <a:latin typeface="+mn-lt"/>
-          <a:ea typeface="+mn-ea"/>
-          <a:cs typeface="+mn-cs"/>
-        </a:defRPr>
-      </a:lvl4pPr>
-      <a:lvl5pPr marL="1543050" indent="-171450" algn="l" defTabSz="685800" rtl="0" eaLnBrk="1" latinLnBrk="1" hangingPunct="1">
-        <a:lnSpc>
-          <a:spcPct val="90000"/>
-        </a:lnSpc>
-        <a:spcBef>
-          <a:spcPts val="375"/>
-        </a:spcBef>
-        <a:buFont typeface="Arial" panose="020B0604020202020204" pitchFamily="34" charset="0"/>
-        <a:buChar char="•"/>
-        <a:defRPr sz="1350" kern="1200">
+        <a:defRPr sz="1800" kern="1200">
           <a:solidFill>
             <a:schemeClr val="tx1"/>
           </a:solidFill>
@@ -3130,16 +3148,16 @@
           <a:cs typeface="+mn-cs"/>
         </a:defRPr>
       </a:lvl5pPr>
-      <a:lvl6pPr marL="1885950" indent="-171450" algn="l" defTabSz="685800" rtl="0" eaLnBrk="1" latinLnBrk="1" hangingPunct="1">
+      <a:lvl6pPr marL="2514600" indent="-228600" algn="l" defTabSz="914400" rtl="0" eaLnBrk="1" latinLnBrk="1" hangingPunct="1">
         <a:lnSpc>
           <a:spcPct val="90000"/>
         </a:lnSpc>
         <a:spcBef>
-          <a:spcPts val="375"/>
+          <a:spcPts val="500"/>
         </a:spcBef>
         <a:buFont typeface="Arial" panose="020B0604020202020204" pitchFamily="34" charset="0"/>
         <a:buChar char="•"/>
-        <a:defRPr sz="1350" kern="1200">
+        <a:defRPr sz="1800" kern="1200">
           <a:solidFill>
             <a:schemeClr val="tx1"/>
           </a:solidFill>
@@ -3148,16 +3166,16 @@
           <a:cs typeface="+mn-cs"/>
         </a:defRPr>
       </a:lvl6pPr>
-      <a:lvl7pPr marL="2228850" indent="-171450" algn="l" defTabSz="685800" rtl="0" eaLnBrk="1" latinLnBrk="1" hangingPunct="1">
+      <a:lvl7pPr marL="2971800" indent="-228600" algn="l" defTabSz="914400" rtl="0" eaLnBrk="1" latinLnBrk="1" hangingPunct="1">
         <a:lnSpc>
           <a:spcPct val="90000"/>
         </a:lnSpc>
         <a:spcBef>
-          <a:spcPts val="375"/>
+          <a:spcPts val="500"/>
         </a:spcBef>
         <a:buFont typeface="Arial" panose="020B0604020202020204" pitchFamily="34" charset="0"/>
         <a:buChar char="•"/>
-        <a:defRPr sz="1350" kern="1200">
+        <a:defRPr sz="1800" kern="1200">
           <a:solidFill>
             <a:schemeClr val="tx1"/>
           </a:solidFill>
@@ -3166,16 +3184,16 @@
           <a:cs typeface="+mn-cs"/>
         </a:defRPr>
       </a:lvl7pPr>
-      <a:lvl8pPr marL="2571750" indent="-171450" algn="l" defTabSz="685800" rtl="0" eaLnBrk="1" latinLnBrk="1" hangingPunct="1">
+      <a:lvl8pPr marL="3429000" indent="-228600" algn="l" defTabSz="914400" rtl="0" eaLnBrk="1" latinLnBrk="1" hangingPunct="1">
         <a:lnSpc>
           <a:spcPct val="90000"/>
         </a:lnSpc>
         <a:spcBef>
-          <a:spcPts val="375"/>
+          <a:spcPts val="500"/>
         </a:spcBef>
         <a:buFont typeface="Arial" panose="020B0604020202020204" pitchFamily="34" charset="0"/>
         <a:buChar char="•"/>
-        <a:defRPr sz="1350" kern="1200">
+        <a:defRPr sz="1800" kern="1200">
           <a:solidFill>
             <a:schemeClr val="tx1"/>
           </a:solidFill>
@@ -3184,16 +3202,16 @@
           <a:cs typeface="+mn-cs"/>
         </a:defRPr>
       </a:lvl8pPr>
-      <a:lvl9pPr marL="2914650" indent="-171450" algn="l" defTabSz="685800" rtl="0" eaLnBrk="1" latinLnBrk="1" hangingPunct="1">
+      <a:lvl9pPr marL="3886200" indent="-228600" algn="l" defTabSz="914400" rtl="0" eaLnBrk="1" latinLnBrk="1" hangingPunct="1">
         <a:lnSpc>
           <a:spcPct val="90000"/>
         </a:lnSpc>
         <a:spcBef>
-          <a:spcPts val="375"/>
+          <a:spcPts val="500"/>
         </a:spcBef>
         <a:buFont typeface="Arial" panose="020B0604020202020204" pitchFamily="34" charset="0"/>
         <a:buChar char="•"/>
-        <a:defRPr sz="1350" kern="1200">
+        <a:defRPr sz="1800" kern="1200">
           <a:solidFill>
             <a:schemeClr val="tx1"/>
           </a:solidFill>
@@ -3207,8 +3225,8 @@
       <a:defPPr>
         <a:defRPr lang="en-US"/>
       </a:defPPr>
-      <a:lvl1pPr marL="0" algn="l" defTabSz="685800" rtl="0" eaLnBrk="1" latinLnBrk="1" hangingPunct="1">
-        <a:defRPr sz="1350" kern="1200">
+      <a:lvl1pPr marL="0" algn="l" defTabSz="914400" rtl="0" eaLnBrk="1" latinLnBrk="1" hangingPunct="1">
+        <a:defRPr sz="1800" kern="1200">
           <a:solidFill>
             <a:schemeClr val="tx1"/>
           </a:solidFill>
@@ -3217,8 +3235,8 @@
           <a:cs typeface="+mn-cs"/>
         </a:defRPr>
       </a:lvl1pPr>
-      <a:lvl2pPr marL="342900" algn="l" defTabSz="685800" rtl="0" eaLnBrk="1" latinLnBrk="1" hangingPunct="1">
-        <a:defRPr sz="1350" kern="1200">
+      <a:lvl2pPr marL="457200" algn="l" defTabSz="914400" rtl="0" eaLnBrk="1" latinLnBrk="1" hangingPunct="1">
+        <a:defRPr sz="1800" kern="1200">
           <a:solidFill>
             <a:schemeClr val="tx1"/>
           </a:solidFill>
@@ -3227,8 +3245,8 @@
           <a:cs typeface="+mn-cs"/>
         </a:defRPr>
       </a:lvl2pPr>
-      <a:lvl3pPr marL="685800" algn="l" defTabSz="685800" rtl="0" eaLnBrk="1" latinLnBrk="1" hangingPunct="1">
-        <a:defRPr sz="1350" kern="1200">
+      <a:lvl3pPr marL="914400" algn="l" defTabSz="914400" rtl="0" eaLnBrk="1" latinLnBrk="1" hangingPunct="1">
+        <a:defRPr sz="1800" kern="1200">
           <a:solidFill>
             <a:schemeClr val="tx1"/>
           </a:solidFill>
@@ -3237,8 +3255,8 @@
           <a:cs typeface="+mn-cs"/>
         </a:defRPr>
       </a:lvl3pPr>
-      <a:lvl4pPr marL="1028700" algn="l" defTabSz="685800" rtl="0" eaLnBrk="1" latinLnBrk="1" hangingPunct="1">
-        <a:defRPr sz="1350" kern="1200">
+      <a:lvl4pPr marL="1371600" algn="l" defTabSz="914400" rtl="0" eaLnBrk="1" latinLnBrk="1" hangingPunct="1">
+        <a:defRPr sz="1800" kern="1200">
           <a:solidFill>
             <a:schemeClr val="tx1"/>
           </a:solidFill>
@@ -3247,8 +3265,8 @@
           <a:cs typeface="+mn-cs"/>
         </a:defRPr>
       </a:lvl4pPr>
-      <a:lvl5pPr marL="1371600" algn="l" defTabSz="685800" rtl="0" eaLnBrk="1" latinLnBrk="1" hangingPunct="1">
-        <a:defRPr sz="1350" kern="1200">
+      <a:lvl5pPr marL="1828800" algn="l" defTabSz="914400" rtl="0" eaLnBrk="1" latinLnBrk="1" hangingPunct="1">
+        <a:defRPr sz="1800" kern="1200">
           <a:solidFill>
             <a:schemeClr val="tx1"/>
           </a:solidFill>
@@ -3257,8 +3275,8 @@
           <a:cs typeface="+mn-cs"/>
         </a:defRPr>
       </a:lvl5pPr>
-      <a:lvl6pPr marL="1714500" algn="l" defTabSz="685800" rtl="0" eaLnBrk="1" latinLnBrk="1" hangingPunct="1">
-        <a:defRPr sz="1350" kern="1200">
+      <a:lvl6pPr marL="2286000" algn="l" defTabSz="914400" rtl="0" eaLnBrk="1" latinLnBrk="1" hangingPunct="1">
+        <a:defRPr sz="1800" kern="1200">
           <a:solidFill>
             <a:schemeClr val="tx1"/>
           </a:solidFill>
@@ -3267,8 +3285,8 @@
           <a:cs typeface="+mn-cs"/>
         </a:defRPr>
       </a:lvl6pPr>
-      <a:lvl7pPr marL="2057400" algn="l" defTabSz="685800" rtl="0" eaLnBrk="1" latinLnBrk="1" hangingPunct="1">
-        <a:defRPr sz="1350" kern="1200">
+      <a:lvl7pPr marL="2743200" algn="l" defTabSz="914400" rtl="0" eaLnBrk="1" latinLnBrk="1" hangingPunct="1">
+        <a:defRPr sz="1800" kern="1200">
           <a:solidFill>
             <a:schemeClr val="tx1"/>
           </a:solidFill>
@@ -3277,8 +3295,8 @@
           <a:cs typeface="+mn-cs"/>
         </a:defRPr>
       </a:lvl7pPr>
-      <a:lvl8pPr marL="2400300" algn="l" defTabSz="685800" rtl="0" eaLnBrk="1" latinLnBrk="1" hangingPunct="1">
-        <a:defRPr sz="1350" kern="1200">
+      <a:lvl8pPr marL="3200400" algn="l" defTabSz="914400" rtl="0" eaLnBrk="1" latinLnBrk="1" hangingPunct="1">
+        <a:defRPr sz="1800" kern="1200">
           <a:solidFill>
             <a:schemeClr val="tx1"/>
           </a:solidFill>
@@ -3287,8 +3305,8 @@
           <a:cs typeface="+mn-cs"/>
         </a:defRPr>
       </a:lvl8pPr>
-      <a:lvl9pPr marL="2743200" algn="l" defTabSz="685800" rtl="0" eaLnBrk="1" latinLnBrk="1" hangingPunct="1">
-        <a:defRPr sz="1350" kern="1200">
+      <a:lvl9pPr marL="3657600" algn="l" defTabSz="914400" rtl="0" eaLnBrk="1" latinLnBrk="1" hangingPunct="1">
+        <a:defRPr sz="1800" kern="1200">
           <a:solidFill>
             <a:schemeClr val="tx1"/>
           </a:solidFill>
@@ -3319,120 +3337,1322 @@
           <a:chExt cx="0" cy="0"/>
         </a:xfrm>
       </p:grpSpPr>
-      <p:sp>
-        <p:nvSpPr>
-          <p:cNvPr id="12" name="TextBox 11"/>
-          <p:cNvSpPr txBox="1"/>
-          <p:nvPr/>
-        </p:nvSpPr>
-        <p:spPr>
-          <a:xfrm>
-            <a:off x="-7408343" y="11428964"/>
-            <a:ext cx="1824652" cy="584775"/>
-          </a:xfrm>
-          <a:prstGeom prst="rect">
-            <a:avLst/>
-          </a:prstGeom>
-          <a:noFill/>
-        </p:spPr>
-        <p:txBody>
-          <a:bodyPr wrap="square" rtlCol="0">
-            <a:spAutoFit/>
-          </a:bodyPr>
-          <a:lstStyle/>
-          <a:p>
-            <a:r>
-              <a:rPr lang="en-US" altLang="ko-KR" sz="3200" dirty="0">
-                <a:solidFill>
-                  <a:schemeClr val="bg1"/>
-                </a:solidFill>
-                <a:latin typeface="Couture" panose="020B0804020202020204" pitchFamily="34" charset="0"/>
-              </a:rPr>
-              <a:t>K.D.W</a:t>
-            </a:r>
-            <a:endParaRPr lang="ko-KR" altLang="en-US" sz="3200" dirty="0">
-              <a:solidFill>
-                <a:schemeClr val="bg1"/>
-              </a:solidFill>
-              <a:latin typeface="Couture" panose="020B0804020202020204" pitchFamily="34" charset="0"/>
-            </a:endParaRPr>
-          </a:p>
-        </p:txBody>
-      </p:sp>
-      <p:sp>
-        <p:nvSpPr>
-          <p:cNvPr id="18" name="제목 17"/>
-          <p:cNvSpPr>
-            <a:spLocks noGrp="1"/>
-          </p:cNvSpPr>
-          <p:nvPr>
-            <p:ph type="ctrTitle"/>
-          </p:nvPr>
-        </p:nvSpPr>
-        <p:spPr/>
-        <p:txBody>
-          <a:bodyPr>
-            <a:normAutofit fontScale="90000"/>
-          </a:bodyPr>
-          <a:lstStyle/>
-          <a:p>
-            <a:r>
-              <a:rPr lang="en-US" altLang="ko-KR" sz="21334" dirty="0">
-                <a:solidFill>
-                  <a:schemeClr val="bg1"/>
-                </a:solidFill>
-                <a:latin typeface="Couture" panose="020B0804020202020204" pitchFamily="34" charset="0"/>
-              </a:rPr>
-              <a:t>CHANEL</a:t>
-            </a:r>
-            <a:endParaRPr lang="ko-KR" altLang="en-US" sz="21334" dirty="0">
-              <a:solidFill>
-                <a:schemeClr val="bg1"/>
-              </a:solidFill>
-              <a:latin typeface="Couture" panose="020B0804020202020204" pitchFamily="34" charset="0"/>
-            </a:endParaRPr>
-          </a:p>
-        </p:txBody>
-      </p:sp>
       <p:pic>
         <p:nvPicPr>
-          <p:cNvPr id="26" name="그림 25"/>
+          <p:cNvPr id="3" name="그림 2"/>
           <p:cNvPicPr>
             <a:picLocks noChangeAspect="1"/>
           </p:cNvPicPr>
           <p:nvPr/>
         </p:nvPicPr>
         <p:blipFill>
-          <a:blip r:embed="rId2"/>
+          <a:blip r:embed="rId2">
+            <a:extLst>
+              <a:ext uri="{28A0092B-C50C-407E-A947-70E740481C1C}">
+                <a14:useLocalDpi xmlns:a14="http://schemas.microsoft.com/office/drawing/2010/main" val="0"/>
+              </a:ext>
+            </a:extLst>
+          </a:blip>
           <a:stretch>
             <a:fillRect/>
           </a:stretch>
         </p:blipFill>
         <p:spPr>
           <a:xfrm>
-            <a:off x="-706927" y="0"/>
-            <a:ext cx="8253968" cy="12191999"/>
+            <a:off x="0" y="-398584"/>
+            <a:ext cx="12192000" cy="7354276"/>
           </a:xfrm>
           <a:prstGeom prst="rect">
             <a:avLst/>
           </a:prstGeom>
         </p:spPr>
       </p:pic>
-      <p:sp>
-        <p:nvSpPr>
-          <p:cNvPr id="27" name="TextBox 26"/>
-          <p:cNvSpPr txBox="1"/>
+    </p:spTree>
+    <p:extLst>
+      <p:ext uri="{BB962C8B-B14F-4D97-AF65-F5344CB8AC3E}">
+        <p14:creationId xmlns:p14="http://schemas.microsoft.com/office/powerpoint/2010/main" val="1063363483"/>
+      </p:ext>
+    </p:extLst>
+  </p:cSld>
+  <p:clrMapOvr>
+    <a:masterClrMapping/>
+  </p:clrMapOvr>
+  <p:timing>
+    <p:tnLst>
+      <p:par>
+        <p:cTn id="1" dur="indefinite" restart="never" nodeType="tmRoot"/>
+      </p:par>
+    </p:tnLst>
+  </p:timing>
+</p:sld>
+</file>
+
+<file path=ppt/slides/slide10.xml><?xml version="1.0" encoding="utf-8"?>
+<p:sld xmlns:a="http://schemas.openxmlformats.org/drawingml/2006/main" xmlns:r="http://schemas.openxmlformats.org/officeDocument/2006/relationships" xmlns:p="http://schemas.openxmlformats.org/presentationml/2006/main">
+  <p:cSld>
+    <p:bg>
+      <p:bgPr>
+        <a:solidFill>
+          <a:schemeClr val="tx1"/>
+        </a:solidFill>
+        <a:effectLst/>
+      </p:bgPr>
+    </p:bg>
+    <p:spTree>
+      <p:nvGrpSpPr>
+        <p:cNvPr id="1" name=""/>
+        <p:cNvGrpSpPr/>
+        <p:nvPr/>
+      </p:nvGrpSpPr>
+      <p:grpSpPr>
+        <a:xfrm>
+          <a:off x="0" y="0"/>
+          <a:ext cx="0" cy="0"/>
+          <a:chOff x="0" y="0"/>
+          <a:chExt cx="0" cy="0"/>
+        </a:xfrm>
+      </p:grpSpPr>
+      <p:sp>
+        <p:nvSpPr>
+          <p:cNvPr id="2" name="텍스트 상자 101"/>
+          <p:cNvSpPr txBox="1">
+            <a:spLocks/>
+          </p:cNvSpPr>
           <p:nvPr/>
         </p:nvSpPr>
         <p:spPr>
           <a:xfrm>
-            <a:off x="126124" y="628324"/>
-            <a:ext cx="1781504" cy="369332"/>
+            <a:off x="97155" y="65405"/>
+            <a:ext cx="1325880" cy="1323975"/>
           </a:xfrm>
           <a:prstGeom prst="rect">
             <a:avLst/>
           </a:prstGeom>
           <a:noFill/>
+          <a:ln w="63500" cap="flat" cmpd="sng">
+            <a:solidFill>
+              <a:schemeClr val="bg1"/>
+            </a:solidFill>
+            <a:prstDash val="solid"/>
+            <a:round/>
+          </a:ln>
+        </p:spPr>
+        <p:txBody>
+          <a:bodyPr vert="horz" wrap="square" lIns="89535" tIns="46355" rIns="89535" bIns="46355" anchor="t">
+            <a:spAutoFit/>
+          </a:bodyPr>
+          <a:lstStyle/>
+          <a:p>
+            <a:pPr marL="0" indent="0" algn="ctr" hangingPunct="1"/>
+            <a:r>
+              <a:rPr lang="ko-KR" sz="8000" dirty="0" smtClean="0">
+                <a:solidFill>
+                  <a:schemeClr val="bg1"/>
+                </a:solidFill>
+                <a:latin typeface="맑은 고딕" charset="0"/>
+                <a:ea typeface="맑은 고딕" charset="0"/>
+              </a:rPr>
+              <a:t>0</a:t>
+            </a:r>
+            <a:r>
+              <a:rPr lang="en-US" altLang="ko-KR" sz="8000" dirty="0" smtClean="0">
+                <a:solidFill>
+                  <a:schemeClr val="bg1"/>
+                </a:solidFill>
+                <a:latin typeface="맑은 고딕" charset="0"/>
+                <a:ea typeface="맑은 고딕" charset="0"/>
+              </a:rPr>
+              <a:t>2</a:t>
+            </a:r>
+            <a:endParaRPr lang="ko-KR" altLang="en-US" sz="8000" dirty="0">
+              <a:solidFill>
+                <a:schemeClr val="bg1"/>
+              </a:solidFill>
+              <a:latin typeface="맑은 고딕" charset="0"/>
+              <a:ea typeface="맑은 고딕" charset="0"/>
+            </a:endParaRPr>
+          </a:p>
+        </p:txBody>
+      </p:sp>
+      <p:sp>
+        <p:nvSpPr>
+          <p:cNvPr id="3" name="텍스트 상자 102"/>
+          <p:cNvSpPr txBox="1">
+            <a:spLocks/>
+          </p:cNvSpPr>
+          <p:nvPr/>
+        </p:nvSpPr>
+        <p:spPr>
+          <a:xfrm>
+            <a:off x="220980" y="1850390"/>
+            <a:ext cx="1083310" cy="3171381"/>
+          </a:xfrm>
+          <a:prstGeom prst="rect">
+            <a:avLst/>
+          </a:prstGeom>
+          <a:noFill/>
+          <a:ln w="38100" cap="flat" cmpd="sng">
+            <a:noFill/>
+            <a:prstDash/>
+            <a:round/>
+          </a:ln>
+        </p:spPr>
+        <p:txBody>
+          <a:bodyPr vert="horz" wrap="square" lIns="89535" tIns="46355" rIns="89535" bIns="46355" anchor="t">
+            <a:spAutoFit/>
+          </a:bodyPr>
+          <a:lstStyle/>
+          <a:p>
+            <a:pPr marL="0" indent="0" algn="ctr" hangingPunct="1"/>
+            <a:r>
+              <a:rPr lang="ko-KR" altLang="en-US" sz="5000" dirty="0" err="1" smtClean="0">
+                <a:solidFill>
+                  <a:schemeClr val="bg1"/>
+                </a:solidFill>
+                <a:latin typeface="맑은 고딕" charset="0"/>
+                <a:ea typeface="맑은 고딕" charset="0"/>
+              </a:rPr>
+              <a:t>화면구현</a:t>
+            </a:r>
+            <a:endParaRPr lang="ko-KR" altLang="en-US" sz="5000" dirty="0">
+              <a:solidFill>
+                <a:schemeClr val="bg1"/>
+              </a:solidFill>
+              <a:latin typeface="맑은 고딕" charset="0"/>
+              <a:ea typeface="맑은 고딕" charset="0"/>
+            </a:endParaRPr>
+          </a:p>
+        </p:txBody>
+      </p:sp>
+      <p:sp>
+        <p:nvSpPr>
+          <p:cNvPr id="4" name="텍스트 상자 110"/>
+          <p:cNvSpPr txBox="1">
+            <a:spLocks/>
+          </p:cNvSpPr>
+          <p:nvPr/>
+        </p:nvSpPr>
+        <p:spPr>
+          <a:xfrm>
+            <a:off x="11145520" y="136525"/>
+            <a:ext cx="872490" cy="6556923"/>
+          </a:xfrm>
+          <a:prstGeom prst="rect">
+            <a:avLst/>
+          </a:prstGeom>
+          <a:noFill/>
+          <a:ln w="0">
+            <a:noFill/>
+            <a:prstDash/>
+          </a:ln>
+        </p:spPr>
+        <p:txBody>
+          <a:bodyPr vert="horz" wrap="square" lIns="89535" tIns="46355" rIns="89535" bIns="46355" anchor="t">
+            <a:spAutoFit/>
+          </a:bodyPr>
+          <a:lstStyle/>
+          <a:p>
+            <a:pPr marL="0" indent="0" algn="ctr" hangingPunct="1"/>
+            <a:r>
+              <a:rPr lang="en-US" altLang="ko-KR" sz="6000" b="1" dirty="0" smtClean="0">
+                <a:solidFill>
+                  <a:schemeClr val="bg1"/>
+                </a:solidFill>
+                <a:latin typeface="Couture" charset="0"/>
+                <a:ea typeface="Couture" charset="0"/>
+              </a:rPr>
+              <a:t>PREVIEW</a:t>
+            </a:r>
+            <a:endParaRPr lang="ko-KR" altLang="en-US" sz="6000" b="1" dirty="0">
+              <a:solidFill>
+                <a:schemeClr val="bg1"/>
+              </a:solidFill>
+              <a:latin typeface="Couture" charset="0"/>
+              <a:ea typeface="Couture" charset="0"/>
+            </a:endParaRPr>
+          </a:p>
+        </p:txBody>
+      </p:sp>
+      <p:sp>
+        <p:nvSpPr>
+          <p:cNvPr id="5" name="텍스트 상자 227"/>
+          <p:cNvSpPr txBox="1">
+            <a:spLocks/>
+          </p:cNvSpPr>
+          <p:nvPr/>
+        </p:nvSpPr>
+        <p:spPr>
+          <a:xfrm>
+            <a:off x="5000623" y="0"/>
+            <a:ext cx="3298796" cy="709168"/>
+          </a:xfrm>
+          <a:prstGeom prst="rect">
+            <a:avLst/>
+          </a:prstGeom>
+          <a:noFill/>
+          <a:ln w="0">
+            <a:noFill/>
+            <a:prstDash/>
+          </a:ln>
+        </p:spPr>
+        <p:txBody>
+          <a:bodyPr vert="horz" wrap="square" lIns="89535" tIns="46355" rIns="89535" bIns="46355" anchor="t">
+            <a:spAutoFit/>
+          </a:bodyPr>
+          <a:lstStyle/>
+          <a:p>
+            <a:pPr marL="0" indent="0" algn="ctr" hangingPunct="1"/>
+            <a:r>
+              <a:rPr lang="en-US" altLang="ko-KR" sz="4000" b="1" dirty="0" smtClean="0">
+                <a:solidFill>
+                  <a:schemeClr val="bg1"/>
+                </a:solidFill>
+                <a:latin typeface="Couture" charset="0"/>
+                <a:ea typeface="Couture" charset="0"/>
+              </a:rPr>
+              <a:t>sub page 2</a:t>
+            </a:r>
+            <a:endParaRPr lang="ko-KR" altLang="en-US" sz="4000" b="1" dirty="0">
+              <a:solidFill>
+                <a:schemeClr val="bg1"/>
+              </a:solidFill>
+              <a:latin typeface="Couture" charset="0"/>
+              <a:ea typeface="Couture" charset="0"/>
+            </a:endParaRPr>
+          </a:p>
+        </p:txBody>
+      </p:sp>
+      <p:pic>
+        <p:nvPicPr>
+          <p:cNvPr id="6" name="그림 5"/>
+          <p:cNvPicPr>
+            <a:picLocks noChangeAspect="1"/>
+          </p:cNvPicPr>
+          <p:nvPr/>
+        </p:nvPicPr>
+        <p:blipFill>
+          <a:blip r:embed="rId2" cstate="print">
+            <a:extLst>
+              <a:ext uri="{28A0092B-C50C-407E-A947-70E740481C1C}">
+                <a14:useLocalDpi xmlns:a14="http://schemas.microsoft.com/office/drawing/2010/main" val="0"/>
+              </a:ext>
+            </a:extLst>
+          </a:blip>
+          <a:stretch>
+            <a:fillRect/>
+          </a:stretch>
+        </p:blipFill>
+        <p:spPr>
+          <a:xfrm>
+            <a:off x="4436382" y="1389380"/>
+            <a:ext cx="4166443" cy="5038923"/>
+          </a:xfrm>
+          <a:prstGeom prst="rect">
+            <a:avLst/>
+          </a:prstGeom>
+        </p:spPr>
+      </p:pic>
+    </p:spTree>
+    <p:extLst>
+      <p:ext uri="{BB962C8B-B14F-4D97-AF65-F5344CB8AC3E}">
+        <p14:creationId xmlns:p14="http://schemas.microsoft.com/office/powerpoint/2010/main" val="686760843"/>
+      </p:ext>
+    </p:extLst>
+  </p:cSld>
+  <p:clrMapOvr>
+    <a:masterClrMapping/>
+  </p:clrMapOvr>
+  <p:timing>
+    <p:tnLst>
+      <p:par>
+        <p:cTn id="1" dur="indefinite" restart="never" nodeType="tmRoot"/>
+      </p:par>
+    </p:tnLst>
+  </p:timing>
+</p:sld>
+</file>
+
+<file path=ppt/slides/slide11.xml><?xml version="1.0" encoding="utf-8"?>
+<p:sld xmlns:a="http://schemas.openxmlformats.org/drawingml/2006/main" xmlns:r="http://schemas.openxmlformats.org/officeDocument/2006/relationships" xmlns:p="http://schemas.openxmlformats.org/presentationml/2006/main">
+  <p:cSld>
+    <p:bg>
+      <p:bgPr>
+        <a:solidFill>
+          <a:schemeClr val="tx1"/>
+        </a:solidFill>
+        <a:effectLst/>
+      </p:bgPr>
+    </p:bg>
+    <p:spTree>
+      <p:nvGrpSpPr>
+        <p:cNvPr id="1" name=""/>
+        <p:cNvGrpSpPr/>
+        <p:nvPr/>
+      </p:nvGrpSpPr>
+      <p:grpSpPr>
+        <a:xfrm>
+          <a:off x="0" y="0"/>
+          <a:ext cx="0" cy="0"/>
+          <a:chOff x="0" y="0"/>
+          <a:chExt cx="0" cy="0"/>
+        </a:xfrm>
+      </p:grpSpPr>
+      <p:sp>
+        <p:nvSpPr>
+          <p:cNvPr id="2" name="텍스트 상자 101"/>
+          <p:cNvSpPr txBox="1">
+            <a:spLocks/>
+          </p:cNvSpPr>
+          <p:nvPr/>
+        </p:nvSpPr>
+        <p:spPr>
+          <a:xfrm>
+            <a:off x="97155" y="65405"/>
+            <a:ext cx="1325880" cy="1323975"/>
+          </a:xfrm>
+          <a:prstGeom prst="rect">
+            <a:avLst/>
+          </a:prstGeom>
+          <a:noFill/>
+          <a:ln w="63500" cap="flat" cmpd="sng">
+            <a:solidFill>
+              <a:schemeClr val="bg1"/>
+            </a:solidFill>
+            <a:prstDash val="solid"/>
+            <a:round/>
+          </a:ln>
+        </p:spPr>
+        <p:txBody>
+          <a:bodyPr vert="horz" wrap="square" lIns="89535" tIns="46355" rIns="89535" bIns="46355" anchor="t">
+            <a:spAutoFit/>
+          </a:bodyPr>
+          <a:lstStyle/>
+          <a:p>
+            <a:pPr marL="0" indent="0" algn="ctr" hangingPunct="1"/>
+            <a:r>
+              <a:rPr lang="ko-KR" sz="8000" dirty="0" smtClean="0">
+                <a:solidFill>
+                  <a:schemeClr val="bg1"/>
+                </a:solidFill>
+                <a:latin typeface="맑은 고딕" charset="0"/>
+                <a:ea typeface="맑은 고딕" charset="0"/>
+              </a:rPr>
+              <a:t>0</a:t>
+            </a:r>
+            <a:r>
+              <a:rPr lang="en-US" altLang="ko-KR" sz="8000" dirty="0" smtClean="0">
+                <a:solidFill>
+                  <a:schemeClr val="bg1"/>
+                </a:solidFill>
+                <a:latin typeface="맑은 고딕" charset="0"/>
+                <a:ea typeface="맑은 고딕" charset="0"/>
+              </a:rPr>
+              <a:t>2</a:t>
+            </a:r>
+            <a:endParaRPr lang="ko-KR" altLang="en-US" sz="8000" dirty="0">
+              <a:solidFill>
+                <a:schemeClr val="bg1"/>
+              </a:solidFill>
+              <a:latin typeface="맑은 고딕" charset="0"/>
+              <a:ea typeface="맑은 고딕" charset="0"/>
+            </a:endParaRPr>
+          </a:p>
+        </p:txBody>
+      </p:sp>
+      <p:sp>
+        <p:nvSpPr>
+          <p:cNvPr id="3" name="텍스트 상자 102"/>
+          <p:cNvSpPr txBox="1">
+            <a:spLocks/>
+          </p:cNvSpPr>
+          <p:nvPr/>
+        </p:nvSpPr>
+        <p:spPr>
+          <a:xfrm>
+            <a:off x="220980" y="1850390"/>
+            <a:ext cx="1083310" cy="3171381"/>
+          </a:xfrm>
+          <a:prstGeom prst="rect">
+            <a:avLst/>
+          </a:prstGeom>
+          <a:noFill/>
+          <a:ln w="38100" cap="flat" cmpd="sng">
+            <a:noFill/>
+            <a:prstDash/>
+            <a:round/>
+          </a:ln>
+        </p:spPr>
+        <p:txBody>
+          <a:bodyPr vert="horz" wrap="square" lIns="89535" tIns="46355" rIns="89535" bIns="46355" anchor="t">
+            <a:spAutoFit/>
+          </a:bodyPr>
+          <a:lstStyle/>
+          <a:p>
+            <a:pPr marL="0" indent="0" algn="ctr" hangingPunct="1"/>
+            <a:r>
+              <a:rPr lang="ko-KR" altLang="en-US" sz="5000" dirty="0" err="1" smtClean="0">
+                <a:solidFill>
+                  <a:schemeClr val="bg1"/>
+                </a:solidFill>
+                <a:latin typeface="맑은 고딕" charset="0"/>
+                <a:ea typeface="맑은 고딕" charset="0"/>
+              </a:rPr>
+              <a:t>화면구현</a:t>
+            </a:r>
+            <a:endParaRPr lang="ko-KR" altLang="en-US" sz="5000" dirty="0">
+              <a:solidFill>
+                <a:schemeClr val="bg1"/>
+              </a:solidFill>
+              <a:latin typeface="맑은 고딕" charset="0"/>
+              <a:ea typeface="맑은 고딕" charset="0"/>
+            </a:endParaRPr>
+          </a:p>
+        </p:txBody>
+      </p:sp>
+      <p:sp>
+        <p:nvSpPr>
+          <p:cNvPr id="4" name="텍스트 상자 110"/>
+          <p:cNvSpPr txBox="1">
+            <a:spLocks/>
+          </p:cNvSpPr>
+          <p:nvPr/>
+        </p:nvSpPr>
+        <p:spPr>
+          <a:xfrm>
+            <a:off x="11229495" y="516646"/>
+            <a:ext cx="872490" cy="5633593"/>
+          </a:xfrm>
+          <a:prstGeom prst="rect">
+            <a:avLst/>
+          </a:prstGeom>
+          <a:noFill/>
+          <a:ln w="0">
+            <a:noFill/>
+            <a:prstDash/>
+          </a:ln>
+        </p:spPr>
+        <p:txBody>
+          <a:bodyPr vert="horz" wrap="square" lIns="89535" tIns="46355" rIns="89535" bIns="46355" anchor="t">
+            <a:spAutoFit/>
+          </a:bodyPr>
+          <a:lstStyle/>
+          <a:p>
+            <a:pPr marL="0" indent="0" algn="ctr" hangingPunct="1"/>
+            <a:r>
+              <a:rPr lang="en-US" altLang="ko-KR" sz="6000" b="1" dirty="0" err="1" smtClean="0">
+                <a:solidFill>
+                  <a:schemeClr val="bg1"/>
+                </a:solidFill>
+                <a:latin typeface="Couture" charset="0"/>
+                <a:ea typeface="Couture" charset="0"/>
+              </a:rPr>
+              <a:t>coDING</a:t>
+            </a:r>
+            <a:endParaRPr lang="ko-KR" altLang="en-US" sz="6000" b="1" dirty="0">
+              <a:solidFill>
+                <a:schemeClr val="bg1"/>
+              </a:solidFill>
+              <a:latin typeface="Couture" charset="0"/>
+              <a:ea typeface="Couture" charset="0"/>
+            </a:endParaRPr>
+          </a:p>
+        </p:txBody>
+      </p:sp>
+      <p:sp>
+        <p:nvSpPr>
+          <p:cNvPr id="5" name="텍스트 상자 227"/>
+          <p:cNvSpPr txBox="1">
+            <a:spLocks/>
+          </p:cNvSpPr>
+          <p:nvPr/>
+        </p:nvSpPr>
+        <p:spPr>
+          <a:xfrm>
+            <a:off x="5000623" y="0"/>
+            <a:ext cx="2939728" cy="709168"/>
+          </a:xfrm>
+          <a:prstGeom prst="rect">
+            <a:avLst/>
+          </a:prstGeom>
+          <a:noFill/>
+          <a:ln w="0">
+            <a:noFill/>
+            <a:prstDash/>
+          </a:ln>
+        </p:spPr>
+        <p:txBody>
+          <a:bodyPr vert="horz" wrap="square" lIns="89535" tIns="46355" rIns="89535" bIns="46355" anchor="t">
+            <a:spAutoFit/>
+          </a:bodyPr>
+          <a:lstStyle/>
+          <a:p>
+            <a:pPr marL="0" indent="0" algn="ctr" hangingPunct="1"/>
+            <a:r>
+              <a:rPr lang="en-US" altLang="ko-KR" sz="4000" b="1" dirty="0" smtClean="0">
+                <a:solidFill>
+                  <a:schemeClr val="bg1"/>
+                </a:solidFill>
+                <a:latin typeface="+mj-ea"/>
+                <a:ea typeface="+mj-ea"/>
+              </a:rPr>
+              <a:t>(</a:t>
+            </a:r>
+            <a:r>
+              <a:rPr lang="en-US" altLang="ko-KR" sz="4000" b="1" dirty="0" smtClean="0">
+                <a:solidFill>
+                  <a:schemeClr val="bg1"/>
+                </a:solidFill>
+                <a:latin typeface="Couture" panose="020B0804020202020204" pitchFamily="34" charset="0"/>
+                <a:ea typeface="+mj-ea"/>
+              </a:rPr>
+              <a:t>sub</a:t>
+            </a:r>
+            <a:r>
+              <a:rPr lang="en-US" altLang="ko-KR" sz="4000" b="1" dirty="0" smtClean="0">
+                <a:solidFill>
+                  <a:schemeClr val="bg1"/>
+                </a:solidFill>
+                <a:latin typeface="+mj-ea"/>
+                <a:ea typeface="+mj-ea"/>
+              </a:rPr>
+              <a:t>).</a:t>
+            </a:r>
+            <a:r>
+              <a:rPr lang="en-US" altLang="ko-KR" sz="4000" b="1" dirty="0" smtClean="0">
+                <a:solidFill>
+                  <a:schemeClr val="bg1"/>
+                </a:solidFill>
+                <a:latin typeface="Couture" panose="020B0804020202020204" pitchFamily="34" charset="0"/>
+                <a:ea typeface="+mj-ea"/>
+              </a:rPr>
+              <a:t>pro</a:t>
+            </a:r>
+            <a:endParaRPr lang="ko-KR" altLang="en-US" sz="4000" b="1" dirty="0">
+              <a:solidFill>
+                <a:schemeClr val="bg1"/>
+              </a:solidFill>
+              <a:latin typeface="Couture" panose="020B0804020202020204" pitchFamily="34" charset="0"/>
+              <a:ea typeface="+mj-ea"/>
+            </a:endParaRPr>
+          </a:p>
+        </p:txBody>
+      </p:sp>
+      <p:pic>
+        <p:nvPicPr>
+          <p:cNvPr id="6" name="그림 5"/>
+          <p:cNvPicPr>
+            <a:picLocks noChangeAspect="1"/>
+          </p:cNvPicPr>
+          <p:nvPr/>
+        </p:nvPicPr>
+        <p:blipFill>
+          <a:blip r:embed="rId2">
+            <a:extLst>
+              <a:ext uri="{28A0092B-C50C-407E-A947-70E740481C1C}">
+                <a14:useLocalDpi xmlns:a14="http://schemas.microsoft.com/office/drawing/2010/main" val="0"/>
+              </a:ext>
+            </a:extLst>
+          </a:blip>
+          <a:stretch>
+            <a:fillRect/>
+          </a:stretch>
+        </p:blipFill>
+        <p:spPr>
+          <a:xfrm>
+            <a:off x="2953936" y="1682439"/>
+            <a:ext cx="6625913" cy="1137783"/>
+          </a:xfrm>
+          <a:prstGeom prst="rect">
+            <a:avLst/>
+          </a:prstGeom>
+          <a:ln>
+            <a:solidFill>
+              <a:schemeClr val="bg1"/>
+            </a:solidFill>
+          </a:ln>
+        </p:spPr>
+      </p:pic>
+      <p:sp>
+        <p:nvSpPr>
+          <p:cNvPr id="8" name="액자 7"/>
+          <p:cNvSpPr/>
+          <p:nvPr/>
+        </p:nvSpPr>
+        <p:spPr>
+          <a:xfrm>
+            <a:off x="3006461" y="1691769"/>
+            <a:ext cx="6531429" cy="1069657"/>
+          </a:xfrm>
+          <a:prstGeom prst="frame">
+            <a:avLst>
+              <a:gd name="adj1" fmla="val 3928"/>
+            </a:avLst>
+          </a:prstGeom>
+          <a:solidFill>
+            <a:srgbClr val="FF0000"/>
+          </a:solidFill>
+        </p:spPr>
+        <p:style>
+          <a:lnRef idx="2">
+            <a:schemeClr val="accent1">
+              <a:shade val="50000"/>
+            </a:schemeClr>
+          </a:lnRef>
+          <a:fillRef idx="1">
+            <a:schemeClr val="accent1"/>
+          </a:fillRef>
+          <a:effectRef idx="0">
+            <a:schemeClr val="accent1"/>
+          </a:effectRef>
+          <a:fontRef idx="minor">
+            <a:schemeClr val="lt1"/>
+          </a:fontRef>
+        </p:style>
+        <p:txBody>
+          <a:bodyPr rtlCol="0" anchor="ctr"/>
+          <a:lstStyle/>
+          <a:p>
+            <a:pPr algn="ctr"/>
+            <a:endParaRPr lang="ko-KR" altLang="en-US">
+              <a:solidFill>
+                <a:schemeClr val="tx1"/>
+              </a:solidFill>
+            </a:endParaRPr>
+          </a:p>
+        </p:txBody>
+      </p:sp>
+      <p:sp>
+        <p:nvSpPr>
+          <p:cNvPr id="9" name="텍스트 상자 175"/>
+          <p:cNvSpPr txBox="1">
+            <a:spLocks/>
+          </p:cNvSpPr>
+          <p:nvPr/>
+        </p:nvSpPr>
+        <p:spPr>
+          <a:xfrm>
+            <a:off x="1816941" y="1244698"/>
+            <a:ext cx="5535581" cy="247504"/>
+          </a:xfrm>
+          <a:prstGeom prst="rect">
+            <a:avLst/>
+          </a:prstGeom>
+          <a:noFill/>
+          <a:ln w="3175" cap="flat" cmpd="sng">
+            <a:solidFill>
+              <a:schemeClr val="bg1"/>
+            </a:solidFill>
+            <a:prstDash val="solid"/>
+            <a:round/>
+          </a:ln>
+        </p:spPr>
+        <p:txBody>
+          <a:bodyPr vert="horz" wrap="square" lIns="89535" tIns="46355" rIns="89535" bIns="46355" anchor="t">
+            <a:spAutoFit/>
+          </a:bodyPr>
+          <a:lstStyle/>
+          <a:p>
+            <a:pPr marL="0" indent="0" algn="l" hangingPunct="1"/>
+            <a:r>
+              <a:rPr lang="ko-KR" altLang="en-US" sz="1000" b="1" dirty="0" smtClean="0">
+                <a:solidFill>
+                  <a:schemeClr val="bg1"/>
+                </a:solidFill>
+                <a:latin typeface="맑은 고딕" charset="0"/>
+                <a:ea typeface="맑은 고딕" charset="0"/>
+              </a:rPr>
+              <a:t>상품 이미지 클릭 시에 각 상품에 대한 </a:t>
+            </a:r>
+            <a:r>
+              <a:rPr lang="ko-KR" altLang="en-US" sz="1000" b="1" dirty="0" err="1" smtClean="0">
+                <a:solidFill>
+                  <a:schemeClr val="bg1"/>
+                </a:solidFill>
+                <a:latin typeface="맑은 고딕" charset="0"/>
+                <a:ea typeface="맑은 고딕" charset="0"/>
+              </a:rPr>
+              <a:t>구매창과</a:t>
+            </a:r>
+            <a:r>
+              <a:rPr lang="ko-KR" altLang="en-US" sz="1000" b="1" dirty="0" smtClean="0">
+                <a:solidFill>
+                  <a:schemeClr val="bg1"/>
+                </a:solidFill>
+                <a:latin typeface="맑은 고딕" charset="0"/>
+                <a:ea typeface="맑은 고딕" charset="0"/>
+              </a:rPr>
+              <a:t> </a:t>
+            </a:r>
+            <a:r>
+              <a:rPr lang="ko-KR" altLang="en-US" sz="1000" b="1" dirty="0" err="1" smtClean="0">
+                <a:solidFill>
+                  <a:schemeClr val="bg1"/>
+                </a:solidFill>
+                <a:latin typeface="맑은 고딕" charset="0"/>
+                <a:ea typeface="맑은 고딕" charset="0"/>
+              </a:rPr>
+              <a:t>상페</a:t>
+            </a:r>
+            <a:r>
+              <a:rPr lang="ko-KR" altLang="en-US" sz="1000" b="1" dirty="0" smtClean="0">
+                <a:solidFill>
+                  <a:schemeClr val="bg1"/>
+                </a:solidFill>
+                <a:latin typeface="맑은 고딕" charset="0"/>
+                <a:ea typeface="맑은 고딕" charset="0"/>
+              </a:rPr>
+              <a:t> </a:t>
+            </a:r>
+            <a:r>
+              <a:rPr lang="ko-KR" altLang="en-US" sz="1000" b="1" dirty="0" err="1" smtClean="0">
+                <a:solidFill>
+                  <a:schemeClr val="bg1"/>
+                </a:solidFill>
+                <a:latin typeface="맑은 고딕" charset="0"/>
+                <a:ea typeface="맑은 고딕" charset="0"/>
+              </a:rPr>
+              <a:t>설명란으로</a:t>
+            </a:r>
+            <a:r>
+              <a:rPr lang="ko-KR" altLang="en-US" sz="1000" b="1" dirty="0" smtClean="0">
+                <a:solidFill>
+                  <a:schemeClr val="bg1"/>
+                </a:solidFill>
+                <a:latin typeface="맑은 고딕" charset="0"/>
+                <a:ea typeface="맑은 고딕" charset="0"/>
+              </a:rPr>
+              <a:t> 변경되도록 구현하였습니다</a:t>
+            </a:r>
+            <a:r>
+              <a:rPr lang="en-US" altLang="ko-KR" sz="1000" b="1" dirty="0" smtClean="0">
+                <a:solidFill>
+                  <a:schemeClr val="bg1"/>
+                </a:solidFill>
+                <a:latin typeface="맑은 고딕" charset="0"/>
+                <a:ea typeface="맑은 고딕" charset="0"/>
+              </a:rPr>
+              <a:t>.</a:t>
+            </a:r>
+            <a:endParaRPr lang="ko-KR" altLang="en-US" sz="1000" b="1" dirty="0">
+              <a:solidFill>
+                <a:schemeClr val="bg1"/>
+              </a:solidFill>
+              <a:latin typeface="맑은 고딕" charset="0"/>
+              <a:ea typeface="맑은 고딕" charset="0"/>
+            </a:endParaRPr>
+          </a:p>
+        </p:txBody>
+      </p:sp>
+      <p:pic>
+        <p:nvPicPr>
+          <p:cNvPr id="10" name="그림 9"/>
+          <p:cNvPicPr>
+            <a:picLocks noChangeAspect="1"/>
+          </p:cNvPicPr>
+          <p:nvPr/>
+        </p:nvPicPr>
+        <p:blipFill>
+          <a:blip r:embed="rId3" cstate="print">
+            <a:extLst>
+              <a:ext uri="{28A0092B-C50C-407E-A947-70E740481C1C}">
+                <a14:useLocalDpi xmlns:a14="http://schemas.microsoft.com/office/drawing/2010/main" val="0"/>
+              </a:ext>
+            </a:extLst>
+          </a:blip>
+          <a:stretch>
+            <a:fillRect/>
+          </a:stretch>
+        </p:blipFill>
+        <p:spPr>
+          <a:xfrm>
+            <a:off x="3295960" y="3793493"/>
+            <a:ext cx="3030305" cy="1684998"/>
+          </a:xfrm>
+          <a:prstGeom prst="rect">
+            <a:avLst/>
+          </a:prstGeom>
+        </p:spPr>
+      </p:pic>
+      <p:pic>
+        <p:nvPicPr>
+          <p:cNvPr id="11" name="그림 10"/>
+          <p:cNvPicPr>
+            <a:picLocks noChangeAspect="1"/>
+          </p:cNvPicPr>
+          <p:nvPr/>
+        </p:nvPicPr>
+        <p:blipFill>
+          <a:blip r:embed="rId4" cstate="print">
+            <a:extLst>
+              <a:ext uri="{28A0092B-C50C-407E-A947-70E740481C1C}">
+                <a14:useLocalDpi xmlns:a14="http://schemas.microsoft.com/office/drawing/2010/main" val="0"/>
+              </a:ext>
+            </a:extLst>
+          </a:blip>
+          <a:stretch>
+            <a:fillRect/>
+          </a:stretch>
+        </p:blipFill>
+        <p:spPr>
+          <a:xfrm>
+            <a:off x="6942562" y="3281047"/>
+            <a:ext cx="1927872" cy="3139780"/>
+          </a:xfrm>
+          <a:prstGeom prst="rect">
+            <a:avLst/>
+          </a:prstGeom>
+        </p:spPr>
+      </p:pic>
+    </p:spTree>
+    <p:extLst>
+      <p:ext uri="{BB962C8B-B14F-4D97-AF65-F5344CB8AC3E}">
+        <p14:creationId xmlns:p14="http://schemas.microsoft.com/office/powerpoint/2010/main" val="535969465"/>
+      </p:ext>
+    </p:extLst>
+  </p:cSld>
+  <p:clrMapOvr>
+    <a:masterClrMapping/>
+  </p:clrMapOvr>
+  <p:timing>
+    <p:tnLst>
+      <p:par>
+        <p:cTn id="1" dur="indefinite" restart="never" nodeType="tmRoot"/>
+      </p:par>
+    </p:tnLst>
+  </p:timing>
+</p:sld>
+</file>
+
+<file path=ppt/slides/slide12.xml><?xml version="1.0" encoding="utf-8"?>
+<p:sld xmlns:a="http://schemas.openxmlformats.org/drawingml/2006/main" xmlns:r="http://schemas.openxmlformats.org/officeDocument/2006/relationships" xmlns:p="http://schemas.openxmlformats.org/presentationml/2006/main">
+  <p:cSld>
+    <p:bg>
+      <p:bgPr>
+        <a:solidFill>
+          <a:schemeClr val="tx1"/>
+        </a:solidFill>
+        <a:effectLst/>
+      </p:bgPr>
+    </p:bg>
+    <p:spTree>
+      <p:nvGrpSpPr>
+        <p:cNvPr id="1" name=""/>
+        <p:cNvGrpSpPr/>
+        <p:nvPr/>
+      </p:nvGrpSpPr>
+      <p:grpSpPr>
+        <a:xfrm>
+          <a:off x="0" y="0"/>
+          <a:ext cx="0" cy="0"/>
+          <a:chOff x="0" y="0"/>
+          <a:chExt cx="0" cy="0"/>
+        </a:xfrm>
+      </p:grpSpPr>
+      <p:sp>
+        <p:nvSpPr>
+          <p:cNvPr id="2" name="텍스트 상자 227"/>
+          <p:cNvSpPr txBox="1">
+            <a:spLocks/>
+          </p:cNvSpPr>
+          <p:nvPr/>
+        </p:nvSpPr>
+        <p:spPr>
+          <a:xfrm>
+            <a:off x="5000623" y="0"/>
+            <a:ext cx="2939728" cy="709168"/>
+          </a:xfrm>
+          <a:prstGeom prst="rect">
+            <a:avLst/>
+          </a:prstGeom>
+          <a:noFill/>
+          <a:ln w="0">
+            <a:noFill/>
+            <a:prstDash/>
+          </a:ln>
+        </p:spPr>
+        <p:txBody>
+          <a:bodyPr vert="horz" wrap="square" lIns="89535" tIns="46355" rIns="89535" bIns="46355" anchor="t">
+            <a:spAutoFit/>
+          </a:bodyPr>
+          <a:lstStyle/>
+          <a:p>
+            <a:pPr marL="0" indent="0" algn="ctr" hangingPunct="1"/>
+            <a:r>
+              <a:rPr lang="en-US" altLang="ko-KR" sz="4000" b="1" dirty="0" smtClean="0">
+                <a:solidFill>
+                  <a:schemeClr val="bg1"/>
+                </a:solidFill>
+                <a:latin typeface="+mj-ea"/>
+                <a:ea typeface="+mj-ea"/>
+              </a:rPr>
+              <a:t>(</a:t>
+            </a:r>
+            <a:r>
+              <a:rPr lang="en-US" altLang="ko-KR" sz="4000" b="1" dirty="0" smtClean="0">
+                <a:solidFill>
+                  <a:schemeClr val="bg1"/>
+                </a:solidFill>
+                <a:latin typeface="Couture" panose="020B0804020202020204" pitchFamily="34" charset="0"/>
+                <a:ea typeface="+mj-ea"/>
+              </a:rPr>
+              <a:t>sub</a:t>
+            </a:r>
+            <a:r>
+              <a:rPr lang="en-US" altLang="ko-KR" sz="4000" b="1" dirty="0" smtClean="0">
+                <a:solidFill>
+                  <a:schemeClr val="bg1"/>
+                </a:solidFill>
+                <a:latin typeface="+mj-ea"/>
+                <a:ea typeface="+mj-ea"/>
+              </a:rPr>
+              <a:t>).</a:t>
+            </a:r>
+            <a:r>
+              <a:rPr lang="en-US" altLang="ko-KR" sz="4000" b="1" dirty="0" smtClean="0">
+                <a:solidFill>
+                  <a:schemeClr val="bg1"/>
+                </a:solidFill>
+                <a:latin typeface="Couture" panose="020B0804020202020204" pitchFamily="34" charset="0"/>
+                <a:ea typeface="+mj-ea"/>
+              </a:rPr>
+              <a:t>pro</a:t>
+            </a:r>
+            <a:endParaRPr lang="ko-KR" altLang="en-US" sz="4000" b="1" dirty="0">
+              <a:solidFill>
+                <a:schemeClr val="bg1"/>
+              </a:solidFill>
+              <a:latin typeface="Couture" panose="020B0804020202020204" pitchFamily="34" charset="0"/>
+              <a:ea typeface="+mj-ea"/>
+            </a:endParaRPr>
+          </a:p>
+        </p:txBody>
+      </p:sp>
+      <p:sp>
+        <p:nvSpPr>
+          <p:cNvPr id="3" name="텍스트 상자 101"/>
+          <p:cNvSpPr txBox="1">
+            <a:spLocks/>
+          </p:cNvSpPr>
+          <p:nvPr/>
+        </p:nvSpPr>
+        <p:spPr>
+          <a:xfrm>
+            <a:off x="97155" y="65405"/>
+            <a:ext cx="1325880" cy="1323975"/>
+          </a:xfrm>
+          <a:prstGeom prst="rect">
+            <a:avLst/>
+          </a:prstGeom>
+          <a:noFill/>
+          <a:ln w="63500" cap="flat" cmpd="sng">
+            <a:solidFill>
+              <a:schemeClr val="bg1"/>
+            </a:solidFill>
+            <a:prstDash val="solid"/>
+            <a:round/>
+          </a:ln>
+        </p:spPr>
+        <p:txBody>
+          <a:bodyPr vert="horz" wrap="square" lIns="89535" tIns="46355" rIns="89535" bIns="46355" anchor="t">
+            <a:spAutoFit/>
+          </a:bodyPr>
+          <a:lstStyle/>
+          <a:p>
+            <a:pPr marL="0" indent="0" algn="ctr" hangingPunct="1"/>
+            <a:r>
+              <a:rPr lang="ko-KR" sz="8000" dirty="0" smtClean="0">
+                <a:solidFill>
+                  <a:schemeClr val="bg1"/>
+                </a:solidFill>
+                <a:latin typeface="맑은 고딕" charset="0"/>
+                <a:ea typeface="맑은 고딕" charset="0"/>
+              </a:rPr>
+              <a:t>0</a:t>
+            </a:r>
+            <a:r>
+              <a:rPr lang="en-US" altLang="ko-KR" sz="8000" dirty="0" smtClean="0">
+                <a:solidFill>
+                  <a:schemeClr val="bg1"/>
+                </a:solidFill>
+                <a:latin typeface="맑은 고딕" charset="0"/>
+                <a:ea typeface="맑은 고딕" charset="0"/>
+              </a:rPr>
+              <a:t>2</a:t>
+            </a:r>
+            <a:endParaRPr lang="ko-KR" altLang="en-US" sz="8000" dirty="0">
+              <a:solidFill>
+                <a:schemeClr val="bg1"/>
+              </a:solidFill>
+              <a:latin typeface="맑은 고딕" charset="0"/>
+              <a:ea typeface="맑은 고딕" charset="0"/>
+            </a:endParaRPr>
+          </a:p>
+        </p:txBody>
+      </p:sp>
+      <p:sp>
+        <p:nvSpPr>
+          <p:cNvPr id="4" name="텍스트 상자 102"/>
+          <p:cNvSpPr txBox="1">
+            <a:spLocks/>
+          </p:cNvSpPr>
+          <p:nvPr/>
+        </p:nvSpPr>
+        <p:spPr>
+          <a:xfrm>
+            <a:off x="220980" y="1850390"/>
+            <a:ext cx="1083310" cy="3171381"/>
+          </a:xfrm>
+          <a:prstGeom prst="rect">
+            <a:avLst/>
+          </a:prstGeom>
+          <a:noFill/>
+          <a:ln w="38100" cap="flat" cmpd="sng">
+            <a:noFill/>
+            <a:prstDash/>
+            <a:round/>
+          </a:ln>
+        </p:spPr>
+        <p:txBody>
+          <a:bodyPr vert="horz" wrap="square" lIns="89535" tIns="46355" rIns="89535" bIns="46355" anchor="t">
+            <a:spAutoFit/>
+          </a:bodyPr>
+          <a:lstStyle/>
+          <a:p>
+            <a:pPr marL="0" indent="0" algn="ctr" hangingPunct="1"/>
+            <a:r>
+              <a:rPr lang="ko-KR" altLang="en-US" sz="5000" dirty="0" err="1" smtClean="0">
+                <a:solidFill>
+                  <a:schemeClr val="bg1"/>
+                </a:solidFill>
+                <a:latin typeface="맑은 고딕" charset="0"/>
+                <a:ea typeface="맑은 고딕" charset="0"/>
+              </a:rPr>
+              <a:t>화면구현</a:t>
+            </a:r>
+            <a:endParaRPr lang="ko-KR" altLang="en-US" sz="5000" dirty="0">
+              <a:solidFill>
+                <a:schemeClr val="bg1"/>
+              </a:solidFill>
+              <a:latin typeface="맑은 고딕" charset="0"/>
+              <a:ea typeface="맑은 고딕" charset="0"/>
+            </a:endParaRPr>
+          </a:p>
+        </p:txBody>
+      </p:sp>
+      <p:sp>
+        <p:nvSpPr>
+          <p:cNvPr id="5" name="텍스트 상자 110"/>
+          <p:cNvSpPr txBox="1">
+            <a:spLocks/>
+          </p:cNvSpPr>
+          <p:nvPr/>
+        </p:nvSpPr>
+        <p:spPr>
+          <a:xfrm>
+            <a:off x="11229495" y="516646"/>
+            <a:ext cx="872490" cy="5633593"/>
+          </a:xfrm>
+          <a:prstGeom prst="rect">
+            <a:avLst/>
+          </a:prstGeom>
+          <a:noFill/>
+          <a:ln w="0">
+            <a:noFill/>
+            <a:prstDash/>
+          </a:ln>
+        </p:spPr>
+        <p:txBody>
+          <a:bodyPr vert="horz" wrap="square" lIns="89535" tIns="46355" rIns="89535" bIns="46355" anchor="t">
+            <a:spAutoFit/>
+          </a:bodyPr>
+          <a:lstStyle/>
+          <a:p>
+            <a:pPr marL="0" indent="0" algn="ctr" hangingPunct="1"/>
+            <a:r>
+              <a:rPr lang="en-US" altLang="ko-KR" sz="6000" b="1" dirty="0" err="1" smtClean="0">
+                <a:solidFill>
+                  <a:schemeClr val="bg1"/>
+                </a:solidFill>
+                <a:latin typeface="Couture" charset="0"/>
+                <a:ea typeface="Couture" charset="0"/>
+              </a:rPr>
+              <a:t>coDING</a:t>
+            </a:r>
+            <a:endParaRPr lang="ko-KR" altLang="en-US" sz="6000" b="1" dirty="0">
+              <a:solidFill>
+                <a:schemeClr val="bg1"/>
+              </a:solidFill>
+              <a:latin typeface="Couture" charset="0"/>
+              <a:ea typeface="Couture" charset="0"/>
+            </a:endParaRPr>
+          </a:p>
+        </p:txBody>
+      </p:sp>
+      <p:pic>
+        <p:nvPicPr>
+          <p:cNvPr id="6" name="그림 5"/>
+          <p:cNvPicPr>
+            <a:picLocks noChangeAspect="1"/>
+          </p:cNvPicPr>
+          <p:nvPr/>
+        </p:nvPicPr>
+        <p:blipFill>
+          <a:blip r:embed="rId2">
+            <a:extLst>
+              <a:ext uri="{28A0092B-C50C-407E-A947-70E740481C1C}">
+                <a14:useLocalDpi xmlns:a14="http://schemas.microsoft.com/office/drawing/2010/main" val="0"/>
+              </a:ext>
+            </a:extLst>
+          </a:blip>
+          <a:stretch>
+            <a:fillRect/>
+          </a:stretch>
+        </p:blipFill>
+        <p:spPr>
+          <a:xfrm>
+            <a:off x="1799279" y="1510080"/>
+            <a:ext cx="1653048" cy="1823362"/>
+          </a:xfrm>
+          <a:prstGeom prst="rect">
+            <a:avLst/>
+          </a:prstGeom>
+          <a:ln>
+            <a:solidFill>
+              <a:schemeClr val="bg1"/>
+            </a:solidFill>
+          </a:ln>
+        </p:spPr>
+      </p:pic>
+      <p:pic>
+        <p:nvPicPr>
+          <p:cNvPr id="7" name="그림 6"/>
+          <p:cNvPicPr>
+            <a:picLocks noChangeAspect="1"/>
+          </p:cNvPicPr>
+          <p:nvPr/>
+        </p:nvPicPr>
+        <p:blipFill>
+          <a:blip r:embed="rId3">
+            <a:extLst>
+              <a:ext uri="{28A0092B-C50C-407E-A947-70E740481C1C}">
+                <a14:useLocalDpi xmlns:a14="http://schemas.microsoft.com/office/drawing/2010/main" val="0"/>
+              </a:ext>
+            </a:extLst>
+          </a:blip>
+          <a:stretch>
+            <a:fillRect/>
+          </a:stretch>
+        </p:blipFill>
+        <p:spPr>
+          <a:xfrm>
+            <a:off x="4097551" y="1510080"/>
+            <a:ext cx="1650108" cy="1823362"/>
+          </a:xfrm>
+          <a:prstGeom prst="rect">
+            <a:avLst/>
+          </a:prstGeom>
+          <a:ln>
+            <a:solidFill>
+              <a:schemeClr val="bg1"/>
+            </a:solidFill>
+          </a:ln>
+        </p:spPr>
+      </p:pic>
+      <p:pic>
+        <p:nvPicPr>
+          <p:cNvPr id="8" name="그림 7"/>
+          <p:cNvPicPr>
+            <a:picLocks noChangeAspect="1"/>
+          </p:cNvPicPr>
+          <p:nvPr/>
+        </p:nvPicPr>
+        <p:blipFill>
+          <a:blip r:embed="rId4">
+            <a:extLst>
+              <a:ext uri="{28A0092B-C50C-407E-A947-70E740481C1C}">
+                <a14:useLocalDpi xmlns:a14="http://schemas.microsoft.com/office/drawing/2010/main" val="0"/>
+              </a:ext>
+            </a:extLst>
+          </a:blip>
+          <a:stretch>
+            <a:fillRect/>
+          </a:stretch>
+        </p:blipFill>
+        <p:spPr>
+          <a:xfrm>
+            <a:off x="6429620" y="1510080"/>
+            <a:ext cx="1650108" cy="1823362"/>
+          </a:xfrm>
+          <a:prstGeom prst="rect">
+            <a:avLst/>
+          </a:prstGeom>
+          <a:ln>
+            <a:solidFill>
+              <a:schemeClr val="bg1"/>
+            </a:solidFill>
+          </a:ln>
+        </p:spPr>
+      </p:pic>
+    </p:spTree>
+    <p:extLst>
+      <p:ext uri="{BB962C8B-B14F-4D97-AF65-F5344CB8AC3E}">
+        <p14:creationId xmlns:p14="http://schemas.microsoft.com/office/powerpoint/2010/main" val="2373004903"/>
+      </p:ext>
+    </p:extLst>
+  </p:cSld>
+  <p:clrMapOvr>
+    <a:masterClrMapping/>
+  </p:clrMapOvr>
+  <p:timing>
+    <p:tnLst>
+      <p:par>
+        <p:cTn id="1" dur="indefinite" restart="never" nodeType="tmRoot"/>
+      </p:par>
+    </p:tnLst>
+  </p:timing>
+</p:sld>
+</file>
+
+<file path=ppt/slides/slide2.xml><?xml version="1.0" encoding="utf-8"?>
+<p:sld xmlns:a="http://schemas.openxmlformats.org/drawingml/2006/main" xmlns:r="http://schemas.openxmlformats.org/officeDocument/2006/relationships" xmlns:p="http://schemas.openxmlformats.org/presentationml/2006/main">
+  <p:cSld>
+    <p:bg>
+      <p:bgPr>
+        <a:solidFill>
+          <a:schemeClr val="tx1"/>
+        </a:solidFill>
+        <a:effectLst/>
+      </p:bgPr>
+    </p:bg>
+    <p:spTree>
+      <p:nvGrpSpPr>
+        <p:cNvPr id="1" name=""/>
+        <p:cNvGrpSpPr/>
+        <p:nvPr/>
+      </p:nvGrpSpPr>
+      <p:grpSpPr>
+        <a:xfrm>
+          <a:off x="0" y="0"/>
+          <a:ext cx="0" cy="0"/>
+          <a:chOff x="0" y="0"/>
+          <a:chExt cx="0" cy="0"/>
+        </a:xfrm>
+      </p:grpSpPr>
+      <p:sp>
+        <p:nvSpPr>
+          <p:cNvPr id="4" name="TextBox 3"/>
+          <p:cNvSpPr txBox="1"/>
+          <p:nvPr/>
+        </p:nvSpPr>
+        <p:spPr>
+          <a:xfrm>
+            <a:off x="93307" y="214606"/>
+            <a:ext cx="4525346" cy="1015663"/>
+          </a:xfrm>
+          <a:prstGeom prst="rect">
+            <a:avLst/>
+          </a:prstGeom>
+          <a:noFill/>
         </p:spPr>
         <p:txBody>
           <a:bodyPr wrap="square" rtlCol="0">
@@ -3440,25 +4660,17 @@
           </a:bodyPr>
           <a:lstStyle/>
           <a:p>
-            <a:r>
-              <a:rPr lang="en-US" altLang="ko-KR" dirty="0" err="1" smtClean="0">
+            <a:pPr algn="ctr"/>
+            <a:r>
+              <a:rPr lang="en-US" altLang="ko-KR" sz="6000" dirty="0" smtClean="0">
                 <a:solidFill>
                   <a:schemeClr val="bg1"/>
                 </a:solidFill>
                 <a:latin typeface="Couture" panose="020B0804020202020204" pitchFamily="34" charset="0"/>
               </a:rPr>
-              <a:t>k.d.w</a:t>
-            </a:r>
-            <a:r>
-              <a:rPr lang="en-US" altLang="ko-KR" dirty="0" smtClean="0">
-                <a:solidFill>
-                  <a:schemeClr val="bg1"/>
-                </a:solidFill>
-                <a:latin typeface="Couture" panose="020B0804020202020204" pitchFamily="34" charset="0"/>
-              </a:rPr>
-              <a:t>.</a:t>
-            </a:r>
-            <a:endParaRPr lang="ko-KR" altLang="en-US" dirty="0">
+              <a:t>sequence</a:t>
+            </a:r>
+            <a:endParaRPr lang="ko-KR" altLang="en-US" sz="6000" dirty="0">
               <a:solidFill>
                 <a:schemeClr val="bg1"/>
               </a:solidFill>
@@ -3467,10 +4679,2423 @@
           </a:p>
         </p:txBody>
       </p:sp>
+      <p:sp>
+        <p:nvSpPr>
+          <p:cNvPr id="5" name="텍스트 상자 25"/>
+          <p:cNvSpPr txBox="1">
+            <a:spLocks/>
+          </p:cNvSpPr>
+          <p:nvPr/>
+        </p:nvSpPr>
+        <p:spPr>
+          <a:xfrm>
+            <a:off x="908399" y="1538567"/>
+            <a:ext cx="1325880" cy="1323975"/>
+          </a:xfrm>
+          <a:prstGeom prst="rect">
+            <a:avLst/>
+          </a:prstGeom>
+          <a:noFill/>
+          <a:ln w="63500" cap="flat" cmpd="sng">
+            <a:solidFill>
+              <a:schemeClr val="bg1"/>
+            </a:solidFill>
+            <a:prstDash val="solid"/>
+            <a:round/>
+          </a:ln>
+        </p:spPr>
+        <p:txBody>
+          <a:bodyPr vert="horz" wrap="square" lIns="89535" tIns="46355" rIns="89535" bIns="46355" anchor="t">
+            <a:spAutoFit/>
+          </a:bodyPr>
+          <a:lstStyle/>
+          <a:p>
+            <a:pPr marL="0" indent="0" algn="ctr" hangingPunct="1"/>
+            <a:r>
+              <a:rPr lang="ko-KR" sz="8000">
+                <a:solidFill>
+                  <a:schemeClr val="bg1"/>
+                </a:solidFill>
+                <a:latin typeface="맑은 고딕" charset="0"/>
+                <a:ea typeface="맑은 고딕" charset="0"/>
+              </a:rPr>
+              <a:t>01</a:t>
+            </a:r>
+            <a:endParaRPr lang="ko-KR" altLang="en-US" sz="8000">
+              <a:solidFill>
+                <a:schemeClr val="bg1"/>
+              </a:solidFill>
+              <a:latin typeface="맑은 고딕" charset="0"/>
+              <a:ea typeface="맑은 고딕" charset="0"/>
+            </a:endParaRPr>
+          </a:p>
+        </p:txBody>
+      </p:sp>
+      <p:sp>
+        <p:nvSpPr>
+          <p:cNvPr id="6" name="텍스트 상자 58"/>
+          <p:cNvSpPr txBox="1">
+            <a:spLocks/>
+          </p:cNvSpPr>
+          <p:nvPr/>
+        </p:nvSpPr>
+        <p:spPr>
+          <a:xfrm>
+            <a:off x="2476874" y="2862542"/>
+            <a:ext cx="1083310" cy="1631315"/>
+          </a:xfrm>
+          <a:prstGeom prst="rect">
+            <a:avLst/>
+          </a:prstGeom>
+          <a:noFill/>
+          <a:ln w="38100" cap="flat" cmpd="sng">
+            <a:noFill/>
+            <a:prstDash/>
+            <a:round/>
+          </a:ln>
+        </p:spPr>
+        <p:txBody>
+          <a:bodyPr vert="horz" wrap="square" lIns="89535" tIns="46355" rIns="89535" bIns="46355" anchor="t">
+            <a:spAutoFit/>
+          </a:bodyPr>
+          <a:lstStyle/>
+          <a:p>
+            <a:pPr marL="0" indent="0" algn="ctr" hangingPunct="1"/>
+            <a:r>
+              <a:rPr sz="5000" dirty="0">
+                <a:solidFill>
+                  <a:schemeClr val="bg1"/>
+                </a:solidFill>
+                <a:latin typeface="맑은 고딕" charset="0"/>
+                <a:ea typeface="맑은 고딕" charset="0"/>
+              </a:rPr>
+              <a:t>기</a:t>
+            </a:r>
+            <a:r>
+              <a:rPr lang="ko-KR" sz="5000" dirty="0">
+                <a:solidFill>
+                  <a:schemeClr val="bg1"/>
+                </a:solidFill>
+                <a:latin typeface="맑은 고딕" charset="0"/>
+                <a:ea typeface="맑은 고딕" charset="0"/>
+              </a:rPr>
+              <a:t>획</a:t>
+            </a:r>
+            <a:endParaRPr lang="ko-KR" altLang="en-US" sz="5000" dirty="0">
+              <a:solidFill>
+                <a:schemeClr val="bg1"/>
+              </a:solidFill>
+              <a:latin typeface="맑은 고딕" charset="0"/>
+              <a:ea typeface="맑은 고딕" charset="0"/>
+            </a:endParaRPr>
+          </a:p>
+        </p:txBody>
+      </p:sp>
+      <p:sp>
+        <p:nvSpPr>
+          <p:cNvPr id="7" name="텍스트 상자 25"/>
+          <p:cNvSpPr txBox="1">
+            <a:spLocks/>
+          </p:cNvSpPr>
+          <p:nvPr/>
+        </p:nvSpPr>
+        <p:spPr>
+          <a:xfrm>
+            <a:off x="4774381" y="2862542"/>
+            <a:ext cx="1325880" cy="1323975"/>
+          </a:xfrm>
+          <a:prstGeom prst="rect">
+            <a:avLst/>
+          </a:prstGeom>
+          <a:noFill/>
+          <a:ln w="63500" cap="flat" cmpd="sng">
+            <a:solidFill>
+              <a:schemeClr val="bg1"/>
+            </a:solidFill>
+            <a:prstDash val="solid"/>
+            <a:round/>
+          </a:ln>
+        </p:spPr>
+        <p:txBody>
+          <a:bodyPr vert="horz" wrap="square" lIns="89535" tIns="46355" rIns="89535" bIns="46355" anchor="t">
+            <a:spAutoFit/>
+          </a:bodyPr>
+          <a:lstStyle/>
+          <a:p>
+            <a:pPr marL="0" indent="0" algn="ctr" hangingPunct="1"/>
+            <a:r>
+              <a:rPr lang="ko-KR" sz="8000" dirty="0" smtClean="0">
+                <a:solidFill>
+                  <a:schemeClr val="bg1"/>
+                </a:solidFill>
+                <a:latin typeface="맑은 고딕" charset="0"/>
+                <a:ea typeface="맑은 고딕" charset="0"/>
+              </a:rPr>
+              <a:t>0</a:t>
+            </a:r>
+            <a:r>
+              <a:rPr lang="en-US" altLang="ko-KR" sz="8000" dirty="0" smtClean="0">
+                <a:solidFill>
+                  <a:schemeClr val="bg1"/>
+                </a:solidFill>
+                <a:latin typeface="맑은 고딕" charset="0"/>
+                <a:ea typeface="맑은 고딕" charset="0"/>
+              </a:rPr>
+              <a:t>2</a:t>
+            </a:r>
+            <a:endParaRPr lang="ko-KR" altLang="en-US" sz="8000" dirty="0">
+              <a:solidFill>
+                <a:schemeClr val="bg1"/>
+              </a:solidFill>
+              <a:latin typeface="맑은 고딕" charset="0"/>
+              <a:ea typeface="맑은 고딕" charset="0"/>
+            </a:endParaRPr>
+          </a:p>
+        </p:txBody>
+      </p:sp>
+      <p:sp>
+        <p:nvSpPr>
+          <p:cNvPr id="8" name="텍스트 상자 58"/>
+          <p:cNvSpPr txBox="1">
+            <a:spLocks/>
+          </p:cNvSpPr>
+          <p:nvPr/>
+        </p:nvSpPr>
+        <p:spPr>
+          <a:xfrm>
+            <a:off x="6367093" y="3376698"/>
+            <a:ext cx="1083310" cy="3171381"/>
+          </a:xfrm>
+          <a:prstGeom prst="rect">
+            <a:avLst/>
+          </a:prstGeom>
+          <a:noFill/>
+          <a:ln w="38100" cap="flat" cmpd="sng">
+            <a:noFill/>
+            <a:prstDash/>
+            <a:round/>
+          </a:ln>
+        </p:spPr>
+        <p:txBody>
+          <a:bodyPr vert="horz" wrap="square" lIns="89535" tIns="46355" rIns="89535" bIns="46355" anchor="t">
+            <a:spAutoFit/>
+          </a:bodyPr>
+          <a:lstStyle/>
+          <a:p>
+            <a:pPr marL="0" indent="0" algn="ctr" hangingPunct="1"/>
+            <a:r>
+              <a:rPr lang="ko-KR" altLang="en-US" sz="5000" dirty="0" err="1" smtClean="0">
+                <a:solidFill>
+                  <a:schemeClr val="bg1"/>
+                </a:solidFill>
+                <a:latin typeface="맑은 고딕" charset="0"/>
+                <a:ea typeface="맑은 고딕" charset="0"/>
+              </a:rPr>
+              <a:t>화면구현</a:t>
+            </a:r>
+            <a:endParaRPr lang="ko-KR" altLang="en-US" sz="5000" dirty="0">
+              <a:solidFill>
+                <a:schemeClr val="bg1"/>
+              </a:solidFill>
+              <a:latin typeface="맑은 고딕" charset="0"/>
+              <a:ea typeface="맑은 고딕" charset="0"/>
+            </a:endParaRPr>
+          </a:p>
+        </p:txBody>
+      </p:sp>
+      <p:sp>
+        <p:nvSpPr>
+          <p:cNvPr id="9" name="텍스트 상자 25"/>
+          <p:cNvSpPr txBox="1">
+            <a:spLocks/>
+          </p:cNvSpPr>
+          <p:nvPr/>
+        </p:nvSpPr>
+        <p:spPr>
+          <a:xfrm>
+            <a:off x="8278870" y="4192947"/>
+            <a:ext cx="1325880" cy="1323975"/>
+          </a:xfrm>
+          <a:prstGeom prst="rect">
+            <a:avLst/>
+          </a:prstGeom>
+          <a:noFill/>
+          <a:ln w="63500" cap="flat" cmpd="sng">
+            <a:solidFill>
+              <a:schemeClr val="bg1"/>
+            </a:solidFill>
+            <a:prstDash val="solid"/>
+            <a:round/>
+          </a:ln>
+        </p:spPr>
+        <p:txBody>
+          <a:bodyPr vert="horz" wrap="square" lIns="89535" tIns="46355" rIns="89535" bIns="46355" anchor="t">
+            <a:spAutoFit/>
+          </a:bodyPr>
+          <a:lstStyle/>
+          <a:p>
+            <a:pPr marL="0" indent="0" algn="ctr" hangingPunct="1"/>
+            <a:r>
+              <a:rPr lang="ko-KR" sz="8000" dirty="0" smtClean="0">
+                <a:solidFill>
+                  <a:schemeClr val="bg1"/>
+                </a:solidFill>
+                <a:latin typeface="맑은 고딕" charset="0"/>
+                <a:ea typeface="맑은 고딕" charset="0"/>
+              </a:rPr>
+              <a:t>0</a:t>
+            </a:r>
+            <a:r>
+              <a:rPr lang="en-US" altLang="ko-KR" sz="8000" dirty="0" smtClean="0">
+                <a:solidFill>
+                  <a:schemeClr val="bg1"/>
+                </a:solidFill>
+                <a:latin typeface="맑은 고딕" charset="0"/>
+                <a:ea typeface="맑은 고딕" charset="0"/>
+              </a:rPr>
+              <a:t>3</a:t>
+            </a:r>
+            <a:endParaRPr lang="ko-KR" altLang="en-US" sz="8000" dirty="0">
+              <a:solidFill>
+                <a:schemeClr val="bg1"/>
+              </a:solidFill>
+              <a:latin typeface="맑은 고딕" charset="0"/>
+              <a:ea typeface="맑은 고딕" charset="0"/>
+            </a:endParaRPr>
+          </a:p>
+        </p:txBody>
+      </p:sp>
+      <p:sp>
+        <p:nvSpPr>
+          <p:cNvPr id="11" name="텍스트 상자 58"/>
+          <p:cNvSpPr txBox="1">
+            <a:spLocks/>
+          </p:cNvSpPr>
+          <p:nvPr/>
+        </p:nvSpPr>
+        <p:spPr>
+          <a:xfrm>
+            <a:off x="9785854" y="4700673"/>
+            <a:ext cx="1083310" cy="1632498"/>
+          </a:xfrm>
+          <a:prstGeom prst="rect">
+            <a:avLst/>
+          </a:prstGeom>
+          <a:noFill/>
+          <a:ln w="38100" cap="flat" cmpd="sng">
+            <a:noFill/>
+            <a:prstDash/>
+            <a:round/>
+          </a:ln>
+        </p:spPr>
+        <p:txBody>
+          <a:bodyPr vert="horz" wrap="square" lIns="89535" tIns="46355" rIns="89535" bIns="46355" anchor="t">
+            <a:spAutoFit/>
+          </a:bodyPr>
+          <a:lstStyle/>
+          <a:p>
+            <a:pPr marL="0" indent="0" algn="ctr" hangingPunct="1"/>
+            <a:r>
+              <a:rPr lang="ko-KR" altLang="en-US" sz="5000" dirty="0" smtClean="0">
+                <a:solidFill>
+                  <a:schemeClr val="bg1"/>
+                </a:solidFill>
+                <a:latin typeface="맑은 고딕" charset="0"/>
+                <a:ea typeface="맑은 고딕" charset="0"/>
+              </a:rPr>
+              <a:t>후기</a:t>
+            </a:r>
+            <a:endParaRPr lang="ko-KR" altLang="en-US" sz="5000" dirty="0">
+              <a:solidFill>
+                <a:schemeClr val="bg1"/>
+              </a:solidFill>
+              <a:latin typeface="맑은 고딕" charset="0"/>
+              <a:ea typeface="맑은 고딕" charset="0"/>
+            </a:endParaRPr>
+          </a:p>
+        </p:txBody>
+      </p:sp>
     </p:spTree>
     <p:extLst>
       <p:ext uri="{BB962C8B-B14F-4D97-AF65-F5344CB8AC3E}">
-        <p14:creationId xmlns:p14="http://schemas.microsoft.com/office/powerpoint/2010/main" val="1790232356"/>
+        <p14:creationId xmlns:p14="http://schemas.microsoft.com/office/powerpoint/2010/main" val="2151584521"/>
+      </p:ext>
+    </p:extLst>
+  </p:cSld>
+  <p:clrMapOvr>
+    <a:masterClrMapping/>
+  </p:clrMapOvr>
+  <p:timing>
+    <p:tnLst>
+      <p:par>
+        <p:cTn id="1" dur="indefinite" restart="never" nodeType="tmRoot"/>
+      </p:par>
+    </p:tnLst>
+  </p:timing>
+</p:sld>
+</file>
+
+<file path=ppt/slides/slide3.xml><?xml version="1.0" encoding="utf-8"?>
+<p:sld xmlns:a="http://schemas.openxmlformats.org/drawingml/2006/main" xmlns:r="http://schemas.openxmlformats.org/officeDocument/2006/relationships" xmlns:p="http://schemas.openxmlformats.org/presentationml/2006/main">
+  <p:cSld>
+    <p:bg>
+      <p:bgPr>
+        <a:solidFill>
+          <a:schemeClr val="tx1"/>
+        </a:solidFill>
+        <a:effectLst/>
+      </p:bgPr>
+    </p:bg>
+    <p:spTree>
+      <p:nvGrpSpPr>
+        <p:cNvPr id="1" name=""/>
+        <p:cNvGrpSpPr/>
+        <p:nvPr/>
+      </p:nvGrpSpPr>
+      <p:grpSpPr>
+        <a:xfrm>
+          <a:off x="0" y="0"/>
+          <a:ext cx="0" cy="0"/>
+          <a:chOff x="0" y="0"/>
+          <a:chExt cx="0" cy="0"/>
+        </a:xfrm>
+      </p:grpSpPr>
+      <p:sp>
+        <p:nvSpPr>
+          <p:cNvPr id="2" name="텍스트 상자 101"/>
+          <p:cNvSpPr txBox="1">
+            <a:spLocks/>
+          </p:cNvSpPr>
+          <p:nvPr/>
+        </p:nvSpPr>
+        <p:spPr>
+          <a:xfrm>
+            <a:off x="97155" y="65405"/>
+            <a:ext cx="1325880" cy="1323975"/>
+          </a:xfrm>
+          <a:prstGeom prst="rect">
+            <a:avLst/>
+          </a:prstGeom>
+          <a:noFill/>
+          <a:ln w="63500" cap="flat" cmpd="sng">
+            <a:solidFill>
+              <a:schemeClr val="bg1"/>
+            </a:solidFill>
+            <a:prstDash val="solid"/>
+            <a:round/>
+          </a:ln>
+        </p:spPr>
+        <p:txBody>
+          <a:bodyPr vert="horz" wrap="square" lIns="89535" tIns="46355" rIns="89535" bIns="46355" anchor="t">
+            <a:spAutoFit/>
+          </a:bodyPr>
+          <a:lstStyle/>
+          <a:p>
+            <a:pPr marL="0" indent="0" algn="ctr" hangingPunct="1"/>
+            <a:r>
+              <a:rPr lang="ko-KR" sz="8000" dirty="0">
+                <a:solidFill>
+                  <a:schemeClr val="bg1"/>
+                </a:solidFill>
+                <a:latin typeface="맑은 고딕" charset="0"/>
+                <a:ea typeface="맑은 고딕" charset="0"/>
+              </a:rPr>
+              <a:t>01</a:t>
+            </a:r>
+            <a:endParaRPr lang="ko-KR" altLang="en-US" sz="8000" dirty="0">
+              <a:solidFill>
+                <a:schemeClr val="bg1"/>
+              </a:solidFill>
+              <a:latin typeface="맑은 고딕" charset="0"/>
+              <a:ea typeface="맑은 고딕" charset="0"/>
+            </a:endParaRPr>
+          </a:p>
+        </p:txBody>
+      </p:sp>
+      <p:sp>
+        <p:nvSpPr>
+          <p:cNvPr id="3" name="텍스트 상자 102"/>
+          <p:cNvSpPr txBox="1">
+            <a:spLocks/>
+          </p:cNvSpPr>
+          <p:nvPr/>
+        </p:nvSpPr>
+        <p:spPr>
+          <a:xfrm>
+            <a:off x="220980" y="1850390"/>
+            <a:ext cx="1083310" cy="1631315"/>
+          </a:xfrm>
+          <a:prstGeom prst="rect">
+            <a:avLst/>
+          </a:prstGeom>
+          <a:noFill/>
+          <a:ln w="38100" cap="flat" cmpd="sng">
+            <a:noFill/>
+            <a:prstDash/>
+            <a:round/>
+          </a:ln>
+        </p:spPr>
+        <p:txBody>
+          <a:bodyPr vert="horz" wrap="square" lIns="89535" tIns="46355" rIns="89535" bIns="46355" anchor="t">
+            <a:spAutoFit/>
+          </a:bodyPr>
+          <a:lstStyle/>
+          <a:p>
+            <a:pPr marL="0" indent="0" algn="ctr" hangingPunct="1"/>
+            <a:r>
+              <a:rPr sz="5000" dirty="0">
+                <a:solidFill>
+                  <a:schemeClr val="bg1"/>
+                </a:solidFill>
+                <a:latin typeface="맑은 고딕" charset="0"/>
+                <a:ea typeface="맑은 고딕" charset="0"/>
+              </a:rPr>
+              <a:t>기</a:t>
+            </a:r>
+            <a:r>
+              <a:rPr lang="ko-KR" sz="5000" dirty="0">
+                <a:solidFill>
+                  <a:schemeClr val="bg1"/>
+                </a:solidFill>
+                <a:latin typeface="맑은 고딕" charset="0"/>
+                <a:ea typeface="맑은 고딕" charset="0"/>
+              </a:rPr>
+              <a:t>획</a:t>
+            </a:r>
+            <a:endParaRPr lang="ko-KR" altLang="en-US" sz="5000" dirty="0">
+              <a:solidFill>
+                <a:schemeClr val="bg1"/>
+              </a:solidFill>
+              <a:latin typeface="맑은 고딕" charset="0"/>
+              <a:ea typeface="맑은 고딕" charset="0"/>
+            </a:endParaRPr>
+          </a:p>
+        </p:txBody>
+      </p:sp>
+      <p:sp>
+        <p:nvSpPr>
+          <p:cNvPr id="4" name="텍스트 상자 110"/>
+          <p:cNvSpPr txBox="1">
+            <a:spLocks/>
+          </p:cNvSpPr>
+          <p:nvPr/>
+        </p:nvSpPr>
+        <p:spPr>
+          <a:xfrm>
+            <a:off x="11238827" y="798998"/>
+            <a:ext cx="872490" cy="4710264"/>
+          </a:xfrm>
+          <a:prstGeom prst="rect">
+            <a:avLst/>
+          </a:prstGeom>
+          <a:noFill/>
+          <a:ln w="0">
+            <a:noFill/>
+            <a:prstDash/>
+          </a:ln>
+        </p:spPr>
+        <p:txBody>
+          <a:bodyPr vert="horz" wrap="square" lIns="89535" tIns="46355" rIns="89535" bIns="46355" anchor="t">
+            <a:spAutoFit/>
+          </a:bodyPr>
+          <a:lstStyle/>
+          <a:p>
+            <a:pPr marL="0" indent="0" algn="ctr" hangingPunct="1"/>
+            <a:r>
+              <a:rPr lang="en-US" altLang="ko-KR" sz="6000" b="1" dirty="0" smtClean="0">
+                <a:solidFill>
+                  <a:schemeClr val="bg1"/>
+                </a:solidFill>
+                <a:latin typeface="Couture" charset="0"/>
+                <a:ea typeface="Couture" charset="0"/>
+              </a:rPr>
+              <a:t>topic</a:t>
+            </a:r>
+            <a:endParaRPr lang="ko-KR" altLang="en-US" sz="6000" b="1" dirty="0">
+              <a:solidFill>
+                <a:schemeClr val="bg1"/>
+              </a:solidFill>
+              <a:latin typeface="Couture" charset="0"/>
+              <a:ea typeface="Couture" charset="0"/>
+            </a:endParaRPr>
+          </a:p>
+        </p:txBody>
+      </p:sp>
+    </p:spTree>
+    <p:extLst>
+      <p:ext uri="{BB962C8B-B14F-4D97-AF65-F5344CB8AC3E}">
+        <p14:creationId xmlns:p14="http://schemas.microsoft.com/office/powerpoint/2010/main" val="2497473758"/>
+      </p:ext>
+    </p:extLst>
+  </p:cSld>
+  <p:clrMapOvr>
+    <a:masterClrMapping/>
+  </p:clrMapOvr>
+  <p:timing>
+    <p:tnLst>
+      <p:par>
+        <p:cTn id="1" dur="indefinite" restart="never" nodeType="tmRoot"/>
+      </p:par>
+    </p:tnLst>
+  </p:timing>
+</p:sld>
+</file>
+
+<file path=ppt/slides/slide4.xml><?xml version="1.0" encoding="utf-8"?>
+<p:sld xmlns:a="http://schemas.openxmlformats.org/drawingml/2006/main" xmlns:r="http://schemas.openxmlformats.org/officeDocument/2006/relationships" xmlns:p="http://schemas.openxmlformats.org/presentationml/2006/main">
+  <p:cSld>
+    <p:bg>
+      <p:bgPr>
+        <a:solidFill>
+          <a:schemeClr val="tx1"/>
+        </a:solidFill>
+        <a:effectLst/>
+      </p:bgPr>
+    </p:bg>
+    <p:spTree>
+      <p:nvGrpSpPr>
+        <p:cNvPr id="1" name=""/>
+        <p:cNvGrpSpPr/>
+        <p:nvPr/>
+      </p:nvGrpSpPr>
+      <p:grpSpPr>
+        <a:xfrm>
+          <a:off x="0" y="0"/>
+          <a:ext cx="0" cy="0"/>
+          <a:chOff x="0" y="0"/>
+          <a:chExt cx="0" cy="0"/>
+        </a:xfrm>
+      </p:grpSpPr>
+      <p:sp>
+        <p:nvSpPr>
+          <p:cNvPr id="2" name="텍스트 상자 101"/>
+          <p:cNvSpPr txBox="1">
+            <a:spLocks/>
+          </p:cNvSpPr>
+          <p:nvPr/>
+        </p:nvSpPr>
+        <p:spPr>
+          <a:xfrm>
+            <a:off x="97155" y="65405"/>
+            <a:ext cx="1325880" cy="1323975"/>
+          </a:xfrm>
+          <a:prstGeom prst="rect">
+            <a:avLst/>
+          </a:prstGeom>
+          <a:noFill/>
+          <a:ln w="63500" cap="flat" cmpd="sng">
+            <a:solidFill>
+              <a:schemeClr val="bg1"/>
+            </a:solidFill>
+            <a:prstDash val="solid"/>
+            <a:round/>
+          </a:ln>
+        </p:spPr>
+        <p:txBody>
+          <a:bodyPr vert="horz" wrap="square" lIns="89535" tIns="46355" rIns="89535" bIns="46355" anchor="t">
+            <a:spAutoFit/>
+          </a:bodyPr>
+          <a:lstStyle/>
+          <a:p>
+            <a:pPr marL="0" indent="0" algn="ctr" hangingPunct="1"/>
+            <a:r>
+              <a:rPr lang="ko-KR" sz="8000" dirty="0">
+                <a:solidFill>
+                  <a:schemeClr val="bg1"/>
+                </a:solidFill>
+                <a:latin typeface="맑은 고딕" charset="0"/>
+                <a:ea typeface="맑은 고딕" charset="0"/>
+              </a:rPr>
+              <a:t>01</a:t>
+            </a:r>
+            <a:endParaRPr lang="ko-KR" altLang="en-US" sz="8000" dirty="0">
+              <a:solidFill>
+                <a:schemeClr val="bg1"/>
+              </a:solidFill>
+              <a:latin typeface="맑은 고딕" charset="0"/>
+              <a:ea typeface="맑은 고딕" charset="0"/>
+            </a:endParaRPr>
+          </a:p>
+        </p:txBody>
+      </p:sp>
+      <p:sp>
+        <p:nvSpPr>
+          <p:cNvPr id="3" name="텍스트 상자 102"/>
+          <p:cNvSpPr txBox="1">
+            <a:spLocks/>
+          </p:cNvSpPr>
+          <p:nvPr/>
+        </p:nvSpPr>
+        <p:spPr>
+          <a:xfrm>
+            <a:off x="220980" y="1850390"/>
+            <a:ext cx="1083310" cy="1631315"/>
+          </a:xfrm>
+          <a:prstGeom prst="rect">
+            <a:avLst/>
+          </a:prstGeom>
+          <a:noFill/>
+          <a:ln w="38100" cap="flat" cmpd="sng">
+            <a:noFill/>
+            <a:prstDash/>
+            <a:round/>
+          </a:ln>
+        </p:spPr>
+        <p:txBody>
+          <a:bodyPr vert="horz" wrap="square" lIns="89535" tIns="46355" rIns="89535" bIns="46355" anchor="t">
+            <a:spAutoFit/>
+          </a:bodyPr>
+          <a:lstStyle/>
+          <a:p>
+            <a:pPr marL="0" indent="0" algn="ctr" hangingPunct="1"/>
+            <a:r>
+              <a:rPr sz="5000" dirty="0">
+                <a:solidFill>
+                  <a:schemeClr val="bg1"/>
+                </a:solidFill>
+                <a:latin typeface="맑은 고딕" charset="0"/>
+                <a:ea typeface="맑은 고딕" charset="0"/>
+              </a:rPr>
+              <a:t>기</a:t>
+            </a:r>
+            <a:r>
+              <a:rPr lang="ko-KR" sz="5000" dirty="0">
+                <a:solidFill>
+                  <a:schemeClr val="bg1"/>
+                </a:solidFill>
+                <a:latin typeface="맑은 고딕" charset="0"/>
+                <a:ea typeface="맑은 고딕" charset="0"/>
+              </a:rPr>
+              <a:t>획</a:t>
+            </a:r>
+            <a:endParaRPr lang="ko-KR" altLang="en-US" sz="5000" dirty="0">
+              <a:solidFill>
+                <a:schemeClr val="bg1"/>
+              </a:solidFill>
+              <a:latin typeface="맑은 고딕" charset="0"/>
+              <a:ea typeface="맑은 고딕" charset="0"/>
+            </a:endParaRPr>
+          </a:p>
+        </p:txBody>
+      </p:sp>
+      <p:sp>
+        <p:nvSpPr>
+          <p:cNvPr id="4" name="텍스트 상자 110"/>
+          <p:cNvSpPr txBox="1">
+            <a:spLocks/>
+          </p:cNvSpPr>
+          <p:nvPr/>
+        </p:nvSpPr>
+        <p:spPr>
+          <a:xfrm>
+            <a:off x="11145520" y="136525"/>
+            <a:ext cx="872490" cy="6551930"/>
+          </a:xfrm>
+          <a:prstGeom prst="rect">
+            <a:avLst/>
+          </a:prstGeom>
+          <a:noFill/>
+          <a:ln w="0">
+            <a:noFill/>
+            <a:prstDash/>
+          </a:ln>
+        </p:spPr>
+        <p:txBody>
+          <a:bodyPr vert="horz" wrap="square" lIns="89535" tIns="46355" rIns="89535" bIns="46355" anchor="t">
+            <a:spAutoFit/>
+          </a:bodyPr>
+          <a:lstStyle/>
+          <a:p>
+            <a:pPr marL="0" indent="0" algn="ctr" hangingPunct="1"/>
+            <a:r>
+              <a:rPr lang="ko-KR" sz="6000" b="1" dirty="0">
+                <a:solidFill>
+                  <a:schemeClr val="bg1"/>
+                </a:solidFill>
+                <a:latin typeface="Couture" charset="0"/>
+                <a:ea typeface="Couture" charset="0"/>
+              </a:rPr>
+              <a:t>PERSONA</a:t>
+            </a:r>
+            <a:endParaRPr lang="ko-KR" altLang="en-US" sz="6000" b="1" dirty="0">
+              <a:solidFill>
+                <a:schemeClr val="bg1"/>
+              </a:solidFill>
+              <a:latin typeface="Couture" charset="0"/>
+              <a:ea typeface="Couture" charset="0"/>
+            </a:endParaRPr>
+          </a:p>
+        </p:txBody>
+      </p:sp>
+    </p:spTree>
+    <p:extLst>
+      <p:ext uri="{BB962C8B-B14F-4D97-AF65-F5344CB8AC3E}">
+        <p14:creationId xmlns:p14="http://schemas.microsoft.com/office/powerpoint/2010/main" val="2439127920"/>
+      </p:ext>
+    </p:extLst>
+  </p:cSld>
+  <p:clrMapOvr>
+    <a:masterClrMapping/>
+  </p:clrMapOvr>
+  <p:timing>
+    <p:tnLst>
+      <p:par>
+        <p:cTn id="1" dur="indefinite" restart="never" nodeType="tmRoot"/>
+      </p:par>
+    </p:tnLst>
+  </p:timing>
+</p:sld>
+</file>
+
+<file path=ppt/slides/slide5.xml><?xml version="1.0" encoding="utf-8"?>
+<p:sld xmlns:a="http://schemas.openxmlformats.org/drawingml/2006/main" xmlns:r="http://schemas.openxmlformats.org/officeDocument/2006/relationships" xmlns:p="http://schemas.openxmlformats.org/presentationml/2006/main">
+  <p:cSld>
+    <p:bg>
+      <p:bgPr>
+        <a:solidFill>
+          <a:schemeClr val="tx1"/>
+        </a:solidFill>
+        <a:effectLst/>
+      </p:bgPr>
+    </p:bg>
+    <p:spTree>
+      <p:nvGrpSpPr>
+        <p:cNvPr id="1" name=""/>
+        <p:cNvGrpSpPr/>
+        <p:nvPr/>
+      </p:nvGrpSpPr>
+      <p:grpSpPr>
+        <a:xfrm>
+          <a:off x="0" y="0"/>
+          <a:ext cx="0" cy="0"/>
+          <a:chOff x="0" y="0"/>
+          <a:chExt cx="0" cy="0"/>
+        </a:xfrm>
+      </p:grpSpPr>
+      <p:sp>
+        <p:nvSpPr>
+          <p:cNvPr id="2" name="텍스트 상자 101"/>
+          <p:cNvSpPr txBox="1">
+            <a:spLocks/>
+          </p:cNvSpPr>
+          <p:nvPr/>
+        </p:nvSpPr>
+        <p:spPr>
+          <a:xfrm>
+            <a:off x="97155" y="65405"/>
+            <a:ext cx="1325880" cy="1323975"/>
+          </a:xfrm>
+          <a:prstGeom prst="rect">
+            <a:avLst/>
+          </a:prstGeom>
+          <a:noFill/>
+          <a:ln w="63500" cap="flat" cmpd="sng">
+            <a:solidFill>
+              <a:schemeClr val="bg1"/>
+            </a:solidFill>
+            <a:prstDash val="solid"/>
+            <a:round/>
+          </a:ln>
+        </p:spPr>
+        <p:txBody>
+          <a:bodyPr vert="horz" wrap="square" lIns="89535" tIns="46355" rIns="89535" bIns="46355" anchor="t">
+            <a:spAutoFit/>
+          </a:bodyPr>
+          <a:lstStyle/>
+          <a:p>
+            <a:pPr marL="0" indent="0" algn="ctr" hangingPunct="1"/>
+            <a:r>
+              <a:rPr lang="ko-KR" sz="8000" dirty="0">
+                <a:solidFill>
+                  <a:schemeClr val="bg1"/>
+                </a:solidFill>
+                <a:latin typeface="맑은 고딕" charset="0"/>
+                <a:ea typeface="맑은 고딕" charset="0"/>
+              </a:rPr>
+              <a:t>01</a:t>
+            </a:r>
+            <a:endParaRPr lang="ko-KR" altLang="en-US" sz="8000" dirty="0">
+              <a:solidFill>
+                <a:schemeClr val="bg1"/>
+              </a:solidFill>
+              <a:latin typeface="맑은 고딕" charset="0"/>
+              <a:ea typeface="맑은 고딕" charset="0"/>
+            </a:endParaRPr>
+          </a:p>
+        </p:txBody>
+      </p:sp>
+      <p:sp>
+        <p:nvSpPr>
+          <p:cNvPr id="3" name="텍스트 상자 102"/>
+          <p:cNvSpPr txBox="1">
+            <a:spLocks/>
+          </p:cNvSpPr>
+          <p:nvPr/>
+        </p:nvSpPr>
+        <p:spPr>
+          <a:xfrm>
+            <a:off x="220980" y="1850390"/>
+            <a:ext cx="1083310" cy="1631315"/>
+          </a:xfrm>
+          <a:prstGeom prst="rect">
+            <a:avLst/>
+          </a:prstGeom>
+          <a:noFill/>
+          <a:ln w="38100" cap="flat" cmpd="sng">
+            <a:noFill/>
+            <a:prstDash/>
+            <a:round/>
+          </a:ln>
+        </p:spPr>
+        <p:txBody>
+          <a:bodyPr vert="horz" wrap="square" lIns="89535" tIns="46355" rIns="89535" bIns="46355" anchor="t">
+            <a:spAutoFit/>
+          </a:bodyPr>
+          <a:lstStyle/>
+          <a:p>
+            <a:pPr marL="0" indent="0" algn="ctr" hangingPunct="1"/>
+            <a:r>
+              <a:rPr sz="5000" dirty="0">
+                <a:solidFill>
+                  <a:schemeClr val="bg1"/>
+                </a:solidFill>
+                <a:latin typeface="맑은 고딕" charset="0"/>
+                <a:ea typeface="맑은 고딕" charset="0"/>
+              </a:rPr>
+              <a:t>기</a:t>
+            </a:r>
+            <a:r>
+              <a:rPr lang="ko-KR" sz="5000" dirty="0">
+                <a:solidFill>
+                  <a:schemeClr val="bg1"/>
+                </a:solidFill>
+                <a:latin typeface="맑은 고딕" charset="0"/>
+                <a:ea typeface="맑은 고딕" charset="0"/>
+              </a:rPr>
+              <a:t>획</a:t>
+            </a:r>
+            <a:endParaRPr lang="ko-KR" altLang="en-US" sz="5000" dirty="0">
+              <a:solidFill>
+                <a:schemeClr val="bg1"/>
+              </a:solidFill>
+              <a:latin typeface="맑은 고딕" charset="0"/>
+              <a:ea typeface="맑은 고딕" charset="0"/>
+            </a:endParaRPr>
+          </a:p>
+        </p:txBody>
+      </p:sp>
+      <p:sp>
+        <p:nvSpPr>
+          <p:cNvPr id="4" name="텍스트 상자 110"/>
+          <p:cNvSpPr txBox="1">
+            <a:spLocks/>
+          </p:cNvSpPr>
+          <p:nvPr/>
+        </p:nvSpPr>
+        <p:spPr>
+          <a:xfrm>
+            <a:off x="11145520" y="136525"/>
+            <a:ext cx="872490" cy="6556923"/>
+          </a:xfrm>
+          <a:prstGeom prst="rect">
+            <a:avLst/>
+          </a:prstGeom>
+          <a:noFill/>
+          <a:ln w="0">
+            <a:noFill/>
+            <a:prstDash/>
+          </a:ln>
+        </p:spPr>
+        <p:txBody>
+          <a:bodyPr vert="horz" wrap="square" lIns="89535" tIns="46355" rIns="89535" bIns="46355" anchor="t">
+            <a:spAutoFit/>
+          </a:bodyPr>
+          <a:lstStyle/>
+          <a:p>
+            <a:pPr marL="0" indent="0" algn="ctr" hangingPunct="1"/>
+            <a:r>
+              <a:rPr lang="en-US" altLang="ko-KR" sz="6000" b="1" dirty="0" smtClean="0">
+                <a:solidFill>
+                  <a:schemeClr val="bg1"/>
+                </a:solidFill>
+                <a:latin typeface="Couture" charset="0"/>
+                <a:ea typeface="Couture" charset="0"/>
+              </a:rPr>
+              <a:t>concept</a:t>
+            </a:r>
+            <a:endParaRPr lang="ko-KR" altLang="en-US" sz="6000" b="1" dirty="0">
+              <a:solidFill>
+                <a:schemeClr val="bg1"/>
+              </a:solidFill>
+              <a:latin typeface="Couture" charset="0"/>
+              <a:ea typeface="Couture" charset="0"/>
+            </a:endParaRPr>
+          </a:p>
+        </p:txBody>
+      </p:sp>
+      <p:sp>
+        <p:nvSpPr>
+          <p:cNvPr id="5" name="텍스트 상자 227"/>
+          <p:cNvSpPr txBox="1">
+            <a:spLocks/>
+          </p:cNvSpPr>
+          <p:nvPr/>
+        </p:nvSpPr>
+        <p:spPr>
+          <a:xfrm>
+            <a:off x="4578623" y="1387443"/>
+            <a:ext cx="3093523" cy="462947"/>
+          </a:xfrm>
+          <a:prstGeom prst="rect">
+            <a:avLst/>
+          </a:prstGeom>
+          <a:noFill/>
+          <a:ln w="0">
+            <a:noFill/>
+            <a:prstDash/>
+          </a:ln>
+        </p:spPr>
+        <p:txBody>
+          <a:bodyPr vert="horz" wrap="square" lIns="89535" tIns="46355" rIns="89535" bIns="46355" anchor="t">
+            <a:spAutoFit/>
+          </a:bodyPr>
+          <a:lstStyle/>
+          <a:p>
+            <a:pPr marL="0" indent="0" algn="ctr" hangingPunct="1"/>
+            <a:r>
+              <a:rPr lang="en-US" altLang="ko-KR" sz="2400" dirty="0" smtClean="0">
+                <a:solidFill>
+                  <a:schemeClr val="bg1"/>
+                </a:solidFill>
+                <a:latin typeface="Couture" charset="0"/>
+                <a:ea typeface="Couture" charset="0"/>
+              </a:rPr>
+              <a:t>Point color</a:t>
+            </a:r>
+            <a:endParaRPr lang="ko-KR" altLang="en-US" sz="2400" dirty="0">
+              <a:solidFill>
+                <a:schemeClr val="bg1"/>
+              </a:solidFill>
+              <a:latin typeface="Couture" charset="0"/>
+              <a:ea typeface="Couture" charset="0"/>
+            </a:endParaRPr>
+          </a:p>
+        </p:txBody>
+      </p:sp>
+      <p:sp>
+        <p:nvSpPr>
+          <p:cNvPr id="6" name="직사각형 5"/>
+          <p:cNvSpPr/>
+          <p:nvPr/>
+        </p:nvSpPr>
+        <p:spPr>
+          <a:xfrm>
+            <a:off x="1947552" y="3648270"/>
+            <a:ext cx="8369559" cy="2584580"/>
+          </a:xfrm>
+          <a:prstGeom prst="rect">
+            <a:avLst/>
+          </a:prstGeom>
+          <a:solidFill>
+            <a:schemeClr val="bg1"/>
+          </a:solidFill>
+        </p:spPr>
+        <p:style>
+          <a:lnRef idx="2">
+            <a:schemeClr val="accent1">
+              <a:shade val="50000"/>
+            </a:schemeClr>
+          </a:lnRef>
+          <a:fillRef idx="1">
+            <a:schemeClr val="accent1"/>
+          </a:fillRef>
+          <a:effectRef idx="0">
+            <a:schemeClr val="accent1"/>
+          </a:effectRef>
+          <a:fontRef idx="minor">
+            <a:schemeClr val="lt1"/>
+          </a:fontRef>
+        </p:style>
+        <p:txBody>
+          <a:bodyPr rtlCol="0" anchor="ctr"/>
+          <a:lstStyle/>
+          <a:p>
+            <a:pPr algn="ctr"/>
+            <a:endParaRPr lang="ko-KR" altLang="en-US"/>
+          </a:p>
+        </p:txBody>
+      </p:sp>
+      <p:sp>
+        <p:nvSpPr>
+          <p:cNvPr id="7" name="직사각형 6"/>
+          <p:cNvSpPr/>
+          <p:nvPr/>
+        </p:nvSpPr>
+        <p:spPr>
+          <a:xfrm>
+            <a:off x="2757034" y="4026160"/>
+            <a:ext cx="6736702" cy="1828800"/>
+          </a:xfrm>
+          <a:prstGeom prst="rect">
+            <a:avLst/>
+          </a:prstGeom>
+          <a:solidFill>
+            <a:schemeClr val="tx1"/>
+          </a:solidFill>
+        </p:spPr>
+        <p:style>
+          <a:lnRef idx="2">
+            <a:schemeClr val="accent1">
+              <a:shade val="50000"/>
+            </a:schemeClr>
+          </a:lnRef>
+          <a:fillRef idx="1">
+            <a:schemeClr val="accent1"/>
+          </a:fillRef>
+          <a:effectRef idx="0">
+            <a:schemeClr val="accent1"/>
+          </a:effectRef>
+          <a:fontRef idx="minor">
+            <a:schemeClr val="lt1"/>
+          </a:fontRef>
+        </p:style>
+        <p:txBody>
+          <a:bodyPr rtlCol="0" anchor="ctr"/>
+          <a:lstStyle/>
+          <a:p>
+            <a:pPr algn="ctr"/>
+            <a:endParaRPr lang="ko-KR" altLang="en-US"/>
+          </a:p>
+        </p:txBody>
+      </p:sp>
+      <p:sp>
+        <p:nvSpPr>
+          <p:cNvPr id="8" name="TextBox 7"/>
+          <p:cNvSpPr txBox="1"/>
+          <p:nvPr/>
+        </p:nvSpPr>
+        <p:spPr>
+          <a:xfrm>
+            <a:off x="2728114" y="2228280"/>
+            <a:ext cx="6680719" cy="646331"/>
+          </a:xfrm>
+          <a:prstGeom prst="rect">
+            <a:avLst/>
+          </a:prstGeom>
+          <a:noFill/>
+        </p:spPr>
+        <p:txBody>
+          <a:bodyPr wrap="square" rtlCol="0">
+            <a:spAutoFit/>
+          </a:bodyPr>
+          <a:lstStyle/>
+          <a:p>
+            <a:pPr algn="ctr"/>
+            <a:r>
+              <a:rPr lang="ko-KR" altLang="en-US" b="1" dirty="0" smtClean="0">
+                <a:solidFill>
+                  <a:schemeClr val="bg1"/>
+                </a:solidFill>
+              </a:rPr>
+              <a:t>기존 샤넬 브랜드의 캐릭터 컬러인 블랙 </a:t>
+            </a:r>
+            <a:r>
+              <a:rPr lang="en-US" altLang="ko-KR" b="1" dirty="0" smtClean="0">
+                <a:solidFill>
+                  <a:schemeClr val="bg1"/>
+                </a:solidFill>
+              </a:rPr>
+              <a:t>&amp; </a:t>
+            </a:r>
+            <a:r>
+              <a:rPr lang="ko-KR" altLang="en-US" b="1" dirty="0" smtClean="0">
+                <a:solidFill>
+                  <a:schemeClr val="bg1"/>
+                </a:solidFill>
+              </a:rPr>
+              <a:t>화이트 컨셉을 살려서</a:t>
+            </a:r>
+            <a:endParaRPr lang="en-US" altLang="ko-KR" b="1" dirty="0" smtClean="0">
+              <a:solidFill>
+                <a:schemeClr val="bg1"/>
+              </a:solidFill>
+            </a:endParaRPr>
+          </a:p>
+          <a:p>
+            <a:pPr algn="ctr"/>
+            <a:r>
+              <a:rPr lang="ko-KR" altLang="en-US" b="1" dirty="0" smtClean="0">
+                <a:solidFill>
+                  <a:schemeClr val="bg1"/>
+                </a:solidFill>
+              </a:rPr>
+              <a:t>고급스럽고 깔끔한 이미지를 강조했습니다</a:t>
+            </a:r>
+            <a:r>
+              <a:rPr lang="en-US" altLang="ko-KR" b="1" dirty="0" smtClean="0">
+                <a:solidFill>
+                  <a:schemeClr val="bg1"/>
+                </a:solidFill>
+              </a:rPr>
+              <a:t>.</a:t>
+            </a:r>
+          </a:p>
+        </p:txBody>
+      </p:sp>
+    </p:spTree>
+    <p:extLst>
+      <p:ext uri="{BB962C8B-B14F-4D97-AF65-F5344CB8AC3E}">
+        <p14:creationId xmlns:p14="http://schemas.microsoft.com/office/powerpoint/2010/main" val="4143122926"/>
+      </p:ext>
+    </p:extLst>
+  </p:cSld>
+  <p:clrMapOvr>
+    <a:masterClrMapping/>
+  </p:clrMapOvr>
+  <p:timing>
+    <p:tnLst>
+      <p:par>
+        <p:cTn id="1" dur="indefinite" restart="never" nodeType="tmRoot"/>
+      </p:par>
+    </p:tnLst>
+  </p:timing>
+</p:sld>
+</file>
+
+<file path=ppt/slides/slide6.xml><?xml version="1.0" encoding="utf-8"?>
+<p:sld xmlns:a="http://schemas.openxmlformats.org/drawingml/2006/main" xmlns:r="http://schemas.openxmlformats.org/officeDocument/2006/relationships" xmlns:p="http://schemas.openxmlformats.org/presentationml/2006/main">
+  <p:cSld>
+    <p:bg>
+      <p:bgPr>
+        <a:solidFill>
+          <a:schemeClr val="tx1"/>
+        </a:solidFill>
+        <a:effectLst/>
+      </p:bgPr>
+    </p:bg>
+    <p:spTree>
+      <p:nvGrpSpPr>
+        <p:cNvPr id="1" name=""/>
+        <p:cNvGrpSpPr/>
+        <p:nvPr/>
+      </p:nvGrpSpPr>
+      <p:grpSpPr>
+        <a:xfrm>
+          <a:off x="0" y="0"/>
+          <a:ext cx="0" cy="0"/>
+          <a:chOff x="0" y="0"/>
+          <a:chExt cx="0" cy="0"/>
+        </a:xfrm>
+      </p:grpSpPr>
+      <p:sp>
+        <p:nvSpPr>
+          <p:cNvPr id="5" name="텍스트 상자 101"/>
+          <p:cNvSpPr txBox="1">
+            <a:spLocks/>
+          </p:cNvSpPr>
+          <p:nvPr/>
+        </p:nvSpPr>
+        <p:spPr>
+          <a:xfrm>
+            <a:off x="97155" y="65405"/>
+            <a:ext cx="1325880" cy="1323975"/>
+          </a:xfrm>
+          <a:prstGeom prst="rect">
+            <a:avLst/>
+          </a:prstGeom>
+          <a:noFill/>
+          <a:ln w="63500" cap="flat" cmpd="sng">
+            <a:solidFill>
+              <a:schemeClr val="bg1"/>
+            </a:solidFill>
+            <a:prstDash val="solid"/>
+            <a:round/>
+          </a:ln>
+        </p:spPr>
+        <p:txBody>
+          <a:bodyPr vert="horz" wrap="square" lIns="89535" tIns="46355" rIns="89535" bIns="46355" anchor="t">
+            <a:spAutoFit/>
+          </a:bodyPr>
+          <a:lstStyle/>
+          <a:p>
+            <a:pPr marL="0" indent="0" algn="ctr" hangingPunct="1"/>
+            <a:r>
+              <a:rPr lang="ko-KR" sz="8000" dirty="0">
+                <a:solidFill>
+                  <a:schemeClr val="bg1"/>
+                </a:solidFill>
+                <a:latin typeface="맑은 고딕" charset="0"/>
+                <a:ea typeface="맑은 고딕" charset="0"/>
+              </a:rPr>
+              <a:t>01</a:t>
+            </a:r>
+            <a:endParaRPr lang="ko-KR" altLang="en-US" sz="8000" dirty="0">
+              <a:solidFill>
+                <a:schemeClr val="bg1"/>
+              </a:solidFill>
+              <a:latin typeface="맑은 고딕" charset="0"/>
+              <a:ea typeface="맑은 고딕" charset="0"/>
+            </a:endParaRPr>
+          </a:p>
+        </p:txBody>
+      </p:sp>
+      <p:sp>
+        <p:nvSpPr>
+          <p:cNvPr id="6" name="텍스트 상자 102"/>
+          <p:cNvSpPr txBox="1">
+            <a:spLocks/>
+          </p:cNvSpPr>
+          <p:nvPr/>
+        </p:nvSpPr>
+        <p:spPr>
+          <a:xfrm>
+            <a:off x="220980" y="1850390"/>
+            <a:ext cx="1083310" cy="1631315"/>
+          </a:xfrm>
+          <a:prstGeom prst="rect">
+            <a:avLst/>
+          </a:prstGeom>
+          <a:noFill/>
+          <a:ln w="38100" cap="flat" cmpd="sng">
+            <a:noFill/>
+            <a:prstDash/>
+            <a:round/>
+          </a:ln>
+        </p:spPr>
+        <p:txBody>
+          <a:bodyPr vert="horz" wrap="square" lIns="89535" tIns="46355" rIns="89535" bIns="46355" anchor="t">
+            <a:spAutoFit/>
+          </a:bodyPr>
+          <a:lstStyle/>
+          <a:p>
+            <a:pPr marL="0" indent="0" algn="ctr" hangingPunct="1"/>
+            <a:r>
+              <a:rPr sz="5000" dirty="0">
+                <a:solidFill>
+                  <a:schemeClr val="bg1"/>
+                </a:solidFill>
+                <a:latin typeface="맑은 고딕" charset="0"/>
+                <a:ea typeface="맑은 고딕" charset="0"/>
+              </a:rPr>
+              <a:t>기</a:t>
+            </a:r>
+            <a:r>
+              <a:rPr lang="ko-KR" sz="5000" dirty="0">
+                <a:solidFill>
+                  <a:schemeClr val="bg1"/>
+                </a:solidFill>
+                <a:latin typeface="맑은 고딕" charset="0"/>
+                <a:ea typeface="맑은 고딕" charset="0"/>
+              </a:rPr>
+              <a:t>획</a:t>
+            </a:r>
+            <a:endParaRPr lang="ko-KR" altLang="en-US" sz="5000" dirty="0">
+              <a:solidFill>
+                <a:schemeClr val="bg1"/>
+              </a:solidFill>
+              <a:latin typeface="맑은 고딕" charset="0"/>
+              <a:ea typeface="맑은 고딕" charset="0"/>
+            </a:endParaRPr>
+          </a:p>
+        </p:txBody>
+      </p:sp>
+      <p:sp>
+        <p:nvSpPr>
+          <p:cNvPr id="7" name="텍스트 상자 110"/>
+          <p:cNvSpPr txBox="1">
+            <a:spLocks/>
+          </p:cNvSpPr>
+          <p:nvPr/>
+        </p:nvSpPr>
+        <p:spPr>
+          <a:xfrm>
+            <a:off x="11145520" y="71208"/>
+            <a:ext cx="872490" cy="6741589"/>
+          </a:xfrm>
+          <a:prstGeom prst="rect">
+            <a:avLst/>
+          </a:prstGeom>
+          <a:noFill/>
+          <a:ln w="0">
+            <a:noFill/>
+            <a:prstDash/>
+          </a:ln>
+        </p:spPr>
+        <p:txBody>
+          <a:bodyPr vert="horz" wrap="square" lIns="89535" tIns="46355" rIns="89535" bIns="46355" anchor="t">
+            <a:spAutoFit/>
+          </a:bodyPr>
+          <a:lstStyle/>
+          <a:p>
+            <a:pPr marL="0" indent="0" algn="ctr" hangingPunct="1"/>
+            <a:r>
+              <a:rPr lang="ko-KR" sz="4800" b="1" dirty="0" err="1" smtClean="0">
+                <a:solidFill>
+                  <a:schemeClr val="bg1"/>
+                </a:solidFill>
+                <a:latin typeface="Couture" charset="0"/>
+                <a:ea typeface="Couture" charset="0"/>
+              </a:rPr>
+              <a:t>P</a:t>
+            </a:r>
+            <a:r>
+              <a:rPr lang="en-US" altLang="ko-KR" sz="4800" b="1" dirty="0" err="1" smtClean="0">
+                <a:solidFill>
+                  <a:schemeClr val="bg1"/>
+                </a:solidFill>
+                <a:latin typeface="Couture" charset="0"/>
+                <a:ea typeface="Couture" charset="0"/>
+              </a:rPr>
+              <a:t>rototype</a:t>
+            </a:r>
+            <a:endParaRPr lang="ko-KR" altLang="en-US" sz="4800" b="1" dirty="0">
+              <a:solidFill>
+                <a:schemeClr val="bg1"/>
+              </a:solidFill>
+              <a:latin typeface="Couture" charset="0"/>
+              <a:ea typeface="Couture" charset="0"/>
+            </a:endParaRPr>
+          </a:p>
+        </p:txBody>
+      </p:sp>
+      <p:pic>
+        <p:nvPicPr>
+          <p:cNvPr id="8" name="그림 7"/>
+          <p:cNvPicPr>
+            <a:picLocks noChangeAspect="1"/>
+          </p:cNvPicPr>
+          <p:nvPr/>
+        </p:nvPicPr>
+        <p:blipFill>
+          <a:blip r:embed="rId2" cstate="print">
+            <a:extLst>
+              <a:ext uri="{28A0092B-C50C-407E-A947-70E740481C1C}">
+                <a14:useLocalDpi xmlns:a14="http://schemas.microsoft.com/office/drawing/2010/main" val="0"/>
+              </a:ext>
+            </a:extLst>
+          </a:blip>
+          <a:stretch>
+            <a:fillRect/>
+          </a:stretch>
+        </p:blipFill>
+        <p:spPr>
+          <a:xfrm>
+            <a:off x="2404619" y="1026457"/>
+            <a:ext cx="3063119" cy="5396924"/>
+          </a:xfrm>
+          <a:prstGeom prst="rect">
+            <a:avLst/>
+          </a:prstGeom>
+        </p:spPr>
+      </p:pic>
+      <p:pic>
+        <p:nvPicPr>
+          <p:cNvPr id="9" name="그림 8"/>
+          <p:cNvPicPr>
+            <a:picLocks noChangeAspect="1"/>
+          </p:cNvPicPr>
+          <p:nvPr/>
+        </p:nvPicPr>
+        <p:blipFill>
+          <a:blip r:embed="rId3" cstate="print">
+            <a:extLst>
+              <a:ext uri="{28A0092B-C50C-407E-A947-70E740481C1C}">
+                <a14:useLocalDpi xmlns:a14="http://schemas.microsoft.com/office/drawing/2010/main" val="0"/>
+              </a:ext>
+            </a:extLst>
+          </a:blip>
+          <a:stretch>
+            <a:fillRect/>
+          </a:stretch>
+        </p:blipFill>
+        <p:spPr>
+          <a:xfrm>
+            <a:off x="6568067" y="1308335"/>
+            <a:ext cx="3928897" cy="4833167"/>
+          </a:xfrm>
+          <a:prstGeom prst="rect">
+            <a:avLst/>
+          </a:prstGeom>
+        </p:spPr>
+      </p:pic>
+      <p:sp>
+        <p:nvSpPr>
+          <p:cNvPr id="11" name="텍스트 상자 227"/>
+          <p:cNvSpPr txBox="1">
+            <a:spLocks/>
+          </p:cNvSpPr>
+          <p:nvPr/>
+        </p:nvSpPr>
+        <p:spPr>
+          <a:xfrm>
+            <a:off x="4669012" y="56165"/>
+            <a:ext cx="3230530" cy="708660"/>
+          </a:xfrm>
+          <a:prstGeom prst="rect">
+            <a:avLst/>
+          </a:prstGeom>
+          <a:noFill/>
+          <a:ln w="0">
+            <a:noFill/>
+            <a:prstDash/>
+          </a:ln>
+        </p:spPr>
+        <p:txBody>
+          <a:bodyPr vert="horz" wrap="square" lIns="89535" tIns="46355" rIns="89535" bIns="46355" anchor="t">
+            <a:spAutoFit/>
+          </a:bodyPr>
+          <a:lstStyle/>
+          <a:p>
+            <a:pPr marL="0" indent="0" algn="ctr" hangingPunct="1"/>
+            <a:r>
+              <a:rPr lang="en-US" altLang="ko-KR" sz="4000" dirty="0" smtClean="0">
+                <a:solidFill>
+                  <a:schemeClr val="bg1"/>
+                </a:solidFill>
+                <a:latin typeface="Couture" charset="0"/>
+                <a:ea typeface="Couture" charset="0"/>
+              </a:rPr>
+              <a:t>Main page</a:t>
+            </a:r>
+            <a:endParaRPr lang="ko-KR" altLang="en-US" sz="4000" dirty="0">
+              <a:solidFill>
+                <a:schemeClr val="bg1"/>
+              </a:solidFill>
+              <a:latin typeface="Couture" charset="0"/>
+              <a:ea typeface="Couture" charset="0"/>
+            </a:endParaRPr>
+          </a:p>
+        </p:txBody>
+      </p:sp>
+    </p:spTree>
+    <p:extLst>
+      <p:ext uri="{BB962C8B-B14F-4D97-AF65-F5344CB8AC3E}">
+        <p14:creationId xmlns:p14="http://schemas.microsoft.com/office/powerpoint/2010/main" val="2189955622"/>
+      </p:ext>
+    </p:extLst>
+  </p:cSld>
+  <p:clrMapOvr>
+    <a:masterClrMapping/>
+  </p:clrMapOvr>
+  <p:timing>
+    <p:tnLst>
+      <p:par>
+        <p:cTn id="1" dur="indefinite" restart="never" nodeType="tmRoot"/>
+      </p:par>
+    </p:tnLst>
+  </p:timing>
+</p:sld>
+</file>
+
+<file path=ppt/slides/slide7.xml><?xml version="1.0" encoding="utf-8"?>
+<p:sld xmlns:a="http://schemas.openxmlformats.org/drawingml/2006/main" xmlns:r="http://schemas.openxmlformats.org/officeDocument/2006/relationships" xmlns:p="http://schemas.openxmlformats.org/presentationml/2006/main">
+  <p:cSld>
+    <p:bg>
+      <p:bgPr>
+        <a:solidFill>
+          <a:schemeClr val="tx1"/>
+        </a:solidFill>
+        <a:effectLst/>
+      </p:bgPr>
+    </p:bg>
+    <p:spTree>
+      <p:nvGrpSpPr>
+        <p:cNvPr id="1" name=""/>
+        <p:cNvGrpSpPr/>
+        <p:nvPr/>
+      </p:nvGrpSpPr>
+      <p:grpSpPr>
+        <a:xfrm>
+          <a:off x="0" y="0"/>
+          <a:ext cx="0" cy="0"/>
+          <a:chOff x="0" y="0"/>
+          <a:chExt cx="0" cy="0"/>
+        </a:xfrm>
+      </p:grpSpPr>
+      <p:sp>
+        <p:nvSpPr>
+          <p:cNvPr id="4" name="텍스트 상자 101"/>
+          <p:cNvSpPr txBox="1">
+            <a:spLocks/>
+          </p:cNvSpPr>
+          <p:nvPr/>
+        </p:nvSpPr>
+        <p:spPr>
+          <a:xfrm>
+            <a:off x="97155" y="65405"/>
+            <a:ext cx="1325880" cy="1323975"/>
+          </a:xfrm>
+          <a:prstGeom prst="rect">
+            <a:avLst/>
+          </a:prstGeom>
+          <a:noFill/>
+          <a:ln w="63500" cap="flat" cmpd="sng">
+            <a:solidFill>
+              <a:schemeClr val="bg1"/>
+            </a:solidFill>
+            <a:prstDash val="solid"/>
+            <a:round/>
+          </a:ln>
+        </p:spPr>
+        <p:txBody>
+          <a:bodyPr vert="horz" wrap="square" lIns="89535" tIns="46355" rIns="89535" bIns="46355" anchor="t">
+            <a:spAutoFit/>
+          </a:bodyPr>
+          <a:lstStyle/>
+          <a:p>
+            <a:pPr marL="0" indent="0" algn="ctr" hangingPunct="1"/>
+            <a:r>
+              <a:rPr lang="ko-KR" sz="8000" dirty="0">
+                <a:solidFill>
+                  <a:schemeClr val="bg1"/>
+                </a:solidFill>
+                <a:latin typeface="맑은 고딕" charset="0"/>
+                <a:ea typeface="맑은 고딕" charset="0"/>
+              </a:rPr>
+              <a:t>01</a:t>
+            </a:r>
+            <a:endParaRPr lang="ko-KR" altLang="en-US" sz="8000" dirty="0">
+              <a:solidFill>
+                <a:schemeClr val="bg1"/>
+              </a:solidFill>
+              <a:latin typeface="맑은 고딕" charset="0"/>
+              <a:ea typeface="맑은 고딕" charset="0"/>
+            </a:endParaRPr>
+          </a:p>
+        </p:txBody>
+      </p:sp>
+      <p:sp>
+        <p:nvSpPr>
+          <p:cNvPr id="5" name="텍스트 상자 102"/>
+          <p:cNvSpPr txBox="1">
+            <a:spLocks/>
+          </p:cNvSpPr>
+          <p:nvPr/>
+        </p:nvSpPr>
+        <p:spPr>
+          <a:xfrm>
+            <a:off x="220980" y="1850390"/>
+            <a:ext cx="1083310" cy="1631315"/>
+          </a:xfrm>
+          <a:prstGeom prst="rect">
+            <a:avLst/>
+          </a:prstGeom>
+          <a:noFill/>
+          <a:ln w="38100" cap="flat" cmpd="sng">
+            <a:noFill/>
+            <a:prstDash/>
+            <a:round/>
+          </a:ln>
+        </p:spPr>
+        <p:txBody>
+          <a:bodyPr vert="horz" wrap="square" lIns="89535" tIns="46355" rIns="89535" bIns="46355" anchor="t">
+            <a:spAutoFit/>
+          </a:bodyPr>
+          <a:lstStyle/>
+          <a:p>
+            <a:pPr marL="0" indent="0" algn="ctr" hangingPunct="1"/>
+            <a:r>
+              <a:rPr sz="5000" dirty="0">
+                <a:solidFill>
+                  <a:schemeClr val="bg1"/>
+                </a:solidFill>
+                <a:latin typeface="맑은 고딕" charset="0"/>
+                <a:ea typeface="맑은 고딕" charset="0"/>
+              </a:rPr>
+              <a:t>기</a:t>
+            </a:r>
+            <a:r>
+              <a:rPr lang="ko-KR" sz="5000" dirty="0">
+                <a:solidFill>
+                  <a:schemeClr val="bg1"/>
+                </a:solidFill>
+                <a:latin typeface="맑은 고딕" charset="0"/>
+                <a:ea typeface="맑은 고딕" charset="0"/>
+              </a:rPr>
+              <a:t>획</a:t>
+            </a:r>
+            <a:endParaRPr lang="ko-KR" altLang="en-US" sz="5000" dirty="0">
+              <a:solidFill>
+                <a:schemeClr val="bg1"/>
+              </a:solidFill>
+              <a:latin typeface="맑은 고딕" charset="0"/>
+              <a:ea typeface="맑은 고딕" charset="0"/>
+            </a:endParaRPr>
+          </a:p>
+        </p:txBody>
+      </p:sp>
+      <p:sp>
+        <p:nvSpPr>
+          <p:cNvPr id="6" name="텍스트 상자 110"/>
+          <p:cNvSpPr txBox="1">
+            <a:spLocks/>
+          </p:cNvSpPr>
+          <p:nvPr/>
+        </p:nvSpPr>
+        <p:spPr>
+          <a:xfrm>
+            <a:off x="11145520" y="71208"/>
+            <a:ext cx="872490" cy="6741589"/>
+          </a:xfrm>
+          <a:prstGeom prst="rect">
+            <a:avLst/>
+          </a:prstGeom>
+          <a:noFill/>
+          <a:ln w="0">
+            <a:noFill/>
+            <a:prstDash/>
+          </a:ln>
+        </p:spPr>
+        <p:txBody>
+          <a:bodyPr vert="horz" wrap="square" lIns="89535" tIns="46355" rIns="89535" bIns="46355" anchor="t">
+            <a:spAutoFit/>
+          </a:bodyPr>
+          <a:lstStyle/>
+          <a:p>
+            <a:pPr marL="0" indent="0" algn="ctr" hangingPunct="1"/>
+            <a:r>
+              <a:rPr lang="ko-KR" sz="4800" b="1" dirty="0" err="1" smtClean="0">
+                <a:solidFill>
+                  <a:schemeClr val="bg1"/>
+                </a:solidFill>
+                <a:latin typeface="Couture" charset="0"/>
+                <a:ea typeface="Couture" charset="0"/>
+              </a:rPr>
+              <a:t>P</a:t>
+            </a:r>
+            <a:r>
+              <a:rPr lang="en-US" altLang="ko-KR" sz="4800" b="1" dirty="0" err="1" smtClean="0">
+                <a:solidFill>
+                  <a:schemeClr val="bg1"/>
+                </a:solidFill>
+                <a:latin typeface="Couture" charset="0"/>
+                <a:ea typeface="Couture" charset="0"/>
+              </a:rPr>
+              <a:t>rototype</a:t>
+            </a:r>
+            <a:endParaRPr lang="ko-KR" altLang="en-US" sz="4800" b="1" dirty="0">
+              <a:solidFill>
+                <a:schemeClr val="bg1"/>
+              </a:solidFill>
+              <a:latin typeface="Couture" charset="0"/>
+              <a:ea typeface="Couture" charset="0"/>
+            </a:endParaRPr>
+          </a:p>
+        </p:txBody>
+      </p:sp>
+      <p:sp>
+        <p:nvSpPr>
+          <p:cNvPr id="7" name="텍스트 상자 227"/>
+          <p:cNvSpPr txBox="1">
+            <a:spLocks/>
+          </p:cNvSpPr>
+          <p:nvPr/>
+        </p:nvSpPr>
+        <p:spPr>
+          <a:xfrm>
+            <a:off x="4734861" y="18732"/>
+            <a:ext cx="2893559" cy="708660"/>
+          </a:xfrm>
+          <a:prstGeom prst="rect">
+            <a:avLst/>
+          </a:prstGeom>
+          <a:noFill/>
+          <a:ln w="0">
+            <a:noFill/>
+            <a:prstDash/>
+          </a:ln>
+        </p:spPr>
+        <p:txBody>
+          <a:bodyPr vert="horz" wrap="square" lIns="89535" tIns="46355" rIns="89535" bIns="46355" anchor="t">
+            <a:spAutoFit/>
+          </a:bodyPr>
+          <a:lstStyle/>
+          <a:p>
+            <a:pPr marL="0" indent="0" algn="ctr" hangingPunct="1"/>
+            <a:r>
+              <a:rPr lang="en-US" altLang="ko-KR" sz="4000" dirty="0" smtClean="0">
+                <a:solidFill>
+                  <a:schemeClr val="bg1"/>
+                </a:solidFill>
+                <a:latin typeface="Couture" charset="0"/>
+                <a:ea typeface="Couture" charset="0"/>
+              </a:rPr>
+              <a:t>sub page</a:t>
+            </a:r>
+            <a:endParaRPr lang="ko-KR" altLang="en-US" sz="4000" dirty="0">
+              <a:solidFill>
+                <a:schemeClr val="bg1"/>
+              </a:solidFill>
+              <a:latin typeface="Couture" charset="0"/>
+              <a:ea typeface="Couture" charset="0"/>
+            </a:endParaRPr>
+          </a:p>
+        </p:txBody>
+      </p:sp>
+      <p:pic>
+        <p:nvPicPr>
+          <p:cNvPr id="8" name="그림 7"/>
+          <p:cNvPicPr>
+            <a:picLocks noChangeAspect="1"/>
+          </p:cNvPicPr>
+          <p:nvPr/>
+        </p:nvPicPr>
+        <p:blipFill>
+          <a:blip r:embed="rId2" cstate="print">
+            <a:extLst>
+              <a:ext uri="{28A0092B-C50C-407E-A947-70E740481C1C}">
+                <a14:useLocalDpi xmlns:a14="http://schemas.microsoft.com/office/drawing/2010/main" val="0"/>
+              </a:ext>
+            </a:extLst>
+          </a:blip>
+          <a:stretch>
+            <a:fillRect/>
+          </a:stretch>
+        </p:blipFill>
+        <p:spPr>
+          <a:xfrm>
+            <a:off x="2134874" y="1538557"/>
+            <a:ext cx="4237934" cy="3806890"/>
+          </a:xfrm>
+          <a:prstGeom prst="rect">
+            <a:avLst/>
+          </a:prstGeom>
+        </p:spPr>
+      </p:pic>
+      <p:pic>
+        <p:nvPicPr>
+          <p:cNvPr id="9" name="그림 8"/>
+          <p:cNvPicPr>
+            <a:picLocks noChangeAspect="1"/>
+          </p:cNvPicPr>
+          <p:nvPr/>
+        </p:nvPicPr>
+        <p:blipFill>
+          <a:blip r:embed="rId3" cstate="print">
+            <a:extLst>
+              <a:ext uri="{28A0092B-C50C-407E-A947-70E740481C1C}">
+                <a14:useLocalDpi xmlns:a14="http://schemas.microsoft.com/office/drawing/2010/main" val="0"/>
+              </a:ext>
+            </a:extLst>
+          </a:blip>
+          <a:stretch>
+            <a:fillRect/>
+          </a:stretch>
+        </p:blipFill>
+        <p:spPr>
+          <a:xfrm>
+            <a:off x="7203392" y="978075"/>
+            <a:ext cx="2905080" cy="5506701"/>
+          </a:xfrm>
+          <a:prstGeom prst="rect">
+            <a:avLst/>
+          </a:prstGeom>
+        </p:spPr>
+      </p:pic>
+    </p:spTree>
+    <p:extLst>
+      <p:ext uri="{BB962C8B-B14F-4D97-AF65-F5344CB8AC3E}">
+        <p14:creationId xmlns:p14="http://schemas.microsoft.com/office/powerpoint/2010/main" val="2234478515"/>
+      </p:ext>
+    </p:extLst>
+  </p:cSld>
+  <p:clrMapOvr>
+    <a:masterClrMapping/>
+  </p:clrMapOvr>
+  <p:timing>
+    <p:tnLst>
+      <p:par>
+        <p:cTn id="1" dur="indefinite" restart="never" nodeType="tmRoot"/>
+      </p:par>
+    </p:tnLst>
+  </p:timing>
+</p:sld>
+</file>
+
+<file path=ppt/slides/slide8.xml><?xml version="1.0" encoding="utf-8"?>
+<p:sld xmlns:a="http://schemas.openxmlformats.org/drawingml/2006/main" xmlns:r="http://schemas.openxmlformats.org/officeDocument/2006/relationships" xmlns:p="http://schemas.openxmlformats.org/presentationml/2006/main">
+  <p:cSld>
+    <p:bg>
+      <p:bgPr>
+        <a:solidFill>
+          <a:schemeClr val="tx1"/>
+        </a:solidFill>
+        <a:effectLst/>
+      </p:bgPr>
+    </p:bg>
+    <p:spTree>
+      <p:nvGrpSpPr>
+        <p:cNvPr id="1" name=""/>
+        <p:cNvGrpSpPr/>
+        <p:nvPr/>
+      </p:nvGrpSpPr>
+      <p:grpSpPr>
+        <a:xfrm>
+          <a:off x="0" y="0"/>
+          <a:ext cx="0" cy="0"/>
+          <a:chOff x="0" y="0"/>
+          <a:chExt cx="0" cy="0"/>
+        </a:xfrm>
+      </p:grpSpPr>
+      <p:sp>
+        <p:nvSpPr>
+          <p:cNvPr id="2" name="텍스트 상자 101"/>
+          <p:cNvSpPr txBox="1">
+            <a:spLocks/>
+          </p:cNvSpPr>
+          <p:nvPr/>
+        </p:nvSpPr>
+        <p:spPr>
+          <a:xfrm>
+            <a:off x="97155" y="65405"/>
+            <a:ext cx="1325880" cy="1323975"/>
+          </a:xfrm>
+          <a:prstGeom prst="rect">
+            <a:avLst/>
+          </a:prstGeom>
+          <a:noFill/>
+          <a:ln w="63500" cap="flat" cmpd="sng">
+            <a:solidFill>
+              <a:schemeClr val="bg1"/>
+            </a:solidFill>
+            <a:prstDash val="solid"/>
+            <a:round/>
+          </a:ln>
+        </p:spPr>
+        <p:txBody>
+          <a:bodyPr vert="horz" wrap="square" lIns="89535" tIns="46355" rIns="89535" bIns="46355" anchor="t">
+            <a:spAutoFit/>
+          </a:bodyPr>
+          <a:lstStyle/>
+          <a:p>
+            <a:pPr marL="0" indent="0" algn="ctr" hangingPunct="1"/>
+            <a:r>
+              <a:rPr lang="ko-KR" sz="8000" dirty="0" smtClean="0">
+                <a:solidFill>
+                  <a:schemeClr val="bg1"/>
+                </a:solidFill>
+                <a:latin typeface="맑은 고딕" charset="0"/>
+                <a:ea typeface="맑은 고딕" charset="0"/>
+              </a:rPr>
+              <a:t>0</a:t>
+            </a:r>
+            <a:r>
+              <a:rPr lang="en-US" altLang="ko-KR" sz="8000" dirty="0" smtClean="0">
+                <a:solidFill>
+                  <a:schemeClr val="bg1"/>
+                </a:solidFill>
+                <a:latin typeface="맑은 고딕" charset="0"/>
+                <a:ea typeface="맑은 고딕" charset="0"/>
+              </a:rPr>
+              <a:t>2</a:t>
+            </a:r>
+            <a:endParaRPr lang="ko-KR" altLang="en-US" sz="8000" dirty="0">
+              <a:solidFill>
+                <a:schemeClr val="bg1"/>
+              </a:solidFill>
+              <a:latin typeface="맑은 고딕" charset="0"/>
+              <a:ea typeface="맑은 고딕" charset="0"/>
+            </a:endParaRPr>
+          </a:p>
+        </p:txBody>
+      </p:sp>
+      <p:sp>
+        <p:nvSpPr>
+          <p:cNvPr id="3" name="텍스트 상자 102"/>
+          <p:cNvSpPr txBox="1">
+            <a:spLocks/>
+          </p:cNvSpPr>
+          <p:nvPr/>
+        </p:nvSpPr>
+        <p:spPr>
+          <a:xfrm>
+            <a:off x="220980" y="1850390"/>
+            <a:ext cx="1083310" cy="3171381"/>
+          </a:xfrm>
+          <a:prstGeom prst="rect">
+            <a:avLst/>
+          </a:prstGeom>
+          <a:noFill/>
+          <a:ln w="38100" cap="flat" cmpd="sng">
+            <a:noFill/>
+            <a:prstDash/>
+            <a:round/>
+          </a:ln>
+        </p:spPr>
+        <p:txBody>
+          <a:bodyPr vert="horz" wrap="square" lIns="89535" tIns="46355" rIns="89535" bIns="46355" anchor="t">
+            <a:spAutoFit/>
+          </a:bodyPr>
+          <a:lstStyle/>
+          <a:p>
+            <a:pPr marL="0" indent="0" algn="ctr" hangingPunct="1"/>
+            <a:r>
+              <a:rPr lang="ko-KR" altLang="en-US" sz="5000" dirty="0" err="1" smtClean="0">
+                <a:solidFill>
+                  <a:schemeClr val="bg1"/>
+                </a:solidFill>
+                <a:latin typeface="맑은 고딕" charset="0"/>
+                <a:ea typeface="맑은 고딕" charset="0"/>
+              </a:rPr>
+              <a:t>화면구현</a:t>
+            </a:r>
+            <a:endParaRPr lang="ko-KR" altLang="en-US" sz="5000" dirty="0">
+              <a:solidFill>
+                <a:schemeClr val="bg1"/>
+              </a:solidFill>
+              <a:latin typeface="맑은 고딕" charset="0"/>
+              <a:ea typeface="맑은 고딕" charset="0"/>
+            </a:endParaRPr>
+          </a:p>
+        </p:txBody>
+      </p:sp>
+      <p:sp>
+        <p:nvSpPr>
+          <p:cNvPr id="4" name="텍스트 상자 110"/>
+          <p:cNvSpPr txBox="1">
+            <a:spLocks/>
+          </p:cNvSpPr>
+          <p:nvPr/>
+        </p:nvSpPr>
+        <p:spPr>
+          <a:xfrm>
+            <a:off x="11145520" y="136525"/>
+            <a:ext cx="872490" cy="6556923"/>
+          </a:xfrm>
+          <a:prstGeom prst="rect">
+            <a:avLst/>
+          </a:prstGeom>
+          <a:noFill/>
+          <a:ln w="0">
+            <a:noFill/>
+            <a:prstDash/>
+          </a:ln>
+        </p:spPr>
+        <p:txBody>
+          <a:bodyPr vert="horz" wrap="square" lIns="89535" tIns="46355" rIns="89535" bIns="46355" anchor="t">
+            <a:spAutoFit/>
+          </a:bodyPr>
+          <a:lstStyle/>
+          <a:p>
+            <a:pPr marL="0" indent="0" algn="ctr" hangingPunct="1"/>
+            <a:r>
+              <a:rPr lang="en-US" altLang="ko-KR" sz="6000" b="1" dirty="0" smtClean="0">
+                <a:solidFill>
+                  <a:schemeClr val="bg1"/>
+                </a:solidFill>
+                <a:latin typeface="Couture" charset="0"/>
+                <a:ea typeface="Couture" charset="0"/>
+              </a:rPr>
+              <a:t>PREVIEW</a:t>
+            </a:r>
+            <a:endParaRPr lang="ko-KR" altLang="en-US" sz="6000" b="1" dirty="0">
+              <a:solidFill>
+                <a:schemeClr val="bg1"/>
+              </a:solidFill>
+              <a:latin typeface="Couture" charset="0"/>
+              <a:ea typeface="Couture" charset="0"/>
+            </a:endParaRPr>
+          </a:p>
+        </p:txBody>
+      </p:sp>
+      <p:pic>
+        <p:nvPicPr>
+          <p:cNvPr id="6" name="그림 5"/>
+          <p:cNvPicPr>
+            <a:picLocks noChangeAspect="1"/>
+          </p:cNvPicPr>
+          <p:nvPr/>
+        </p:nvPicPr>
+        <p:blipFill>
+          <a:blip r:embed="rId2" cstate="print">
+            <a:extLst>
+              <a:ext uri="{28A0092B-C50C-407E-A947-70E740481C1C}">
+                <a14:useLocalDpi xmlns:a14="http://schemas.microsoft.com/office/drawing/2010/main" val="0"/>
+              </a:ext>
+            </a:extLst>
+          </a:blip>
+          <a:stretch>
+            <a:fillRect/>
+          </a:stretch>
+        </p:blipFill>
+        <p:spPr>
+          <a:xfrm>
+            <a:off x="2955936" y="1389380"/>
+            <a:ext cx="2931106" cy="4441371"/>
+          </a:xfrm>
+          <a:prstGeom prst="rect">
+            <a:avLst/>
+          </a:prstGeom>
+        </p:spPr>
+      </p:pic>
+      <p:pic>
+        <p:nvPicPr>
+          <p:cNvPr id="7" name="그림 6"/>
+          <p:cNvPicPr>
+            <a:picLocks noChangeAspect="1"/>
+          </p:cNvPicPr>
+          <p:nvPr/>
+        </p:nvPicPr>
+        <p:blipFill>
+          <a:blip r:embed="rId3" cstate="print">
+            <a:extLst>
+              <a:ext uri="{28A0092B-C50C-407E-A947-70E740481C1C}">
+                <a14:useLocalDpi xmlns:a14="http://schemas.microsoft.com/office/drawing/2010/main" val="0"/>
+              </a:ext>
+            </a:extLst>
+          </a:blip>
+          <a:stretch>
+            <a:fillRect/>
+          </a:stretch>
+        </p:blipFill>
+        <p:spPr>
+          <a:xfrm>
+            <a:off x="6474338" y="1389380"/>
+            <a:ext cx="3201508" cy="4441371"/>
+          </a:xfrm>
+          <a:prstGeom prst="rect">
+            <a:avLst/>
+          </a:prstGeom>
+        </p:spPr>
+      </p:pic>
+      <p:sp>
+        <p:nvSpPr>
+          <p:cNvPr id="8" name="텍스트 상자 227"/>
+          <p:cNvSpPr txBox="1">
+            <a:spLocks/>
+          </p:cNvSpPr>
+          <p:nvPr/>
+        </p:nvSpPr>
+        <p:spPr>
+          <a:xfrm>
+            <a:off x="4669012" y="56165"/>
+            <a:ext cx="3230530" cy="708660"/>
+          </a:xfrm>
+          <a:prstGeom prst="rect">
+            <a:avLst/>
+          </a:prstGeom>
+          <a:noFill/>
+          <a:ln w="0">
+            <a:noFill/>
+            <a:prstDash/>
+          </a:ln>
+        </p:spPr>
+        <p:txBody>
+          <a:bodyPr vert="horz" wrap="square" lIns="89535" tIns="46355" rIns="89535" bIns="46355" anchor="t">
+            <a:spAutoFit/>
+          </a:bodyPr>
+          <a:lstStyle/>
+          <a:p>
+            <a:pPr marL="0" indent="0" algn="ctr" hangingPunct="1"/>
+            <a:r>
+              <a:rPr lang="en-US" altLang="ko-KR" sz="4000" dirty="0" smtClean="0">
+                <a:solidFill>
+                  <a:schemeClr val="bg1"/>
+                </a:solidFill>
+                <a:latin typeface="Couture" charset="0"/>
+                <a:ea typeface="Couture" charset="0"/>
+              </a:rPr>
+              <a:t>Main page</a:t>
+            </a:r>
+            <a:endParaRPr lang="ko-KR" altLang="en-US" sz="4000" dirty="0">
+              <a:solidFill>
+                <a:schemeClr val="bg1"/>
+              </a:solidFill>
+              <a:latin typeface="Couture" charset="0"/>
+              <a:ea typeface="Couture" charset="0"/>
+            </a:endParaRPr>
+          </a:p>
+        </p:txBody>
+      </p:sp>
+    </p:spTree>
+    <p:extLst>
+      <p:ext uri="{BB962C8B-B14F-4D97-AF65-F5344CB8AC3E}">
+        <p14:creationId xmlns:p14="http://schemas.microsoft.com/office/powerpoint/2010/main" val="1263240416"/>
+      </p:ext>
+    </p:extLst>
+  </p:cSld>
+  <p:clrMapOvr>
+    <a:masterClrMapping/>
+  </p:clrMapOvr>
+  <p:timing>
+    <p:tnLst>
+      <p:par>
+        <p:cTn id="1" dur="indefinite" restart="never" nodeType="tmRoot"/>
+      </p:par>
+    </p:tnLst>
+  </p:timing>
+</p:sld>
+</file>
+
+<file path=ppt/slides/slide9.xml><?xml version="1.0" encoding="utf-8"?>
+<p:sld xmlns:a="http://schemas.openxmlformats.org/drawingml/2006/main" xmlns:r="http://schemas.openxmlformats.org/officeDocument/2006/relationships" xmlns:p="http://schemas.openxmlformats.org/presentationml/2006/main">
+  <p:cSld>
+    <p:bg>
+      <p:bgPr>
+        <a:solidFill>
+          <a:schemeClr val="tx1"/>
+        </a:solidFill>
+        <a:effectLst/>
+      </p:bgPr>
+    </p:bg>
+    <p:spTree>
+      <p:nvGrpSpPr>
+        <p:cNvPr id="1" name=""/>
+        <p:cNvGrpSpPr/>
+        <p:nvPr/>
+      </p:nvGrpSpPr>
+      <p:grpSpPr>
+        <a:xfrm>
+          <a:off x="0" y="0"/>
+          <a:ext cx="0" cy="0"/>
+          <a:chOff x="0" y="0"/>
+          <a:chExt cx="0" cy="0"/>
+        </a:xfrm>
+      </p:grpSpPr>
+      <p:sp>
+        <p:nvSpPr>
+          <p:cNvPr id="2" name="텍스트 상자 227"/>
+          <p:cNvSpPr txBox="1">
+            <a:spLocks/>
+          </p:cNvSpPr>
+          <p:nvPr/>
+        </p:nvSpPr>
+        <p:spPr>
+          <a:xfrm>
+            <a:off x="4930805" y="18224"/>
+            <a:ext cx="3261473" cy="709168"/>
+          </a:xfrm>
+          <a:prstGeom prst="rect">
+            <a:avLst/>
+          </a:prstGeom>
+          <a:noFill/>
+          <a:ln w="0">
+            <a:noFill/>
+            <a:prstDash/>
+          </a:ln>
+        </p:spPr>
+        <p:txBody>
+          <a:bodyPr vert="horz" wrap="square" lIns="89535" tIns="46355" rIns="89535" bIns="46355" anchor="t">
+            <a:spAutoFit/>
+          </a:bodyPr>
+          <a:lstStyle/>
+          <a:p>
+            <a:pPr marL="0" indent="0" algn="ctr" hangingPunct="1"/>
+            <a:r>
+              <a:rPr lang="en-US" altLang="ko-KR" sz="4000" b="1" dirty="0" smtClean="0">
+                <a:solidFill>
+                  <a:schemeClr val="bg1"/>
+                </a:solidFill>
+                <a:latin typeface="Couture" charset="0"/>
+                <a:ea typeface="Couture" charset="0"/>
+              </a:rPr>
+              <a:t>sub page 1</a:t>
+            </a:r>
+            <a:endParaRPr lang="ko-KR" altLang="en-US" sz="4000" b="1" dirty="0">
+              <a:solidFill>
+                <a:schemeClr val="bg1"/>
+              </a:solidFill>
+              <a:latin typeface="Couture" charset="0"/>
+              <a:ea typeface="Couture" charset="0"/>
+            </a:endParaRPr>
+          </a:p>
+        </p:txBody>
+      </p:sp>
+      <p:sp>
+        <p:nvSpPr>
+          <p:cNvPr id="3" name="텍스트 상자 101"/>
+          <p:cNvSpPr txBox="1">
+            <a:spLocks/>
+          </p:cNvSpPr>
+          <p:nvPr/>
+        </p:nvSpPr>
+        <p:spPr>
+          <a:xfrm>
+            <a:off x="97155" y="65405"/>
+            <a:ext cx="1325880" cy="1323975"/>
+          </a:xfrm>
+          <a:prstGeom prst="rect">
+            <a:avLst/>
+          </a:prstGeom>
+          <a:noFill/>
+          <a:ln w="63500" cap="flat" cmpd="sng">
+            <a:solidFill>
+              <a:schemeClr val="bg1"/>
+            </a:solidFill>
+            <a:prstDash val="solid"/>
+            <a:round/>
+          </a:ln>
+        </p:spPr>
+        <p:txBody>
+          <a:bodyPr vert="horz" wrap="square" lIns="89535" tIns="46355" rIns="89535" bIns="46355" anchor="t">
+            <a:spAutoFit/>
+          </a:bodyPr>
+          <a:lstStyle/>
+          <a:p>
+            <a:pPr marL="0" indent="0" algn="ctr" hangingPunct="1"/>
+            <a:r>
+              <a:rPr lang="ko-KR" sz="8000" dirty="0" smtClean="0">
+                <a:solidFill>
+                  <a:schemeClr val="bg1"/>
+                </a:solidFill>
+                <a:latin typeface="맑은 고딕" charset="0"/>
+                <a:ea typeface="맑은 고딕" charset="0"/>
+              </a:rPr>
+              <a:t>0</a:t>
+            </a:r>
+            <a:r>
+              <a:rPr lang="en-US" altLang="ko-KR" sz="8000" dirty="0" smtClean="0">
+                <a:solidFill>
+                  <a:schemeClr val="bg1"/>
+                </a:solidFill>
+                <a:latin typeface="맑은 고딕" charset="0"/>
+                <a:ea typeface="맑은 고딕" charset="0"/>
+              </a:rPr>
+              <a:t>2</a:t>
+            </a:r>
+            <a:endParaRPr lang="ko-KR" altLang="en-US" sz="8000" dirty="0">
+              <a:solidFill>
+                <a:schemeClr val="bg1"/>
+              </a:solidFill>
+              <a:latin typeface="맑은 고딕" charset="0"/>
+              <a:ea typeface="맑은 고딕" charset="0"/>
+            </a:endParaRPr>
+          </a:p>
+        </p:txBody>
+      </p:sp>
+      <p:sp>
+        <p:nvSpPr>
+          <p:cNvPr id="4" name="텍스트 상자 102"/>
+          <p:cNvSpPr txBox="1">
+            <a:spLocks/>
+          </p:cNvSpPr>
+          <p:nvPr/>
+        </p:nvSpPr>
+        <p:spPr>
+          <a:xfrm>
+            <a:off x="220980" y="1850390"/>
+            <a:ext cx="1083310" cy="3171381"/>
+          </a:xfrm>
+          <a:prstGeom prst="rect">
+            <a:avLst/>
+          </a:prstGeom>
+          <a:noFill/>
+          <a:ln w="38100" cap="flat" cmpd="sng">
+            <a:noFill/>
+            <a:prstDash/>
+            <a:round/>
+          </a:ln>
+        </p:spPr>
+        <p:txBody>
+          <a:bodyPr vert="horz" wrap="square" lIns="89535" tIns="46355" rIns="89535" bIns="46355" anchor="t">
+            <a:spAutoFit/>
+          </a:bodyPr>
+          <a:lstStyle/>
+          <a:p>
+            <a:pPr marL="0" indent="0" algn="ctr" hangingPunct="1"/>
+            <a:r>
+              <a:rPr lang="ko-KR" altLang="en-US" sz="5000" dirty="0" err="1" smtClean="0">
+                <a:solidFill>
+                  <a:schemeClr val="bg1"/>
+                </a:solidFill>
+                <a:latin typeface="맑은 고딕" charset="0"/>
+                <a:ea typeface="맑은 고딕" charset="0"/>
+              </a:rPr>
+              <a:t>화면구현</a:t>
+            </a:r>
+            <a:endParaRPr lang="ko-KR" altLang="en-US" sz="5000" dirty="0">
+              <a:solidFill>
+                <a:schemeClr val="bg1"/>
+              </a:solidFill>
+              <a:latin typeface="맑은 고딕" charset="0"/>
+              <a:ea typeface="맑은 고딕" charset="0"/>
+            </a:endParaRPr>
+          </a:p>
+        </p:txBody>
+      </p:sp>
+      <p:sp>
+        <p:nvSpPr>
+          <p:cNvPr id="5" name="텍스트 상자 110"/>
+          <p:cNvSpPr txBox="1">
+            <a:spLocks/>
+          </p:cNvSpPr>
+          <p:nvPr/>
+        </p:nvSpPr>
+        <p:spPr>
+          <a:xfrm>
+            <a:off x="11145520" y="136525"/>
+            <a:ext cx="872490" cy="6556923"/>
+          </a:xfrm>
+          <a:prstGeom prst="rect">
+            <a:avLst/>
+          </a:prstGeom>
+          <a:noFill/>
+          <a:ln w="0">
+            <a:noFill/>
+            <a:prstDash/>
+          </a:ln>
+        </p:spPr>
+        <p:txBody>
+          <a:bodyPr vert="horz" wrap="square" lIns="89535" tIns="46355" rIns="89535" bIns="46355" anchor="t">
+            <a:spAutoFit/>
+          </a:bodyPr>
+          <a:lstStyle/>
+          <a:p>
+            <a:pPr marL="0" indent="0" algn="ctr" hangingPunct="1"/>
+            <a:r>
+              <a:rPr lang="en-US" altLang="ko-KR" sz="6000" b="1" dirty="0" smtClean="0">
+                <a:solidFill>
+                  <a:schemeClr val="bg1"/>
+                </a:solidFill>
+                <a:latin typeface="Couture" charset="0"/>
+                <a:ea typeface="Couture" charset="0"/>
+              </a:rPr>
+              <a:t>PREVIEW</a:t>
+            </a:r>
+            <a:endParaRPr lang="ko-KR" altLang="en-US" sz="6000" b="1" dirty="0">
+              <a:solidFill>
+                <a:schemeClr val="bg1"/>
+              </a:solidFill>
+              <a:latin typeface="Couture" charset="0"/>
+              <a:ea typeface="Couture" charset="0"/>
+            </a:endParaRPr>
+          </a:p>
+        </p:txBody>
+      </p:sp>
+      <p:pic>
+        <p:nvPicPr>
+          <p:cNvPr id="6" name="그림 5"/>
+          <p:cNvPicPr>
+            <a:picLocks noChangeAspect="1"/>
+          </p:cNvPicPr>
+          <p:nvPr/>
+        </p:nvPicPr>
+        <p:blipFill>
+          <a:blip r:embed="rId2">
+            <a:extLst>
+              <a:ext uri="{28A0092B-C50C-407E-A947-70E740481C1C}">
+                <a14:useLocalDpi xmlns:a14="http://schemas.microsoft.com/office/drawing/2010/main" val="0"/>
+              </a:ext>
+            </a:extLst>
+          </a:blip>
+          <a:stretch>
+            <a:fillRect/>
+          </a:stretch>
+        </p:blipFill>
+        <p:spPr>
+          <a:xfrm>
+            <a:off x="1722819" y="1152508"/>
+            <a:ext cx="9196571" cy="4912390"/>
+          </a:xfrm>
+          <a:prstGeom prst="rect">
+            <a:avLst/>
+          </a:prstGeom>
+        </p:spPr>
+      </p:pic>
+    </p:spTree>
+    <p:extLst>
+      <p:ext uri="{BB962C8B-B14F-4D97-AF65-F5344CB8AC3E}">
+        <p14:creationId xmlns:p14="http://schemas.microsoft.com/office/powerpoint/2010/main" val="3049357947"/>
       </p:ext>
     </p:extLst>
   </p:cSld>

--- a/Portfolio/CHANEL.pptx
+++ b/Portfolio/CHANEL.pptx
@@ -4582,6 +4582,41 @@
           <a:xfrm>
             <a:off x="6429620" y="1510080"/>
             <a:ext cx="1650108" cy="1823362"/>
+          </a:xfrm>
+          <a:prstGeom prst="rect">
+            <a:avLst/>
+          </a:prstGeom>
+          <a:ln>
+            <a:solidFill>
+              <a:schemeClr val="bg1"/>
+            </a:solidFill>
+          </a:ln>
+        </p:spPr>
+      </p:pic>
+      <p:pic>
+        <p:nvPicPr>
+          <p:cNvPr id="9" name="그림 8"/>
+          <p:cNvPicPr>
+            <a:picLocks noChangeAspect="1"/>
+          </p:cNvPicPr>
+          <p:nvPr/>
+        </p:nvPicPr>
+        <p:blipFill>
+          <a:blip r:embed="rId5">
+            <a:extLst>
+              <a:ext uri="{28A0092B-C50C-407E-A947-70E740481C1C}">
+                <a14:useLocalDpi xmlns:a14="http://schemas.microsoft.com/office/drawing/2010/main" val="0"/>
+              </a:ext>
+            </a:extLst>
+          </a:blip>
+          <a:stretch>
+            <a:fillRect/>
+          </a:stretch>
+        </p:blipFill>
+        <p:spPr>
+          <a:xfrm>
+            <a:off x="8820641" y="1510080"/>
+            <a:ext cx="1667940" cy="1846948"/>
           </a:xfrm>
           <a:prstGeom prst="rect">
             <a:avLst/>

--- a/Portfolio/CHANEL.pptx
+++ b/Portfolio/CHANEL.pptx
@@ -5,21 +5,22 @@
     <p:sldMasterId id="2147483720" r:id="rId1"/>
   </p:sldMasterIdLst>
   <p:notesMasterIdLst>
-    <p:notesMasterId r:id="rId14"/>
+    <p:notesMasterId r:id="rId15"/>
   </p:notesMasterIdLst>
   <p:sldIdLst>
     <p:sldId id="258" r:id="rId2"/>
     <p:sldId id="257" r:id="rId3"/>
-    <p:sldId id="263" r:id="rId4"/>
-    <p:sldId id="259" r:id="rId5"/>
-    <p:sldId id="262" r:id="rId6"/>
-    <p:sldId id="260" r:id="rId7"/>
-    <p:sldId id="261" r:id="rId8"/>
-    <p:sldId id="264" r:id="rId9"/>
-    <p:sldId id="265" r:id="rId10"/>
-    <p:sldId id="266" r:id="rId11"/>
-    <p:sldId id="267" r:id="rId12"/>
-    <p:sldId id="268" r:id="rId13"/>
+    <p:sldId id="259" r:id="rId4"/>
+    <p:sldId id="262" r:id="rId5"/>
+    <p:sldId id="260" r:id="rId6"/>
+    <p:sldId id="261" r:id="rId7"/>
+    <p:sldId id="264" r:id="rId8"/>
+    <p:sldId id="265" r:id="rId9"/>
+    <p:sldId id="266" r:id="rId10"/>
+    <p:sldId id="267" r:id="rId11"/>
+    <p:sldId id="268" r:id="rId12"/>
+    <p:sldId id="269" r:id="rId13"/>
+    <p:sldId id="270" r:id="rId14"/>
   </p:sldIdLst>
   <p:sldSz cx="12192000" cy="6858000"/>
   <p:notesSz cx="6858000" cy="9144000"/>
@@ -208,7 +209,7 @@
           <a:p>
             <a:fld id="{D1F6C66E-B0EE-493D-B028-055B72CE50F6}" type="datetimeFigureOut">
               <a:rPr lang="ko-KR" altLang="en-US" smtClean="0"/>
-              <a:t>2021-11-15</a:t>
+              <a:t>2021-11-18</a:t>
             </a:fld>
             <a:endParaRPr lang="ko-KR" altLang="en-US"/>
           </a:p>
@@ -607,7 +608,7 @@
           <a:p>
             <a:fld id="{5AE85F90-2EF6-4232-BC31-E6A325B723D3}" type="datetimeFigureOut">
               <a:rPr lang="ko-KR" altLang="en-US" smtClean="0"/>
-              <a:t>2021-11-15</a:t>
+              <a:t>2021-11-18</a:t>
             </a:fld>
             <a:endParaRPr lang="ko-KR" altLang="en-US"/>
           </a:p>
@@ -777,7 +778,7 @@
           <a:p>
             <a:fld id="{5AE85F90-2EF6-4232-BC31-E6A325B723D3}" type="datetimeFigureOut">
               <a:rPr lang="ko-KR" altLang="en-US" smtClean="0"/>
-              <a:t>2021-11-15</a:t>
+              <a:t>2021-11-18</a:t>
             </a:fld>
             <a:endParaRPr lang="ko-KR" altLang="en-US"/>
           </a:p>
@@ -957,7 +958,7 @@
           <a:p>
             <a:fld id="{5AE85F90-2EF6-4232-BC31-E6A325B723D3}" type="datetimeFigureOut">
               <a:rPr lang="ko-KR" altLang="en-US" smtClean="0"/>
-              <a:t>2021-11-15</a:t>
+              <a:t>2021-11-18</a:t>
             </a:fld>
             <a:endParaRPr lang="ko-KR" altLang="en-US"/>
           </a:p>
@@ -1127,7 +1128,7 @@
           <a:p>
             <a:fld id="{5AE85F90-2EF6-4232-BC31-E6A325B723D3}" type="datetimeFigureOut">
               <a:rPr lang="ko-KR" altLang="en-US" smtClean="0"/>
-              <a:t>2021-11-15</a:t>
+              <a:t>2021-11-18</a:t>
             </a:fld>
             <a:endParaRPr lang="ko-KR" altLang="en-US"/>
           </a:p>
@@ -1373,7 +1374,7 @@
           <a:p>
             <a:fld id="{5AE85F90-2EF6-4232-BC31-E6A325B723D3}" type="datetimeFigureOut">
               <a:rPr lang="ko-KR" altLang="en-US" smtClean="0"/>
-              <a:t>2021-11-15</a:t>
+              <a:t>2021-11-18</a:t>
             </a:fld>
             <a:endParaRPr lang="ko-KR" altLang="en-US"/>
           </a:p>
@@ -1605,7 +1606,7 @@
           <a:p>
             <a:fld id="{5AE85F90-2EF6-4232-BC31-E6A325B723D3}" type="datetimeFigureOut">
               <a:rPr lang="ko-KR" altLang="en-US" smtClean="0"/>
-              <a:t>2021-11-15</a:t>
+              <a:t>2021-11-18</a:t>
             </a:fld>
             <a:endParaRPr lang="ko-KR" altLang="en-US"/>
           </a:p>
@@ -1972,7 +1973,7 @@
           <a:p>
             <a:fld id="{5AE85F90-2EF6-4232-BC31-E6A325B723D3}" type="datetimeFigureOut">
               <a:rPr lang="ko-KR" altLang="en-US" smtClean="0"/>
-              <a:t>2021-11-15</a:t>
+              <a:t>2021-11-18</a:t>
             </a:fld>
             <a:endParaRPr lang="ko-KR" altLang="en-US"/>
           </a:p>
@@ -2090,7 +2091,7 @@
           <a:p>
             <a:fld id="{5AE85F90-2EF6-4232-BC31-E6A325B723D3}" type="datetimeFigureOut">
               <a:rPr lang="ko-KR" altLang="en-US" smtClean="0"/>
-              <a:t>2021-11-15</a:t>
+              <a:t>2021-11-18</a:t>
             </a:fld>
             <a:endParaRPr lang="ko-KR" altLang="en-US"/>
           </a:p>
@@ -2185,7 +2186,7 @@
           <a:p>
             <a:fld id="{5AE85F90-2EF6-4232-BC31-E6A325B723D3}" type="datetimeFigureOut">
               <a:rPr lang="ko-KR" altLang="en-US" smtClean="0"/>
-              <a:t>2021-11-15</a:t>
+              <a:t>2021-11-18</a:t>
             </a:fld>
             <a:endParaRPr lang="ko-KR" altLang="en-US"/>
           </a:p>
@@ -2462,7 +2463,7 @@
           <a:p>
             <a:fld id="{5AE85F90-2EF6-4232-BC31-E6A325B723D3}" type="datetimeFigureOut">
               <a:rPr lang="ko-KR" altLang="en-US" smtClean="0"/>
-              <a:t>2021-11-15</a:t>
+              <a:t>2021-11-18</a:t>
             </a:fld>
             <a:endParaRPr lang="ko-KR" altLang="en-US"/>
           </a:p>
@@ -2719,7 +2720,7 @@
           <a:p>
             <a:fld id="{5AE85F90-2EF6-4232-BC31-E6A325B723D3}" type="datetimeFigureOut">
               <a:rPr lang="ko-KR" altLang="en-US" smtClean="0"/>
-              <a:t>2021-11-15</a:t>
+              <a:t>2021-11-18</a:t>
             </a:fld>
             <a:endParaRPr lang="ko-KR" altLang="en-US"/>
           </a:p>
@@ -2932,7 +2933,7 @@
           <a:p>
             <a:fld id="{5AE85F90-2EF6-4232-BC31-E6A325B723D3}" type="datetimeFigureOut">
               <a:rPr lang="ko-KR" altLang="en-US" smtClean="0"/>
-              <a:t>2021-11-15</a:t>
+              <a:t>2021-11-18</a:t>
             </a:fld>
             <a:endParaRPr lang="ko-KR" altLang="en-US"/>
           </a:p>
@@ -3534,8 +3535,8 @@
         </p:nvSpPr>
         <p:spPr>
           <a:xfrm>
-            <a:off x="11145520" y="136525"/>
-            <a:ext cx="872490" cy="6556923"/>
+            <a:off x="11229495" y="516646"/>
+            <a:ext cx="872490" cy="5633593"/>
           </a:xfrm>
           <a:prstGeom prst="rect">
             <a:avLst/>
@@ -3554,14 +3555,14 @@
           <a:p>
             <a:pPr marL="0" indent="0" algn="ctr" hangingPunct="1"/>
             <a:r>
-              <a:rPr lang="en-US" altLang="ko-KR" sz="6000" b="1" dirty="0" smtClean="0">
+              <a:rPr lang="en-US" altLang="ko-KR" sz="6000" b="1" dirty="0" err="1" smtClean="0">
                 <a:solidFill>
                   <a:schemeClr val="bg1"/>
                 </a:solidFill>
                 <a:latin typeface="Couture" charset="0"/>
                 <a:ea typeface="Couture" charset="0"/>
               </a:rPr>
-              <a:t>PREVIEW</a:t>
+              <a:t>coDING</a:t>
             </a:r>
             <a:endParaRPr lang="ko-KR" altLang="en-US" sz="6000" b="1" dirty="0">
               <a:solidFill>
@@ -3584,7 +3585,7 @@
         <p:spPr>
           <a:xfrm>
             <a:off x="5000623" y="0"/>
-            <a:ext cx="3298796" cy="709168"/>
+            <a:ext cx="2939728" cy="709168"/>
           </a:xfrm>
           <a:prstGeom prst="rect">
             <a:avLst/>
@@ -3607,17 +3608,47 @@
                 <a:solidFill>
                   <a:schemeClr val="bg1"/>
                 </a:solidFill>
-                <a:latin typeface="Couture" charset="0"/>
-                <a:ea typeface="Couture" charset="0"/>
-              </a:rPr>
-              <a:t>sub page 2</a:t>
+                <a:latin typeface="+mj-ea"/>
+                <a:ea typeface="+mj-ea"/>
+              </a:rPr>
+              <a:t>(</a:t>
+            </a:r>
+            <a:r>
+              <a:rPr lang="en-US" altLang="ko-KR" sz="4000" b="1" dirty="0" smtClean="0">
+                <a:solidFill>
+                  <a:schemeClr val="bg1"/>
+                </a:solidFill>
+                <a:latin typeface="Couture" panose="020B0804020202020204" pitchFamily="34" charset="0"/>
+                <a:ea typeface="+mj-ea"/>
+              </a:rPr>
+              <a:t>sub</a:t>
+            </a:r>
+            <a:r>
+              <a:rPr lang="en-US" altLang="ko-KR" sz="4000" b="1" dirty="0" smtClean="0">
+                <a:solidFill>
+                  <a:schemeClr val="bg1"/>
+                </a:solidFill>
+                <a:latin typeface="+mj-ea"/>
+                <a:ea typeface="+mj-ea"/>
+              </a:rPr>
+              <a:t>).</a:t>
+            </a:r>
+            <a:r>
+              <a:rPr lang="en-US" altLang="ko-KR" sz="4000" b="1" dirty="0" smtClean="0">
+                <a:solidFill>
+                  <a:schemeClr val="bg1"/>
+                </a:solidFill>
+                <a:latin typeface="Couture" panose="020B0804020202020204" pitchFamily="34" charset="0"/>
+                <a:ea typeface="+mj-ea"/>
+              </a:rPr>
+              <a:t>pro</a:t>
             </a:r>
             <a:endParaRPr lang="ko-KR" altLang="en-US" sz="4000" b="1" dirty="0">
               <a:solidFill>
                 <a:schemeClr val="bg1"/>
               </a:solidFill>
-              <a:latin typeface="Couture" charset="0"/>
-              <a:ea typeface="Couture" charset="0"/>
+              <a:latin typeface="Couture" panose="020B0804020202020204" pitchFamily="34" charset="0"/>
+              <a:ea typeface="+mj-ea"/>
             </a:endParaRPr>
           </a:p>
         </p:txBody>
@@ -3631,7 +3662,7 @@
           <p:nvPr/>
         </p:nvPicPr>
         <p:blipFill>
-          <a:blip r:embed="rId2" cstate="print">
+          <a:blip r:embed="rId2">
             <a:extLst>
               <a:ext uri="{28A0092B-C50C-407E-A947-70E740481C1C}">
                 <a14:useLocalDpi xmlns:a14="http://schemas.microsoft.com/office/drawing/2010/main" val="0"/>
@@ -3644,8 +3675,224 @@
         </p:blipFill>
         <p:spPr>
           <a:xfrm>
-            <a:off x="4436382" y="1389380"/>
-            <a:ext cx="4166443" cy="5038923"/>
+            <a:off x="2953936" y="1682439"/>
+            <a:ext cx="6625913" cy="1137783"/>
+          </a:xfrm>
+          <a:prstGeom prst="rect">
+            <a:avLst/>
+          </a:prstGeom>
+          <a:ln>
+            <a:solidFill>
+              <a:schemeClr val="bg1"/>
+            </a:solidFill>
+          </a:ln>
+        </p:spPr>
+      </p:pic>
+      <p:sp>
+        <p:nvSpPr>
+          <p:cNvPr id="8" name="액자 7"/>
+          <p:cNvSpPr/>
+          <p:nvPr/>
+        </p:nvSpPr>
+        <p:spPr>
+          <a:xfrm>
+            <a:off x="3006461" y="1691769"/>
+            <a:ext cx="6531429" cy="1069657"/>
+          </a:xfrm>
+          <a:prstGeom prst="frame">
+            <a:avLst>
+              <a:gd name="adj1" fmla="val 3928"/>
+            </a:avLst>
+          </a:prstGeom>
+          <a:solidFill>
+            <a:srgbClr val="FF0000"/>
+          </a:solidFill>
+        </p:spPr>
+        <p:style>
+          <a:lnRef idx="2">
+            <a:schemeClr val="accent1">
+              <a:shade val="50000"/>
+            </a:schemeClr>
+          </a:lnRef>
+          <a:fillRef idx="1">
+            <a:schemeClr val="accent1"/>
+          </a:fillRef>
+          <a:effectRef idx="0">
+            <a:schemeClr val="accent1"/>
+          </a:effectRef>
+          <a:fontRef idx="minor">
+            <a:schemeClr val="lt1"/>
+          </a:fontRef>
+        </p:style>
+        <p:txBody>
+          <a:bodyPr rtlCol="0" anchor="ctr"/>
+          <a:lstStyle/>
+          <a:p>
+            <a:pPr algn="ctr"/>
+            <a:endParaRPr lang="ko-KR" altLang="en-US">
+              <a:solidFill>
+                <a:schemeClr val="tx1"/>
+              </a:solidFill>
+            </a:endParaRPr>
+          </a:p>
+        </p:txBody>
+      </p:sp>
+      <p:sp>
+        <p:nvSpPr>
+          <p:cNvPr id="9" name="텍스트 상자 175"/>
+          <p:cNvSpPr txBox="1">
+            <a:spLocks/>
+          </p:cNvSpPr>
+          <p:nvPr/>
+        </p:nvSpPr>
+        <p:spPr>
+          <a:xfrm>
+            <a:off x="1816941" y="1244698"/>
+            <a:ext cx="5535581" cy="247504"/>
+          </a:xfrm>
+          <a:prstGeom prst="rect">
+            <a:avLst/>
+          </a:prstGeom>
+          <a:noFill/>
+          <a:ln w="3175" cap="flat" cmpd="sng">
+            <a:solidFill>
+              <a:schemeClr val="bg1"/>
+            </a:solidFill>
+            <a:prstDash val="solid"/>
+            <a:round/>
+          </a:ln>
+        </p:spPr>
+        <p:txBody>
+          <a:bodyPr vert="horz" wrap="square" lIns="89535" tIns="46355" rIns="89535" bIns="46355" anchor="t">
+            <a:spAutoFit/>
+          </a:bodyPr>
+          <a:lstStyle/>
+          <a:p>
+            <a:pPr marL="0" indent="0" algn="l" hangingPunct="1"/>
+            <a:r>
+              <a:rPr lang="ko-KR" altLang="en-US" sz="1000" b="1" dirty="0" smtClean="0">
+                <a:solidFill>
+                  <a:schemeClr val="bg1"/>
+                </a:solidFill>
+                <a:latin typeface="맑은 고딕" charset="0"/>
+                <a:ea typeface="맑은 고딕" charset="0"/>
+              </a:rPr>
+              <a:t>상품 이미지 클릭 시에 각 상품에 대한 </a:t>
+            </a:r>
+            <a:r>
+              <a:rPr lang="ko-KR" altLang="en-US" sz="1000" b="1" dirty="0" err="1" smtClean="0">
+                <a:solidFill>
+                  <a:schemeClr val="bg1"/>
+                </a:solidFill>
+                <a:latin typeface="맑은 고딕" charset="0"/>
+                <a:ea typeface="맑은 고딕" charset="0"/>
+              </a:rPr>
+              <a:t>구매창과</a:t>
+            </a:r>
+            <a:r>
+              <a:rPr lang="ko-KR" altLang="en-US" sz="1000" b="1" dirty="0" smtClean="0">
+                <a:solidFill>
+                  <a:schemeClr val="bg1"/>
+                </a:solidFill>
+                <a:latin typeface="맑은 고딕" charset="0"/>
+                <a:ea typeface="맑은 고딕" charset="0"/>
+              </a:rPr>
+              <a:t> </a:t>
+            </a:r>
+            <a:r>
+              <a:rPr lang="ko-KR" altLang="en-US" sz="1000" b="1" dirty="0" smtClean="0">
+                <a:solidFill>
+                  <a:schemeClr val="bg1"/>
+                </a:solidFill>
+                <a:latin typeface="맑은 고딕" charset="0"/>
+                <a:ea typeface="맑은 고딕" charset="0"/>
+              </a:rPr>
+              <a:t>상세 페이지로 </a:t>
+            </a:r>
+            <a:r>
+              <a:rPr lang="ko-KR" altLang="en-US" sz="1000" b="1" dirty="0" smtClean="0">
+                <a:solidFill>
+                  <a:schemeClr val="bg1"/>
+                </a:solidFill>
+                <a:latin typeface="맑은 고딕" charset="0"/>
+                <a:ea typeface="맑은 고딕" charset="0"/>
+              </a:rPr>
+              <a:t>변경되도록 구현하였습니다</a:t>
+            </a:r>
+            <a:r>
+              <a:rPr lang="en-US" altLang="ko-KR" sz="1000" b="1" dirty="0" smtClean="0">
+                <a:solidFill>
+                  <a:schemeClr val="bg1"/>
+                </a:solidFill>
+                <a:latin typeface="맑은 고딕" charset="0"/>
+                <a:ea typeface="맑은 고딕" charset="0"/>
+              </a:rPr>
+              <a:t>.</a:t>
+            </a:r>
+            <a:endParaRPr lang="ko-KR" altLang="en-US" sz="1000" b="1" dirty="0">
+              <a:solidFill>
+                <a:schemeClr val="bg1"/>
+              </a:solidFill>
+              <a:latin typeface="맑은 고딕" charset="0"/>
+              <a:ea typeface="맑은 고딕" charset="0"/>
+            </a:endParaRPr>
+          </a:p>
+        </p:txBody>
+      </p:sp>
+      <p:pic>
+        <p:nvPicPr>
+          <p:cNvPr id="10" name="그림 9"/>
+          <p:cNvPicPr>
+            <a:picLocks noChangeAspect="1"/>
+          </p:cNvPicPr>
+          <p:nvPr/>
+        </p:nvPicPr>
+        <p:blipFill>
+          <a:blip r:embed="rId3" cstate="print">
+            <a:extLst>
+              <a:ext uri="{28A0092B-C50C-407E-A947-70E740481C1C}">
+                <a14:useLocalDpi xmlns:a14="http://schemas.microsoft.com/office/drawing/2010/main" val="0"/>
+              </a:ext>
+            </a:extLst>
+          </a:blip>
+          <a:stretch>
+            <a:fillRect/>
+          </a:stretch>
+        </p:blipFill>
+        <p:spPr>
+          <a:xfrm>
+            <a:off x="3295960" y="3793493"/>
+            <a:ext cx="3030305" cy="1684998"/>
+          </a:xfrm>
+          <a:prstGeom prst="rect">
+            <a:avLst/>
+          </a:prstGeom>
+        </p:spPr>
+      </p:pic>
+      <p:pic>
+        <p:nvPicPr>
+          <p:cNvPr id="11" name="그림 10"/>
+          <p:cNvPicPr>
+            <a:picLocks noChangeAspect="1"/>
+          </p:cNvPicPr>
+          <p:nvPr/>
+        </p:nvPicPr>
+        <p:blipFill>
+          <a:blip r:embed="rId4" cstate="print">
+            <a:extLst>
+              <a:ext uri="{28A0092B-C50C-407E-A947-70E740481C1C}">
+                <a14:useLocalDpi xmlns:a14="http://schemas.microsoft.com/office/drawing/2010/main" val="0"/>
+              </a:ext>
+            </a:extLst>
+          </a:blip>
+          <a:stretch>
+            <a:fillRect/>
+          </a:stretch>
+        </p:blipFill>
+        <p:spPr>
+          <a:xfrm>
+            <a:off x="6942562" y="3281047"/>
+            <a:ext cx="1927872" cy="3139780"/>
           </a:xfrm>
           <a:prstGeom prst="rect">
             <a:avLst/>
@@ -3655,7 +3902,7 @@
     </p:spTree>
     <p:extLst>
       <p:ext uri="{BB962C8B-B14F-4D97-AF65-F5344CB8AC3E}">
-        <p14:creationId xmlns:p14="http://schemas.microsoft.com/office/powerpoint/2010/main" val="686760843"/>
+        <p14:creationId xmlns:p14="http://schemas.microsoft.com/office/powerpoint/2010/main" val="535969465"/>
       </p:ext>
     </p:extLst>
   </p:cSld>
@@ -3699,7 +3946,86 @@
       </p:grpSpPr>
       <p:sp>
         <p:nvSpPr>
-          <p:cNvPr id="2" name="텍스트 상자 101"/>
+          <p:cNvPr id="2" name="텍스트 상자 227"/>
+          <p:cNvSpPr txBox="1">
+            <a:spLocks/>
+          </p:cNvSpPr>
+          <p:nvPr/>
+        </p:nvSpPr>
+        <p:spPr>
+          <a:xfrm>
+            <a:off x="5000623" y="0"/>
+            <a:ext cx="2939728" cy="709168"/>
+          </a:xfrm>
+          <a:prstGeom prst="rect">
+            <a:avLst/>
+          </a:prstGeom>
+          <a:noFill/>
+          <a:ln w="0">
+            <a:noFill/>
+            <a:prstDash/>
+          </a:ln>
+        </p:spPr>
+        <p:txBody>
+          <a:bodyPr vert="horz" wrap="square" lIns="89535" tIns="46355" rIns="89535" bIns="46355" anchor="t">
+            <a:spAutoFit/>
+          </a:bodyPr>
+          <a:lstStyle/>
+          <a:p>
+            <a:pPr marL="0" indent="0" algn="ctr" hangingPunct="1"/>
+            <a:r>
+              <a:rPr lang="en-US" altLang="ko-KR" sz="4000" b="1" dirty="0" smtClean="0">
+                <a:solidFill>
+                  <a:schemeClr val="bg1"/>
+                </a:solidFill>
+                <a:latin typeface="+mj-ea"/>
+                <a:ea typeface="+mj-ea"/>
+              </a:rPr>
+              <a:t>(</a:t>
+            </a:r>
+            <a:r>
+              <a:rPr lang="en-US" altLang="ko-KR" sz="4000" b="1" dirty="0" smtClean="0">
+                <a:solidFill>
+                  <a:schemeClr val="bg1"/>
+                </a:solidFill>
+                <a:latin typeface="Couture" panose="020B0804020202020204" pitchFamily="34" charset="0"/>
+                <a:ea typeface="+mj-ea"/>
+              </a:rPr>
+              <a:t>sub</a:t>
+            </a:r>
+            <a:r>
+              <a:rPr lang="en-US" altLang="ko-KR" sz="4000" b="1" dirty="0" smtClean="0">
+                <a:solidFill>
+                  <a:schemeClr val="bg1"/>
+                </a:solidFill>
+                <a:latin typeface="+mj-ea"/>
+                <a:ea typeface="+mj-ea"/>
+              </a:rPr>
+              <a:t>).</a:t>
+            </a:r>
+            <a:r>
+              <a:rPr lang="en-US" altLang="ko-KR" sz="4000" b="1" dirty="0" smtClean="0">
+                <a:solidFill>
+                  <a:schemeClr val="bg1"/>
+                </a:solidFill>
+                <a:latin typeface="Couture" panose="020B0804020202020204" pitchFamily="34" charset="0"/>
+                <a:ea typeface="+mj-ea"/>
+              </a:rPr>
+              <a:t>pro</a:t>
+            </a:r>
+            <a:endParaRPr lang="ko-KR" altLang="en-US" sz="4000" b="1" dirty="0">
+              <a:solidFill>
+                <a:schemeClr val="bg1"/>
+              </a:solidFill>
+              <a:latin typeface="Couture" panose="020B0804020202020204" pitchFamily="34" charset="0"/>
+              <a:ea typeface="+mj-ea"/>
+            </a:endParaRPr>
+          </a:p>
+        </p:txBody>
+      </p:sp>
+      <p:sp>
+        <p:nvSpPr>
+          <p:cNvPr id="3" name="텍스트 상자 101"/>
           <p:cNvSpPr txBox="1">
             <a:spLocks/>
           </p:cNvSpPr>
@@ -3761,7 +4087,7 @@
       </p:sp>
       <p:sp>
         <p:nvSpPr>
-          <p:cNvPr id="3" name="텍스트 상자 102"/>
+          <p:cNvPr id="4" name="텍스트 상자 102"/>
           <p:cNvSpPr txBox="1">
             <a:spLocks/>
           </p:cNvSpPr>
@@ -3811,7 +4137,7 @@
       </p:sp>
       <p:sp>
         <p:nvSpPr>
-          <p:cNvPr id="4" name="텍스트 상자 110"/>
+          <p:cNvPr id="5" name="텍스트 상자 110"/>
           <p:cNvSpPr txBox="1">
             <a:spLocks/>
           </p:cNvSpPr>
@@ -3854,85 +4180,6 @@
               </a:solidFill>
               <a:latin typeface="Couture" charset="0"/>
               <a:ea typeface="Couture" charset="0"/>
-            </a:endParaRPr>
-          </a:p>
-        </p:txBody>
-      </p:sp>
-      <p:sp>
-        <p:nvSpPr>
-          <p:cNvPr id="5" name="텍스트 상자 227"/>
-          <p:cNvSpPr txBox="1">
-            <a:spLocks/>
-          </p:cNvSpPr>
-          <p:nvPr/>
-        </p:nvSpPr>
-        <p:spPr>
-          <a:xfrm>
-            <a:off x="5000623" y="0"/>
-            <a:ext cx="2939728" cy="709168"/>
-          </a:xfrm>
-          <a:prstGeom prst="rect">
-            <a:avLst/>
-          </a:prstGeom>
-          <a:noFill/>
-          <a:ln w="0">
-            <a:noFill/>
-            <a:prstDash/>
-          </a:ln>
-        </p:spPr>
-        <p:txBody>
-          <a:bodyPr vert="horz" wrap="square" lIns="89535" tIns="46355" rIns="89535" bIns="46355" anchor="t">
-            <a:spAutoFit/>
-          </a:bodyPr>
-          <a:lstStyle/>
-          <a:p>
-            <a:pPr marL="0" indent="0" algn="ctr" hangingPunct="1"/>
-            <a:r>
-              <a:rPr lang="en-US" altLang="ko-KR" sz="4000" b="1" dirty="0" smtClean="0">
-                <a:solidFill>
-                  <a:schemeClr val="bg1"/>
-                </a:solidFill>
-                <a:latin typeface="+mj-ea"/>
-                <a:ea typeface="+mj-ea"/>
-              </a:rPr>
-              <a:t>(</a:t>
-            </a:r>
-            <a:r>
-              <a:rPr lang="en-US" altLang="ko-KR" sz="4000" b="1" dirty="0" smtClean="0">
-                <a:solidFill>
-                  <a:schemeClr val="bg1"/>
-                </a:solidFill>
-                <a:latin typeface="Couture" panose="020B0804020202020204" pitchFamily="34" charset="0"/>
-                <a:ea typeface="+mj-ea"/>
-              </a:rPr>
-              <a:t>sub</a:t>
-            </a:r>
-            <a:r>
-              <a:rPr lang="en-US" altLang="ko-KR" sz="4000" b="1" dirty="0" smtClean="0">
-                <a:solidFill>
-                  <a:schemeClr val="bg1"/>
-                </a:solidFill>
-                <a:latin typeface="+mj-ea"/>
-                <a:ea typeface="+mj-ea"/>
-              </a:rPr>
-              <a:t>).</a:t>
-            </a:r>
-            <a:r>
-              <a:rPr lang="en-US" altLang="ko-KR" sz="4000" b="1" dirty="0" smtClean="0">
-                <a:solidFill>
-                  <a:schemeClr val="bg1"/>
-                </a:solidFill>
-                <a:latin typeface="Couture" panose="020B0804020202020204" pitchFamily="34" charset="0"/>
-                <a:ea typeface="+mj-ea"/>
-              </a:rPr>
-              <a:t>pro</a:t>
-            </a:r>
-            <a:endParaRPr lang="ko-KR" altLang="en-US" sz="4000" b="1" dirty="0">
-              <a:solidFill>
-                <a:schemeClr val="bg1"/>
-              </a:solidFill>
-              <a:latin typeface="Couture" panose="020B0804020202020204" pitchFamily="34" charset="0"/>
-              <a:ea typeface="+mj-ea"/>
             </a:endParaRPr>
           </a:p>
         </p:txBody>
@@ -3959,8 +4206,8 @@
         </p:blipFill>
         <p:spPr>
           <a:xfrm>
-            <a:off x="2953936" y="1682439"/>
-            <a:ext cx="6625913" cy="1137783"/>
+            <a:off x="1799279" y="1510080"/>
+            <a:ext cx="1653048" cy="1823362"/>
           </a:xfrm>
           <a:prstGeom prst="rect">
             <a:avLst/>
@@ -3972,187 +4219,16 @@
           </a:ln>
         </p:spPr>
       </p:pic>
-      <p:sp>
-        <p:nvSpPr>
-          <p:cNvPr id="8" name="액자 7"/>
-          <p:cNvSpPr/>
-          <p:nvPr/>
-        </p:nvSpPr>
-        <p:spPr>
-          <a:xfrm>
-            <a:off x="3006461" y="1691769"/>
-            <a:ext cx="6531429" cy="1069657"/>
-          </a:xfrm>
-          <a:prstGeom prst="frame">
-            <a:avLst>
-              <a:gd name="adj1" fmla="val 3928"/>
-            </a:avLst>
-          </a:prstGeom>
-          <a:solidFill>
-            <a:srgbClr val="FF0000"/>
-          </a:solidFill>
-        </p:spPr>
-        <p:style>
-          <a:lnRef idx="2">
-            <a:schemeClr val="accent1">
-              <a:shade val="50000"/>
-            </a:schemeClr>
-          </a:lnRef>
-          <a:fillRef idx="1">
-            <a:schemeClr val="accent1"/>
-          </a:fillRef>
-          <a:effectRef idx="0">
-            <a:schemeClr val="accent1"/>
-          </a:effectRef>
-          <a:fontRef idx="minor">
-            <a:schemeClr val="lt1"/>
-          </a:fontRef>
-        </p:style>
-        <p:txBody>
-          <a:bodyPr rtlCol="0" anchor="ctr"/>
-          <a:lstStyle/>
-          <a:p>
-            <a:pPr algn="ctr"/>
-            <a:endParaRPr lang="ko-KR" altLang="en-US">
-              <a:solidFill>
-                <a:schemeClr val="tx1"/>
-              </a:solidFill>
-            </a:endParaRPr>
-          </a:p>
-        </p:txBody>
-      </p:sp>
-      <p:sp>
-        <p:nvSpPr>
-          <p:cNvPr id="9" name="텍스트 상자 175"/>
-          <p:cNvSpPr txBox="1">
-            <a:spLocks/>
-          </p:cNvSpPr>
-          <p:nvPr/>
-        </p:nvSpPr>
-        <p:spPr>
-          <a:xfrm>
-            <a:off x="1816941" y="1244698"/>
-            <a:ext cx="5535581" cy="247504"/>
-          </a:xfrm>
-          <a:prstGeom prst="rect">
-            <a:avLst/>
-          </a:prstGeom>
-          <a:noFill/>
-          <a:ln w="3175" cap="flat" cmpd="sng">
-            <a:solidFill>
-              <a:schemeClr val="bg1"/>
-            </a:solidFill>
-            <a:prstDash val="solid"/>
-            <a:round/>
-          </a:ln>
-        </p:spPr>
-        <p:txBody>
-          <a:bodyPr vert="horz" wrap="square" lIns="89535" tIns="46355" rIns="89535" bIns="46355" anchor="t">
-            <a:spAutoFit/>
-          </a:bodyPr>
-          <a:lstStyle/>
-          <a:p>
-            <a:pPr marL="0" indent="0" algn="l" hangingPunct="1"/>
-            <a:r>
-              <a:rPr lang="ko-KR" altLang="en-US" sz="1000" b="1" dirty="0" smtClean="0">
-                <a:solidFill>
-                  <a:schemeClr val="bg1"/>
-                </a:solidFill>
-                <a:latin typeface="맑은 고딕" charset="0"/>
-                <a:ea typeface="맑은 고딕" charset="0"/>
-              </a:rPr>
-              <a:t>상품 이미지 클릭 시에 각 상품에 대한 </a:t>
-            </a:r>
-            <a:r>
-              <a:rPr lang="ko-KR" altLang="en-US" sz="1000" b="1" dirty="0" err="1" smtClean="0">
-                <a:solidFill>
-                  <a:schemeClr val="bg1"/>
-                </a:solidFill>
-                <a:latin typeface="맑은 고딕" charset="0"/>
-                <a:ea typeface="맑은 고딕" charset="0"/>
-              </a:rPr>
-              <a:t>구매창과</a:t>
-            </a:r>
-            <a:r>
-              <a:rPr lang="ko-KR" altLang="en-US" sz="1000" b="1" dirty="0" smtClean="0">
-                <a:solidFill>
-                  <a:schemeClr val="bg1"/>
-                </a:solidFill>
-                <a:latin typeface="맑은 고딕" charset="0"/>
-                <a:ea typeface="맑은 고딕" charset="0"/>
-              </a:rPr>
-              <a:t> </a:t>
-            </a:r>
-            <a:r>
-              <a:rPr lang="ko-KR" altLang="en-US" sz="1000" b="1" dirty="0" err="1" smtClean="0">
-                <a:solidFill>
-                  <a:schemeClr val="bg1"/>
-                </a:solidFill>
-                <a:latin typeface="맑은 고딕" charset="0"/>
-                <a:ea typeface="맑은 고딕" charset="0"/>
-              </a:rPr>
-              <a:t>상페</a:t>
-            </a:r>
-            <a:r>
-              <a:rPr lang="ko-KR" altLang="en-US" sz="1000" b="1" dirty="0" smtClean="0">
-                <a:solidFill>
-                  <a:schemeClr val="bg1"/>
-                </a:solidFill>
-                <a:latin typeface="맑은 고딕" charset="0"/>
-                <a:ea typeface="맑은 고딕" charset="0"/>
-              </a:rPr>
-              <a:t> </a:t>
-            </a:r>
-            <a:r>
-              <a:rPr lang="ko-KR" altLang="en-US" sz="1000" b="1" dirty="0" err="1" smtClean="0">
-                <a:solidFill>
-                  <a:schemeClr val="bg1"/>
-                </a:solidFill>
-                <a:latin typeface="맑은 고딕" charset="0"/>
-                <a:ea typeface="맑은 고딕" charset="0"/>
-              </a:rPr>
-              <a:t>설명란으로</a:t>
-            </a:r>
-            <a:r>
-              <a:rPr lang="ko-KR" altLang="en-US" sz="1000" b="1" dirty="0" smtClean="0">
-                <a:solidFill>
-                  <a:schemeClr val="bg1"/>
-                </a:solidFill>
-                <a:latin typeface="맑은 고딕" charset="0"/>
-                <a:ea typeface="맑은 고딕" charset="0"/>
-              </a:rPr>
-              <a:t> 변경되도록 구현하였습니다</a:t>
-            </a:r>
-            <a:r>
-              <a:rPr lang="en-US" altLang="ko-KR" sz="1000" b="1" dirty="0" smtClean="0">
-                <a:solidFill>
-                  <a:schemeClr val="bg1"/>
-                </a:solidFill>
-                <a:latin typeface="맑은 고딕" charset="0"/>
-                <a:ea typeface="맑은 고딕" charset="0"/>
-              </a:rPr>
-              <a:t>.</a:t>
-            </a:r>
-            <a:endParaRPr lang="ko-KR" altLang="en-US" sz="1000" b="1" dirty="0">
-              <a:solidFill>
-                <a:schemeClr val="bg1"/>
-              </a:solidFill>
-              <a:latin typeface="맑은 고딕" charset="0"/>
-              <a:ea typeface="맑은 고딕" charset="0"/>
-            </a:endParaRPr>
-          </a:p>
-        </p:txBody>
-      </p:sp>
       <p:pic>
         <p:nvPicPr>
-          <p:cNvPr id="10" name="그림 9"/>
+          <p:cNvPr id="7" name="그림 6"/>
           <p:cNvPicPr>
             <a:picLocks noChangeAspect="1"/>
           </p:cNvPicPr>
           <p:nvPr/>
         </p:nvPicPr>
         <p:blipFill>
-          <a:blip r:embed="rId3" cstate="print">
+          <a:blip r:embed="rId3">
             <a:extLst>
               <a:ext uri="{28A0092B-C50C-407E-A947-70E740481C1C}">
                 <a14:useLocalDpi xmlns:a14="http://schemas.microsoft.com/office/drawing/2010/main" val="0"/>
@@ -4165,24 +4241,29 @@
         </p:blipFill>
         <p:spPr>
           <a:xfrm>
-            <a:off x="3295960" y="3793493"/>
-            <a:ext cx="3030305" cy="1684998"/>
-          </a:xfrm>
-          <a:prstGeom prst="rect">
-            <a:avLst/>
-          </a:prstGeom>
+            <a:off x="4097551" y="1510080"/>
+            <a:ext cx="1650108" cy="1823362"/>
+          </a:xfrm>
+          <a:prstGeom prst="rect">
+            <a:avLst/>
+          </a:prstGeom>
+          <a:ln>
+            <a:solidFill>
+              <a:schemeClr val="bg1"/>
+            </a:solidFill>
+          </a:ln>
         </p:spPr>
       </p:pic>
       <p:pic>
         <p:nvPicPr>
-          <p:cNvPr id="11" name="그림 10"/>
+          <p:cNvPr id="8" name="그림 7"/>
           <p:cNvPicPr>
             <a:picLocks noChangeAspect="1"/>
           </p:cNvPicPr>
           <p:nvPr/>
         </p:nvPicPr>
         <p:blipFill>
-          <a:blip r:embed="rId4" cstate="print">
+          <a:blip r:embed="rId4">
             <a:extLst>
               <a:ext uri="{28A0092B-C50C-407E-A947-70E740481C1C}">
                 <a14:useLocalDpi xmlns:a14="http://schemas.microsoft.com/office/drawing/2010/main" val="0"/>
@@ -4195,18 +4276,259 @@
         </p:blipFill>
         <p:spPr>
           <a:xfrm>
-            <a:off x="6942562" y="3281047"/>
-            <a:ext cx="1927872" cy="3139780"/>
-          </a:xfrm>
-          <a:prstGeom prst="rect">
-            <a:avLst/>
-          </a:prstGeom>
+            <a:off x="6429620" y="1510080"/>
+            <a:ext cx="1650108" cy="1823362"/>
+          </a:xfrm>
+          <a:prstGeom prst="rect">
+            <a:avLst/>
+          </a:prstGeom>
+          <a:ln>
+            <a:solidFill>
+              <a:schemeClr val="bg1"/>
+            </a:solidFill>
+          </a:ln>
         </p:spPr>
       </p:pic>
+      <p:pic>
+        <p:nvPicPr>
+          <p:cNvPr id="9" name="그림 8"/>
+          <p:cNvPicPr>
+            <a:picLocks noChangeAspect="1"/>
+          </p:cNvPicPr>
+          <p:nvPr/>
+        </p:nvPicPr>
+        <p:blipFill>
+          <a:blip r:embed="rId5">
+            <a:extLst>
+              <a:ext uri="{28A0092B-C50C-407E-A947-70E740481C1C}">
+                <a14:useLocalDpi xmlns:a14="http://schemas.microsoft.com/office/drawing/2010/main" val="0"/>
+              </a:ext>
+            </a:extLst>
+          </a:blip>
+          <a:stretch>
+            <a:fillRect/>
+          </a:stretch>
+        </p:blipFill>
+        <p:spPr>
+          <a:xfrm>
+            <a:off x="8820641" y="1510080"/>
+            <a:ext cx="1667940" cy="1846948"/>
+          </a:xfrm>
+          <a:prstGeom prst="rect">
+            <a:avLst/>
+          </a:prstGeom>
+          <a:ln>
+            <a:solidFill>
+              <a:schemeClr val="bg1"/>
+            </a:solidFill>
+          </a:ln>
+        </p:spPr>
+      </p:pic>
+      <p:pic>
+        <p:nvPicPr>
+          <p:cNvPr id="10" name="그림 9"/>
+          <p:cNvPicPr>
+            <a:picLocks noChangeAspect="1"/>
+          </p:cNvPicPr>
+          <p:nvPr/>
+        </p:nvPicPr>
+        <p:blipFill>
+          <a:blip r:embed="rId6"/>
+          <a:stretch>
+            <a:fillRect/>
+          </a:stretch>
+        </p:blipFill>
+        <p:spPr>
+          <a:xfrm>
+            <a:off x="1799279" y="3879207"/>
+            <a:ext cx="1653048" cy="1878559"/>
+          </a:xfrm>
+          <a:prstGeom prst="rect">
+            <a:avLst/>
+          </a:prstGeom>
+          <a:ln>
+            <a:solidFill>
+              <a:schemeClr val="bg1"/>
+            </a:solidFill>
+          </a:ln>
+        </p:spPr>
+      </p:pic>
+      <p:pic>
+        <p:nvPicPr>
+          <p:cNvPr id="11" name="그림 10"/>
+          <p:cNvPicPr>
+            <a:picLocks noChangeAspect="1"/>
+          </p:cNvPicPr>
+          <p:nvPr/>
+        </p:nvPicPr>
+        <p:blipFill>
+          <a:blip r:embed="rId7"/>
+          <a:stretch>
+            <a:fillRect/>
+          </a:stretch>
+        </p:blipFill>
+        <p:spPr>
+          <a:xfrm>
+            <a:off x="4097551" y="3879207"/>
+            <a:ext cx="1653048" cy="1823362"/>
+          </a:xfrm>
+          <a:prstGeom prst="rect">
+            <a:avLst/>
+          </a:prstGeom>
+          <a:solidFill>
+            <a:schemeClr val="bg1"/>
+          </a:solidFill>
+          <a:ln>
+            <a:solidFill>
+              <a:schemeClr val="bg1"/>
+            </a:solidFill>
+          </a:ln>
+        </p:spPr>
+      </p:pic>
+      <p:pic>
+        <p:nvPicPr>
+          <p:cNvPr id="12" name="그림 11"/>
+          <p:cNvPicPr>
+            <a:picLocks noChangeAspect="1"/>
+          </p:cNvPicPr>
+          <p:nvPr/>
+        </p:nvPicPr>
+        <p:blipFill>
+          <a:blip r:embed="rId8"/>
+          <a:stretch>
+            <a:fillRect/>
+          </a:stretch>
+        </p:blipFill>
+        <p:spPr>
+          <a:xfrm>
+            <a:off x="6426680" y="3855622"/>
+            <a:ext cx="1653048" cy="1846947"/>
+          </a:xfrm>
+          <a:prstGeom prst="rect">
+            <a:avLst/>
+          </a:prstGeom>
+          <a:ln>
+            <a:solidFill>
+              <a:schemeClr val="bg1"/>
+            </a:solidFill>
+          </a:ln>
+        </p:spPr>
+      </p:pic>
+      <p:pic>
+        <p:nvPicPr>
+          <p:cNvPr id="13" name="그림 12"/>
+          <p:cNvPicPr>
+            <a:picLocks noChangeAspect="1"/>
+          </p:cNvPicPr>
+          <p:nvPr/>
+        </p:nvPicPr>
+        <p:blipFill>
+          <a:blip r:embed="rId9"/>
+          <a:stretch>
+            <a:fillRect/>
+          </a:stretch>
+        </p:blipFill>
+        <p:spPr>
+          <a:xfrm>
+            <a:off x="8820641" y="3855622"/>
+            <a:ext cx="1653048" cy="1823362"/>
+          </a:xfrm>
+          <a:prstGeom prst="rect">
+            <a:avLst/>
+          </a:prstGeom>
+          <a:ln>
+            <a:solidFill>
+              <a:schemeClr val="bg1"/>
+            </a:solidFill>
+          </a:ln>
+        </p:spPr>
+      </p:pic>
+      <p:sp>
+        <p:nvSpPr>
+          <p:cNvPr id="14" name="텍스트 상자 175"/>
+          <p:cNvSpPr txBox="1">
+            <a:spLocks/>
+          </p:cNvSpPr>
+          <p:nvPr/>
+        </p:nvSpPr>
+        <p:spPr>
+          <a:xfrm>
+            <a:off x="3452327" y="6179779"/>
+            <a:ext cx="5273816" cy="247504"/>
+          </a:xfrm>
+          <a:prstGeom prst="rect">
+            <a:avLst/>
+          </a:prstGeom>
+          <a:noFill/>
+          <a:ln w="3175" cap="flat" cmpd="sng">
+            <a:solidFill>
+              <a:schemeClr val="bg1"/>
+            </a:solidFill>
+            <a:prstDash val="solid"/>
+            <a:round/>
+          </a:ln>
+        </p:spPr>
+        <p:txBody>
+          <a:bodyPr vert="horz" wrap="square" lIns="89535" tIns="46355" rIns="89535" bIns="46355" anchor="t">
+            <a:spAutoFit/>
+          </a:bodyPr>
+          <a:lstStyle/>
+          <a:p>
+            <a:pPr marL="0" indent="0" algn="l" hangingPunct="1"/>
+            <a:r>
+              <a:rPr lang="ko-KR" altLang="en-US" sz="1000" b="1" dirty="0" smtClean="0">
+                <a:solidFill>
+                  <a:schemeClr val="bg1"/>
+                </a:solidFill>
+                <a:latin typeface="맑은 고딕" charset="0"/>
+                <a:ea typeface="맑은 고딕" charset="0"/>
+              </a:rPr>
+              <a:t>각 상품 이미지에 </a:t>
+            </a:r>
+            <a:r>
+              <a:rPr lang="en-US" altLang="ko-KR" sz="1000" b="1" dirty="0" smtClean="0">
+                <a:solidFill>
+                  <a:schemeClr val="bg1"/>
+                </a:solidFill>
+                <a:latin typeface="맑은 고딕" charset="0"/>
+                <a:ea typeface="맑은 고딕" charset="0"/>
+              </a:rPr>
+              <a:t>J script</a:t>
+            </a:r>
+            <a:r>
+              <a:rPr lang="ko-KR" altLang="en-US" sz="1000" b="1" dirty="0" smtClean="0">
+                <a:solidFill>
+                  <a:schemeClr val="bg1"/>
+                </a:solidFill>
+                <a:latin typeface="맑은 고딕" charset="0"/>
+                <a:ea typeface="맑은 고딕" charset="0"/>
+              </a:rPr>
+              <a:t>를 적용시켜 이미지 클릭 시 페이지가 바뀌도록 구현하였습니다</a:t>
+            </a:r>
+            <a:r>
+              <a:rPr lang="en-US" altLang="ko-KR" sz="1000" b="1" dirty="0" smtClean="0">
+                <a:solidFill>
+                  <a:schemeClr val="bg1"/>
+                </a:solidFill>
+                <a:latin typeface="맑은 고딕" charset="0"/>
+                <a:ea typeface="맑은 고딕" charset="0"/>
+              </a:rPr>
+              <a:t>.</a:t>
+            </a:r>
+            <a:endParaRPr lang="ko-KR" altLang="en-US" sz="1000" b="1" dirty="0">
+              <a:solidFill>
+                <a:schemeClr val="bg1"/>
+              </a:solidFill>
+              <a:latin typeface="맑은 고딕" charset="0"/>
+              <a:ea typeface="맑은 고딕" charset="0"/>
+            </a:endParaRPr>
+          </a:p>
+        </p:txBody>
+      </p:sp>
     </p:spTree>
     <p:extLst>
       <p:ext uri="{BB962C8B-B14F-4D97-AF65-F5344CB8AC3E}">
-        <p14:creationId xmlns:p14="http://schemas.microsoft.com/office/powerpoint/2010/main" val="535969465"/>
+        <p14:creationId xmlns:p14="http://schemas.microsoft.com/office/powerpoint/2010/main" val="2373004903"/>
       </p:ext>
     </p:extLst>
   </p:cSld>
@@ -4250,86 +4572,7 @@
       </p:grpSpPr>
       <p:sp>
         <p:nvSpPr>
-          <p:cNvPr id="2" name="텍스트 상자 227"/>
-          <p:cNvSpPr txBox="1">
-            <a:spLocks/>
-          </p:cNvSpPr>
-          <p:nvPr/>
-        </p:nvSpPr>
-        <p:spPr>
-          <a:xfrm>
-            <a:off x="5000623" y="0"/>
-            <a:ext cx="2939728" cy="709168"/>
-          </a:xfrm>
-          <a:prstGeom prst="rect">
-            <a:avLst/>
-          </a:prstGeom>
-          <a:noFill/>
-          <a:ln w="0">
-            <a:noFill/>
-            <a:prstDash/>
-          </a:ln>
-        </p:spPr>
-        <p:txBody>
-          <a:bodyPr vert="horz" wrap="square" lIns="89535" tIns="46355" rIns="89535" bIns="46355" anchor="t">
-            <a:spAutoFit/>
-          </a:bodyPr>
-          <a:lstStyle/>
-          <a:p>
-            <a:pPr marL="0" indent="0" algn="ctr" hangingPunct="1"/>
-            <a:r>
-              <a:rPr lang="en-US" altLang="ko-KR" sz="4000" b="1" dirty="0" smtClean="0">
-                <a:solidFill>
-                  <a:schemeClr val="bg1"/>
-                </a:solidFill>
-                <a:latin typeface="+mj-ea"/>
-                <a:ea typeface="+mj-ea"/>
-              </a:rPr>
-              <a:t>(</a:t>
-            </a:r>
-            <a:r>
-              <a:rPr lang="en-US" altLang="ko-KR" sz="4000" b="1" dirty="0" smtClean="0">
-                <a:solidFill>
-                  <a:schemeClr val="bg1"/>
-                </a:solidFill>
-                <a:latin typeface="Couture" panose="020B0804020202020204" pitchFamily="34" charset="0"/>
-                <a:ea typeface="+mj-ea"/>
-              </a:rPr>
-              <a:t>sub</a:t>
-            </a:r>
-            <a:r>
-              <a:rPr lang="en-US" altLang="ko-KR" sz="4000" b="1" dirty="0" smtClean="0">
-                <a:solidFill>
-                  <a:schemeClr val="bg1"/>
-                </a:solidFill>
-                <a:latin typeface="+mj-ea"/>
-                <a:ea typeface="+mj-ea"/>
-              </a:rPr>
-              <a:t>).</a:t>
-            </a:r>
-            <a:r>
-              <a:rPr lang="en-US" altLang="ko-KR" sz="4000" b="1" dirty="0" smtClean="0">
-                <a:solidFill>
-                  <a:schemeClr val="bg1"/>
-                </a:solidFill>
-                <a:latin typeface="Couture" panose="020B0804020202020204" pitchFamily="34" charset="0"/>
-                <a:ea typeface="+mj-ea"/>
-              </a:rPr>
-              <a:t>pro</a:t>
-            </a:r>
-            <a:endParaRPr lang="ko-KR" altLang="en-US" sz="4000" b="1" dirty="0">
-              <a:solidFill>
-                <a:schemeClr val="bg1"/>
-              </a:solidFill>
-              <a:latin typeface="Couture" panose="020B0804020202020204" pitchFamily="34" charset="0"/>
-              <a:ea typeface="+mj-ea"/>
-            </a:endParaRPr>
-          </a:p>
-        </p:txBody>
-      </p:sp>
-      <p:sp>
-        <p:nvSpPr>
-          <p:cNvPr id="3" name="텍스트 상자 101"/>
+          <p:cNvPr id="2" name="텍스트 상자 101"/>
           <p:cNvSpPr txBox="1">
             <a:spLocks/>
           </p:cNvSpPr>
@@ -4391,7 +4634,7 @@
       </p:sp>
       <p:sp>
         <p:nvSpPr>
-          <p:cNvPr id="4" name="텍스트 상자 102"/>
+          <p:cNvPr id="3" name="텍스트 상자 102"/>
           <p:cNvSpPr txBox="1">
             <a:spLocks/>
           </p:cNvSpPr>
@@ -4488,9 +4731,58 @@
           </a:p>
         </p:txBody>
       </p:sp>
+      <p:sp>
+        <p:nvSpPr>
+          <p:cNvPr id="6" name="텍스트 상자 227"/>
+          <p:cNvSpPr txBox="1">
+            <a:spLocks/>
+          </p:cNvSpPr>
+          <p:nvPr/>
+        </p:nvSpPr>
+        <p:spPr>
+          <a:xfrm>
+            <a:off x="5000623" y="0"/>
+            <a:ext cx="2939728" cy="709168"/>
+          </a:xfrm>
+          <a:prstGeom prst="rect">
+            <a:avLst/>
+          </a:prstGeom>
+          <a:noFill/>
+          <a:ln w="0">
+            <a:noFill/>
+            <a:prstDash/>
+          </a:ln>
+        </p:spPr>
+        <p:txBody>
+          <a:bodyPr vert="horz" wrap="square" lIns="89535" tIns="46355" rIns="89535" bIns="46355" anchor="t">
+            <a:spAutoFit/>
+          </a:bodyPr>
+          <a:lstStyle/>
+          <a:p>
+            <a:pPr marL="0" indent="0" algn="ctr" hangingPunct="1"/>
+            <a:r>
+              <a:rPr lang="en-US" altLang="ko-KR" sz="4000" b="1" dirty="0" smtClean="0">
+                <a:solidFill>
+                  <a:schemeClr val="bg1"/>
+                </a:solidFill>
+                <a:latin typeface="Couture" panose="020B0804020202020204" pitchFamily="34" charset="0"/>
+                <a:ea typeface="+mj-ea"/>
+              </a:rPr>
+              <a:t>COMMON</a:t>
+            </a:r>
+            <a:endParaRPr lang="ko-KR" altLang="en-US" sz="4000" b="1" dirty="0">
+              <a:solidFill>
+                <a:schemeClr val="bg1"/>
+              </a:solidFill>
+              <a:latin typeface="Couture" panose="020B0804020202020204" pitchFamily="34" charset="0"/>
+              <a:ea typeface="+mj-ea"/>
+            </a:endParaRPr>
+          </a:p>
+        </p:txBody>
+      </p:sp>
       <p:pic>
         <p:nvPicPr>
-          <p:cNvPr id="6" name="그림 5"/>
+          <p:cNvPr id="7" name="그림 6"/>
           <p:cNvPicPr>
             <a:picLocks noChangeAspect="1"/>
           </p:cNvPicPr>
@@ -4510,22 +4802,17 @@
         </p:blipFill>
         <p:spPr>
           <a:xfrm>
-            <a:off x="1799279" y="1510080"/>
-            <a:ext cx="1653048" cy="1823362"/>
-          </a:xfrm>
-          <a:prstGeom prst="rect">
-            <a:avLst/>
-          </a:prstGeom>
-          <a:ln>
-            <a:solidFill>
-              <a:schemeClr val="bg1"/>
-            </a:solidFill>
-          </a:ln>
+            <a:off x="2233166" y="2791894"/>
+            <a:ext cx="1817334" cy="417495"/>
+          </a:xfrm>
+          <a:prstGeom prst="rect">
+            <a:avLst/>
+          </a:prstGeom>
         </p:spPr>
       </p:pic>
       <p:pic>
         <p:nvPicPr>
-          <p:cNvPr id="7" name="그림 6"/>
+          <p:cNvPr id="8" name="그림 7"/>
           <p:cNvPicPr>
             <a:picLocks noChangeAspect="1"/>
           </p:cNvPicPr>
@@ -4545,22 +4832,17 @@
         </p:blipFill>
         <p:spPr>
           <a:xfrm>
-            <a:off x="4097551" y="1510080"/>
-            <a:ext cx="1650108" cy="1823362"/>
-          </a:xfrm>
-          <a:prstGeom prst="rect">
-            <a:avLst/>
-          </a:prstGeom>
-          <a:ln>
-            <a:solidFill>
-              <a:schemeClr val="bg1"/>
-            </a:solidFill>
-          </a:ln>
+            <a:off x="5366082" y="2744914"/>
+            <a:ext cx="1817334" cy="417494"/>
+          </a:xfrm>
+          <a:prstGeom prst="rect">
+            <a:avLst/>
+          </a:prstGeom>
         </p:spPr>
       </p:pic>
       <p:pic>
         <p:nvPicPr>
-          <p:cNvPr id="8" name="그림 7"/>
+          <p:cNvPr id="9" name="그림 8"/>
           <p:cNvPicPr>
             <a:picLocks noChangeAspect="1"/>
           </p:cNvPicPr>
@@ -4580,22 +4862,17 @@
         </p:blipFill>
         <p:spPr>
           <a:xfrm>
-            <a:off x="6429620" y="1510080"/>
-            <a:ext cx="1650108" cy="1823362"/>
-          </a:xfrm>
-          <a:prstGeom prst="rect">
-            <a:avLst/>
-          </a:prstGeom>
-          <a:ln>
-            <a:solidFill>
-              <a:schemeClr val="bg1"/>
-            </a:solidFill>
-          </a:ln>
+            <a:off x="1629059" y="3570226"/>
+            <a:ext cx="2400171" cy="900064"/>
+          </a:xfrm>
+          <a:prstGeom prst="rect">
+            <a:avLst/>
+          </a:prstGeom>
         </p:spPr>
       </p:pic>
       <p:pic>
         <p:nvPicPr>
-          <p:cNvPr id="9" name="그림 8"/>
+          <p:cNvPr id="10" name="그림 9"/>
           <p:cNvPicPr>
             <a:picLocks noChangeAspect="1"/>
           </p:cNvPicPr>
@@ -4615,8 +4892,200 @@
         </p:blipFill>
         <p:spPr>
           <a:xfrm>
-            <a:off x="8820641" y="1510080"/>
-            <a:ext cx="1667940" cy="1846948"/>
+            <a:off x="5377710" y="3583603"/>
+            <a:ext cx="2400171" cy="886687"/>
+          </a:xfrm>
+          <a:prstGeom prst="rect">
+            <a:avLst/>
+          </a:prstGeom>
+        </p:spPr>
+      </p:pic>
+      <p:pic>
+        <p:nvPicPr>
+          <p:cNvPr id="11" name="그림 10"/>
+          <p:cNvPicPr>
+            <a:picLocks noChangeAspect="1"/>
+          </p:cNvPicPr>
+          <p:nvPr/>
+        </p:nvPicPr>
+        <p:blipFill>
+          <a:blip r:embed="rId6">
+            <a:extLst>
+              <a:ext uri="{28A0092B-C50C-407E-A947-70E740481C1C}">
+                <a14:useLocalDpi xmlns:a14="http://schemas.microsoft.com/office/drawing/2010/main" val="0"/>
+              </a:ext>
+            </a:extLst>
+          </a:blip>
+          <a:stretch>
+            <a:fillRect/>
+          </a:stretch>
+        </p:blipFill>
+        <p:spPr>
+          <a:xfrm>
+            <a:off x="1687641" y="1264776"/>
+            <a:ext cx="5884967" cy="328500"/>
+          </a:xfrm>
+          <a:prstGeom prst="rect">
+            <a:avLst/>
+          </a:prstGeom>
+        </p:spPr>
+      </p:pic>
+      <p:pic>
+        <p:nvPicPr>
+          <p:cNvPr id="12" name="그림 11"/>
+          <p:cNvPicPr>
+            <a:picLocks noChangeAspect="1"/>
+          </p:cNvPicPr>
+          <p:nvPr/>
+        </p:nvPicPr>
+        <p:blipFill>
+          <a:blip r:embed="rId7">
+            <a:extLst>
+              <a:ext uri="{28A0092B-C50C-407E-A947-70E740481C1C}">
+                <a14:useLocalDpi xmlns:a14="http://schemas.microsoft.com/office/drawing/2010/main" val="0"/>
+              </a:ext>
+            </a:extLst>
+          </a:blip>
+          <a:stretch>
+            <a:fillRect/>
+          </a:stretch>
+        </p:blipFill>
+        <p:spPr>
+          <a:xfrm>
+            <a:off x="1682879" y="2069424"/>
+            <a:ext cx="5889729" cy="294933"/>
+          </a:xfrm>
+          <a:prstGeom prst="rect">
+            <a:avLst/>
+          </a:prstGeom>
+        </p:spPr>
+      </p:pic>
+      <p:cxnSp>
+        <p:nvCxnSpPr>
+          <p:cNvPr id="14" name="직선 화살표 연결선 13"/>
+          <p:cNvCxnSpPr/>
+          <p:nvPr/>
+        </p:nvCxnSpPr>
+        <p:spPr>
+          <a:xfrm>
+            <a:off x="4354337" y="3963434"/>
+            <a:ext cx="676177" cy="0"/>
+          </a:xfrm>
+          <a:prstGeom prst="straightConnector1">
+            <a:avLst/>
+          </a:prstGeom>
+          <a:ln>
+            <a:solidFill>
+              <a:schemeClr val="bg1"/>
+            </a:solidFill>
+            <a:tailEnd type="triangle"/>
+          </a:ln>
+        </p:spPr>
+        <p:style>
+          <a:lnRef idx="1">
+            <a:schemeClr val="accent1"/>
+          </a:lnRef>
+          <a:fillRef idx="0">
+            <a:schemeClr val="accent1"/>
+          </a:fillRef>
+          <a:effectRef idx="0">
+            <a:schemeClr val="accent1"/>
+          </a:effectRef>
+          <a:fontRef idx="minor">
+            <a:schemeClr val="tx1"/>
+          </a:fontRef>
+        </p:style>
+      </p:cxnSp>
+      <p:cxnSp>
+        <p:nvCxnSpPr>
+          <p:cNvPr id="15" name="직선 화살표 연결선 14"/>
+          <p:cNvCxnSpPr/>
+          <p:nvPr/>
+        </p:nvCxnSpPr>
+        <p:spPr>
+          <a:xfrm>
+            <a:off x="4342708" y="2953661"/>
+            <a:ext cx="676177" cy="0"/>
+          </a:xfrm>
+          <a:prstGeom prst="straightConnector1">
+            <a:avLst/>
+          </a:prstGeom>
+          <a:ln>
+            <a:solidFill>
+              <a:schemeClr val="bg1"/>
+            </a:solidFill>
+            <a:tailEnd type="triangle"/>
+          </a:ln>
+        </p:spPr>
+        <p:style>
+          <a:lnRef idx="1">
+            <a:schemeClr val="accent1"/>
+          </a:lnRef>
+          <a:fillRef idx="0">
+            <a:schemeClr val="accent1"/>
+          </a:fillRef>
+          <a:effectRef idx="0">
+            <a:schemeClr val="accent1"/>
+          </a:effectRef>
+          <a:fontRef idx="minor">
+            <a:schemeClr val="tx1"/>
+          </a:fontRef>
+        </p:style>
+      </p:cxnSp>
+      <p:cxnSp>
+        <p:nvCxnSpPr>
+          <p:cNvPr id="17" name="직선 화살표 연결선 16"/>
+          <p:cNvCxnSpPr/>
+          <p:nvPr/>
+        </p:nvCxnSpPr>
+        <p:spPr>
+          <a:xfrm>
+            <a:off x="4821366" y="1723215"/>
+            <a:ext cx="0" cy="223934"/>
+          </a:xfrm>
+          <a:prstGeom prst="straightConnector1">
+            <a:avLst/>
+          </a:prstGeom>
+          <a:ln>
+            <a:solidFill>
+              <a:schemeClr val="bg1"/>
+            </a:solidFill>
+            <a:tailEnd type="triangle"/>
+          </a:ln>
+        </p:spPr>
+        <p:style>
+          <a:lnRef idx="1">
+            <a:schemeClr val="accent1"/>
+          </a:lnRef>
+          <a:fillRef idx="0">
+            <a:schemeClr val="accent1"/>
+          </a:fillRef>
+          <a:effectRef idx="0">
+            <a:schemeClr val="accent1"/>
+          </a:effectRef>
+          <a:fontRef idx="minor">
+            <a:schemeClr val="tx1"/>
+          </a:fontRef>
+        </p:style>
+      </p:cxnSp>
+      <p:pic>
+        <p:nvPicPr>
+          <p:cNvPr id="18" name="그림 17"/>
+          <p:cNvPicPr>
+            <a:picLocks noChangeAspect="1"/>
+          </p:cNvPicPr>
+          <p:nvPr/>
+        </p:nvPicPr>
+        <p:blipFill>
+          <a:blip r:embed="rId8"/>
+          <a:stretch>
+            <a:fillRect/>
+          </a:stretch>
+        </p:blipFill>
+        <p:spPr>
+          <a:xfrm>
+            <a:off x="2815356" y="5029130"/>
+            <a:ext cx="3657600" cy="161925"/>
           </a:xfrm>
           <a:prstGeom prst="rect">
             <a:avLst/>
@@ -4628,10 +5097,1146 @@
           </a:ln>
         </p:spPr>
       </p:pic>
+      <p:pic>
+        <p:nvPicPr>
+          <p:cNvPr id="20" name="그림 19"/>
+          <p:cNvPicPr>
+            <a:picLocks noChangeAspect="1"/>
+          </p:cNvPicPr>
+          <p:nvPr/>
+        </p:nvPicPr>
+        <p:blipFill>
+          <a:blip r:embed="rId9"/>
+          <a:stretch>
+            <a:fillRect/>
+          </a:stretch>
+        </p:blipFill>
+        <p:spPr>
+          <a:xfrm>
+            <a:off x="2815550" y="5413268"/>
+            <a:ext cx="3619500" cy="200025"/>
+          </a:xfrm>
+          <a:prstGeom prst="rect">
+            <a:avLst/>
+          </a:prstGeom>
+          <a:ln>
+            <a:solidFill>
+              <a:schemeClr val="bg1"/>
+            </a:solidFill>
+          </a:ln>
+        </p:spPr>
+      </p:pic>
+      <p:pic>
+        <p:nvPicPr>
+          <p:cNvPr id="21" name="그림 20"/>
+          <p:cNvPicPr>
+            <a:picLocks noChangeAspect="1"/>
+          </p:cNvPicPr>
+          <p:nvPr/>
+        </p:nvPicPr>
+        <p:blipFill>
+          <a:blip r:embed="rId10"/>
+          <a:stretch>
+            <a:fillRect/>
+          </a:stretch>
+        </p:blipFill>
+        <p:spPr>
+          <a:xfrm>
+            <a:off x="3141833" y="5829353"/>
+            <a:ext cx="2809875" cy="209550"/>
+          </a:xfrm>
+          <a:prstGeom prst="rect">
+            <a:avLst/>
+          </a:prstGeom>
+          <a:ln>
+            <a:solidFill>
+              <a:schemeClr val="bg1"/>
+            </a:solidFill>
+          </a:ln>
+        </p:spPr>
+      </p:pic>
+      <p:sp>
+        <p:nvSpPr>
+          <p:cNvPr id="26" name="텍스트 상자 175"/>
+          <p:cNvSpPr txBox="1">
+            <a:spLocks/>
+          </p:cNvSpPr>
+          <p:nvPr/>
+        </p:nvSpPr>
+        <p:spPr>
+          <a:xfrm>
+            <a:off x="2705666" y="6290031"/>
+            <a:ext cx="3839268" cy="247504"/>
+          </a:xfrm>
+          <a:prstGeom prst="rect">
+            <a:avLst/>
+          </a:prstGeom>
+          <a:noFill/>
+          <a:ln w="3175" cap="flat" cmpd="sng">
+            <a:solidFill>
+              <a:schemeClr val="bg1"/>
+            </a:solidFill>
+            <a:prstDash val="solid"/>
+            <a:round/>
+          </a:ln>
+        </p:spPr>
+        <p:txBody>
+          <a:bodyPr vert="horz" wrap="square" lIns="89535" tIns="46355" rIns="89535" bIns="46355" anchor="t">
+            <a:spAutoFit/>
+          </a:bodyPr>
+          <a:lstStyle/>
+          <a:p>
+            <a:pPr marL="0" indent="0" algn="l" hangingPunct="1"/>
+            <a:r>
+              <a:rPr lang="ko-KR" altLang="en-US" sz="1000" b="1" dirty="0" smtClean="0">
+                <a:solidFill>
+                  <a:schemeClr val="bg1"/>
+                </a:solidFill>
+                <a:latin typeface="맑은 고딕" charset="0"/>
+                <a:ea typeface="맑은 고딕" charset="0"/>
+              </a:rPr>
+              <a:t>각 부분에 마우스 오버 시 이펙트가 변경되도록 구현하였습니다</a:t>
+            </a:r>
+            <a:r>
+              <a:rPr lang="en-US" altLang="ko-KR" sz="1000" b="1" dirty="0" smtClean="0">
+                <a:solidFill>
+                  <a:schemeClr val="bg1"/>
+                </a:solidFill>
+                <a:latin typeface="맑은 고딕" charset="0"/>
+                <a:ea typeface="맑은 고딕" charset="0"/>
+              </a:rPr>
+              <a:t>.</a:t>
+            </a:r>
+            <a:endParaRPr lang="ko-KR" altLang="en-US" sz="1000" b="1" dirty="0">
+              <a:solidFill>
+                <a:schemeClr val="bg1"/>
+              </a:solidFill>
+              <a:latin typeface="맑은 고딕" charset="0"/>
+              <a:ea typeface="맑은 고딕" charset="0"/>
+            </a:endParaRPr>
+          </a:p>
+        </p:txBody>
+      </p:sp>
+      <p:sp>
+        <p:nvSpPr>
+          <p:cNvPr id="29" name="직사각형 28"/>
+          <p:cNvSpPr/>
+          <p:nvPr/>
+        </p:nvSpPr>
+        <p:spPr>
+          <a:xfrm>
+            <a:off x="7897715" y="1270686"/>
+            <a:ext cx="3332161" cy="4342607"/>
+          </a:xfrm>
+          <a:prstGeom prst="rect">
+            <a:avLst/>
+          </a:prstGeom>
+          <a:solidFill>
+            <a:schemeClr val="tx1"/>
+          </a:solidFill>
+          <a:ln>
+            <a:solidFill>
+              <a:schemeClr val="bg1"/>
+            </a:solidFill>
+          </a:ln>
+        </p:spPr>
+        <p:style>
+          <a:lnRef idx="2">
+            <a:schemeClr val="accent1">
+              <a:shade val="50000"/>
+            </a:schemeClr>
+          </a:lnRef>
+          <a:fillRef idx="1">
+            <a:schemeClr val="accent1"/>
+          </a:fillRef>
+          <a:effectRef idx="0">
+            <a:schemeClr val="accent1"/>
+          </a:effectRef>
+          <a:fontRef idx="minor">
+            <a:schemeClr val="lt1"/>
+          </a:fontRef>
+        </p:style>
+        <p:txBody>
+          <a:bodyPr rtlCol="0" anchor="ctr"/>
+          <a:lstStyle/>
+          <a:p>
+            <a:pPr algn="ctr"/>
+            <a:endParaRPr lang="ko-KR" altLang="en-US"/>
+          </a:p>
+        </p:txBody>
+      </p:sp>
+      <p:pic>
+        <p:nvPicPr>
+          <p:cNvPr id="30" name="그림 29"/>
+          <p:cNvPicPr>
+            <a:picLocks noChangeAspect="1"/>
+          </p:cNvPicPr>
+          <p:nvPr/>
+        </p:nvPicPr>
+        <p:blipFill>
+          <a:blip r:embed="rId11">
+            <a:extLst>
+              <a:ext uri="{28A0092B-C50C-407E-A947-70E740481C1C}">
+                <a14:useLocalDpi xmlns:a14="http://schemas.microsoft.com/office/drawing/2010/main" val="0"/>
+              </a:ext>
+            </a:extLst>
+          </a:blip>
+          <a:stretch>
+            <a:fillRect/>
+          </a:stretch>
+        </p:blipFill>
+        <p:spPr>
+          <a:xfrm>
+            <a:off x="8371101" y="2069424"/>
+            <a:ext cx="2381250" cy="466725"/>
+          </a:xfrm>
+          <a:prstGeom prst="rect">
+            <a:avLst/>
+          </a:prstGeom>
+        </p:spPr>
+      </p:pic>
+      <p:pic>
+        <p:nvPicPr>
+          <p:cNvPr id="31" name="그림 30"/>
+          <p:cNvPicPr>
+            <a:picLocks noChangeAspect="1"/>
+          </p:cNvPicPr>
+          <p:nvPr/>
+        </p:nvPicPr>
+        <p:blipFill>
+          <a:blip r:embed="rId12">
+            <a:extLst>
+              <a:ext uri="{28A0092B-C50C-407E-A947-70E740481C1C}">
+                <a14:useLocalDpi xmlns:a14="http://schemas.microsoft.com/office/drawing/2010/main" val="0"/>
+              </a:ext>
+            </a:extLst>
+          </a:blip>
+          <a:stretch>
+            <a:fillRect/>
+          </a:stretch>
+        </p:blipFill>
+        <p:spPr>
+          <a:xfrm>
+            <a:off x="8273626" y="3263770"/>
+            <a:ext cx="2486025" cy="475269"/>
+          </a:xfrm>
+          <a:prstGeom prst="rect">
+            <a:avLst/>
+          </a:prstGeom>
+        </p:spPr>
+      </p:pic>
+      <p:cxnSp>
+        <p:nvCxnSpPr>
+          <p:cNvPr id="32" name="직선 화살표 연결선 31"/>
+          <p:cNvCxnSpPr/>
+          <p:nvPr/>
+        </p:nvCxnSpPr>
+        <p:spPr>
+          <a:xfrm>
+            <a:off x="9561726" y="2666968"/>
+            <a:ext cx="0" cy="406900"/>
+          </a:xfrm>
+          <a:prstGeom prst="straightConnector1">
+            <a:avLst/>
+          </a:prstGeom>
+          <a:ln>
+            <a:solidFill>
+              <a:schemeClr val="bg1"/>
+            </a:solidFill>
+            <a:tailEnd type="triangle"/>
+          </a:ln>
+        </p:spPr>
+        <p:style>
+          <a:lnRef idx="1">
+            <a:schemeClr val="accent1"/>
+          </a:lnRef>
+          <a:fillRef idx="0">
+            <a:schemeClr val="accent1"/>
+          </a:fillRef>
+          <a:effectRef idx="0">
+            <a:schemeClr val="accent1"/>
+          </a:effectRef>
+          <a:fontRef idx="minor">
+            <a:schemeClr val="tx1"/>
+          </a:fontRef>
+        </p:style>
+      </p:cxnSp>
+      <p:sp>
+        <p:nvSpPr>
+          <p:cNvPr id="33" name="텍스트 상자 175"/>
+          <p:cNvSpPr txBox="1">
+            <a:spLocks/>
+          </p:cNvSpPr>
+          <p:nvPr/>
+        </p:nvSpPr>
+        <p:spPr>
+          <a:xfrm>
+            <a:off x="7967329" y="4909396"/>
+            <a:ext cx="3192553" cy="401392"/>
+          </a:xfrm>
+          <a:prstGeom prst="rect">
+            <a:avLst/>
+          </a:prstGeom>
+          <a:noFill/>
+          <a:ln w="3175" cap="flat" cmpd="sng">
+            <a:solidFill>
+              <a:schemeClr val="bg1"/>
+            </a:solidFill>
+            <a:prstDash val="solid"/>
+            <a:round/>
+          </a:ln>
+        </p:spPr>
+        <p:txBody>
+          <a:bodyPr vert="horz" wrap="square" lIns="89535" tIns="46355" rIns="89535" bIns="46355" anchor="t">
+            <a:spAutoFit/>
+          </a:bodyPr>
+          <a:lstStyle/>
+          <a:p>
+            <a:pPr marL="0" indent="0" algn="l" hangingPunct="1"/>
+            <a:r>
+              <a:rPr lang="ko-KR" altLang="en-US" sz="1000" b="1" dirty="0" smtClean="0">
+                <a:solidFill>
+                  <a:schemeClr val="bg1"/>
+                </a:solidFill>
+                <a:latin typeface="맑은 고딕" charset="0"/>
+                <a:ea typeface="맑은 고딕" charset="0"/>
+              </a:rPr>
+              <a:t>검색 창을 클릭 시 검색 창이 확대되는 애니메이션을 추가하였습니다</a:t>
+            </a:r>
+            <a:r>
+              <a:rPr lang="en-US" altLang="ko-KR" sz="1000" b="1" dirty="0" smtClean="0">
+                <a:solidFill>
+                  <a:schemeClr val="bg1"/>
+                </a:solidFill>
+                <a:latin typeface="맑은 고딕" charset="0"/>
+                <a:ea typeface="맑은 고딕" charset="0"/>
+              </a:rPr>
+              <a:t>.</a:t>
+            </a:r>
+            <a:endParaRPr lang="ko-KR" altLang="en-US" sz="1000" b="1" dirty="0">
+              <a:solidFill>
+                <a:schemeClr val="bg1"/>
+              </a:solidFill>
+              <a:latin typeface="맑은 고딕" charset="0"/>
+              <a:ea typeface="맑은 고딕" charset="0"/>
+            </a:endParaRPr>
+          </a:p>
+        </p:txBody>
+      </p:sp>
+      <p:pic>
+        <p:nvPicPr>
+          <p:cNvPr id="34" name="그림 33"/>
+          <p:cNvPicPr>
+            <a:picLocks noChangeAspect="1"/>
+          </p:cNvPicPr>
+          <p:nvPr/>
+        </p:nvPicPr>
+        <p:blipFill>
+          <a:blip r:embed="rId13"/>
+          <a:stretch>
+            <a:fillRect/>
+          </a:stretch>
+        </p:blipFill>
+        <p:spPr>
+          <a:xfrm>
+            <a:off x="8141603" y="4327088"/>
+            <a:ext cx="2852970" cy="136859"/>
+          </a:xfrm>
+          <a:prstGeom prst="rect">
+            <a:avLst/>
+          </a:prstGeom>
+        </p:spPr>
+      </p:pic>
     </p:spTree>
     <p:extLst>
       <p:ext uri="{BB962C8B-B14F-4D97-AF65-F5344CB8AC3E}">
-        <p14:creationId xmlns:p14="http://schemas.microsoft.com/office/powerpoint/2010/main" val="2373004903"/>
+        <p14:creationId xmlns:p14="http://schemas.microsoft.com/office/powerpoint/2010/main" val="3650749601"/>
+      </p:ext>
+    </p:extLst>
+  </p:cSld>
+  <p:clrMapOvr>
+    <a:masterClrMapping/>
+  </p:clrMapOvr>
+  <p:timing>
+    <p:tnLst>
+      <p:par>
+        <p:cTn id="1" dur="indefinite" restart="never" nodeType="tmRoot"/>
+      </p:par>
+    </p:tnLst>
+  </p:timing>
+</p:sld>
+</file>
+
+<file path=ppt/slides/slide13.xml><?xml version="1.0" encoding="utf-8"?>
+<p:sld xmlns:a="http://schemas.openxmlformats.org/drawingml/2006/main" xmlns:r="http://schemas.openxmlformats.org/officeDocument/2006/relationships" xmlns:p="http://schemas.openxmlformats.org/presentationml/2006/main">
+  <p:cSld>
+    <p:bg>
+      <p:bgPr>
+        <a:solidFill>
+          <a:schemeClr val="tx1"/>
+        </a:solidFill>
+        <a:effectLst/>
+      </p:bgPr>
+    </p:bg>
+    <p:spTree>
+      <p:nvGrpSpPr>
+        <p:cNvPr id="1" name=""/>
+        <p:cNvGrpSpPr/>
+        <p:nvPr/>
+      </p:nvGrpSpPr>
+      <p:grpSpPr>
+        <a:xfrm>
+          <a:off x="0" y="0"/>
+          <a:ext cx="0" cy="0"/>
+          <a:chOff x="0" y="0"/>
+          <a:chExt cx="0" cy="0"/>
+        </a:xfrm>
+      </p:grpSpPr>
+      <p:sp>
+        <p:nvSpPr>
+          <p:cNvPr id="2" name="텍스트 상자 101"/>
+          <p:cNvSpPr txBox="1">
+            <a:spLocks/>
+          </p:cNvSpPr>
+          <p:nvPr/>
+        </p:nvSpPr>
+        <p:spPr>
+          <a:xfrm>
+            <a:off x="97155" y="65405"/>
+            <a:ext cx="1325880" cy="1323975"/>
+          </a:xfrm>
+          <a:prstGeom prst="rect">
+            <a:avLst/>
+          </a:prstGeom>
+          <a:noFill/>
+          <a:ln w="63500" cap="flat" cmpd="sng">
+            <a:solidFill>
+              <a:schemeClr val="bg1"/>
+            </a:solidFill>
+            <a:prstDash val="solid"/>
+            <a:round/>
+          </a:ln>
+        </p:spPr>
+        <p:txBody>
+          <a:bodyPr vert="horz" wrap="square" lIns="89535" tIns="46355" rIns="89535" bIns="46355" anchor="t">
+            <a:spAutoFit/>
+          </a:bodyPr>
+          <a:lstStyle/>
+          <a:p>
+            <a:pPr marL="0" indent="0" algn="ctr" hangingPunct="1"/>
+            <a:r>
+              <a:rPr lang="ko-KR" sz="8000" dirty="0" smtClean="0">
+                <a:solidFill>
+                  <a:schemeClr val="bg1"/>
+                </a:solidFill>
+                <a:latin typeface="맑은 고딕" charset="0"/>
+                <a:ea typeface="맑은 고딕" charset="0"/>
+              </a:rPr>
+              <a:t>0</a:t>
+            </a:r>
+            <a:r>
+              <a:rPr lang="en-US" altLang="ko-KR" sz="8000" dirty="0">
+                <a:solidFill>
+                  <a:schemeClr val="bg1"/>
+                </a:solidFill>
+                <a:latin typeface="맑은 고딕" charset="0"/>
+                <a:ea typeface="맑은 고딕" charset="0"/>
+              </a:rPr>
+              <a:t>3</a:t>
+            </a:r>
+            <a:endParaRPr lang="ko-KR" altLang="en-US" sz="8000" dirty="0">
+              <a:solidFill>
+                <a:schemeClr val="bg1"/>
+              </a:solidFill>
+              <a:latin typeface="맑은 고딕" charset="0"/>
+              <a:ea typeface="맑은 고딕" charset="0"/>
+            </a:endParaRPr>
+          </a:p>
+        </p:txBody>
+      </p:sp>
+      <p:sp>
+        <p:nvSpPr>
+          <p:cNvPr id="3" name="텍스트 상자 102"/>
+          <p:cNvSpPr txBox="1">
+            <a:spLocks/>
+          </p:cNvSpPr>
+          <p:nvPr/>
+        </p:nvSpPr>
+        <p:spPr>
+          <a:xfrm>
+            <a:off x="220980" y="1850390"/>
+            <a:ext cx="1083310" cy="1632498"/>
+          </a:xfrm>
+          <a:prstGeom prst="rect">
+            <a:avLst/>
+          </a:prstGeom>
+          <a:noFill/>
+          <a:ln w="38100" cap="flat" cmpd="sng">
+            <a:noFill/>
+            <a:prstDash/>
+            <a:round/>
+          </a:ln>
+        </p:spPr>
+        <p:txBody>
+          <a:bodyPr vert="horz" wrap="square" lIns="89535" tIns="46355" rIns="89535" bIns="46355" anchor="t">
+            <a:spAutoFit/>
+          </a:bodyPr>
+          <a:lstStyle/>
+          <a:p>
+            <a:pPr marL="0" indent="0" algn="ctr" hangingPunct="1"/>
+            <a:r>
+              <a:rPr lang="ko-KR" altLang="en-US" sz="5000" dirty="0" smtClean="0">
+                <a:solidFill>
+                  <a:schemeClr val="bg1"/>
+                </a:solidFill>
+                <a:latin typeface="맑은 고딕" charset="0"/>
+                <a:ea typeface="맑은 고딕" charset="0"/>
+              </a:rPr>
+              <a:t>후기</a:t>
+            </a:r>
+            <a:endParaRPr lang="ko-KR" altLang="en-US" sz="5000" dirty="0">
+              <a:solidFill>
+                <a:schemeClr val="bg1"/>
+              </a:solidFill>
+              <a:latin typeface="맑은 고딕" charset="0"/>
+              <a:ea typeface="맑은 고딕" charset="0"/>
+            </a:endParaRPr>
+          </a:p>
+        </p:txBody>
+      </p:sp>
+      <p:sp>
+        <p:nvSpPr>
+          <p:cNvPr id="4" name="텍스트 상자 110"/>
+          <p:cNvSpPr txBox="1">
+            <a:spLocks/>
+          </p:cNvSpPr>
+          <p:nvPr/>
+        </p:nvSpPr>
+        <p:spPr>
+          <a:xfrm>
+            <a:off x="11229495" y="516646"/>
+            <a:ext cx="872490" cy="5633593"/>
+          </a:xfrm>
+          <a:prstGeom prst="rect">
+            <a:avLst/>
+          </a:prstGeom>
+          <a:noFill/>
+          <a:ln w="0">
+            <a:noFill/>
+            <a:prstDash/>
+          </a:ln>
+        </p:spPr>
+        <p:txBody>
+          <a:bodyPr vert="horz" wrap="square" lIns="89535" tIns="46355" rIns="89535" bIns="46355" anchor="t">
+            <a:spAutoFit/>
+          </a:bodyPr>
+          <a:lstStyle/>
+          <a:p>
+            <a:pPr marL="0" indent="0" algn="ctr" hangingPunct="1"/>
+            <a:r>
+              <a:rPr lang="en-US" altLang="ko-KR" sz="6000" b="1" dirty="0" smtClean="0">
+                <a:solidFill>
+                  <a:schemeClr val="bg1"/>
+                </a:solidFill>
+                <a:latin typeface="Couture" charset="0"/>
+                <a:ea typeface="Couture" charset="0"/>
+              </a:rPr>
+              <a:t>review</a:t>
+            </a:r>
+            <a:endParaRPr lang="ko-KR" altLang="en-US" sz="6000" b="1" dirty="0">
+              <a:solidFill>
+                <a:schemeClr val="bg1"/>
+              </a:solidFill>
+              <a:latin typeface="Couture" charset="0"/>
+              <a:ea typeface="Couture" charset="0"/>
+            </a:endParaRPr>
+          </a:p>
+        </p:txBody>
+      </p:sp>
+      <p:sp>
+        <p:nvSpPr>
+          <p:cNvPr id="6" name="직사각형 5"/>
+          <p:cNvSpPr/>
+          <p:nvPr/>
+        </p:nvSpPr>
+        <p:spPr>
+          <a:xfrm>
+            <a:off x="3772677" y="1850390"/>
+            <a:ext cx="6304384" cy="4327842"/>
+          </a:xfrm>
+          <a:prstGeom prst="rect">
+            <a:avLst/>
+          </a:prstGeom>
+          <a:solidFill>
+            <a:schemeClr val="bg1"/>
+          </a:solidFill>
+          <a:ln>
+            <a:solidFill>
+              <a:schemeClr val="bg1"/>
+            </a:solidFill>
+          </a:ln>
+        </p:spPr>
+        <p:style>
+          <a:lnRef idx="2">
+            <a:schemeClr val="accent1">
+              <a:shade val="50000"/>
+            </a:schemeClr>
+          </a:lnRef>
+          <a:fillRef idx="1">
+            <a:schemeClr val="accent1"/>
+          </a:fillRef>
+          <a:effectRef idx="0">
+            <a:schemeClr val="accent1"/>
+          </a:effectRef>
+          <a:fontRef idx="minor">
+            <a:schemeClr val="lt1"/>
+          </a:fontRef>
+        </p:style>
+        <p:txBody>
+          <a:bodyPr rtlCol="0" anchor="ctr"/>
+          <a:lstStyle/>
+          <a:p>
+            <a:pPr algn="ctr"/>
+            <a:r>
+              <a:rPr lang="ko-KR" altLang="en-US" sz="1600" b="1" dirty="0" smtClean="0">
+                <a:solidFill>
+                  <a:sysClr val="windowText" lastClr="000000"/>
+                </a:solidFill>
+                <a:latin typeface="10X10 Bold" panose="020D0604000000000000" pitchFamily="50" charset="-127"/>
+                <a:ea typeface="10X10 Bold" panose="020D0604000000000000" pitchFamily="50" charset="-127"/>
+              </a:rPr>
+              <a:t>처음으로 직접 내 손으로 쇼핑몰이라는 페이지를 만들어보았다</a:t>
+            </a:r>
+            <a:r>
+              <a:rPr lang="en-US" altLang="ko-KR" sz="1600" b="1" dirty="0" smtClean="0">
+                <a:solidFill>
+                  <a:sysClr val="windowText" lastClr="000000"/>
+                </a:solidFill>
+                <a:latin typeface="10X10 Bold" panose="020D0604000000000000" pitchFamily="50" charset="-127"/>
+                <a:ea typeface="10X10 Bold" panose="020D0604000000000000" pitchFamily="50" charset="-127"/>
+              </a:rPr>
+              <a:t>.</a:t>
+            </a:r>
+          </a:p>
+          <a:p>
+            <a:pPr algn="ctr"/>
+            <a:r>
+              <a:rPr lang="ko-KR" altLang="en-US" sz="1600" b="1" dirty="0" smtClean="0">
+                <a:solidFill>
+                  <a:sysClr val="windowText" lastClr="000000"/>
+                </a:solidFill>
+                <a:latin typeface="10X10 Bold" panose="020D0604000000000000" pitchFamily="50" charset="-127"/>
+                <a:ea typeface="10X10 Bold" panose="020D0604000000000000" pitchFamily="50" charset="-127"/>
+              </a:rPr>
+              <a:t>분명 처음에는 시도해보지 않은 것이었기에 어렵다는 느낌보다는</a:t>
+            </a:r>
+            <a:endParaRPr lang="en-US" altLang="ko-KR" sz="1600" b="1" dirty="0" smtClean="0">
+              <a:solidFill>
+                <a:sysClr val="windowText" lastClr="000000"/>
+              </a:solidFill>
+              <a:latin typeface="10X10 Bold" panose="020D0604000000000000" pitchFamily="50" charset="-127"/>
+              <a:ea typeface="10X10 Bold" panose="020D0604000000000000" pitchFamily="50" charset="-127"/>
+            </a:endParaRPr>
+          </a:p>
+          <a:p>
+            <a:pPr algn="ctr"/>
+            <a:r>
+              <a:rPr lang="ko-KR" altLang="en-US" sz="1600" b="1" dirty="0" smtClean="0">
+                <a:solidFill>
+                  <a:sysClr val="windowText" lastClr="000000"/>
+                </a:solidFill>
+                <a:latin typeface="10X10 Bold" panose="020D0604000000000000" pitchFamily="50" charset="-127"/>
+                <a:ea typeface="10X10 Bold" panose="020D0604000000000000" pitchFamily="50" charset="-127"/>
+              </a:rPr>
+              <a:t>막막하다는 느낌이 제일 먼저 앞서기도 했지만</a:t>
+            </a:r>
+            <a:r>
+              <a:rPr lang="en-US" altLang="ko-KR" sz="1600" b="1" dirty="0" smtClean="0">
+                <a:solidFill>
+                  <a:sysClr val="windowText" lastClr="000000"/>
+                </a:solidFill>
+                <a:latin typeface="10X10 Bold" panose="020D0604000000000000" pitchFamily="50" charset="-127"/>
+                <a:ea typeface="10X10 Bold" panose="020D0604000000000000" pitchFamily="50" charset="-127"/>
+              </a:rPr>
+              <a:t>, </a:t>
+            </a:r>
+            <a:r>
+              <a:rPr lang="ko-KR" altLang="en-US" sz="1600" b="1" dirty="0" smtClean="0">
+                <a:solidFill>
+                  <a:sysClr val="windowText" lastClr="000000"/>
+                </a:solidFill>
+                <a:latin typeface="10X10 Bold" panose="020D0604000000000000" pitchFamily="50" charset="-127"/>
+                <a:ea typeface="10X10 Bold" panose="020D0604000000000000" pitchFamily="50" charset="-127"/>
+              </a:rPr>
+              <a:t>막상 제작을 시작하니</a:t>
+            </a:r>
+            <a:endParaRPr lang="en-US" altLang="ko-KR" sz="1600" b="1" dirty="0" smtClean="0">
+              <a:solidFill>
+                <a:sysClr val="windowText" lastClr="000000"/>
+              </a:solidFill>
+              <a:latin typeface="10X10 Bold" panose="020D0604000000000000" pitchFamily="50" charset="-127"/>
+              <a:ea typeface="10X10 Bold" panose="020D0604000000000000" pitchFamily="50" charset="-127"/>
+            </a:endParaRPr>
+          </a:p>
+          <a:p>
+            <a:pPr algn="ctr"/>
+            <a:r>
+              <a:rPr lang="en-US" altLang="ko-KR" sz="1600" b="1" dirty="0" smtClean="0">
+                <a:solidFill>
+                  <a:sysClr val="windowText" lastClr="000000"/>
+                </a:solidFill>
+                <a:latin typeface="10X10 Bold" panose="020D0604000000000000" pitchFamily="50" charset="-127"/>
+                <a:ea typeface="10X10 Bold" panose="020D0604000000000000" pitchFamily="50" charset="-127"/>
+              </a:rPr>
+              <a:t>3</a:t>
+            </a:r>
+            <a:r>
+              <a:rPr lang="ko-KR" altLang="en-US" sz="1600" b="1" dirty="0" smtClean="0">
+                <a:solidFill>
+                  <a:sysClr val="windowText" lastClr="000000"/>
+                </a:solidFill>
+                <a:latin typeface="10X10 Bold" panose="020D0604000000000000" pitchFamily="50" charset="-127"/>
+                <a:ea typeface="10X10 Bold" panose="020D0604000000000000" pitchFamily="50" charset="-127"/>
+              </a:rPr>
+              <a:t>주라는 짧은 시간 동안 기초적인 내용들이었지만 하나씩 </a:t>
+            </a:r>
+            <a:endParaRPr lang="en-US" altLang="ko-KR" sz="1600" b="1" dirty="0" smtClean="0">
+              <a:solidFill>
+                <a:sysClr val="windowText" lastClr="000000"/>
+              </a:solidFill>
+              <a:latin typeface="10X10 Bold" panose="020D0604000000000000" pitchFamily="50" charset="-127"/>
+              <a:ea typeface="10X10 Bold" panose="020D0604000000000000" pitchFamily="50" charset="-127"/>
+            </a:endParaRPr>
+          </a:p>
+          <a:p>
+            <a:pPr algn="ctr"/>
+            <a:r>
+              <a:rPr lang="ko-KR" altLang="en-US" sz="1600" b="1" dirty="0" smtClean="0">
+                <a:solidFill>
+                  <a:sysClr val="windowText" lastClr="000000"/>
+                </a:solidFill>
+                <a:latin typeface="10X10 Bold" panose="020D0604000000000000" pitchFamily="50" charset="-127"/>
+                <a:ea typeface="10X10 Bold" panose="020D0604000000000000" pitchFamily="50" charset="-127"/>
+              </a:rPr>
+              <a:t>머리에 되새겨지며 이 부분엔 이런걸 적용해보고 싶다</a:t>
+            </a:r>
+            <a:r>
+              <a:rPr lang="en-US" altLang="ko-KR" sz="1600" b="1" dirty="0" smtClean="0">
+                <a:solidFill>
+                  <a:sysClr val="windowText" lastClr="000000"/>
+                </a:solidFill>
+                <a:latin typeface="10X10 Bold" panose="020D0604000000000000" pitchFamily="50" charset="-127"/>
+                <a:ea typeface="10X10 Bold" panose="020D0604000000000000" pitchFamily="50" charset="-127"/>
+              </a:rPr>
+              <a:t>. </a:t>
+            </a:r>
+            <a:r>
+              <a:rPr lang="ko-KR" altLang="en-US" sz="1600" b="1" dirty="0" smtClean="0">
+                <a:solidFill>
+                  <a:sysClr val="windowText" lastClr="000000"/>
+                </a:solidFill>
+                <a:latin typeface="10X10 Bold" panose="020D0604000000000000" pitchFamily="50" charset="-127"/>
+                <a:ea typeface="10X10 Bold" panose="020D0604000000000000" pitchFamily="50" charset="-127"/>
+              </a:rPr>
+              <a:t>라던가</a:t>
+            </a:r>
+            <a:endParaRPr lang="en-US" altLang="ko-KR" sz="1600" b="1" dirty="0" smtClean="0">
+              <a:solidFill>
+                <a:sysClr val="windowText" lastClr="000000"/>
+              </a:solidFill>
+              <a:latin typeface="10X10 Bold" panose="020D0604000000000000" pitchFamily="50" charset="-127"/>
+              <a:ea typeface="10X10 Bold" panose="020D0604000000000000" pitchFamily="50" charset="-127"/>
+            </a:endParaRPr>
+          </a:p>
+          <a:p>
+            <a:pPr algn="ctr"/>
+            <a:r>
+              <a:rPr lang="ko-KR" altLang="en-US" sz="1600" b="1" dirty="0" smtClean="0">
+                <a:solidFill>
+                  <a:sysClr val="windowText" lastClr="000000"/>
+                </a:solidFill>
+                <a:latin typeface="10X10 Bold" panose="020D0604000000000000" pitchFamily="50" charset="-127"/>
+                <a:ea typeface="10X10 Bold" panose="020D0604000000000000" pitchFamily="50" charset="-127"/>
+              </a:rPr>
+              <a:t>아직 배우지 않았지만 이런 기능을 적용해보고 싶다</a:t>
+            </a:r>
+            <a:r>
+              <a:rPr lang="en-US" altLang="ko-KR" sz="1600" b="1" dirty="0" smtClean="0">
+                <a:solidFill>
+                  <a:sysClr val="windowText" lastClr="000000"/>
+                </a:solidFill>
+                <a:latin typeface="10X10 Bold" panose="020D0604000000000000" pitchFamily="50" charset="-127"/>
+                <a:ea typeface="10X10 Bold" panose="020D0604000000000000" pitchFamily="50" charset="-127"/>
+              </a:rPr>
+              <a:t>.</a:t>
+            </a:r>
+            <a:r>
+              <a:rPr lang="ko-KR" altLang="en-US" sz="1600" b="1" dirty="0" smtClean="0">
+                <a:solidFill>
+                  <a:sysClr val="windowText" lastClr="000000"/>
+                </a:solidFill>
+                <a:latin typeface="10X10 Bold" panose="020D0604000000000000" pitchFamily="50" charset="-127"/>
+                <a:ea typeface="10X10 Bold" panose="020D0604000000000000" pitchFamily="50" charset="-127"/>
+              </a:rPr>
+              <a:t>라며 </a:t>
+            </a:r>
+            <a:endParaRPr lang="en-US" altLang="ko-KR" sz="1600" b="1" dirty="0" smtClean="0">
+              <a:solidFill>
+                <a:sysClr val="windowText" lastClr="000000"/>
+              </a:solidFill>
+              <a:latin typeface="10X10 Bold" panose="020D0604000000000000" pitchFamily="50" charset="-127"/>
+              <a:ea typeface="10X10 Bold" panose="020D0604000000000000" pitchFamily="50" charset="-127"/>
+            </a:endParaRPr>
+          </a:p>
+          <a:p>
+            <a:pPr algn="ctr"/>
+            <a:r>
+              <a:rPr lang="ko-KR" altLang="en-US" sz="1600" b="1" dirty="0" smtClean="0">
+                <a:solidFill>
+                  <a:sysClr val="windowText" lastClr="000000"/>
+                </a:solidFill>
+                <a:latin typeface="10X10 Bold" panose="020D0604000000000000" pitchFamily="50" charset="-127"/>
+                <a:ea typeface="10X10 Bold" panose="020D0604000000000000" pitchFamily="50" charset="-127"/>
+              </a:rPr>
+              <a:t>머리 속에서만 </a:t>
+            </a:r>
+            <a:r>
+              <a:rPr lang="ko-KR" altLang="en-US" sz="1600" b="1" dirty="0" err="1" smtClean="0">
+                <a:solidFill>
+                  <a:sysClr val="windowText" lastClr="000000"/>
+                </a:solidFill>
+                <a:latin typeface="10X10 Bold" panose="020D0604000000000000" pitchFamily="50" charset="-127"/>
+                <a:ea typeface="10X10 Bold" panose="020D0604000000000000" pitchFamily="50" charset="-127"/>
+              </a:rPr>
+              <a:t>되뇌이던</a:t>
+            </a:r>
+            <a:r>
+              <a:rPr lang="ko-KR" altLang="en-US" sz="1600" b="1" dirty="0" smtClean="0">
+                <a:solidFill>
+                  <a:sysClr val="windowText" lastClr="000000"/>
+                </a:solidFill>
+                <a:latin typeface="10X10 Bold" panose="020D0604000000000000" pitchFamily="50" charset="-127"/>
+                <a:ea typeface="10X10 Bold" panose="020D0604000000000000" pitchFamily="50" charset="-127"/>
+              </a:rPr>
+              <a:t> 것들을 그냥 내키는 대로 코드를 </a:t>
+            </a:r>
+            <a:r>
+              <a:rPr lang="ko-KR" altLang="en-US" sz="1600" b="1" dirty="0" err="1" smtClean="0">
+                <a:solidFill>
+                  <a:sysClr val="windowText" lastClr="000000"/>
+                </a:solidFill>
+                <a:latin typeface="10X10 Bold" panose="020D0604000000000000" pitchFamily="50" charset="-127"/>
+                <a:ea typeface="10X10 Bold" panose="020D0604000000000000" pitchFamily="50" charset="-127"/>
+              </a:rPr>
+              <a:t>짜보기도</a:t>
+            </a:r>
+            <a:r>
+              <a:rPr lang="ko-KR" altLang="en-US" sz="1600" b="1" dirty="0" smtClean="0">
+                <a:solidFill>
+                  <a:sysClr val="windowText" lastClr="000000"/>
+                </a:solidFill>
+                <a:latin typeface="10X10 Bold" panose="020D0604000000000000" pitchFamily="50" charset="-127"/>
+                <a:ea typeface="10X10 Bold" panose="020D0604000000000000" pitchFamily="50" charset="-127"/>
+              </a:rPr>
+              <a:t> 하고</a:t>
+            </a:r>
+            <a:endParaRPr lang="en-US" altLang="ko-KR" sz="1600" b="1" dirty="0" smtClean="0">
+              <a:solidFill>
+                <a:sysClr val="windowText" lastClr="000000"/>
+              </a:solidFill>
+              <a:latin typeface="10X10 Bold" panose="020D0604000000000000" pitchFamily="50" charset="-127"/>
+              <a:ea typeface="10X10 Bold" panose="020D0604000000000000" pitchFamily="50" charset="-127"/>
+            </a:endParaRPr>
+          </a:p>
+          <a:p>
+            <a:pPr algn="ctr"/>
+            <a:r>
+              <a:rPr lang="ko-KR" altLang="en-US" sz="1600" b="1" dirty="0" smtClean="0">
+                <a:solidFill>
+                  <a:sysClr val="windowText" lastClr="000000"/>
+                </a:solidFill>
+                <a:latin typeface="10X10 Bold" panose="020D0604000000000000" pitchFamily="50" charset="-127"/>
+                <a:ea typeface="10X10 Bold" panose="020D0604000000000000" pitchFamily="50" charset="-127"/>
+              </a:rPr>
+              <a:t> 그렇게도 안되면 직접 하나씩 찾아보면서 조금씩 수정해보기도 하고</a:t>
+            </a:r>
+            <a:endParaRPr lang="en-US" altLang="ko-KR" sz="1600" b="1" dirty="0" smtClean="0">
+              <a:solidFill>
+                <a:sysClr val="windowText" lastClr="000000"/>
+              </a:solidFill>
+              <a:latin typeface="10X10 Bold" panose="020D0604000000000000" pitchFamily="50" charset="-127"/>
+              <a:ea typeface="10X10 Bold" panose="020D0604000000000000" pitchFamily="50" charset="-127"/>
+            </a:endParaRPr>
+          </a:p>
+          <a:p>
+            <a:pPr algn="ctr"/>
+            <a:r>
+              <a:rPr lang="ko-KR" altLang="en-US" sz="1600" b="1" dirty="0" smtClean="0">
+                <a:solidFill>
+                  <a:sysClr val="windowText" lastClr="000000"/>
+                </a:solidFill>
+                <a:latin typeface="10X10 Bold" panose="020D0604000000000000" pitchFamily="50" charset="-127"/>
+                <a:ea typeface="10X10 Bold" panose="020D0604000000000000" pitchFamily="50" charset="-127"/>
+              </a:rPr>
+              <a:t>그렇게 이 페이지를 완성했다</a:t>
+            </a:r>
+            <a:r>
+              <a:rPr lang="en-US" altLang="ko-KR" sz="1600" b="1" dirty="0" smtClean="0">
+                <a:solidFill>
+                  <a:sysClr val="windowText" lastClr="000000"/>
+                </a:solidFill>
+                <a:latin typeface="10X10 Bold" panose="020D0604000000000000" pitchFamily="50" charset="-127"/>
+                <a:ea typeface="10X10 Bold" panose="020D0604000000000000" pitchFamily="50" charset="-127"/>
+              </a:rPr>
+              <a:t>. </a:t>
+            </a:r>
+            <a:r>
+              <a:rPr lang="ko-KR" altLang="en-US" sz="1600" b="1" dirty="0" smtClean="0">
+                <a:solidFill>
+                  <a:sysClr val="windowText" lastClr="000000"/>
+                </a:solidFill>
+                <a:latin typeface="10X10 Bold" panose="020D0604000000000000" pitchFamily="50" charset="-127"/>
+                <a:ea typeface="10X10 Bold" panose="020D0604000000000000" pitchFamily="50" charset="-127"/>
+              </a:rPr>
+              <a:t>머리 속으로 생각만 하던 기능들을</a:t>
+            </a:r>
+            <a:endParaRPr lang="en-US" altLang="ko-KR" sz="1600" b="1" dirty="0" smtClean="0">
+              <a:solidFill>
+                <a:sysClr val="windowText" lastClr="000000"/>
+              </a:solidFill>
+              <a:latin typeface="10X10 Bold" panose="020D0604000000000000" pitchFamily="50" charset="-127"/>
+              <a:ea typeface="10X10 Bold" panose="020D0604000000000000" pitchFamily="50" charset="-127"/>
+            </a:endParaRPr>
+          </a:p>
+          <a:p>
+            <a:pPr algn="ctr"/>
+            <a:r>
+              <a:rPr lang="ko-KR" altLang="en-US" sz="1600" b="1" dirty="0" smtClean="0">
+                <a:solidFill>
+                  <a:sysClr val="windowText" lastClr="000000"/>
+                </a:solidFill>
+                <a:latin typeface="10X10 Bold" panose="020D0604000000000000" pitchFamily="50" charset="-127"/>
+                <a:ea typeface="10X10 Bold" panose="020D0604000000000000" pitchFamily="50" charset="-127"/>
+              </a:rPr>
+              <a:t>미약하고 부족하게나마 직접 구현했다는 것에  뿌듯했고</a:t>
+            </a:r>
+            <a:r>
+              <a:rPr lang="en-US" altLang="ko-KR" sz="1600" b="1" dirty="0" smtClean="0">
+                <a:solidFill>
+                  <a:sysClr val="windowText" lastClr="000000"/>
+                </a:solidFill>
+                <a:latin typeface="10X10 Bold" panose="020D0604000000000000" pitchFamily="50" charset="-127"/>
+                <a:ea typeface="10X10 Bold" panose="020D0604000000000000" pitchFamily="50" charset="-127"/>
+              </a:rPr>
+              <a:t>,</a:t>
+            </a:r>
+          </a:p>
+          <a:p>
+            <a:pPr algn="ctr"/>
+            <a:r>
+              <a:rPr lang="ko-KR" altLang="en-US" sz="1600" b="1" dirty="0" smtClean="0">
+                <a:solidFill>
+                  <a:sysClr val="windowText" lastClr="000000"/>
+                </a:solidFill>
+                <a:latin typeface="10X10 Bold" panose="020D0604000000000000" pitchFamily="50" charset="-127"/>
+                <a:ea typeface="10X10 Bold" panose="020D0604000000000000" pitchFamily="50" charset="-127"/>
+              </a:rPr>
+              <a:t>처음엔 막막하기만 했던 코딩을 재미있게 해줬던 것 같다</a:t>
+            </a:r>
+            <a:r>
+              <a:rPr lang="en-US" altLang="ko-KR" sz="1600" b="1" dirty="0" smtClean="0">
+                <a:solidFill>
+                  <a:sysClr val="windowText" lastClr="000000"/>
+                </a:solidFill>
+                <a:latin typeface="10X10 Bold" panose="020D0604000000000000" pitchFamily="50" charset="-127"/>
+                <a:ea typeface="10X10 Bold" panose="020D0604000000000000" pitchFamily="50" charset="-127"/>
+              </a:rPr>
+              <a:t>.  </a:t>
+            </a:r>
+          </a:p>
+          <a:p>
+            <a:pPr algn="ctr"/>
+            <a:r>
+              <a:rPr lang="ko-KR" altLang="en-US" sz="1600" b="1" dirty="0" smtClean="0">
+                <a:solidFill>
+                  <a:sysClr val="windowText" lastClr="000000"/>
+                </a:solidFill>
+                <a:latin typeface="10X10 Bold" panose="020D0604000000000000" pitchFamily="50" charset="-127"/>
+                <a:ea typeface="10X10 Bold" panose="020D0604000000000000" pitchFamily="50" charset="-127"/>
+              </a:rPr>
+              <a:t>분명 허술하고 부족한 것이 많지만</a:t>
+            </a:r>
+            <a:endParaRPr lang="en-US" altLang="ko-KR" sz="1600" b="1" dirty="0" smtClean="0">
+              <a:solidFill>
+                <a:sysClr val="windowText" lastClr="000000"/>
+              </a:solidFill>
+              <a:latin typeface="10X10 Bold" panose="020D0604000000000000" pitchFamily="50" charset="-127"/>
+              <a:ea typeface="10X10 Bold" panose="020D0604000000000000" pitchFamily="50" charset="-127"/>
+            </a:endParaRPr>
+          </a:p>
+          <a:p>
+            <a:pPr algn="ctr"/>
+            <a:r>
+              <a:rPr lang="ko-KR" altLang="en-US" sz="1600" b="1" dirty="0" smtClean="0">
+                <a:solidFill>
+                  <a:sysClr val="windowText" lastClr="000000"/>
+                </a:solidFill>
+                <a:latin typeface="10X10 Bold" panose="020D0604000000000000" pitchFamily="50" charset="-127"/>
+                <a:ea typeface="10X10 Bold" panose="020D0604000000000000" pitchFamily="50" charset="-127"/>
+              </a:rPr>
+              <a:t>나에게 있어서는 적은 지식으로</a:t>
+            </a:r>
+            <a:r>
+              <a:rPr lang="en-US" altLang="ko-KR" sz="1600" b="1" dirty="0" smtClean="0">
+                <a:solidFill>
+                  <a:sysClr val="windowText" lastClr="000000"/>
+                </a:solidFill>
+                <a:latin typeface="10X10 Bold" panose="020D0604000000000000" pitchFamily="50" charset="-127"/>
+                <a:ea typeface="10X10 Bold" panose="020D0604000000000000" pitchFamily="50" charset="-127"/>
+              </a:rPr>
+              <a:t>, </a:t>
+            </a:r>
+            <a:r>
+              <a:rPr lang="ko-KR" altLang="en-US" sz="1600" b="1" dirty="0" smtClean="0">
+                <a:solidFill>
+                  <a:sysClr val="windowText" lastClr="000000"/>
+                </a:solidFill>
+                <a:latin typeface="10X10 Bold" panose="020D0604000000000000" pitchFamily="50" charset="-127"/>
+                <a:ea typeface="10X10 Bold" panose="020D0604000000000000" pitchFamily="50" charset="-127"/>
+              </a:rPr>
+              <a:t>적은 소스들로</a:t>
+            </a:r>
+            <a:r>
+              <a:rPr lang="en-US" altLang="ko-KR" sz="1600" b="1" dirty="0" smtClean="0">
+                <a:solidFill>
+                  <a:sysClr val="windowText" lastClr="000000"/>
+                </a:solidFill>
+                <a:latin typeface="10X10 Bold" panose="020D0604000000000000" pitchFamily="50" charset="-127"/>
+                <a:ea typeface="10X10 Bold" panose="020D0604000000000000" pitchFamily="50" charset="-127"/>
+              </a:rPr>
+              <a:t>, </a:t>
+            </a:r>
+            <a:r>
+              <a:rPr lang="ko-KR" altLang="en-US" sz="1600" b="1" dirty="0" smtClean="0">
+                <a:solidFill>
+                  <a:sysClr val="windowText" lastClr="000000"/>
+                </a:solidFill>
+                <a:latin typeface="10X10 Bold" panose="020D0604000000000000" pitchFamily="50" charset="-127"/>
+                <a:ea typeface="10X10 Bold" panose="020D0604000000000000" pitchFamily="50" charset="-127"/>
+              </a:rPr>
+              <a:t>적은 경험으로</a:t>
+            </a:r>
+            <a:endParaRPr lang="en-US" altLang="ko-KR" sz="1600" b="1" dirty="0" smtClean="0">
+              <a:solidFill>
+                <a:sysClr val="windowText" lastClr="000000"/>
+              </a:solidFill>
+              <a:latin typeface="10X10 Bold" panose="020D0604000000000000" pitchFamily="50" charset="-127"/>
+              <a:ea typeface="10X10 Bold" panose="020D0604000000000000" pitchFamily="50" charset="-127"/>
+            </a:endParaRPr>
+          </a:p>
+          <a:p>
+            <a:pPr algn="ctr"/>
+            <a:r>
+              <a:rPr lang="ko-KR" altLang="en-US" sz="1600" b="1" dirty="0" smtClean="0">
+                <a:solidFill>
+                  <a:sysClr val="windowText" lastClr="000000"/>
+                </a:solidFill>
+                <a:latin typeface="10X10 Bold" panose="020D0604000000000000" pitchFamily="50" charset="-127"/>
+                <a:ea typeface="10X10 Bold" panose="020D0604000000000000" pitchFamily="50" charset="-127"/>
+              </a:rPr>
+              <a:t>새로운 것을 시도 해 볼 수 있었던 중요한 경험이었던 것 같다</a:t>
+            </a:r>
+            <a:r>
+              <a:rPr lang="en-US" altLang="ko-KR" sz="1600" b="1" dirty="0" smtClean="0">
+                <a:solidFill>
+                  <a:sysClr val="windowText" lastClr="000000"/>
+                </a:solidFill>
+                <a:latin typeface="10X10 Bold" panose="020D0604000000000000" pitchFamily="50" charset="-127"/>
+                <a:ea typeface="10X10 Bold" panose="020D0604000000000000" pitchFamily="50" charset="-127"/>
+              </a:rPr>
+              <a:t>.</a:t>
+            </a:r>
+          </a:p>
+        </p:txBody>
+      </p:sp>
+      <p:sp>
+        <p:nvSpPr>
+          <p:cNvPr id="7" name="직사각형 6"/>
+          <p:cNvSpPr/>
+          <p:nvPr/>
+        </p:nvSpPr>
+        <p:spPr>
+          <a:xfrm>
+            <a:off x="2089779" y="1002600"/>
+            <a:ext cx="2314270" cy="1376706"/>
+          </a:xfrm>
+          <a:prstGeom prst="rect">
+            <a:avLst/>
+          </a:prstGeom>
+          <a:solidFill>
+            <a:schemeClr val="bg1"/>
+          </a:solidFill>
+          <a:ln>
+            <a:solidFill>
+              <a:schemeClr val="bg1"/>
+            </a:solidFill>
+          </a:ln>
+        </p:spPr>
+        <p:style>
+          <a:lnRef idx="2">
+            <a:schemeClr val="accent1">
+              <a:shade val="50000"/>
+            </a:schemeClr>
+          </a:lnRef>
+          <a:fillRef idx="1">
+            <a:schemeClr val="accent1"/>
+          </a:fillRef>
+          <a:effectRef idx="0">
+            <a:schemeClr val="accent1"/>
+          </a:effectRef>
+          <a:fontRef idx="minor">
+            <a:schemeClr val="lt1"/>
+          </a:fontRef>
+        </p:style>
+        <p:txBody>
+          <a:bodyPr rtlCol="0" anchor="ctr"/>
+          <a:lstStyle/>
+          <a:p>
+            <a:pPr algn="ctr"/>
+            <a:r>
+              <a:rPr lang="ko-KR" altLang="en-US" b="1" dirty="0" smtClean="0">
+                <a:solidFill>
+                  <a:sysClr val="windowText" lastClr="000000"/>
+                </a:solidFill>
+                <a:latin typeface="10X10 Bold" panose="020D0604000000000000" pitchFamily="50" charset="-127"/>
+                <a:ea typeface="10X10 Bold" panose="020D0604000000000000" pitchFamily="50" charset="-127"/>
+              </a:rPr>
+              <a:t>첫 번째 페이지를 </a:t>
+            </a:r>
+            <a:r>
+              <a:rPr lang="ko-KR" altLang="en-US" b="1" smtClean="0">
+                <a:solidFill>
+                  <a:sysClr val="windowText" lastClr="000000"/>
+                </a:solidFill>
+                <a:latin typeface="10X10 Bold" panose="020D0604000000000000" pitchFamily="50" charset="-127"/>
+                <a:ea typeface="10X10 Bold" panose="020D0604000000000000" pitchFamily="50" charset="-127"/>
+              </a:rPr>
+              <a:t>제작 해 본 후기</a:t>
+            </a:r>
+            <a:endParaRPr lang="ko-KR" altLang="en-US" b="1" dirty="0">
+              <a:solidFill>
+                <a:sysClr val="windowText" lastClr="000000"/>
+              </a:solidFill>
+              <a:latin typeface="10X10 Bold" panose="020D0604000000000000" pitchFamily="50" charset="-127"/>
+              <a:ea typeface="10X10 Bold" panose="020D0604000000000000" pitchFamily="50" charset="-127"/>
+            </a:endParaRPr>
+          </a:p>
+        </p:txBody>
+      </p:sp>
+    </p:spTree>
+    <p:extLst>
+      <p:ext uri="{BB962C8B-B14F-4D97-AF65-F5344CB8AC3E}">
+        <p14:creationId xmlns:p14="http://schemas.microsoft.com/office/powerpoint/2010/main" val="3513454929"/>
       </p:ext>
     </p:extLst>
   </p:cSld>
@@ -5217,8 +6822,8 @@
         </p:nvSpPr>
         <p:spPr>
           <a:xfrm>
-            <a:off x="11238827" y="798998"/>
-            <a:ext cx="872490" cy="4710264"/>
+            <a:off x="11145520" y="136525"/>
+            <a:ext cx="872490" cy="6551930"/>
           </a:xfrm>
           <a:prstGeom prst="rect">
             <a:avLst/>
@@ -5237,14 +6842,14 @@
           <a:p>
             <a:pPr marL="0" indent="0" algn="ctr" hangingPunct="1"/>
             <a:r>
-              <a:rPr lang="en-US" altLang="ko-KR" sz="6000" b="1" dirty="0" smtClean="0">
+              <a:rPr lang="ko-KR" sz="6000" b="1" dirty="0">
                 <a:solidFill>
                   <a:schemeClr val="bg1"/>
                 </a:solidFill>
                 <a:latin typeface="Couture" charset="0"/>
                 <a:ea typeface="Couture" charset="0"/>
               </a:rPr>
-              <a:t>topic</a:t>
+              <a:t>PERSONA</a:t>
             </a:r>
             <a:endParaRPr lang="ko-KR" altLang="en-US" sz="6000" b="1" dirty="0">
               <a:solidFill>
@@ -5256,10 +6861,1030 @@
           </a:p>
         </p:txBody>
       </p:sp>
+      <p:sp>
+        <p:nvSpPr>
+          <p:cNvPr id="6" name="타원 5"/>
+          <p:cNvSpPr/>
+          <p:nvPr/>
+        </p:nvSpPr>
+        <p:spPr>
+          <a:xfrm>
+            <a:off x="2527600" y="1321307"/>
+            <a:ext cx="1306286" cy="1318130"/>
+          </a:xfrm>
+          <a:prstGeom prst="ellipse">
+            <a:avLst/>
+          </a:prstGeom>
+          <a:blipFill dpi="0" rotWithShape="1">
+            <a:blip r:embed="rId2">
+              <a:extLst>
+                <a:ext uri="{28A0092B-C50C-407E-A947-70E740481C1C}">
+                  <a14:useLocalDpi xmlns:a14="http://schemas.microsoft.com/office/drawing/2010/main" val="0"/>
+                </a:ext>
+              </a:extLst>
+            </a:blip>
+            <a:srcRect/>
+            <a:stretch>
+              <a:fillRect/>
+            </a:stretch>
+          </a:blipFill>
+          <a:ln>
+            <a:solidFill>
+              <a:schemeClr val="tx1"/>
+            </a:solidFill>
+          </a:ln>
+        </p:spPr>
+        <p:style>
+          <a:lnRef idx="2">
+            <a:schemeClr val="accent1">
+              <a:shade val="50000"/>
+            </a:schemeClr>
+          </a:lnRef>
+          <a:fillRef idx="1">
+            <a:schemeClr val="accent1"/>
+          </a:fillRef>
+          <a:effectRef idx="0">
+            <a:schemeClr val="accent1"/>
+          </a:effectRef>
+          <a:fontRef idx="minor">
+            <a:schemeClr val="lt1"/>
+          </a:fontRef>
+        </p:style>
+        <p:txBody>
+          <a:bodyPr rtlCol="0" anchor="ctr"/>
+          <a:lstStyle/>
+          <a:p>
+            <a:pPr algn="ctr"/>
+            <a:endParaRPr lang="ko-KR" altLang="en-US"/>
+          </a:p>
+        </p:txBody>
+      </p:sp>
+      <p:sp>
+        <p:nvSpPr>
+          <p:cNvPr id="8" name="TextBox 7"/>
+          <p:cNvSpPr txBox="1"/>
+          <p:nvPr/>
+        </p:nvSpPr>
+        <p:spPr>
+          <a:xfrm>
+            <a:off x="2527600" y="2839272"/>
+            <a:ext cx="1306286" cy="369332"/>
+          </a:xfrm>
+          <a:prstGeom prst="rect">
+            <a:avLst/>
+          </a:prstGeom>
+          <a:noFill/>
+        </p:spPr>
+        <p:txBody>
+          <a:bodyPr wrap="square" rtlCol="0">
+            <a:spAutoFit/>
+          </a:bodyPr>
+          <a:lstStyle/>
+          <a:p>
+            <a:pPr algn="ctr"/>
+            <a:r>
+              <a:rPr lang="ko-KR" altLang="en-US" dirty="0" smtClean="0">
+                <a:solidFill>
+                  <a:schemeClr val="bg1"/>
+                </a:solidFill>
+                <a:latin typeface="10X10 Bold" panose="020D0604000000000000" pitchFamily="50" charset="-127"/>
+                <a:ea typeface="10X10 Bold" panose="020D0604000000000000" pitchFamily="50" charset="-127"/>
+              </a:rPr>
+              <a:t>이지현 </a:t>
+            </a:r>
+            <a:r>
+              <a:rPr lang="en-US" altLang="ko-KR" dirty="0" smtClean="0">
+                <a:solidFill>
+                  <a:schemeClr val="bg1"/>
+                </a:solidFill>
+                <a:latin typeface="10X10 Bold" panose="020D0604000000000000" pitchFamily="50" charset="-127"/>
+                <a:ea typeface="10X10 Bold" panose="020D0604000000000000" pitchFamily="50" charset="-127"/>
+              </a:rPr>
+              <a:t>(26)</a:t>
+            </a:r>
+            <a:endParaRPr lang="ko-KR" altLang="en-US" dirty="0">
+              <a:solidFill>
+                <a:schemeClr val="bg1"/>
+              </a:solidFill>
+              <a:latin typeface="10X10 Bold" panose="020D0604000000000000" pitchFamily="50" charset="-127"/>
+              <a:ea typeface="10X10 Bold" panose="020D0604000000000000" pitchFamily="50" charset="-127"/>
+            </a:endParaRPr>
+          </a:p>
+        </p:txBody>
+      </p:sp>
+      <p:sp>
+        <p:nvSpPr>
+          <p:cNvPr id="9" name="TextBox 8"/>
+          <p:cNvSpPr txBox="1"/>
+          <p:nvPr/>
+        </p:nvSpPr>
+        <p:spPr>
+          <a:xfrm>
+            <a:off x="2527600" y="3408439"/>
+            <a:ext cx="1306286" cy="307777"/>
+          </a:xfrm>
+          <a:prstGeom prst="rect">
+            <a:avLst/>
+          </a:prstGeom>
+          <a:noFill/>
+        </p:spPr>
+        <p:txBody>
+          <a:bodyPr wrap="square" rtlCol="0">
+            <a:spAutoFit/>
+          </a:bodyPr>
+          <a:lstStyle/>
+          <a:p>
+            <a:pPr algn="ctr"/>
+            <a:r>
+              <a:rPr lang="ko-KR" altLang="en-US" sz="1400" dirty="0" err="1" smtClean="0">
+                <a:solidFill>
+                  <a:schemeClr val="bg1"/>
+                </a:solidFill>
+                <a:latin typeface="10X10 Bold" panose="020D0604000000000000" pitchFamily="50" charset="-127"/>
+                <a:ea typeface="10X10 Bold" panose="020D0604000000000000" pitchFamily="50" charset="-127"/>
+              </a:rPr>
+              <a:t>호텔리어</a:t>
+            </a:r>
+            <a:endParaRPr lang="ko-KR" altLang="en-US" sz="1400" dirty="0">
+              <a:solidFill>
+                <a:schemeClr val="bg1"/>
+              </a:solidFill>
+              <a:latin typeface="10X10 Bold" panose="020D0604000000000000" pitchFamily="50" charset="-127"/>
+              <a:ea typeface="10X10 Bold" panose="020D0604000000000000" pitchFamily="50" charset="-127"/>
+            </a:endParaRPr>
+          </a:p>
+        </p:txBody>
+      </p:sp>
+      <p:sp>
+        <p:nvSpPr>
+          <p:cNvPr id="10" name="TextBox 9"/>
+          <p:cNvSpPr txBox="1"/>
+          <p:nvPr/>
+        </p:nvSpPr>
+        <p:spPr>
+          <a:xfrm>
+            <a:off x="1949768" y="3916051"/>
+            <a:ext cx="2461946" cy="646331"/>
+          </a:xfrm>
+          <a:prstGeom prst="rect">
+            <a:avLst/>
+          </a:prstGeom>
+          <a:noFill/>
+        </p:spPr>
+        <p:txBody>
+          <a:bodyPr wrap="square" rtlCol="0">
+            <a:spAutoFit/>
+          </a:bodyPr>
+          <a:lstStyle/>
+          <a:p>
+            <a:pPr algn="ctr"/>
+            <a:r>
+              <a:rPr lang="ko-KR" altLang="en-US" sz="1200" dirty="0" smtClean="0">
+                <a:solidFill>
+                  <a:schemeClr val="bg1"/>
+                </a:solidFill>
+                <a:latin typeface="10X10 Bold" panose="020D0604000000000000" pitchFamily="50" charset="-127"/>
+                <a:ea typeface="10X10 Bold" panose="020D0604000000000000" pitchFamily="50" charset="-127"/>
+              </a:rPr>
+              <a:t>최고급 호텔에서</a:t>
+            </a:r>
+            <a:r>
+              <a:rPr lang="en-US" altLang="ko-KR" sz="1200" dirty="0">
+                <a:solidFill>
+                  <a:schemeClr val="bg1"/>
+                </a:solidFill>
+                <a:latin typeface="10X10 Bold" panose="020D0604000000000000" pitchFamily="50" charset="-127"/>
+                <a:ea typeface="10X10 Bold" panose="020D0604000000000000" pitchFamily="50" charset="-127"/>
+              </a:rPr>
+              <a:t> </a:t>
+            </a:r>
+            <a:r>
+              <a:rPr lang="ko-KR" altLang="en-US" sz="1200" dirty="0" smtClean="0">
+                <a:solidFill>
+                  <a:schemeClr val="bg1"/>
+                </a:solidFill>
+                <a:latin typeface="10X10 Bold" panose="020D0604000000000000" pitchFamily="50" charset="-127"/>
+                <a:ea typeface="10X10 Bold" panose="020D0604000000000000" pitchFamily="50" charset="-127"/>
+              </a:rPr>
+              <a:t>근무하는 그녀는</a:t>
+            </a:r>
+            <a:endParaRPr lang="en-US" altLang="ko-KR" sz="1200" dirty="0" smtClean="0">
+              <a:solidFill>
+                <a:schemeClr val="bg1"/>
+              </a:solidFill>
+              <a:latin typeface="10X10 Bold" panose="020D0604000000000000" pitchFamily="50" charset="-127"/>
+              <a:ea typeface="10X10 Bold" panose="020D0604000000000000" pitchFamily="50" charset="-127"/>
+            </a:endParaRPr>
+          </a:p>
+          <a:p>
+            <a:pPr algn="ctr"/>
+            <a:r>
+              <a:rPr lang="ko-KR" altLang="en-US" sz="1200" dirty="0" smtClean="0">
+                <a:solidFill>
+                  <a:schemeClr val="bg1"/>
+                </a:solidFill>
+                <a:latin typeface="10X10 Bold" panose="020D0604000000000000" pitchFamily="50" charset="-127"/>
+                <a:ea typeface="10X10 Bold" panose="020D0604000000000000" pitchFamily="50" charset="-127"/>
+              </a:rPr>
+              <a:t>자신이 근무하는</a:t>
+            </a:r>
+            <a:r>
+              <a:rPr lang="en-US" altLang="ko-KR" sz="1200" dirty="0">
+                <a:solidFill>
+                  <a:schemeClr val="bg1"/>
+                </a:solidFill>
+                <a:latin typeface="10X10 Bold" panose="020D0604000000000000" pitchFamily="50" charset="-127"/>
+                <a:ea typeface="10X10 Bold" panose="020D0604000000000000" pitchFamily="50" charset="-127"/>
+              </a:rPr>
+              <a:t> </a:t>
+            </a:r>
+            <a:r>
+              <a:rPr lang="ko-KR" altLang="en-US" sz="1200" dirty="0" smtClean="0">
+                <a:solidFill>
+                  <a:schemeClr val="bg1"/>
+                </a:solidFill>
+                <a:latin typeface="10X10 Bold" panose="020D0604000000000000" pitchFamily="50" charset="-127"/>
+                <a:ea typeface="10X10 Bold" panose="020D0604000000000000" pitchFamily="50" charset="-127"/>
+              </a:rPr>
+              <a:t>호텔에 맞는 </a:t>
+            </a:r>
+            <a:endParaRPr lang="en-US" altLang="ko-KR" sz="1200" dirty="0" smtClean="0">
+              <a:solidFill>
+                <a:schemeClr val="bg1"/>
+              </a:solidFill>
+              <a:latin typeface="10X10 Bold" panose="020D0604000000000000" pitchFamily="50" charset="-127"/>
+              <a:ea typeface="10X10 Bold" panose="020D0604000000000000" pitchFamily="50" charset="-127"/>
+            </a:endParaRPr>
+          </a:p>
+          <a:p>
+            <a:pPr algn="ctr"/>
+            <a:r>
+              <a:rPr lang="ko-KR" altLang="en-US" sz="1200" dirty="0" smtClean="0">
+                <a:solidFill>
+                  <a:schemeClr val="bg1"/>
+                </a:solidFill>
+                <a:latin typeface="10X10 Bold" panose="020D0604000000000000" pitchFamily="50" charset="-127"/>
+                <a:ea typeface="10X10 Bold" panose="020D0604000000000000" pitchFamily="50" charset="-127"/>
+              </a:rPr>
+              <a:t>고급 향수를 찾고 싶어한다</a:t>
+            </a:r>
+            <a:r>
+              <a:rPr lang="en-US" altLang="ko-KR" sz="1200" dirty="0" smtClean="0">
+                <a:solidFill>
+                  <a:schemeClr val="bg1"/>
+                </a:solidFill>
+                <a:latin typeface="10X10 Bold" panose="020D0604000000000000" pitchFamily="50" charset="-127"/>
+                <a:ea typeface="10X10 Bold" panose="020D0604000000000000" pitchFamily="50" charset="-127"/>
+              </a:rPr>
+              <a:t>.</a:t>
+            </a:r>
+          </a:p>
+        </p:txBody>
+      </p:sp>
+      <p:sp>
+        <p:nvSpPr>
+          <p:cNvPr id="12" name="TextBox 11"/>
+          <p:cNvSpPr txBox="1"/>
+          <p:nvPr/>
+        </p:nvSpPr>
+        <p:spPr>
+          <a:xfrm>
+            <a:off x="2373642" y="5131549"/>
+            <a:ext cx="1614197" cy="1015663"/>
+          </a:xfrm>
+          <a:prstGeom prst="rect">
+            <a:avLst/>
+          </a:prstGeom>
+          <a:noFill/>
+        </p:spPr>
+        <p:txBody>
+          <a:bodyPr wrap="square" rtlCol="0">
+            <a:spAutoFit/>
+          </a:bodyPr>
+          <a:lstStyle/>
+          <a:p>
+            <a:pPr algn="ctr"/>
+            <a:r>
+              <a:rPr lang="en-US" altLang="ko-KR" sz="1200" dirty="0" smtClean="0">
+                <a:solidFill>
+                  <a:schemeClr val="bg1"/>
+                </a:solidFill>
+                <a:latin typeface="10X10 Bold" panose="020D0604000000000000" pitchFamily="50" charset="-127"/>
+                <a:ea typeface="10X10 Bold" panose="020D0604000000000000" pitchFamily="50" charset="-127"/>
+              </a:rPr>
+              <a:t>“</a:t>
+            </a:r>
+            <a:r>
+              <a:rPr lang="en-US" altLang="ko-KR" sz="1200" dirty="0">
+                <a:solidFill>
+                  <a:schemeClr val="bg1"/>
+                </a:solidFill>
+                <a:latin typeface="10X10 Bold" panose="020D0604000000000000" pitchFamily="50" charset="-127"/>
+                <a:ea typeface="10X10 Bold" panose="020D0604000000000000" pitchFamily="50" charset="-127"/>
+              </a:rPr>
+              <a:t> </a:t>
+            </a:r>
+            <a:r>
+              <a:rPr lang="ko-KR" altLang="en-US" sz="1200" dirty="0" err="1" smtClean="0">
+                <a:solidFill>
+                  <a:schemeClr val="bg1"/>
+                </a:solidFill>
+                <a:latin typeface="10X10 Bold" panose="020D0604000000000000" pitchFamily="50" charset="-127"/>
+                <a:ea typeface="10X10 Bold" panose="020D0604000000000000" pitchFamily="50" charset="-127"/>
+              </a:rPr>
+              <a:t>호텔리어는</a:t>
+            </a:r>
+            <a:r>
+              <a:rPr lang="ko-KR" altLang="en-US" sz="1200" dirty="0" smtClean="0">
+                <a:solidFill>
+                  <a:schemeClr val="bg1"/>
+                </a:solidFill>
+                <a:latin typeface="10X10 Bold" panose="020D0604000000000000" pitchFamily="50" charset="-127"/>
+                <a:ea typeface="10X10 Bold" panose="020D0604000000000000" pitchFamily="50" charset="-127"/>
+              </a:rPr>
+              <a:t> 호텔의 얼굴이나 마찬가지인데 아무 향수나 쓸 수 없어</a:t>
+            </a:r>
+            <a:r>
+              <a:rPr lang="en-US" altLang="ko-KR" sz="1200" dirty="0" smtClean="0">
+                <a:solidFill>
+                  <a:schemeClr val="bg1"/>
+                </a:solidFill>
+                <a:latin typeface="10X10 Bold" panose="020D0604000000000000" pitchFamily="50" charset="-127"/>
+                <a:ea typeface="10X10 Bold" panose="020D0604000000000000" pitchFamily="50" charset="-127"/>
+              </a:rPr>
+              <a:t>. </a:t>
+            </a:r>
+            <a:r>
+              <a:rPr lang="ko-KR" altLang="en-US" sz="1200" dirty="0" smtClean="0">
+                <a:solidFill>
+                  <a:schemeClr val="bg1"/>
+                </a:solidFill>
+                <a:latin typeface="10X10 Bold" panose="020D0604000000000000" pitchFamily="50" charset="-127"/>
+                <a:ea typeface="10X10 Bold" panose="020D0604000000000000" pitchFamily="50" charset="-127"/>
+              </a:rPr>
+              <a:t>우아하고 고급스러운 향수가 없을까</a:t>
+            </a:r>
+            <a:r>
+              <a:rPr lang="en-US" altLang="ko-KR" sz="1200" dirty="0" smtClean="0">
+                <a:solidFill>
+                  <a:schemeClr val="bg1"/>
+                </a:solidFill>
+                <a:latin typeface="10X10 Bold" panose="020D0604000000000000" pitchFamily="50" charset="-127"/>
+                <a:ea typeface="10X10 Bold" panose="020D0604000000000000" pitchFamily="50" charset="-127"/>
+              </a:rPr>
+              <a:t>? “</a:t>
+            </a:r>
+          </a:p>
+        </p:txBody>
+      </p:sp>
+      <p:sp>
+        <p:nvSpPr>
+          <p:cNvPr id="13" name="직사각형 12"/>
+          <p:cNvSpPr/>
+          <p:nvPr/>
+        </p:nvSpPr>
+        <p:spPr>
+          <a:xfrm>
+            <a:off x="5057192" y="1103711"/>
+            <a:ext cx="2192694" cy="5147800"/>
+          </a:xfrm>
+          <a:prstGeom prst="rect">
+            <a:avLst/>
+          </a:prstGeom>
+          <a:solidFill>
+            <a:schemeClr val="bg1"/>
+          </a:solidFill>
+        </p:spPr>
+        <p:style>
+          <a:lnRef idx="2">
+            <a:schemeClr val="accent1">
+              <a:shade val="50000"/>
+            </a:schemeClr>
+          </a:lnRef>
+          <a:fillRef idx="1">
+            <a:schemeClr val="accent1"/>
+          </a:fillRef>
+          <a:effectRef idx="0">
+            <a:schemeClr val="accent1"/>
+          </a:effectRef>
+          <a:fontRef idx="minor">
+            <a:schemeClr val="lt1"/>
+          </a:fontRef>
+        </p:style>
+        <p:txBody>
+          <a:bodyPr rtlCol="0" anchor="ctr"/>
+          <a:lstStyle/>
+          <a:p>
+            <a:pPr algn="ctr"/>
+            <a:r>
+              <a:rPr lang="ko-KR" altLang="en-US" smtClean="0"/>
+              <a:t>ㅍ</a:t>
+            </a:r>
+            <a:endParaRPr lang="ko-KR" altLang="en-US" dirty="0"/>
+          </a:p>
+        </p:txBody>
+      </p:sp>
+      <p:sp>
+        <p:nvSpPr>
+          <p:cNvPr id="14" name="타원 13"/>
+          <p:cNvSpPr/>
+          <p:nvPr/>
+        </p:nvSpPr>
+        <p:spPr>
+          <a:xfrm>
+            <a:off x="5500396" y="1389380"/>
+            <a:ext cx="1306286" cy="1318130"/>
+          </a:xfrm>
+          <a:prstGeom prst="ellipse">
+            <a:avLst/>
+          </a:prstGeom>
+          <a:blipFill dpi="0" rotWithShape="1">
+            <a:blip r:embed="rId3">
+              <a:extLst>
+                <a:ext uri="{28A0092B-C50C-407E-A947-70E740481C1C}">
+                  <a14:useLocalDpi xmlns:a14="http://schemas.microsoft.com/office/drawing/2010/main" val="0"/>
+                </a:ext>
+              </a:extLst>
+            </a:blip>
+            <a:srcRect/>
+            <a:stretch>
+              <a:fillRect/>
+            </a:stretch>
+          </a:blipFill>
+          <a:ln>
+            <a:solidFill>
+              <a:schemeClr val="bg1"/>
+            </a:solidFill>
+          </a:ln>
+        </p:spPr>
+        <p:style>
+          <a:lnRef idx="2">
+            <a:schemeClr val="accent1">
+              <a:shade val="50000"/>
+            </a:schemeClr>
+          </a:lnRef>
+          <a:fillRef idx="1">
+            <a:schemeClr val="accent1"/>
+          </a:fillRef>
+          <a:effectRef idx="0">
+            <a:schemeClr val="accent1"/>
+          </a:effectRef>
+          <a:fontRef idx="minor">
+            <a:schemeClr val="lt1"/>
+          </a:fontRef>
+        </p:style>
+        <p:txBody>
+          <a:bodyPr rtlCol="0" anchor="ctr"/>
+          <a:lstStyle/>
+          <a:p>
+            <a:pPr algn="ctr"/>
+            <a:endParaRPr lang="ko-KR" altLang="en-US"/>
+          </a:p>
+        </p:txBody>
+      </p:sp>
+      <p:sp>
+        <p:nvSpPr>
+          <p:cNvPr id="15" name="TextBox 14"/>
+          <p:cNvSpPr txBox="1"/>
+          <p:nvPr/>
+        </p:nvSpPr>
+        <p:spPr>
+          <a:xfrm>
+            <a:off x="5500396" y="2839272"/>
+            <a:ext cx="1306286" cy="369332"/>
+          </a:xfrm>
+          <a:prstGeom prst="rect">
+            <a:avLst/>
+          </a:prstGeom>
+          <a:noFill/>
+        </p:spPr>
+        <p:txBody>
+          <a:bodyPr wrap="square" rtlCol="0">
+            <a:spAutoFit/>
+          </a:bodyPr>
+          <a:lstStyle/>
+          <a:p>
+            <a:pPr algn="ctr"/>
+            <a:r>
+              <a:rPr lang="ko-KR" altLang="en-US" dirty="0" smtClean="0">
+                <a:latin typeface="10X10 Bold" panose="020D0604000000000000" pitchFamily="50" charset="-127"/>
+                <a:ea typeface="10X10 Bold" panose="020D0604000000000000" pitchFamily="50" charset="-127"/>
+              </a:rPr>
+              <a:t>지성인 </a:t>
+            </a:r>
+            <a:r>
+              <a:rPr lang="en-US" altLang="ko-KR" dirty="0" smtClean="0">
+                <a:latin typeface="10X10 Bold" panose="020D0604000000000000" pitchFamily="50" charset="-127"/>
+                <a:ea typeface="10X10 Bold" panose="020D0604000000000000" pitchFamily="50" charset="-127"/>
+              </a:rPr>
+              <a:t>(32)</a:t>
+            </a:r>
+            <a:endParaRPr lang="ko-KR" altLang="en-US" dirty="0">
+              <a:latin typeface="10X10 Bold" panose="020D0604000000000000" pitchFamily="50" charset="-127"/>
+              <a:ea typeface="10X10 Bold" panose="020D0604000000000000" pitchFamily="50" charset="-127"/>
+            </a:endParaRPr>
+          </a:p>
+        </p:txBody>
+      </p:sp>
+      <p:sp>
+        <p:nvSpPr>
+          <p:cNvPr id="16" name="TextBox 15"/>
+          <p:cNvSpPr txBox="1"/>
+          <p:nvPr/>
+        </p:nvSpPr>
+        <p:spPr>
+          <a:xfrm>
+            <a:off x="5456076" y="3481705"/>
+            <a:ext cx="1394926" cy="307777"/>
+          </a:xfrm>
+          <a:prstGeom prst="rect">
+            <a:avLst/>
+          </a:prstGeom>
+          <a:noFill/>
+        </p:spPr>
+        <p:txBody>
+          <a:bodyPr wrap="square" rtlCol="0">
+            <a:spAutoFit/>
+          </a:bodyPr>
+          <a:lstStyle/>
+          <a:p>
+            <a:pPr algn="ctr"/>
+            <a:r>
+              <a:rPr lang="ko-KR" altLang="en-US" sz="1400" smtClean="0">
+                <a:latin typeface="10X10 Bold" panose="020D0604000000000000" pitchFamily="50" charset="-127"/>
+                <a:ea typeface="10X10 Bold" panose="020D0604000000000000" pitchFamily="50" charset="-127"/>
+              </a:rPr>
+              <a:t>레스토랑 매니저</a:t>
+            </a:r>
+            <a:endParaRPr lang="ko-KR" altLang="en-US" sz="1400" dirty="0">
+              <a:latin typeface="10X10 Bold" panose="020D0604000000000000" pitchFamily="50" charset="-127"/>
+              <a:ea typeface="10X10 Bold" panose="020D0604000000000000" pitchFamily="50" charset="-127"/>
+            </a:endParaRPr>
+          </a:p>
+        </p:txBody>
+      </p:sp>
+      <p:sp>
+        <p:nvSpPr>
+          <p:cNvPr id="17" name="TextBox 16"/>
+          <p:cNvSpPr txBox="1"/>
+          <p:nvPr/>
+        </p:nvSpPr>
+        <p:spPr>
+          <a:xfrm>
+            <a:off x="5423418" y="3916051"/>
+            <a:ext cx="1460241" cy="276999"/>
+          </a:xfrm>
+          <a:prstGeom prst="rect">
+            <a:avLst/>
+          </a:prstGeom>
+          <a:noFill/>
+        </p:spPr>
+        <p:txBody>
+          <a:bodyPr wrap="square" rtlCol="0">
+            <a:spAutoFit/>
+          </a:bodyPr>
+          <a:lstStyle/>
+          <a:p>
+            <a:pPr algn="ctr"/>
+            <a:endParaRPr lang="en-US" altLang="ko-KR" sz="1200" dirty="0" smtClean="0">
+              <a:latin typeface="10X10 Bold" panose="020D0604000000000000" pitchFamily="50" charset="-127"/>
+              <a:ea typeface="10X10 Bold" panose="020D0604000000000000" pitchFamily="50" charset="-127"/>
+            </a:endParaRPr>
+          </a:p>
+        </p:txBody>
+      </p:sp>
+      <p:sp>
+        <p:nvSpPr>
+          <p:cNvPr id="18" name="TextBox 17"/>
+          <p:cNvSpPr txBox="1"/>
+          <p:nvPr/>
+        </p:nvSpPr>
+        <p:spPr>
+          <a:xfrm>
+            <a:off x="5240304" y="3916051"/>
+            <a:ext cx="1826467" cy="830997"/>
+          </a:xfrm>
+          <a:prstGeom prst="rect">
+            <a:avLst/>
+          </a:prstGeom>
+          <a:noFill/>
+        </p:spPr>
+        <p:txBody>
+          <a:bodyPr wrap="square" rtlCol="0">
+            <a:spAutoFit/>
+          </a:bodyPr>
+          <a:lstStyle/>
+          <a:p>
+            <a:pPr algn="ctr"/>
+            <a:r>
+              <a:rPr lang="ko-KR" altLang="en-US" sz="1200" dirty="0" smtClean="0">
+                <a:latin typeface="10X10 Bold" panose="020D0604000000000000" pitchFamily="50" charset="-127"/>
+                <a:ea typeface="10X10 Bold" panose="020D0604000000000000" pitchFamily="50" charset="-127"/>
+              </a:rPr>
+              <a:t>고급 이탈리아 레스토랑을 운영하는 그는 항상 자신이 할 수 있는 최선을 하고 </a:t>
+            </a:r>
+            <a:endParaRPr lang="en-US" altLang="ko-KR" sz="1200" dirty="0" smtClean="0">
+              <a:latin typeface="10X10 Bold" panose="020D0604000000000000" pitchFamily="50" charset="-127"/>
+              <a:ea typeface="10X10 Bold" panose="020D0604000000000000" pitchFamily="50" charset="-127"/>
+            </a:endParaRPr>
+          </a:p>
+          <a:p>
+            <a:pPr algn="ctr"/>
+            <a:r>
+              <a:rPr lang="ko-KR" altLang="en-US" sz="1200" dirty="0" smtClean="0">
+                <a:latin typeface="10X10 Bold" panose="020D0604000000000000" pitchFamily="50" charset="-127"/>
+                <a:ea typeface="10X10 Bold" panose="020D0604000000000000" pitchFamily="50" charset="-127"/>
+              </a:rPr>
+              <a:t>싶어한다</a:t>
+            </a:r>
+            <a:r>
+              <a:rPr lang="en-US" altLang="ko-KR" sz="1200" dirty="0" smtClean="0">
+                <a:latin typeface="10X10 Bold" panose="020D0604000000000000" pitchFamily="50" charset="-127"/>
+                <a:ea typeface="10X10 Bold" panose="020D0604000000000000" pitchFamily="50" charset="-127"/>
+              </a:rPr>
+              <a:t>.</a:t>
+            </a:r>
+          </a:p>
+        </p:txBody>
+      </p:sp>
+      <p:sp>
+        <p:nvSpPr>
+          <p:cNvPr id="20" name="TextBox 19"/>
+          <p:cNvSpPr txBox="1"/>
+          <p:nvPr/>
+        </p:nvSpPr>
+        <p:spPr>
+          <a:xfrm>
+            <a:off x="5201813" y="5131548"/>
+            <a:ext cx="1903448" cy="1015663"/>
+          </a:xfrm>
+          <a:prstGeom prst="rect">
+            <a:avLst/>
+          </a:prstGeom>
+          <a:noFill/>
+        </p:spPr>
+        <p:txBody>
+          <a:bodyPr wrap="square" rtlCol="0">
+            <a:spAutoFit/>
+          </a:bodyPr>
+          <a:lstStyle/>
+          <a:p>
+            <a:pPr algn="ctr"/>
+            <a:r>
+              <a:rPr lang="en-US" altLang="ko-KR" sz="1200" dirty="0" smtClean="0">
+                <a:latin typeface="10X10 Bold" panose="020D0604000000000000" pitchFamily="50" charset="-127"/>
+                <a:ea typeface="10X10 Bold" panose="020D0604000000000000" pitchFamily="50" charset="-127"/>
+              </a:rPr>
+              <a:t>“</a:t>
+            </a:r>
+            <a:r>
+              <a:rPr lang="en-US" altLang="ko-KR" sz="1200" dirty="0">
+                <a:latin typeface="10X10 Bold" panose="020D0604000000000000" pitchFamily="50" charset="-127"/>
+                <a:ea typeface="10X10 Bold" panose="020D0604000000000000" pitchFamily="50" charset="-127"/>
+              </a:rPr>
+              <a:t> </a:t>
+            </a:r>
+            <a:r>
+              <a:rPr lang="ko-KR" altLang="en-US" sz="1200" dirty="0" smtClean="0">
+                <a:latin typeface="10X10 Bold" panose="020D0604000000000000" pitchFamily="50" charset="-127"/>
+                <a:ea typeface="10X10 Bold" panose="020D0604000000000000" pitchFamily="50" charset="-127"/>
+              </a:rPr>
+              <a:t>우리 레스토랑은 항상 최고라고 자부하고 있어</a:t>
+            </a:r>
+            <a:r>
+              <a:rPr lang="en-US" altLang="ko-KR" sz="1200" dirty="0" smtClean="0">
+                <a:latin typeface="10X10 Bold" panose="020D0604000000000000" pitchFamily="50" charset="-127"/>
+                <a:ea typeface="10X10 Bold" panose="020D0604000000000000" pitchFamily="50" charset="-127"/>
+              </a:rPr>
+              <a:t>. </a:t>
+            </a:r>
+            <a:r>
+              <a:rPr lang="ko-KR" altLang="en-US" sz="1200" dirty="0" smtClean="0">
+                <a:latin typeface="10X10 Bold" panose="020D0604000000000000" pitchFamily="50" charset="-127"/>
+                <a:ea typeface="10X10 Bold" panose="020D0604000000000000" pitchFamily="50" charset="-127"/>
+              </a:rPr>
+              <a:t>우리 레스토랑의 이미지를 강조할 수 있는 고급스러운 느낌의 향수가 필요해</a:t>
+            </a:r>
+            <a:r>
+              <a:rPr lang="en-US" altLang="ko-KR" sz="1200" dirty="0" smtClean="0">
+                <a:latin typeface="10X10 Bold" panose="020D0604000000000000" pitchFamily="50" charset="-127"/>
+                <a:ea typeface="10X10 Bold" panose="020D0604000000000000" pitchFamily="50" charset="-127"/>
+              </a:rPr>
+              <a:t>.  “</a:t>
+            </a:r>
+          </a:p>
+        </p:txBody>
+      </p:sp>
+      <p:sp>
+        <p:nvSpPr>
+          <p:cNvPr id="21" name="타원 20"/>
+          <p:cNvSpPr/>
+          <p:nvPr/>
+        </p:nvSpPr>
+        <p:spPr>
+          <a:xfrm>
+            <a:off x="8544560" y="1389380"/>
+            <a:ext cx="1306286" cy="1318130"/>
+          </a:xfrm>
+          <a:prstGeom prst="ellipse">
+            <a:avLst/>
+          </a:prstGeom>
+          <a:blipFill dpi="0" rotWithShape="1">
+            <a:blip r:embed="rId4">
+              <a:extLst>
+                <a:ext uri="{28A0092B-C50C-407E-A947-70E740481C1C}">
+                  <a14:useLocalDpi xmlns:a14="http://schemas.microsoft.com/office/drawing/2010/main" val="0"/>
+                </a:ext>
+              </a:extLst>
+            </a:blip>
+            <a:srcRect/>
+            <a:stretch>
+              <a:fillRect/>
+            </a:stretch>
+          </a:blipFill>
+          <a:ln>
+            <a:solidFill>
+              <a:schemeClr val="tx1"/>
+            </a:solidFill>
+          </a:ln>
+        </p:spPr>
+        <p:style>
+          <a:lnRef idx="2">
+            <a:schemeClr val="accent1">
+              <a:shade val="50000"/>
+            </a:schemeClr>
+          </a:lnRef>
+          <a:fillRef idx="1">
+            <a:schemeClr val="accent1"/>
+          </a:fillRef>
+          <a:effectRef idx="0">
+            <a:schemeClr val="accent1"/>
+          </a:effectRef>
+          <a:fontRef idx="minor">
+            <a:schemeClr val="lt1"/>
+          </a:fontRef>
+        </p:style>
+        <p:txBody>
+          <a:bodyPr rtlCol="0" anchor="ctr"/>
+          <a:lstStyle/>
+          <a:p>
+            <a:pPr algn="ctr"/>
+            <a:endParaRPr lang="ko-KR" altLang="en-US"/>
+          </a:p>
+        </p:txBody>
+      </p:sp>
+      <p:sp>
+        <p:nvSpPr>
+          <p:cNvPr id="22" name="TextBox 21"/>
+          <p:cNvSpPr txBox="1"/>
+          <p:nvPr/>
+        </p:nvSpPr>
+        <p:spPr>
+          <a:xfrm>
+            <a:off x="8544560" y="2836466"/>
+            <a:ext cx="1306286" cy="369332"/>
+          </a:xfrm>
+          <a:prstGeom prst="rect">
+            <a:avLst/>
+          </a:prstGeom>
+          <a:noFill/>
+        </p:spPr>
+        <p:txBody>
+          <a:bodyPr wrap="square" rtlCol="0">
+            <a:spAutoFit/>
+          </a:bodyPr>
+          <a:lstStyle/>
+          <a:p>
+            <a:pPr algn="ctr"/>
+            <a:r>
+              <a:rPr lang="ko-KR" altLang="en-US" dirty="0" err="1" smtClean="0">
+                <a:solidFill>
+                  <a:schemeClr val="bg1"/>
+                </a:solidFill>
+                <a:latin typeface="10X10 Bold" panose="020D0604000000000000" pitchFamily="50" charset="-127"/>
+                <a:ea typeface="10X10 Bold" panose="020D0604000000000000" pitchFamily="50" charset="-127"/>
+              </a:rPr>
+              <a:t>지성윤</a:t>
+            </a:r>
+            <a:r>
+              <a:rPr lang="ko-KR" altLang="en-US" dirty="0" smtClean="0">
+                <a:solidFill>
+                  <a:schemeClr val="bg1"/>
+                </a:solidFill>
+                <a:latin typeface="10X10 Bold" panose="020D0604000000000000" pitchFamily="50" charset="-127"/>
+                <a:ea typeface="10X10 Bold" panose="020D0604000000000000" pitchFamily="50" charset="-127"/>
+              </a:rPr>
+              <a:t> </a:t>
+            </a:r>
+            <a:r>
+              <a:rPr lang="en-US" altLang="ko-KR" dirty="0" smtClean="0">
+                <a:solidFill>
+                  <a:schemeClr val="bg1"/>
+                </a:solidFill>
+                <a:latin typeface="10X10 Bold" panose="020D0604000000000000" pitchFamily="50" charset="-127"/>
+                <a:ea typeface="10X10 Bold" panose="020D0604000000000000" pitchFamily="50" charset="-127"/>
+              </a:rPr>
+              <a:t>(29)</a:t>
+            </a:r>
+            <a:endParaRPr lang="ko-KR" altLang="en-US" dirty="0">
+              <a:solidFill>
+                <a:schemeClr val="bg1"/>
+              </a:solidFill>
+              <a:latin typeface="10X10 Bold" panose="020D0604000000000000" pitchFamily="50" charset="-127"/>
+              <a:ea typeface="10X10 Bold" panose="020D0604000000000000" pitchFamily="50" charset="-127"/>
+            </a:endParaRPr>
+          </a:p>
+        </p:txBody>
+      </p:sp>
+      <p:sp>
+        <p:nvSpPr>
+          <p:cNvPr id="23" name="TextBox 22"/>
+          <p:cNvSpPr txBox="1"/>
+          <p:nvPr/>
+        </p:nvSpPr>
+        <p:spPr>
+          <a:xfrm>
+            <a:off x="8437880" y="3392543"/>
+            <a:ext cx="1519646" cy="307777"/>
+          </a:xfrm>
+          <a:prstGeom prst="rect">
+            <a:avLst/>
+          </a:prstGeom>
+          <a:noFill/>
+        </p:spPr>
+        <p:txBody>
+          <a:bodyPr wrap="square" rtlCol="0">
+            <a:spAutoFit/>
+          </a:bodyPr>
+          <a:lstStyle/>
+          <a:p>
+            <a:pPr algn="ctr"/>
+            <a:r>
+              <a:rPr lang="ko-KR" altLang="en-US" sz="1400" smtClean="0">
+                <a:solidFill>
+                  <a:schemeClr val="bg1"/>
+                </a:solidFill>
+                <a:latin typeface="10X10 Bold" panose="020D0604000000000000" pitchFamily="50" charset="-127"/>
+                <a:ea typeface="10X10 Bold" panose="020D0604000000000000" pitchFamily="50" charset="-127"/>
+              </a:rPr>
+              <a:t>제약회사 영업직원</a:t>
+            </a:r>
+            <a:endParaRPr lang="ko-KR" altLang="en-US" sz="1400" dirty="0">
+              <a:solidFill>
+                <a:schemeClr val="bg1"/>
+              </a:solidFill>
+              <a:latin typeface="10X10 Bold" panose="020D0604000000000000" pitchFamily="50" charset="-127"/>
+              <a:ea typeface="10X10 Bold" panose="020D0604000000000000" pitchFamily="50" charset="-127"/>
+            </a:endParaRPr>
+          </a:p>
+        </p:txBody>
+      </p:sp>
+      <p:sp>
+        <p:nvSpPr>
+          <p:cNvPr id="24" name="TextBox 23"/>
+          <p:cNvSpPr txBox="1"/>
+          <p:nvPr/>
+        </p:nvSpPr>
+        <p:spPr>
+          <a:xfrm>
+            <a:off x="8005297" y="3916051"/>
+            <a:ext cx="2384811" cy="769441"/>
+          </a:xfrm>
+          <a:prstGeom prst="rect">
+            <a:avLst/>
+          </a:prstGeom>
+          <a:noFill/>
+        </p:spPr>
+        <p:txBody>
+          <a:bodyPr wrap="square" rtlCol="0">
+            <a:spAutoFit/>
+          </a:bodyPr>
+          <a:lstStyle/>
+          <a:p>
+            <a:pPr algn="ctr"/>
+            <a:r>
+              <a:rPr lang="ko-KR" altLang="en-US" sz="1100" dirty="0" smtClean="0">
+                <a:solidFill>
+                  <a:schemeClr val="bg1"/>
+                </a:solidFill>
+                <a:latin typeface="10X10 Bold" panose="020D0604000000000000" pitchFamily="50" charset="-127"/>
+                <a:ea typeface="10X10 Bold" panose="020D0604000000000000" pitchFamily="50" charset="-127"/>
+              </a:rPr>
+              <a:t>글로벌 스케일의 제약 회사의 영업직원으로 근무 중인 그는 평소에</a:t>
+            </a:r>
+            <a:endParaRPr lang="en-US" altLang="ko-KR" sz="1100" dirty="0" smtClean="0">
+              <a:solidFill>
+                <a:schemeClr val="bg1"/>
+              </a:solidFill>
+              <a:latin typeface="10X10 Bold" panose="020D0604000000000000" pitchFamily="50" charset="-127"/>
+              <a:ea typeface="10X10 Bold" panose="020D0604000000000000" pitchFamily="50" charset="-127"/>
+            </a:endParaRPr>
+          </a:p>
+          <a:p>
+            <a:pPr algn="ctr"/>
+            <a:r>
+              <a:rPr lang="ko-KR" altLang="en-US" sz="1100" dirty="0" smtClean="0">
+                <a:solidFill>
+                  <a:schemeClr val="bg1"/>
+                </a:solidFill>
+                <a:latin typeface="10X10 Bold" panose="020D0604000000000000" pitchFamily="50" charset="-127"/>
+                <a:ea typeface="10X10 Bold" panose="020D0604000000000000" pitchFamily="50" charset="-127"/>
+              </a:rPr>
+              <a:t>온갖 미팅 등 여러 사람을 만나기 위해 자신을 꾸며줄 향수를 찾고 있다</a:t>
+            </a:r>
+            <a:r>
+              <a:rPr lang="en-US" altLang="ko-KR" sz="1100" dirty="0" smtClean="0">
+                <a:solidFill>
+                  <a:schemeClr val="bg1"/>
+                </a:solidFill>
+                <a:latin typeface="10X10 Bold" panose="020D0604000000000000" pitchFamily="50" charset="-127"/>
+                <a:ea typeface="10X10 Bold" panose="020D0604000000000000" pitchFamily="50" charset="-127"/>
+              </a:rPr>
+              <a:t>.</a:t>
+            </a:r>
+          </a:p>
+        </p:txBody>
+      </p:sp>
+      <p:sp>
+        <p:nvSpPr>
+          <p:cNvPr id="26" name="TextBox 25"/>
+          <p:cNvSpPr txBox="1"/>
+          <p:nvPr/>
+        </p:nvSpPr>
+        <p:spPr>
+          <a:xfrm>
+            <a:off x="8163195" y="5131547"/>
+            <a:ext cx="2069013" cy="1015663"/>
+          </a:xfrm>
+          <a:prstGeom prst="rect">
+            <a:avLst/>
+          </a:prstGeom>
+          <a:noFill/>
+        </p:spPr>
+        <p:txBody>
+          <a:bodyPr wrap="square" rtlCol="0">
+            <a:spAutoFit/>
+          </a:bodyPr>
+          <a:lstStyle/>
+          <a:p>
+            <a:pPr algn="ctr"/>
+            <a:r>
+              <a:rPr lang="en-US" altLang="ko-KR" sz="1200" dirty="0" smtClean="0">
+                <a:solidFill>
+                  <a:schemeClr val="bg1"/>
+                </a:solidFill>
+                <a:latin typeface="10X10 Bold" panose="020D0604000000000000" pitchFamily="50" charset="-127"/>
+                <a:ea typeface="10X10 Bold" panose="020D0604000000000000" pitchFamily="50" charset="-127"/>
+              </a:rPr>
+              <a:t>“</a:t>
+            </a:r>
+            <a:r>
+              <a:rPr lang="ko-KR" altLang="en-US" sz="1200" dirty="0" smtClean="0">
+                <a:solidFill>
+                  <a:schemeClr val="bg1"/>
+                </a:solidFill>
+                <a:latin typeface="10X10 Bold" panose="020D0604000000000000" pitchFamily="50" charset="-127"/>
+                <a:ea typeface="10X10 Bold" panose="020D0604000000000000" pitchFamily="50" charset="-127"/>
+              </a:rPr>
+              <a:t>영업사원은 회사의 얼굴로써 중요한 사람들을 만나고 다니는데 아무렇게나 다닐 수 없어</a:t>
+            </a:r>
+            <a:r>
+              <a:rPr lang="en-US" altLang="ko-KR" sz="1200" dirty="0" smtClean="0">
+                <a:solidFill>
+                  <a:schemeClr val="bg1"/>
+                </a:solidFill>
+                <a:latin typeface="10X10 Bold" panose="020D0604000000000000" pitchFamily="50" charset="-127"/>
+                <a:ea typeface="10X10 Bold" panose="020D0604000000000000" pitchFamily="50" charset="-127"/>
+              </a:rPr>
+              <a:t>. </a:t>
+            </a:r>
+            <a:r>
+              <a:rPr lang="ko-KR" altLang="en-US" sz="1200" dirty="0" smtClean="0">
+                <a:solidFill>
+                  <a:schemeClr val="bg1"/>
+                </a:solidFill>
+                <a:latin typeface="10X10 Bold" panose="020D0604000000000000" pitchFamily="50" charset="-127"/>
+                <a:ea typeface="10X10 Bold" panose="020D0604000000000000" pitchFamily="50" charset="-127"/>
+              </a:rPr>
+              <a:t>깔끔하고 단정한 느낌을 줄 수 있는 향수는 없을까</a:t>
+            </a:r>
+            <a:r>
+              <a:rPr lang="en-US" altLang="ko-KR" sz="1200" dirty="0" smtClean="0">
+                <a:solidFill>
+                  <a:schemeClr val="bg1"/>
+                </a:solidFill>
+                <a:latin typeface="10X10 Bold" panose="020D0604000000000000" pitchFamily="50" charset="-127"/>
+                <a:ea typeface="10X10 Bold" panose="020D0604000000000000" pitchFamily="50" charset="-127"/>
+              </a:rPr>
+              <a:t>? “</a:t>
+            </a:r>
+          </a:p>
+        </p:txBody>
+      </p:sp>
     </p:spTree>
     <p:extLst>
       <p:ext uri="{BB962C8B-B14F-4D97-AF65-F5344CB8AC3E}">
-        <p14:creationId xmlns:p14="http://schemas.microsoft.com/office/powerpoint/2010/main" val="2497473758"/>
+        <p14:creationId xmlns:p14="http://schemas.microsoft.com/office/powerpoint/2010/main" val="2439127920"/>
       </p:ext>
     </p:extLst>
   </p:cSld>
@@ -5424,7 +8049,7 @@
         <p:spPr>
           <a:xfrm>
             <a:off x="11145520" y="136525"/>
-            <a:ext cx="872490" cy="6551930"/>
+            <a:ext cx="872490" cy="6556923"/>
           </a:xfrm>
           <a:prstGeom prst="rect">
             <a:avLst/>
@@ -5443,14 +8068,14 @@
           <a:p>
             <a:pPr marL="0" indent="0" algn="ctr" hangingPunct="1"/>
             <a:r>
-              <a:rPr lang="ko-KR" sz="6000" b="1" dirty="0">
+              <a:rPr lang="en-US" altLang="ko-KR" sz="6000" b="1" dirty="0" smtClean="0">
                 <a:solidFill>
                   <a:schemeClr val="bg1"/>
                 </a:solidFill>
                 <a:latin typeface="Couture" charset="0"/>
                 <a:ea typeface="Couture" charset="0"/>
               </a:rPr>
-              <a:t>PERSONA</a:t>
+              <a:t>concept</a:t>
             </a:r>
             <a:endParaRPr lang="ko-KR" altLang="en-US" sz="6000" b="1" dirty="0">
               <a:solidFill>
@@ -5462,10 +8087,219 @@
           </a:p>
         </p:txBody>
       </p:sp>
+      <p:sp>
+        <p:nvSpPr>
+          <p:cNvPr id="5" name="텍스트 상자 227"/>
+          <p:cNvSpPr txBox="1">
+            <a:spLocks/>
+          </p:cNvSpPr>
+          <p:nvPr/>
+        </p:nvSpPr>
+        <p:spPr>
+          <a:xfrm>
+            <a:off x="4578623" y="1387443"/>
+            <a:ext cx="3093523" cy="462947"/>
+          </a:xfrm>
+          <a:prstGeom prst="rect">
+            <a:avLst/>
+          </a:prstGeom>
+          <a:noFill/>
+          <a:ln w="0">
+            <a:noFill/>
+            <a:prstDash/>
+          </a:ln>
+        </p:spPr>
+        <p:txBody>
+          <a:bodyPr vert="horz" wrap="square" lIns="89535" tIns="46355" rIns="89535" bIns="46355" anchor="t">
+            <a:spAutoFit/>
+          </a:bodyPr>
+          <a:lstStyle/>
+          <a:p>
+            <a:pPr marL="0" indent="0" algn="ctr" hangingPunct="1"/>
+            <a:r>
+              <a:rPr lang="en-US" altLang="ko-KR" sz="2400" dirty="0" smtClean="0">
+                <a:solidFill>
+                  <a:schemeClr val="bg1"/>
+                </a:solidFill>
+                <a:latin typeface="Couture" charset="0"/>
+                <a:ea typeface="Couture" charset="0"/>
+              </a:rPr>
+              <a:t>Point color</a:t>
+            </a:r>
+            <a:endParaRPr lang="ko-KR" altLang="en-US" sz="2400" dirty="0">
+              <a:solidFill>
+                <a:schemeClr val="bg1"/>
+              </a:solidFill>
+              <a:latin typeface="Couture" charset="0"/>
+              <a:ea typeface="Couture" charset="0"/>
+            </a:endParaRPr>
+          </a:p>
+        </p:txBody>
+      </p:sp>
+      <p:sp>
+        <p:nvSpPr>
+          <p:cNvPr id="6" name="직사각형 5"/>
+          <p:cNvSpPr/>
+          <p:nvPr/>
+        </p:nvSpPr>
+        <p:spPr>
+          <a:xfrm>
+            <a:off x="1947552" y="3648270"/>
+            <a:ext cx="8369559" cy="2584580"/>
+          </a:xfrm>
+          <a:prstGeom prst="rect">
+            <a:avLst/>
+          </a:prstGeom>
+          <a:solidFill>
+            <a:schemeClr val="bg1"/>
+          </a:solidFill>
+        </p:spPr>
+        <p:style>
+          <a:lnRef idx="2">
+            <a:schemeClr val="accent1">
+              <a:shade val="50000"/>
+            </a:schemeClr>
+          </a:lnRef>
+          <a:fillRef idx="1">
+            <a:schemeClr val="accent1"/>
+          </a:fillRef>
+          <a:effectRef idx="0">
+            <a:schemeClr val="accent1"/>
+          </a:effectRef>
+          <a:fontRef idx="minor">
+            <a:schemeClr val="lt1"/>
+          </a:fontRef>
+        </p:style>
+        <p:txBody>
+          <a:bodyPr rtlCol="0" anchor="ctr"/>
+          <a:lstStyle/>
+          <a:p>
+            <a:pPr algn="ctr"/>
+            <a:endParaRPr lang="ko-KR" altLang="en-US"/>
+          </a:p>
+        </p:txBody>
+      </p:sp>
+      <p:sp>
+        <p:nvSpPr>
+          <p:cNvPr id="7" name="직사각형 6"/>
+          <p:cNvSpPr/>
+          <p:nvPr/>
+        </p:nvSpPr>
+        <p:spPr>
+          <a:xfrm>
+            <a:off x="2757034" y="4026160"/>
+            <a:ext cx="6736702" cy="1828800"/>
+          </a:xfrm>
+          <a:prstGeom prst="rect">
+            <a:avLst/>
+          </a:prstGeom>
+          <a:solidFill>
+            <a:schemeClr val="tx1"/>
+          </a:solidFill>
+        </p:spPr>
+        <p:style>
+          <a:lnRef idx="2">
+            <a:schemeClr val="accent1">
+              <a:shade val="50000"/>
+            </a:schemeClr>
+          </a:lnRef>
+          <a:fillRef idx="1">
+            <a:schemeClr val="accent1"/>
+          </a:fillRef>
+          <a:effectRef idx="0">
+            <a:schemeClr val="accent1"/>
+          </a:effectRef>
+          <a:fontRef idx="minor">
+            <a:schemeClr val="lt1"/>
+          </a:fontRef>
+        </p:style>
+        <p:txBody>
+          <a:bodyPr rtlCol="0" anchor="ctr"/>
+          <a:lstStyle/>
+          <a:p>
+            <a:pPr algn="ctr"/>
+            <a:endParaRPr lang="ko-KR" altLang="en-US"/>
+          </a:p>
+        </p:txBody>
+      </p:sp>
+      <p:sp>
+        <p:nvSpPr>
+          <p:cNvPr id="8" name="TextBox 7"/>
+          <p:cNvSpPr txBox="1"/>
+          <p:nvPr/>
+        </p:nvSpPr>
+        <p:spPr>
+          <a:xfrm>
+            <a:off x="2728114" y="2228280"/>
+            <a:ext cx="6680719" cy="646331"/>
+          </a:xfrm>
+          <a:prstGeom prst="rect">
+            <a:avLst/>
+          </a:prstGeom>
+          <a:noFill/>
+        </p:spPr>
+        <p:txBody>
+          <a:bodyPr wrap="square" rtlCol="0">
+            <a:spAutoFit/>
+          </a:bodyPr>
+          <a:lstStyle/>
+          <a:p>
+            <a:pPr algn="ctr"/>
+            <a:r>
+              <a:rPr lang="ko-KR" altLang="en-US" b="1" dirty="0" smtClean="0">
+                <a:solidFill>
+                  <a:schemeClr val="bg1"/>
+                </a:solidFill>
+              </a:rPr>
+              <a:t>기존 샤넬 브랜드의 캐릭터 컬러인 블랙 </a:t>
+            </a:r>
+            <a:r>
+              <a:rPr lang="en-US" altLang="ko-KR" b="1" dirty="0" smtClean="0">
+                <a:solidFill>
+                  <a:schemeClr val="bg1"/>
+                </a:solidFill>
+              </a:rPr>
+              <a:t>&amp; </a:t>
+            </a:r>
+            <a:r>
+              <a:rPr lang="ko-KR" altLang="en-US" b="1" dirty="0" smtClean="0">
+                <a:solidFill>
+                  <a:schemeClr val="bg1"/>
+                </a:solidFill>
+              </a:rPr>
+              <a:t>화이트 컨셉을 살려서</a:t>
+            </a:r>
+            <a:endParaRPr lang="en-US" altLang="ko-KR" b="1" dirty="0" smtClean="0">
+              <a:solidFill>
+                <a:schemeClr val="bg1"/>
+              </a:solidFill>
+            </a:endParaRPr>
+          </a:p>
+          <a:p>
+            <a:pPr algn="ctr"/>
+            <a:r>
+              <a:rPr lang="ko-KR" altLang="en-US" b="1" dirty="0" smtClean="0">
+                <a:solidFill>
+                  <a:schemeClr val="bg1"/>
+                </a:solidFill>
+              </a:rPr>
+              <a:t>고급스럽고 깔끔한 이미지를 강조했습니다</a:t>
+            </a:r>
+            <a:r>
+              <a:rPr lang="en-US" altLang="ko-KR" b="1" dirty="0" smtClean="0">
+                <a:solidFill>
+                  <a:schemeClr val="bg1"/>
+                </a:solidFill>
+              </a:rPr>
+              <a:t>.</a:t>
+            </a:r>
+          </a:p>
+        </p:txBody>
+      </p:sp>
     </p:spTree>
     <p:extLst>
       <p:ext uri="{BB962C8B-B14F-4D97-AF65-F5344CB8AC3E}">
-        <p14:creationId xmlns:p14="http://schemas.microsoft.com/office/powerpoint/2010/main" val="2439127920"/>
+        <p14:creationId xmlns:p14="http://schemas.microsoft.com/office/powerpoint/2010/main" val="4143122926"/>
       </p:ext>
     </p:extLst>
   </p:cSld>
@@ -5509,7 +8343,7 @@
       </p:grpSpPr>
       <p:sp>
         <p:nvSpPr>
-          <p:cNvPr id="2" name="텍스트 상자 101"/>
+          <p:cNvPr id="5" name="텍스트 상자 101"/>
           <p:cNvSpPr txBox="1">
             <a:spLocks/>
           </p:cNvSpPr>
@@ -5561,7 +8395,7 @@
       </p:sp>
       <p:sp>
         <p:nvSpPr>
-          <p:cNvPr id="3" name="텍스트 상자 102"/>
+          <p:cNvPr id="6" name="텍스트 상자 102"/>
           <p:cNvSpPr txBox="1">
             <a:spLocks/>
           </p:cNvSpPr>
@@ -5621,7 +8455,7 @@
       </p:sp>
       <p:sp>
         <p:nvSpPr>
-          <p:cNvPr id="4" name="텍스트 상자 110"/>
+          <p:cNvPr id="7" name="텍스트 상자 110"/>
           <p:cNvSpPr txBox="1">
             <a:spLocks/>
           </p:cNvSpPr>
@@ -5629,8 +8463,8 @@
         </p:nvSpPr>
         <p:spPr>
           <a:xfrm>
-            <a:off x="11145520" y="136525"/>
-            <a:ext cx="872490" cy="6556923"/>
+            <a:off x="11145520" y="71208"/>
+            <a:ext cx="872490" cy="6741589"/>
           </a:xfrm>
           <a:prstGeom prst="rect">
             <a:avLst/>
@@ -5649,16 +8483,26 @@
           <a:p>
             <a:pPr marL="0" indent="0" algn="ctr" hangingPunct="1"/>
             <a:r>
-              <a:rPr lang="en-US" altLang="ko-KR" sz="6000" b="1" dirty="0" smtClean="0">
+              <a:rPr lang="ko-KR" sz="4800" b="1" dirty="0" err="1" smtClean="0">
                 <a:solidFill>
                   <a:schemeClr val="bg1"/>
                 </a:solidFill>
                 <a:latin typeface="Couture" charset="0"/>
                 <a:ea typeface="Couture" charset="0"/>
               </a:rPr>
-              <a:t>concept</a:t>
-            </a:r>
-            <a:endParaRPr lang="ko-KR" altLang="en-US" sz="6000" b="1" dirty="0">
+              <a:t>P</a:t>
+            </a:r>
+            <a:r>
+              <a:rPr lang="en-US" altLang="ko-KR" sz="4800" b="1" dirty="0" err="1" smtClean="0">
+                <a:solidFill>
+                  <a:schemeClr val="bg1"/>
+                </a:solidFill>
+                <a:latin typeface="Couture" charset="0"/>
+                <a:ea typeface="Couture" charset="0"/>
+              </a:rPr>
+              <a:t>rototype</a:t>
+            </a:r>
+            <a:endParaRPr lang="ko-KR" altLang="en-US" sz="4800" b="1" dirty="0">
               <a:solidFill>
                 <a:schemeClr val="bg1"/>
               </a:solidFill>
@@ -5668,9 +8512,69 @@
           </a:p>
         </p:txBody>
       </p:sp>
-      <p:sp>
-        <p:nvSpPr>
-          <p:cNvPr id="5" name="텍스트 상자 227"/>
+      <p:pic>
+        <p:nvPicPr>
+          <p:cNvPr id="8" name="그림 7"/>
+          <p:cNvPicPr>
+            <a:picLocks noChangeAspect="1"/>
+          </p:cNvPicPr>
+          <p:nvPr/>
+        </p:nvPicPr>
+        <p:blipFill>
+          <a:blip r:embed="rId2" cstate="print">
+            <a:extLst>
+              <a:ext uri="{28A0092B-C50C-407E-A947-70E740481C1C}">
+                <a14:useLocalDpi xmlns:a14="http://schemas.microsoft.com/office/drawing/2010/main" val="0"/>
+              </a:ext>
+            </a:extLst>
+          </a:blip>
+          <a:stretch>
+            <a:fillRect/>
+          </a:stretch>
+        </p:blipFill>
+        <p:spPr>
+          <a:xfrm>
+            <a:off x="2404619" y="1026457"/>
+            <a:ext cx="3063119" cy="5396924"/>
+          </a:xfrm>
+          <a:prstGeom prst="rect">
+            <a:avLst/>
+          </a:prstGeom>
+        </p:spPr>
+      </p:pic>
+      <p:pic>
+        <p:nvPicPr>
+          <p:cNvPr id="9" name="그림 8"/>
+          <p:cNvPicPr>
+            <a:picLocks noChangeAspect="1"/>
+          </p:cNvPicPr>
+          <p:nvPr/>
+        </p:nvPicPr>
+        <p:blipFill>
+          <a:blip r:embed="rId3" cstate="print">
+            <a:extLst>
+              <a:ext uri="{28A0092B-C50C-407E-A947-70E740481C1C}">
+                <a14:useLocalDpi xmlns:a14="http://schemas.microsoft.com/office/drawing/2010/main" val="0"/>
+              </a:ext>
+            </a:extLst>
+          </a:blip>
+          <a:stretch>
+            <a:fillRect/>
+          </a:stretch>
+        </p:blipFill>
+        <p:spPr>
+          <a:xfrm>
+            <a:off x="6568067" y="1308335"/>
+            <a:ext cx="3928897" cy="4833167"/>
+          </a:xfrm>
+          <a:prstGeom prst="rect">
+            <a:avLst/>
+          </a:prstGeom>
+        </p:spPr>
+      </p:pic>
+      <p:sp>
+        <p:nvSpPr>
+          <p:cNvPr id="11" name="텍스트 상자 227"/>
           <p:cNvSpPr txBox="1">
             <a:spLocks/>
           </p:cNvSpPr>
@@ -5678,8 +8582,8 @@
         </p:nvSpPr>
         <p:spPr>
           <a:xfrm>
-            <a:off x="4578623" y="1387443"/>
-            <a:ext cx="3093523" cy="462947"/>
+            <a:off x="4669012" y="56165"/>
+            <a:ext cx="3230530" cy="708660"/>
           </a:xfrm>
           <a:prstGeom prst="rect">
             <a:avLst/>
@@ -5698,16 +8602,16 @@
           <a:p>
             <a:pPr marL="0" indent="0" algn="ctr" hangingPunct="1"/>
             <a:r>
-              <a:rPr lang="en-US" altLang="ko-KR" sz="2400" dirty="0" smtClean="0">
+              <a:rPr lang="en-US" altLang="ko-KR" sz="4000" dirty="0" smtClean="0">
                 <a:solidFill>
                   <a:schemeClr val="bg1"/>
                 </a:solidFill>
                 <a:latin typeface="Couture" charset="0"/>
                 <a:ea typeface="Couture" charset="0"/>
               </a:rPr>
-              <a:t>Point color</a:t>
-            </a:r>
-            <a:endParaRPr lang="ko-KR" altLang="en-US" sz="2400" dirty="0">
+              <a:t>Main page</a:t>
+            </a:r>
+            <a:endParaRPr lang="ko-KR" altLang="en-US" sz="4000" dirty="0">
               <a:solidFill>
                 <a:schemeClr val="bg1"/>
               </a:solidFill>
@@ -5717,170 +8621,10 @@
           </a:p>
         </p:txBody>
       </p:sp>
-      <p:sp>
-        <p:nvSpPr>
-          <p:cNvPr id="6" name="직사각형 5"/>
-          <p:cNvSpPr/>
-          <p:nvPr/>
-        </p:nvSpPr>
-        <p:spPr>
-          <a:xfrm>
-            <a:off x="1947552" y="3648270"/>
-            <a:ext cx="8369559" cy="2584580"/>
-          </a:xfrm>
-          <a:prstGeom prst="rect">
-            <a:avLst/>
-          </a:prstGeom>
-          <a:solidFill>
-            <a:schemeClr val="bg1"/>
-          </a:solidFill>
-        </p:spPr>
-        <p:style>
-          <a:lnRef idx="2">
-            <a:schemeClr val="accent1">
-              <a:shade val="50000"/>
-            </a:schemeClr>
-          </a:lnRef>
-          <a:fillRef idx="1">
-            <a:schemeClr val="accent1"/>
-          </a:fillRef>
-          <a:effectRef idx="0">
-            <a:schemeClr val="accent1"/>
-          </a:effectRef>
-          <a:fontRef idx="minor">
-            <a:schemeClr val="lt1"/>
-          </a:fontRef>
-        </p:style>
-        <p:txBody>
-          <a:bodyPr rtlCol="0" anchor="ctr"/>
-          <a:lstStyle/>
-          <a:p>
-            <a:pPr algn="ctr"/>
-            <a:endParaRPr lang="ko-KR" altLang="en-US"/>
-          </a:p>
-        </p:txBody>
-      </p:sp>
-      <p:sp>
-        <p:nvSpPr>
-          <p:cNvPr id="7" name="직사각형 6"/>
-          <p:cNvSpPr/>
-          <p:nvPr/>
-        </p:nvSpPr>
-        <p:spPr>
-          <a:xfrm>
-            <a:off x="2757034" y="4026160"/>
-            <a:ext cx="6736702" cy="1828800"/>
-          </a:xfrm>
-          <a:prstGeom prst="rect">
-            <a:avLst/>
-          </a:prstGeom>
-          <a:solidFill>
-            <a:schemeClr val="tx1"/>
-          </a:solidFill>
-        </p:spPr>
-        <p:style>
-          <a:lnRef idx="2">
-            <a:schemeClr val="accent1">
-              <a:shade val="50000"/>
-            </a:schemeClr>
-          </a:lnRef>
-          <a:fillRef idx="1">
-            <a:schemeClr val="accent1"/>
-          </a:fillRef>
-          <a:effectRef idx="0">
-            <a:schemeClr val="accent1"/>
-          </a:effectRef>
-          <a:fontRef idx="minor">
-            <a:schemeClr val="lt1"/>
-          </a:fontRef>
-        </p:style>
-        <p:txBody>
-          <a:bodyPr rtlCol="0" anchor="ctr"/>
-          <a:lstStyle/>
-          <a:p>
-            <a:pPr algn="ctr"/>
-            <a:endParaRPr lang="ko-KR" altLang="en-US"/>
-          </a:p>
-        </p:txBody>
-      </p:sp>
-      <p:sp>
-        <p:nvSpPr>
-          <p:cNvPr id="8" name="TextBox 7"/>
-          <p:cNvSpPr txBox="1"/>
-          <p:nvPr/>
-        </p:nvSpPr>
-        <p:spPr>
-          <a:xfrm>
-            <a:off x="2728114" y="2228280"/>
-            <a:ext cx="6680719" cy="646331"/>
-          </a:xfrm>
-          <a:prstGeom prst="rect">
-            <a:avLst/>
-          </a:prstGeom>
-          <a:noFill/>
-        </p:spPr>
-        <p:txBody>
-          <a:bodyPr wrap="square" rtlCol="0">
-            <a:spAutoFit/>
-          </a:bodyPr>
-          <a:lstStyle/>
-          <a:p>
-            <a:pPr algn="ctr"/>
-            <a:r>
-              <a:rPr lang="ko-KR" altLang="en-US" b="1" dirty="0" smtClean="0">
-                <a:solidFill>
-                  <a:schemeClr val="bg1"/>
-                </a:solidFill>
-              </a:rPr>
-              <a:t>기존 샤넬 브랜드의 캐릭터 컬러인 블랙 </a:t>
-            </a:r>
-            <a:r>
-              <a:rPr lang="en-US" altLang="ko-KR" b="1" dirty="0" smtClean="0">
-                <a:solidFill>
-                  <a:schemeClr val="bg1"/>
-                </a:solidFill>
-              </a:rPr>
-              <a:t>&amp; </a:t>
-            </a:r>
-            <a:r>
-              <a:rPr lang="ko-KR" altLang="en-US" b="1" dirty="0" smtClean="0">
-                <a:solidFill>
-                  <a:schemeClr val="bg1"/>
-                </a:solidFill>
-              </a:rPr>
-              <a:t>화이트 컨셉을 살려서</a:t>
-            </a:r>
-            <a:endParaRPr lang="en-US" altLang="ko-KR" b="1" dirty="0" smtClean="0">
-              <a:solidFill>
-                <a:schemeClr val="bg1"/>
-              </a:solidFill>
-            </a:endParaRPr>
-          </a:p>
-          <a:p>
-            <a:pPr algn="ctr"/>
-            <a:r>
-              <a:rPr lang="ko-KR" altLang="en-US" b="1" dirty="0" smtClean="0">
-                <a:solidFill>
-                  <a:schemeClr val="bg1"/>
-                </a:solidFill>
-              </a:rPr>
-              <a:t>고급스럽고 깔끔한 이미지를 강조했습니다</a:t>
-            </a:r>
-            <a:r>
-              <a:rPr lang="en-US" altLang="ko-KR" b="1" dirty="0" smtClean="0">
-                <a:solidFill>
-                  <a:schemeClr val="bg1"/>
-                </a:solidFill>
-              </a:rPr>
-              <a:t>.</a:t>
-            </a:r>
-          </a:p>
-        </p:txBody>
-      </p:sp>
     </p:spTree>
     <p:extLst>
       <p:ext uri="{BB962C8B-B14F-4D97-AF65-F5344CB8AC3E}">
-        <p14:creationId xmlns:p14="http://schemas.microsoft.com/office/powerpoint/2010/main" val="4143122926"/>
+        <p14:creationId xmlns:p14="http://schemas.microsoft.com/office/powerpoint/2010/main" val="2189955622"/>
       </p:ext>
     </p:extLst>
   </p:cSld>
@@ -5924,7 +8668,7 @@
       </p:grpSpPr>
       <p:sp>
         <p:nvSpPr>
-          <p:cNvPr id="5" name="텍스트 상자 101"/>
+          <p:cNvPr id="4" name="텍스트 상자 101"/>
           <p:cNvSpPr txBox="1">
             <a:spLocks/>
           </p:cNvSpPr>
@@ -5976,7 +8720,7 @@
       </p:sp>
       <p:sp>
         <p:nvSpPr>
-          <p:cNvPr id="6" name="텍스트 상자 102"/>
+          <p:cNvPr id="5" name="텍스트 상자 102"/>
           <p:cNvSpPr txBox="1">
             <a:spLocks/>
           </p:cNvSpPr>
@@ -6036,7 +8780,7 @@
       </p:sp>
       <p:sp>
         <p:nvSpPr>
-          <p:cNvPr id="7" name="텍스트 상자 110"/>
+          <p:cNvPr id="6" name="텍스트 상자 110"/>
           <p:cNvSpPr txBox="1">
             <a:spLocks/>
           </p:cNvSpPr>
@@ -6084,6 +8828,55 @@
               <a:t>rototype</a:t>
             </a:r>
             <a:endParaRPr lang="ko-KR" altLang="en-US" sz="4800" b="1" dirty="0">
+              <a:solidFill>
+                <a:schemeClr val="bg1"/>
+              </a:solidFill>
+              <a:latin typeface="Couture" charset="0"/>
+              <a:ea typeface="Couture" charset="0"/>
+            </a:endParaRPr>
+          </a:p>
+        </p:txBody>
+      </p:sp>
+      <p:sp>
+        <p:nvSpPr>
+          <p:cNvPr id="7" name="텍스트 상자 227"/>
+          <p:cNvSpPr txBox="1">
+            <a:spLocks/>
+          </p:cNvSpPr>
+          <p:nvPr/>
+        </p:nvSpPr>
+        <p:spPr>
+          <a:xfrm>
+            <a:off x="4734861" y="18732"/>
+            <a:ext cx="2893559" cy="708660"/>
+          </a:xfrm>
+          <a:prstGeom prst="rect">
+            <a:avLst/>
+          </a:prstGeom>
+          <a:noFill/>
+          <a:ln w="0">
+            <a:noFill/>
+            <a:prstDash/>
+          </a:ln>
+        </p:spPr>
+        <p:txBody>
+          <a:bodyPr vert="horz" wrap="square" lIns="89535" tIns="46355" rIns="89535" bIns="46355" anchor="t">
+            <a:spAutoFit/>
+          </a:bodyPr>
+          <a:lstStyle/>
+          <a:p>
+            <a:pPr marL="0" indent="0" algn="ctr" hangingPunct="1"/>
+            <a:r>
+              <a:rPr lang="en-US" altLang="ko-KR" sz="4000" dirty="0" smtClean="0">
+                <a:solidFill>
+                  <a:schemeClr val="bg1"/>
+                </a:solidFill>
+                <a:latin typeface="Couture" charset="0"/>
+                <a:ea typeface="Couture" charset="0"/>
+              </a:rPr>
+              <a:t>sub page</a:t>
+            </a:r>
+            <a:endParaRPr lang="ko-KR" altLang="en-US" sz="4000" dirty="0">
               <a:solidFill>
                 <a:schemeClr val="bg1"/>
               </a:solidFill>
@@ -6115,8 +8908,8 @@
         </p:blipFill>
         <p:spPr>
           <a:xfrm>
-            <a:off x="2404619" y="1026457"/>
-            <a:ext cx="3063119" cy="5396924"/>
+            <a:off x="2134874" y="1538557"/>
+            <a:ext cx="4237934" cy="3806890"/>
           </a:xfrm>
           <a:prstGeom prst="rect">
             <a:avLst/>
@@ -6145,67 +8938,18 @@
         </p:blipFill>
         <p:spPr>
           <a:xfrm>
-            <a:off x="6568067" y="1308335"/>
-            <a:ext cx="3928897" cy="4833167"/>
+            <a:off x="7203392" y="978075"/>
+            <a:ext cx="2905080" cy="5506701"/>
           </a:xfrm>
           <a:prstGeom prst="rect">
             <a:avLst/>
           </a:prstGeom>
         </p:spPr>
       </p:pic>
-      <p:sp>
-        <p:nvSpPr>
-          <p:cNvPr id="11" name="텍스트 상자 227"/>
-          <p:cNvSpPr txBox="1">
-            <a:spLocks/>
-          </p:cNvSpPr>
-          <p:nvPr/>
-        </p:nvSpPr>
-        <p:spPr>
-          <a:xfrm>
-            <a:off x="4669012" y="56165"/>
-            <a:ext cx="3230530" cy="708660"/>
-          </a:xfrm>
-          <a:prstGeom prst="rect">
-            <a:avLst/>
-          </a:prstGeom>
-          <a:noFill/>
-          <a:ln w="0">
-            <a:noFill/>
-            <a:prstDash/>
-          </a:ln>
-        </p:spPr>
-        <p:txBody>
-          <a:bodyPr vert="horz" wrap="square" lIns="89535" tIns="46355" rIns="89535" bIns="46355" anchor="t">
-            <a:spAutoFit/>
-          </a:bodyPr>
-          <a:lstStyle/>
-          <a:p>
-            <a:pPr marL="0" indent="0" algn="ctr" hangingPunct="1"/>
-            <a:r>
-              <a:rPr lang="en-US" altLang="ko-KR" sz="4000" dirty="0" smtClean="0">
-                <a:solidFill>
-                  <a:schemeClr val="bg1"/>
-                </a:solidFill>
-                <a:latin typeface="Couture" charset="0"/>
-                <a:ea typeface="Couture" charset="0"/>
-              </a:rPr>
-              <a:t>Main page</a:t>
-            </a:r>
-            <a:endParaRPr lang="ko-KR" altLang="en-US" sz="4000" dirty="0">
-              <a:solidFill>
-                <a:schemeClr val="bg1"/>
-              </a:solidFill>
-              <a:latin typeface="Couture" charset="0"/>
-              <a:ea typeface="Couture" charset="0"/>
-            </a:endParaRPr>
-          </a:p>
-        </p:txBody>
-      </p:sp>
     </p:spTree>
     <p:extLst>
       <p:ext uri="{BB962C8B-B14F-4D97-AF65-F5344CB8AC3E}">
-        <p14:creationId xmlns:p14="http://schemas.microsoft.com/office/powerpoint/2010/main" val="2189955622"/>
+        <p14:creationId xmlns:p14="http://schemas.microsoft.com/office/powerpoint/2010/main" val="2234478515"/>
       </p:ext>
     </p:extLst>
   </p:cSld>
@@ -6249,7 +8993,7 @@
       </p:grpSpPr>
       <p:sp>
         <p:nvSpPr>
-          <p:cNvPr id="4" name="텍스트 상자 101"/>
+          <p:cNvPr id="2" name="텍스트 상자 101"/>
           <p:cNvSpPr txBox="1">
             <a:spLocks/>
           </p:cNvSpPr>
@@ -6280,14 +9024,24 @@
           <a:p>
             <a:pPr marL="0" indent="0" algn="ctr" hangingPunct="1"/>
             <a:r>
-              <a:rPr lang="ko-KR" sz="8000" dirty="0">
+              <a:rPr lang="ko-KR" sz="8000" dirty="0" smtClean="0">
                 <a:solidFill>
                   <a:schemeClr val="bg1"/>
                 </a:solidFill>
                 <a:latin typeface="맑은 고딕" charset="0"/>
                 <a:ea typeface="맑은 고딕" charset="0"/>
               </a:rPr>
-              <a:t>01</a:t>
+              <a:t>0</a:t>
+            </a:r>
+            <a:r>
+              <a:rPr lang="en-US" altLang="ko-KR" sz="8000" dirty="0" smtClean="0">
+                <a:solidFill>
+                  <a:schemeClr val="bg1"/>
+                </a:solidFill>
+                <a:latin typeface="맑은 고딕" charset="0"/>
+                <a:ea typeface="맑은 고딕" charset="0"/>
+              </a:rPr>
+              <a:t>2</a:t>
             </a:r>
             <a:endParaRPr lang="ko-KR" altLang="en-US" sz="8000" dirty="0">
               <a:solidFill>
@@ -6301,7 +9055,7 @@
       </p:sp>
       <p:sp>
         <p:nvSpPr>
-          <p:cNvPr id="5" name="텍스트 상자 102"/>
+          <p:cNvPr id="3" name="텍스트 상자 102"/>
           <p:cNvSpPr txBox="1">
             <a:spLocks/>
           </p:cNvSpPr>
@@ -6310,7 +9064,7 @@
         <p:spPr>
           <a:xfrm>
             <a:off x="220980" y="1850390"/>
-            <a:ext cx="1083310" cy="1631315"/>
+            <a:ext cx="1083310" cy="3171381"/>
           </a:xfrm>
           <a:prstGeom prst="rect">
             <a:avLst/>
@@ -6330,24 +9084,14 @@
           <a:p>
             <a:pPr marL="0" indent="0" algn="ctr" hangingPunct="1"/>
             <a:r>
-              <a:rPr sz="5000" dirty="0">
+              <a:rPr lang="ko-KR" altLang="en-US" sz="5000" dirty="0" err="1" smtClean="0">
                 <a:solidFill>
                   <a:schemeClr val="bg1"/>
                 </a:solidFill>
                 <a:latin typeface="맑은 고딕" charset="0"/>
                 <a:ea typeface="맑은 고딕" charset="0"/>
               </a:rPr>
-              <a:t>기</a:t>
-            </a:r>
-            <a:r>
-              <a:rPr lang="ko-KR" sz="5000" dirty="0">
-                <a:solidFill>
-                  <a:schemeClr val="bg1"/>
-                </a:solidFill>
-                <a:latin typeface="맑은 고딕" charset="0"/>
-                <a:ea typeface="맑은 고딕" charset="0"/>
-              </a:rPr>
-              <a:t>획</a:t>
+              <a:t>화면구현</a:t>
             </a:r>
             <a:endParaRPr lang="ko-KR" altLang="en-US" sz="5000" dirty="0">
               <a:solidFill>
@@ -6361,7 +9105,7 @@
       </p:sp>
       <p:sp>
         <p:nvSpPr>
-          <p:cNvPr id="6" name="텍스트 상자 110"/>
+          <p:cNvPr id="4" name="텍스트 상자 110"/>
           <p:cNvSpPr txBox="1">
             <a:spLocks/>
           </p:cNvSpPr>
@@ -6369,8 +9113,8 @@
         </p:nvSpPr>
         <p:spPr>
           <a:xfrm>
-            <a:off x="11145520" y="71208"/>
-            <a:ext cx="872490" cy="6741589"/>
+            <a:off x="11145520" y="136525"/>
+            <a:ext cx="872490" cy="6556923"/>
           </a:xfrm>
           <a:prstGeom prst="rect">
             <a:avLst/>
@@ -6389,26 +9133,16 @@
           <a:p>
             <a:pPr marL="0" indent="0" algn="ctr" hangingPunct="1"/>
             <a:r>
-              <a:rPr lang="ko-KR" sz="4800" b="1" dirty="0" err="1" smtClean="0">
+              <a:rPr lang="en-US" altLang="ko-KR" sz="6000" b="1" dirty="0" smtClean="0">
                 <a:solidFill>
                   <a:schemeClr val="bg1"/>
                 </a:solidFill>
                 <a:latin typeface="Couture" charset="0"/>
                 <a:ea typeface="Couture" charset="0"/>
               </a:rPr>
-              <a:t>P</a:t>
-            </a:r>
-            <a:r>
-              <a:rPr lang="en-US" altLang="ko-KR" sz="4800" b="1" dirty="0" err="1" smtClean="0">
-                <a:solidFill>
-                  <a:schemeClr val="bg1"/>
-                </a:solidFill>
-                <a:latin typeface="Couture" charset="0"/>
-                <a:ea typeface="Couture" charset="0"/>
-              </a:rPr>
-              <a:t>rototype</a:t>
-            </a:r>
-            <a:endParaRPr lang="ko-KR" altLang="en-US" sz="4800" b="1" dirty="0">
+              <a:t>PREVIEW</a:t>
+            </a:r>
+            <a:endParaRPr lang="ko-KR" altLang="en-US" sz="6000" b="1" dirty="0">
               <a:solidFill>
                 <a:schemeClr val="bg1"/>
               </a:solidFill>
@@ -6418,58 +9152,9 @@
           </a:p>
         </p:txBody>
       </p:sp>
-      <p:sp>
-        <p:nvSpPr>
-          <p:cNvPr id="7" name="텍스트 상자 227"/>
-          <p:cNvSpPr txBox="1">
-            <a:spLocks/>
-          </p:cNvSpPr>
-          <p:nvPr/>
-        </p:nvSpPr>
-        <p:spPr>
-          <a:xfrm>
-            <a:off x="4734861" y="18732"/>
-            <a:ext cx="2893559" cy="708660"/>
-          </a:xfrm>
-          <a:prstGeom prst="rect">
-            <a:avLst/>
-          </a:prstGeom>
-          <a:noFill/>
-          <a:ln w="0">
-            <a:noFill/>
-            <a:prstDash/>
-          </a:ln>
-        </p:spPr>
-        <p:txBody>
-          <a:bodyPr vert="horz" wrap="square" lIns="89535" tIns="46355" rIns="89535" bIns="46355" anchor="t">
-            <a:spAutoFit/>
-          </a:bodyPr>
-          <a:lstStyle/>
-          <a:p>
-            <a:pPr marL="0" indent="0" algn="ctr" hangingPunct="1"/>
-            <a:r>
-              <a:rPr lang="en-US" altLang="ko-KR" sz="4000" dirty="0" smtClean="0">
-                <a:solidFill>
-                  <a:schemeClr val="bg1"/>
-                </a:solidFill>
-                <a:latin typeface="Couture" charset="0"/>
-                <a:ea typeface="Couture" charset="0"/>
-              </a:rPr>
-              <a:t>sub page</a:t>
-            </a:r>
-            <a:endParaRPr lang="ko-KR" altLang="en-US" sz="4000" dirty="0">
-              <a:solidFill>
-                <a:schemeClr val="bg1"/>
-              </a:solidFill>
-              <a:latin typeface="Couture" charset="0"/>
-              <a:ea typeface="Couture" charset="0"/>
-            </a:endParaRPr>
-          </a:p>
-        </p:txBody>
-      </p:sp>
       <p:pic>
         <p:nvPicPr>
-          <p:cNvPr id="8" name="그림 7"/>
+          <p:cNvPr id="6" name="그림 5"/>
           <p:cNvPicPr>
             <a:picLocks noChangeAspect="1"/>
           </p:cNvPicPr>
@@ -6489,8 +9174,8 @@
         </p:blipFill>
         <p:spPr>
           <a:xfrm>
-            <a:off x="2134874" y="1538557"/>
-            <a:ext cx="4237934" cy="3806890"/>
+            <a:off x="2955936" y="1389380"/>
+            <a:ext cx="2931106" cy="4441371"/>
           </a:xfrm>
           <a:prstGeom prst="rect">
             <a:avLst/>
@@ -6499,7 +9184,7 @@
       </p:pic>
       <p:pic>
         <p:nvPicPr>
-          <p:cNvPr id="9" name="그림 8"/>
+          <p:cNvPr id="7" name="그림 6"/>
           <p:cNvPicPr>
             <a:picLocks noChangeAspect="1"/>
           </p:cNvPicPr>
@@ -6519,18 +9204,67 @@
         </p:blipFill>
         <p:spPr>
           <a:xfrm>
-            <a:off x="7203392" y="978075"/>
-            <a:ext cx="2905080" cy="5506701"/>
+            <a:off x="6474338" y="1389380"/>
+            <a:ext cx="3201508" cy="4441371"/>
           </a:xfrm>
           <a:prstGeom prst="rect">
             <a:avLst/>
           </a:prstGeom>
         </p:spPr>
       </p:pic>
+      <p:sp>
+        <p:nvSpPr>
+          <p:cNvPr id="8" name="텍스트 상자 227"/>
+          <p:cNvSpPr txBox="1">
+            <a:spLocks/>
+          </p:cNvSpPr>
+          <p:nvPr/>
+        </p:nvSpPr>
+        <p:spPr>
+          <a:xfrm>
+            <a:off x="4669012" y="56165"/>
+            <a:ext cx="3230530" cy="708660"/>
+          </a:xfrm>
+          <a:prstGeom prst="rect">
+            <a:avLst/>
+          </a:prstGeom>
+          <a:noFill/>
+          <a:ln w="0">
+            <a:noFill/>
+            <a:prstDash/>
+          </a:ln>
+        </p:spPr>
+        <p:txBody>
+          <a:bodyPr vert="horz" wrap="square" lIns="89535" tIns="46355" rIns="89535" bIns="46355" anchor="t">
+            <a:spAutoFit/>
+          </a:bodyPr>
+          <a:lstStyle/>
+          <a:p>
+            <a:pPr marL="0" indent="0" algn="ctr" hangingPunct="1"/>
+            <a:r>
+              <a:rPr lang="en-US" altLang="ko-KR" sz="4000" dirty="0" smtClean="0">
+                <a:solidFill>
+                  <a:schemeClr val="bg1"/>
+                </a:solidFill>
+                <a:latin typeface="Couture" charset="0"/>
+                <a:ea typeface="Couture" charset="0"/>
+              </a:rPr>
+              <a:t>Main page</a:t>
+            </a:r>
+            <a:endParaRPr lang="ko-KR" altLang="en-US" sz="4000" dirty="0">
+              <a:solidFill>
+                <a:schemeClr val="bg1"/>
+              </a:solidFill>
+              <a:latin typeface="Couture" charset="0"/>
+              <a:ea typeface="Couture" charset="0"/>
+            </a:endParaRPr>
+          </a:p>
+        </p:txBody>
+      </p:sp>
     </p:spTree>
     <p:extLst>
       <p:ext uri="{BB962C8B-B14F-4D97-AF65-F5344CB8AC3E}">
-        <p14:creationId xmlns:p14="http://schemas.microsoft.com/office/powerpoint/2010/main" val="2234478515"/>
+        <p14:creationId xmlns:p14="http://schemas.microsoft.com/office/powerpoint/2010/main" val="1263240416"/>
       </p:ext>
     </p:extLst>
   </p:cSld>
@@ -6574,7 +9308,56 @@
       </p:grpSpPr>
       <p:sp>
         <p:nvSpPr>
-          <p:cNvPr id="2" name="텍스트 상자 101"/>
+          <p:cNvPr id="2" name="텍스트 상자 227"/>
+          <p:cNvSpPr txBox="1">
+            <a:spLocks/>
+          </p:cNvSpPr>
+          <p:nvPr/>
+        </p:nvSpPr>
+        <p:spPr>
+          <a:xfrm>
+            <a:off x="4930805" y="18224"/>
+            <a:ext cx="3261473" cy="709168"/>
+          </a:xfrm>
+          <a:prstGeom prst="rect">
+            <a:avLst/>
+          </a:prstGeom>
+          <a:noFill/>
+          <a:ln w="0">
+            <a:noFill/>
+            <a:prstDash/>
+          </a:ln>
+        </p:spPr>
+        <p:txBody>
+          <a:bodyPr vert="horz" wrap="square" lIns="89535" tIns="46355" rIns="89535" bIns="46355" anchor="t">
+            <a:spAutoFit/>
+          </a:bodyPr>
+          <a:lstStyle/>
+          <a:p>
+            <a:pPr marL="0" indent="0" algn="ctr" hangingPunct="1"/>
+            <a:r>
+              <a:rPr lang="en-US" altLang="ko-KR" sz="4000" b="1" dirty="0" smtClean="0">
+                <a:solidFill>
+                  <a:schemeClr val="bg1"/>
+                </a:solidFill>
+                <a:latin typeface="Couture" charset="0"/>
+                <a:ea typeface="Couture" charset="0"/>
+              </a:rPr>
+              <a:t>sub page 1</a:t>
+            </a:r>
+            <a:endParaRPr lang="ko-KR" altLang="en-US" sz="4000" b="1" dirty="0">
+              <a:solidFill>
+                <a:schemeClr val="bg1"/>
+              </a:solidFill>
+              <a:latin typeface="Couture" charset="0"/>
+              <a:ea typeface="Couture" charset="0"/>
+            </a:endParaRPr>
+          </a:p>
+        </p:txBody>
+      </p:sp>
+      <p:sp>
+        <p:nvSpPr>
+          <p:cNvPr id="3" name="텍스트 상자 101"/>
           <p:cNvSpPr txBox="1">
             <a:spLocks/>
           </p:cNvSpPr>
@@ -6636,7 +9419,7 @@
       </p:sp>
       <p:sp>
         <p:nvSpPr>
-          <p:cNvPr id="3" name="텍스트 상자 102"/>
+          <p:cNvPr id="4" name="텍스트 상자 102"/>
           <p:cNvSpPr txBox="1">
             <a:spLocks/>
           </p:cNvSpPr>
@@ -6686,7 +9469,7 @@
       </p:sp>
       <p:sp>
         <p:nvSpPr>
-          <p:cNvPr id="4" name="텍스트 상자 110"/>
+          <p:cNvPr id="5" name="텍스트 상자 110"/>
           <p:cNvSpPr txBox="1">
             <a:spLocks/>
           </p:cNvSpPr>
@@ -6742,7 +9525,7 @@
           <p:nvPr/>
         </p:nvPicPr>
         <p:blipFill>
-          <a:blip r:embed="rId2" cstate="print">
+          <a:blip r:embed="rId2">
             <a:extLst>
               <a:ext uri="{28A0092B-C50C-407E-A947-70E740481C1C}">
                 <a14:useLocalDpi xmlns:a14="http://schemas.microsoft.com/office/drawing/2010/main" val="0"/>
@@ -6755,97 +9538,18 @@
         </p:blipFill>
         <p:spPr>
           <a:xfrm>
-            <a:off x="2955936" y="1389380"/>
-            <a:ext cx="2931106" cy="4441371"/>
+            <a:off x="1722819" y="1152508"/>
+            <a:ext cx="9196571" cy="4912390"/>
           </a:xfrm>
           <a:prstGeom prst="rect">
             <a:avLst/>
           </a:prstGeom>
         </p:spPr>
       </p:pic>
-      <p:pic>
-        <p:nvPicPr>
-          <p:cNvPr id="7" name="그림 6"/>
-          <p:cNvPicPr>
-            <a:picLocks noChangeAspect="1"/>
-          </p:cNvPicPr>
-          <p:nvPr/>
-        </p:nvPicPr>
-        <p:blipFill>
-          <a:blip r:embed="rId3" cstate="print">
-            <a:extLst>
-              <a:ext uri="{28A0092B-C50C-407E-A947-70E740481C1C}">
-                <a14:useLocalDpi xmlns:a14="http://schemas.microsoft.com/office/drawing/2010/main" val="0"/>
-              </a:ext>
-            </a:extLst>
-          </a:blip>
-          <a:stretch>
-            <a:fillRect/>
-          </a:stretch>
-        </p:blipFill>
-        <p:spPr>
-          <a:xfrm>
-            <a:off x="6474338" y="1389380"/>
-            <a:ext cx="3201508" cy="4441371"/>
-          </a:xfrm>
-          <a:prstGeom prst="rect">
-            <a:avLst/>
-          </a:prstGeom>
-        </p:spPr>
-      </p:pic>
-      <p:sp>
-        <p:nvSpPr>
-          <p:cNvPr id="8" name="텍스트 상자 227"/>
-          <p:cNvSpPr txBox="1">
-            <a:spLocks/>
-          </p:cNvSpPr>
-          <p:nvPr/>
-        </p:nvSpPr>
-        <p:spPr>
-          <a:xfrm>
-            <a:off x="4669012" y="56165"/>
-            <a:ext cx="3230530" cy="708660"/>
-          </a:xfrm>
-          <a:prstGeom prst="rect">
-            <a:avLst/>
-          </a:prstGeom>
-          <a:noFill/>
-          <a:ln w="0">
-            <a:noFill/>
-            <a:prstDash/>
-          </a:ln>
-        </p:spPr>
-        <p:txBody>
-          <a:bodyPr vert="horz" wrap="square" lIns="89535" tIns="46355" rIns="89535" bIns="46355" anchor="t">
-            <a:spAutoFit/>
-          </a:bodyPr>
-          <a:lstStyle/>
-          <a:p>
-            <a:pPr marL="0" indent="0" algn="ctr" hangingPunct="1"/>
-            <a:r>
-              <a:rPr lang="en-US" altLang="ko-KR" sz="4000" dirty="0" smtClean="0">
-                <a:solidFill>
-                  <a:schemeClr val="bg1"/>
-                </a:solidFill>
-                <a:latin typeface="Couture" charset="0"/>
-                <a:ea typeface="Couture" charset="0"/>
-              </a:rPr>
-              <a:t>Main page</a:t>
-            </a:r>
-            <a:endParaRPr lang="ko-KR" altLang="en-US" sz="4000" dirty="0">
-              <a:solidFill>
-                <a:schemeClr val="bg1"/>
-              </a:solidFill>
-              <a:latin typeface="Couture" charset="0"/>
-              <a:ea typeface="Couture" charset="0"/>
-            </a:endParaRPr>
-          </a:p>
-        </p:txBody>
-      </p:sp>
     </p:spTree>
     <p:extLst>
       <p:ext uri="{BB962C8B-B14F-4D97-AF65-F5344CB8AC3E}">
-        <p14:creationId xmlns:p14="http://schemas.microsoft.com/office/powerpoint/2010/main" val="1263240416"/>
+        <p14:creationId xmlns:p14="http://schemas.microsoft.com/office/powerpoint/2010/main" val="3049357947"/>
       </p:ext>
     </p:extLst>
   </p:cSld>
@@ -6889,56 +9593,7 @@
       </p:grpSpPr>
       <p:sp>
         <p:nvSpPr>
-          <p:cNvPr id="2" name="텍스트 상자 227"/>
-          <p:cNvSpPr txBox="1">
-            <a:spLocks/>
-          </p:cNvSpPr>
-          <p:nvPr/>
-        </p:nvSpPr>
-        <p:spPr>
-          <a:xfrm>
-            <a:off x="4930805" y="18224"/>
-            <a:ext cx="3261473" cy="709168"/>
-          </a:xfrm>
-          <a:prstGeom prst="rect">
-            <a:avLst/>
-          </a:prstGeom>
-          <a:noFill/>
-          <a:ln w="0">
-            <a:noFill/>
-            <a:prstDash/>
-          </a:ln>
-        </p:spPr>
-        <p:txBody>
-          <a:bodyPr vert="horz" wrap="square" lIns="89535" tIns="46355" rIns="89535" bIns="46355" anchor="t">
-            <a:spAutoFit/>
-          </a:bodyPr>
-          <a:lstStyle/>
-          <a:p>
-            <a:pPr marL="0" indent="0" algn="ctr" hangingPunct="1"/>
-            <a:r>
-              <a:rPr lang="en-US" altLang="ko-KR" sz="4000" b="1" dirty="0" smtClean="0">
-                <a:solidFill>
-                  <a:schemeClr val="bg1"/>
-                </a:solidFill>
-                <a:latin typeface="Couture" charset="0"/>
-                <a:ea typeface="Couture" charset="0"/>
-              </a:rPr>
-              <a:t>sub page 1</a:t>
-            </a:r>
-            <a:endParaRPr lang="ko-KR" altLang="en-US" sz="4000" b="1" dirty="0">
-              <a:solidFill>
-                <a:schemeClr val="bg1"/>
-              </a:solidFill>
-              <a:latin typeface="Couture" charset="0"/>
-              <a:ea typeface="Couture" charset="0"/>
-            </a:endParaRPr>
-          </a:p>
-        </p:txBody>
-      </p:sp>
-      <p:sp>
-        <p:nvSpPr>
-          <p:cNvPr id="3" name="텍스트 상자 101"/>
+          <p:cNvPr id="2" name="텍스트 상자 101"/>
           <p:cNvSpPr txBox="1">
             <a:spLocks/>
           </p:cNvSpPr>
@@ -7000,7 +9655,7 @@
       </p:sp>
       <p:sp>
         <p:nvSpPr>
-          <p:cNvPr id="4" name="텍스트 상자 102"/>
+          <p:cNvPr id="3" name="텍스트 상자 102"/>
           <p:cNvSpPr txBox="1">
             <a:spLocks/>
           </p:cNvSpPr>
@@ -7050,7 +9705,7 @@
       </p:sp>
       <p:sp>
         <p:nvSpPr>
-          <p:cNvPr id="5" name="텍스트 상자 110"/>
+          <p:cNvPr id="4" name="텍스트 상자 110"/>
           <p:cNvSpPr txBox="1">
             <a:spLocks/>
           </p:cNvSpPr>
@@ -7097,6 +9752,55 @@
           </a:p>
         </p:txBody>
       </p:sp>
+      <p:sp>
+        <p:nvSpPr>
+          <p:cNvPr id="5" name="텍스트 상자 227"/>
+          <p:cNvSpPr txBox="1">
+            <a:spLocks/>
+          </p:cNvSpPr>
+          <p:nvPr/>
+        </p:nvSpPr>
+        <p:spPr>
+          <a:xfrm>
+            <a:off x="5000623" y="0"/>
+            <a:ext cx="3298796" cy="709168"/>
+          </a:xfrm>
+          <a:prstGeom prst="rect">
+            <a:avLst/>
+          </a:prstGeom>
+          <a:noFill/>
+          <a:ln w="0">
+            <a:noFill/>
+            <a:prstDash/>
+          </a:ln>
+        </p:spPr>
+        <p:txBody>
+          <a:bodyPr vert="horz" wrap="square" lIns="89535" tIns="46355" rIns="89535" bIns="46355" anchor="t">
+            <a:spAutoFit/>
+          </a:bodyPr>
+          <a:lstStyle/>
+          <a:p>
+            <a:pPr marL="0" indent="0" algn="ctr" hangingPunct="1"/>
+            <a:r>
+              <a:rPr lang="en-US" altLang="ko-KR" sz="4000" b="1" dirty="0" smtClean="0">
+                <a:solidFill>
+                  <a:schemeClr val="bg1"/>
+                </a:solidFill>
+                <a:latin typeface="Couture" charset="0"/>
+                <a:ea typeface="Couture" charset="0"/>
+              </a:rPr>
+              <a:t>sub page 2</a:t>
+            </a:r>
+            <a:endParaRPr lang="ko-KR" altLang="en-US" sz="4000" b="1" dirty="0">
+              <a:solidFill>
+                <a:schemeClr val="bg1"/>
+              </a:solidFill>
+              <a:latin typeface="Couture" charset="0"/>
+              <a:ea typeface="Couture" charset="0"/>
+            </a:endParaRPr>
+          </a:p>
+        </p:txBody>
+      </p:sp>
       <p:pic>
         <p:nvPicPr>
           <p:cNvPr id="6" name="그림 5"/>
@@ -7106,7 +9810,7 @@
           <p:nvPr/>
         </p:nvPicPr>
         <p:blipFill>
-          <a:blip r:embed="rId2">
+          <a:blip r:embed="rId2" cstate="print">
             <a:extLst>
               <a:ext uri="{28A0092B-C50C-407E-A947-70E740481C1C}">
                 <a14:useLocalDpi xmlns:a14="http://schemas.microsoft.com/office/drawing/2010/main" val="0"/>
@@ -7119,8 +9823,8 @@
         </p:blipFill>
         <p:spPr>
           <a:xfrm>
-            <a:off x="1722819" y="1152508"/>
-            <a:ext cx="9196571" cy="4912390"/>
+            <a:off x="4436382" y="1389380"/>
+            <a:ext cx="4166443" cy="5038923"/>
           </a:xfrm>
           <a:prstGeom prst="rect">
             <a:avLst/>
@@ -7130,7 +9834,7 @@
     </p:spTree>
     <p:extLst>
       <p:ext uri="{BB962C8B-B14F-4D97-AF65-F5344CB8AC3E}">
-        <p14:creationId xmlns:p14="http://schemas.microsoft.com/office/powerpoint/2010/main" val="3049357947"/>
+        <p14:creationId xmlns:p14="http://schemas.microsoft.com/office/powerpoint/2010/main" val="686760843"/>
       </p:ext>
     </p:extLst>
   </p:cSld>

--- a/Portfolio/CHANEL.pptx
+++ b/Portfolio/CHANEL.pptx
@@ -5,7 +5,7 @@
     <p:sldMasterId id="2147483720" r:id="rId1"/>
   </p:sldMasterIdLst>
   <p:notesMasterIdLst>
-    <p:notesMasterId r:id="rId15"/>
+    <p:notesMasterId r:id="rId14"/>
   </p:notesMasterIdLst>
   <p:sldIdLst>
     <p:sldId id="258" r:id="rId2"/>
@@ -16,11 +16,10 @@
     <p:sldId id="261" r:id="rId7"/>
     <p:sldId id="264" r:id="rId8"/>
     <p:sldId id="265" r:id="rId9"/>
-    <p:sldId id="266" r:id="rId10"/>
-    <p:sldId id="267" r:id="rId11"/>
-    <p:sldId id="268" r:id="rId12"/>
-    <p:sldId id="269" r:id="rId13"/>
-    <p:sldId id="270" r:id="rId14"/>
+    <p:sldId id="267" r:id="rId10"/>
+    <p:sldId id="268" r:id="rId11"/>
+    <p:sldId id="269" r:id="rId12"/>
+    <p:sldId id="270" r:id="rId13"/>
   </p:sldIdLst>
   <p:sldSz cx="12192000" cy="6858000"/>
   <p:notesSz cx="6858000" cy="9144000"/>
@@ -3324,6 +3323,14 @@
 <file path=ppt/slides/slide1.xml><?xml version="1.0" encoding="utf-8"?>
 <p:sld xmlns:a="http://schemas.openxmlformats.org/drawingml/2006/main" xmlns:r="http://schemas.openxmlformats.org/officeDocument/2006/relationships" xmlns:p="http://schemas.openxmlformats.org/presentationml/2006/main">
   <p:cSld>
+    <p:bg>
+      <p:bgPr>
+        <a:solidFill>
+          <a:schemeClr val="tx1"/>
+        </a:solidFill>
+        <a:effectLst/>
+      </p:bgPr>
+    </p:bg>
     <p:spTree>
       <p:nvGrpSpPr>
         <p:cNvPr id="1" name=""/>
@@ -3340,7 +3347,7 @@
       </p:grpSpPr>
       <p:pic>
         <p:nvPicPr>
-          <p:cNvPr id="3" name="그림 2"/>
+          <p:cNvPr id="2" name="그림 1"/>
           <p:cNvPicPr>
             <a:picLocks noChangeAspect="1"/>
           </p:cNvPicPr>
@@ -3360,14 +3367,121 @@
         </p:blipFill>
         <p:spPr>
           <a:xfrm>
-            <a:off x="0" y="-398584"/>
-            <a:ext cx="12192000" cy="7354276"/>
+            <a:off x="3908101" y="341994"/>
+            <a:ext cx="4711700" cy="5651500"/>
           </a:xfrm>
           <a:prstGeom prst="rect">
             <a:avLst/>
           </a:prstGeom>
         </p:spPr>
       </p:pic>
+      <p:sp>
+        <p:nvSpPr>
+          <p:cNvPr id="5" name="직사각형 4"/>
+          <p:cNvSpPr/>
+          <p:nvPr/>
+        </p:nvSpPr>
+        <p:spPr>
+          <a:xfrm>
+            <a:off x="5533053" y="3144416"/>
+            <a:ext cx="1436914" cy="1250302"/>
+          </a:xfrm>
+          <a:prstGeom prst="rect">
+            <a:avLst/>
+          </a:prstGeom>
+          <a:solidFill>
+            <a:schemeClr val="bg1"/>
+          </a:solidFill>
+          <a:ln>
+            <a:solidFill>
+              <a:schemeClr val="bg1"/>
+            </a:solidFill>
+          </a:ln>
+        </p:spPr>
+        <p:style>
+          <a:lnRef idx="2">
+            <a:schemeClr val="accent1">
+              <a:shade val="50000"/>
+            </a:schemeClr>
+          </a:lnRef>
+          <a:fillRef idx="1">
+            <a:schemeClr val="accent1"/>
+          </a:fillRef>
+          <a:effectRef idx="0">
+            <a:schemeClr val="accent1"/>
+          </a:effectRef>
+          <a:fontRef idx="minor">
+            <a:schemeClr val="lt1"/>
+          </a:fontRef>
+        </p:style>
+        <p:txBody>
+          <a:bodyPr rtlCol="0" anchor="ctr"/>
+          <a:lstStyle/>
+          <a:p>
+            <a:pPr algn="ctr"/>
+            <a:r>
+              <a:rPr lang="en-US" altLang="ko-KR" sz="1600" dirty="0" smtClean="0">
+                <a:solidFill>
+                  <a:schemeClr val="tx1"/>
+                </a:solidFill>
+                <a:latin typeface="Couture" panose="020B0804020202020204" pitchFamily="34" charset="0"/>
+              </a:rPr>
+              <a:t>Design</a:t>
+            </a:r>
+          </a:p>
+          <a:p>
+            <a:pPr algn="ctr"/>
+            <a:r>
+              <a:rPr lang="en-US" altLang="ko-KR" sz="1600" dirty="0" smtClean="0">
+                <a:solidFill>
+                  <a:schemeClr val="tx1"/>
+                </a:solidFill>
+                <a:latin typeface="Couture" panose="020B0804020202020204" pitchFamily="34" charset="0"/>
+              </a:rPr>
+              <a:t>the</a:t>
+            </a:r>
+          </a:p>
+          <a:p>
+            <a:pPr algn="ctr"/>
+            <a:r>
+              <a:rPr lang="en-US" altLang="ko-KR" sz="1600" dirty="0" smtClean="0">
+                <a:solidFill>
+                  <a:schemeClr val="tx1"/>
+                </a:solidFill>
+                <a:latin typeface="Couture" panose="020B0804020202020204" pitchFamily="34" charset="0"/>
+              </a:rPr>
+              <a:t>Chanel</a:t>
+            </a:r>
+          </a:p>
+          <a:p>
+            <a:pPr algn="ctr"/>
+            <a:endParaRPr lang="en-US" altLang="ko-KR" dirty="0" smtClean="0">
+              <a:solidFill>
+                <a:schemeClr val="tx1"/>
+              </a:solidFill>
+              <a:latin typeface="Couture" panose="020B0804020202020204" pitchFamily="34" charset="0"/>
+            </a:endParaRPr>
+          </a:p>
+          <a:p>
+            <a:pPr algn="ctr"/>
+            <a:r>
+              <a:rPr lang="en-US" altLang="ko-KR" sz="1000" dirty="0" smtClean="0">
+                <a:solidFill>
+                  <a:schemeClr val="tx1"/>
+                </a:solidFill>
+                <a:latin typeface="Couture" panose="020B0804020202020204" pitchFamily="34" charset="0"/>
+              </a:rPr>
+              <a:t>The process</a:t>
+            </a:r>
+            <a:endParaRPr lang="ko-KR" altLang="en-US" sz="1000" dirty="0">
+              <a:solidFill>
+                <a:schemeClr val="tx1"/>
+              </a:solidFill>
+              <a:latin typeface="Couture" panose="020B0804020202020204" pitchFamily="34" charset="0"/>
+            </a:endParaRPr>
+          </a:p>
+        </p:txBody>
+      </p:sp>
     </p:spTree>
     <p:extLst>
       <p:ext uri="{BB962C8B-B14F-4D97-AF65-F5344CB8AC3E}">
@@ -3415,7 +3529,86 @@
       </p:grpSpPr>
       <p:sp>
         <p:nvSpPr>
-          <p:cNvPr id="2" name="텍스트 상자 101"/>
+          <p:cNvPr id="2" name="텍스트 상자 227"/>
+          <p:cNvSpPr txBox="1">
+            <a:spLocks/>
+          </p:cNvSpPr>
+          <p:nvPr/>
+        </p:nvSpPr>
+        <p:spPr>
+          <a:xfrm>
+            <a:off x="5000623" y="0"/>
+            <a:ext cx="2939728" cy="709168"/>
+          </a:xfrm>
+          <a:prstGeom prst="rect">
+            <a:avLst/>
+          </a:prstGeom>
+          <a:noFill/>
+          <a:ln w="0">
+            <a:noFill/>
+            <a:prstDash/>
+          </a:ln>
+        </p:spPr>
+        <p:txBody>
+          <a:bodyPr vert="horz" wrap="square" lIns="89535" tIns="46355" rIns="89535" bIns="46355" anchor="t">
+            <a:spAutoFit/>
+          </a:bodyPr>
+          <a:lstStyle/>
+          <a:p>
+            <a:pPr marL="0" indent="0" algn="ctr" hangingPunct="1"/>
+            <a:r>
+              <a:rPr lang="en-US" altLang="ko-KR" sz="4000" b="1" dirty="0" smtClean="0">
+                <a:solidFill>
+                  <a:schemeClr val="bg1"/>
+                </a:solidFill>
+                <a:latin typeface="+mj-ea"/>
+                <a:ea typeface="+mj-ea"/>
+              </a:rPr>
+              <a:t>(</a:t>
+            </a:r>
+            <a:r>
+              <a:rPr lang="en-US" altLang="ko-KR" sz="4000" b="1" dirty="0" smtClean="0">
+                <a:solidFill>
+                  <a:schemeClr val="bg1"/>
+                </a:solidFill>
+                <a:latin typeface="Couture" panose="020B0804020202020204" pitchFamily="34" charset="0"/>
+                <a:ea typeface="+mj-ea"/>
+              </a:rPr>
+              <a:t>sub</a:t>
+            </a:r>
+            <a:r>
+              <a:rPr lang="en-US" altLang="ko-KR" sz="4000" b="1" dirty="0" smtClean="0">
+                <a:solidFill>
+                  <a:schemeClr val="bg1"/>
+                </a:solidFill>
+                <a:latin typeface="+mj-ea"/>
+                <a:ea typeface="+mj-ea"/>
+              </a:rPr>
+              <a:t>).</a:t>
+            </a:r>
+            <a:r>
+              <a:rPr lang="en-US" altLang="ko-KR" sz="4000" b="1" dirty="0" smtClean="0">
+                <a:solidFill>
+                  <a:schemeClr val="bg1"/>
+                </a:solidFill>
+                <a:latin typeface="Couture" panose="020B0804020202020204" pitchFamily="34" charset="0"/>
+                <a:ea typeface="+mj-ea"/>
+              </a:rPr>
+              <a:t>pro</a:t>
+            </a:r>
+            <a:endParaRPr lang="ko-KR" altLang="en-US" sz="4000" b="1" dirty="0">
+              <a:solidFill>
+                <a:schemeClr val="bg1"/>
+              </a:solidFill>
+              <a:latin typeface="Couture" panose="020B0804020202020204" pitchFamily="34" charset="0"/>
+              <a:ea typeface="+mj-ea"/>
+            </a:endParaRPr>
+          </a:p>
+        </p:txBody>
+      </p:sp>
+      <p:sp>
+        <p:nvSpPr>
+          <p:cNvPr id="3" name="텍스트 상자 101"/>
           <p:cNvSpPr txBox="1">
             <a:spLocks/>
           </p:cNvSpPr>
@@ -3477,7 +3670,7 @@
       </p:sp>
       <p:sp>
         <p:nvSpPr>
-          <p:cNvPr id="3" name="텍스트 상자 102"/>
+          <p:cNvPr id="4" name="텍스트 상자 102"/>
           <p:cNvSpPr txBox="1">
             <a:spLocks/>
           </p:cNvSpPr>
@@ -3506,7 +3699,7 @@
           <a:p>
             <a:pPr marL="0" indent="0" algn="ctr" hangingPunct="1"/>
             <a:r>
-              <a:rPr lang="ko-KR" altLang="en-US" sz="5000" dirty="0" err="1" smtClean="0">
+              <a:rPr lang="ko-KR" altLang="en-US" sz="5000" b="1" dirty="0" err="1" smtClean="0">
                 <a:solidFill>
                   <a:schemeClr val="bg1"/>
                 </a:solidFill>
@@ -3515,7 +3708,7 @@
               </a:rPr>
               <a:t>화면구현</a:t>
             </a:r>
-            <a:endParaRPr lang="ko-KR" altLang="en-US" sz="5000" dirty="0">
+            <a:endParaRPr lang="ko-KR" altLang="en-US" sz="5000" b="1" dirty="0">
               <a:solidFill>
                 <a:schemeClr val="bg1"/>
               </a:solidFill>
@@ -3527,7 +3720,7 @@
       </p:sp>
       <p:sp>
         <p:nvSpPr>
-          <p:cNvPr id="4" name="텍스트 상자 110"/>
+          <p:cNvPr id="5" name="텍스트 상자 110"/>
           <p:cNvSpPr txBox="1">
             <a:spLocks/>
           </p:cNvSpPr>
@@ -3570,85 +3763,6 @@
               </a:solidFill>
               <a:latin typeface="Couture" charset="0"/>
               <a:ea typeface="Couture" charset="0"/>
-            </a:endParaRPr>
-          </a:p>
-        </p:txBody>
-      </p:sp>
-      <p:sp>
-        <p:nvSpPr>
-          <p:cNvPr id="5" name="텍스트 상자 227"/>
-          <p:cNvSpPr txBox="1">
-            <a:spLocks/>
-          </p:cNvSpPr>
-          <p:nvPr/>
-        </p:nvSpPr>
-        <p:spPr>
-          <a:xfrm>
-            <a:off x="5000623" y="0"/>
-            <a:ext cx="2939728" cy="709168"/>
-          </a:xfrm>
-          <a:prstGeom prst="rect">
-            <a:avLst/>
-          </a:prstGeom>
-          <a:noFill/>
-          <a:ln w="0">
-            <a:noFill/>
-            <a:prstDash/>
-          </a:ln>
-        </p:spPr>
-        <p:txBody>
-          <a:bodyPr vert="horz" wrap="square" lIns="89535" tIns="46355" rIns="89535" bIns="46355" anchor="t">
-            <a:spAutoFit/>
-          </a:bodyPr>
-          <a:lstStyle/>
-          <a:p>
-            <a:pPr marL="0" indent="0" algn="ctr" hangingPunct="1"/>
-            <a:r>
-              <a:rPr lang="en-US" altLang="ko-KR" sz="4000" b="1" dirty="0" smtClean="0">
-                <a:solidFill>
-                  <a:schemeClr val="bg1"/>
-                </a:solidFill>
-                <a:latin typeface="+mj-ea"/>
-                <a:ea typeface="+mj-ea"/>
-              </a:rPr>
-              <a:t>(</a:t>
-            </a:r>
-            <a:r>
-              <a:rPr lang="en-US" altLang="ko-KR" sz="4000" b="1" dirty="0" smtClean="0">
-                <a:solidFill>
-                  <a:schemeClr val="bg1"/>
-                </a:solidFill>
-                <a:latin typeface="Couture" panose="020B0804020202020204" pitchFamily="34" charset="0"/>
-                <a:ea typeface="+mj-ea"/>
-              </a:rPr>
-              <a:t>sub</a:t>
-            </a:r>
-            <a:r>
-              <a:rPr lang="en-US" altLang="ko-KR" sz="4000" b="1" dirty="0" smtClean="0">
-                <a:solidFill>
-                  <a:schemeClr val="bg1"/>
-                </a:solidFill>
-                <a:latin typeface="+mj-ea"/>
-                <a:ea typeface="+mj-ea"/>
-              </a:rPr>
-              <a:t>).</a:t>
-            </a:r>
-            <a:r>
-              <a:rPr lang="en-US" altLang="ko-KR" sz="4000" b="1" dirty="0" smtClean="0">
-                <a:solidFill>
-                  <a:schemeClr val="bg1"/>
-                </a:solidFill>
-                <a:latin typeface="Couture" panose="020B0804020202020204" pitchFamily="34" charset="0"/>
-                <a:ea typeface="+mj-ea"/>
-              </a:rPr>
-              <a:t>pro</a:t>
-            </a:r>
-            <a:endParaRPr lang="ko-KR" altLang="en-US" sz="4000" b="1" dirty="0">
-              <a:solidFill>
-                <a:schemeClr val="bg1"/>
-              </a:solidFill>
-              <a:latin typeface="Couture" panose="020B0804020202020204" pitchFamily="34" charset="0"/>
-              <a:ea typeface="+mj-ea"/>
             </a:endParaRPr>
           </a:p>
         </p:txBody>
@@ -3675,8 +3789,8 @@
         </p:blipFill>
         <p:spPr>
           <a:xfrm>
-            <a:off x="2953936" y="1682439"/>
-            <a:ext cx="6625913" cy="1137783"/>
+            <a:off x="1799279" y="1510080"/>
+            <a:ext cx="1653048" cy="1823362"/>
           </a:xfrm>
           <a:prstGeom prst="rect">
             <a:avLst/>
@@ -3688,167 +3802,16 @@
           </a:ln>
         </p:spPr>
       </p:pic>
-      <p:sp>
-        <p:nvSpPr>
-          <p:cNvPr id="8" name="액자 7"/>
-          <p:cNvSpPr/>
-          <p:nvPr/>
-        </p:nvSpPr>
-        <p:spPr>
-          <a:xfrm>
-            <a:off x="3006461" y="1691769"/>
-            <a:ext cx="6531429" cy="1069657"/>
-          </a:xfrm>
-          <a:prstGeom prst="frame">
-            <a:avLst>
-              <a:gd name="adj1" fmla="val 3928"/>
-            </a:avLst>
-          </a:prstGeom>
-          <a:solidFill>
-            <a:srgbClr val="FF0000"/>
-          </a:solidFill>
-        </p:spPr>
-        <p:style>
-          <a:lnRef idx="2">
-            <a:schemeClr val="accent1">
-              <a:shade val="50000"/>
-            </a:schemeClr>
-          </a:lnRef>
-          <a:fillRef idx="1">
-            <a:schemeClr val="accent1"/>
-          </a:fillRef>
-          <a:effectRef idx="0">
-            <a:schemeClr val="accent1"/>
-          </a:effectRef>
-          <a:fontRef idx="minor">
-            <a:schemeClr val="lt1"/>
-          </a:fontRef>
-        </p:style>
-        <p:txBody>
-          <a:bodyPr rtlCol="0" anchor="ctr"/>
-          <a:lstStyle/>
-          <a:p>
-            <a:pPr algn="ctr"/>
-            <a:endParaRPr lang="ko-KR" altLang="en-US">
-              <a:solidFill>
-                <a:schemeClr val="tx1"/>
-              </a:solidFill>
-            </a:endParaRPr>
-          </a:p>
-        </p:txBody>
-      </p:sp>
-      <p:sp>
-        <p:nvSpPr>
-          <p:cNvPr id="9" name="텍스트 상자 175"/>
-          <p:cNvSpPr txBox="1">
-            <a:spLocks/>
-          </p:cNvSpPr>
-          <p:nvPr/>
-        </p:nvSpPr>
-        <p:spPr>
-          <a:xfrm>
-            <a:off x="1816941" y="1244698"/>
-            <a:ext cx="5535581" cy="247504"/>
-          </a:xfrm>
-          <a:prstGeom prst="rect">
-            <a:avLst/>
-          </a:prstGeom>
-          <a:noFill/>
-          <a:ln w="3175" cap="flat" cmpd="sng">
-            <a:solidFill>
-              <a:schemeClr val="bg1"/>
-            </a:solidFill>
-            <a:prstDash val="solid"/>
-            <a:round/>
-          </a:ln>
-        </p:spPr>
-        <p:txBody>
-          <a:bodyPr vert="horz" wrap="square" lIns="89535" tIns="46355" rIns="89535" bIns="46355" anchor="t">
-            <a:spAutoFit/>
-          </a:bodyPr>
-          <a:lstStyle/>
-          <a:p>
-            <a:pPr marL="0" indent="0" algn="l" hangingPunct="1"/>
-            <a:r>
-              <a:rPr lang="ko-KR" altLang="en-US" sz="1000" b="1" dirty="0" smtClean="0">
-                <a:solidFill>
-                  <a:schemeClr val="bg1"/>
-                </a:solidFill>
-                <a:latin typeface="맑은 고딕" charset="0"/>
-                <a:ea typeface="맑은 고딕" charset="0"/>
-              </a:rPr>
-              <a:t>상품 이미지 클릭 시에 각 상품에 대한 </a:t>
-            </a:r>
-            <a:r>
-              <a:rPr lang="ko-KR" altLang="en-US" sz="1000" b="1" dirty="0" err="1" smtClean="0">
-                <a:solidFill>
-                  <a:schemeClr val="bg1"/>
-                </a:solidFill>
-                <a:latin typeface="맑은 고딕" charset="0"/>
-                <a:ea typeface="맑은 고딕" charset="0"/>
-              </a:rPr>
-              <a:t>구매창과</a:t>
-            </a:r>
-            <a:r>
-              <a:rPr lang="ko-KR" altLang="en-US" sz="1000" b="1" dirty="0" smtClean="0">
-                <a:solidFill>
-                  <a:schemeClr val="bg1"/>
-                </a:solidFill>
-                <a:latin typeface="맑은 고딕" charset="0"/>
-                <a:ea typeface="맑은 고딕" charset="0"/>
-              </a:rPr>
-              <a:t> </a:t>
-            </a:r>
-            <a:r>
-              <a:rPr lang="ko-KR" altLang="en-US" sz="1000" b="1" dirty="0" smtClean="0">
-                <a:solidFill>
-                  <a:schemeClr val="bg1"/>
-                </a:solidFill>
-                <a:latin typeface="맑은 고딕" charset="0"/>
-                <a:ea typeface="맑은 고딕" charset="0"/>
-              </a:rPr>
-              <a:t>상세 페이지로 </a:t>
-            </a:r>
-            <a:r>
-              <a:rPr lang="ko-KR" altLang="en-US" sz="1000" b="1" dirty="0" smtClean="0">
-                <a:solidFill>
-                  <a:schemeClr val="bg1"/>
-                </a:solidFill>
-                <a:latin typeface="맑은 고딕" charset="0"/>
-                <a:ea typeface="맑은 고딕" charset="0"/>
-              </a:rPr>
-              <a:t>변경되도록 구현하였습니다</a:t>
-            </a:r>
-            <a:r>
-              <a:rPr lang="en-US" altLang="ko-KR" sz="1000" b="1" dirty="0" smtClean="0">
-                <a:solidFill>
-                  <a:schemeClr val="bg1"/>
-                </a:solidFill>
-                <a:latin typeface="맑은 고딕" charset="0"/>
-                <a:ea typeface="맑은 고딕" charset="0"/>
-              </a:rPr>
-              <a:t>.</a:t>
-            </a:r>
-            <a:endParaRPr lang="ko-KR" altLang="en-US" sz="1000" b="1" dirty="0">
-              <a:solidFill>
-                <a:schemeClr val="bg1"/>
-              </a:solidFill>
-              <a:latin typeface="맑은 고딕" charset="0"/>
-              <a:ea typeface="맑은 고딕" charset="0"/>
-            </a:endParaRPr>
-          </a:p>
-        </p:txBody>
-      </p:sp>
       <p:pic>
         <p:nvPicPr>
-          <p:cNvPr id="10" name="그림 9"/>
+          <p:cNvPr id="7" name="그림 6"/>
           <p:cNvPicPr>
             <a:picLocks noChangeAspect="1"/>
           </p:cNvPicPr>
           <p:nvPr/>
         </p:nvPicPr>
         <p:blipFill>
-          <a:blip r:embed="rId3" cstate="print">
+          <a:blip r:embed="rId3">
             <a:extLst>
               <a:ext uri="{28A0092B-C50C-407E-A947-70E740481C1C}">
                 <a14:useLocalDpi xmlns:a14="http://schemas.microsoft.com/office/drawing/2010/main" val="0"/>
@@ -3861,24 +3824,29 @@
         </p:blipFill>
         <p:spPr>
           <a:xfrm>
-            <a:off x="3295960" y="3793493"/>
-            <a:ext cx="3030305" cy="1684998"/>
-          </a:xfrm>
-          <a:prstGeom prst="rect">
-            <a:avLst/>
-          </a:prstGeom>
+            <a:off x="4097551" y="1510080"/>
+            <a:ext cx="1650108" cy="1823362"/>
+          </a:xfrm>
+          <a:prstGeom prst="rect">
+            <a:avLst/>
+          </a:prstGeom>
+          <a:ln>
+            <a:solidFill>
+              <a:schemeClr val="bg1"/>
+            </a:solidFill>
+          </a:ln>
         </p:spPr>
       </p:pic>
       <p:pic>
         <p:nvPicPr>
-          <p:cNvPr id="11" name="그림 10"/>
+          <p:cNvPr id="8" name="그림 7"/>
           <p:cNvPicPr>
             <a:picLocks noChangeAspect="1"/>
           </p:cNvPicPr>
           <p:nvPr/>
         </p:nvPicPr>
         <p:blipFill>
-          <a:blip r:embed="rId4" cstate="print">
+          <a:blip r:embed="rId4">
             <a:extLst>
               <a:ext uri="{28A0092B-C50C-407E-A947-70E740481C1C}">
                 <a14:useLocalDpi xmlns:a14="http://schemas.microsoft.com/office/drawing/2010/main" val="0"/>
@@ -3891,18 +3859,269 @@
         </p:blipFill>
         <p:spPr>
           <a:xfrm>
-            <a:off x="6942562" y="3281047"/>
-            <a:ext cx="1927872" cy="3139780"/>
-          </a:xfrm>
-          <a:prstGeom prst="rect">
-            <a:avLst/>
-          </a:prstGeom>
+            <a:off x="6429620" y="1510080"/>
+            <a:ext cx="1650108" cy="1823362"/>
+          </a:xfrm>
+          <a:prstGeom prst="rect">
+            <a:avLst/>
+          </a:prstGeom>
+          <a:ln>
+            <a:solidFill>
+              <a:schemeClr val="bg1"/>
+            </a:solidFill>
+          </a:ln>
         </p:spPr>
       </p:pic>
+      <p:pic>
+        <p:nvPicPr>
+          <p:cNvPr id="9" name="그림 8"/>
+          <p:cNvPicPr>
+            <a:picLocks noChangeAspect="1"/>
+          </p:cNvPicPr>
+          <p:nvPr/>
+        </p:nvPicPr>
+        <p:blipFill>
+          <a:blip r:embed="rId5">
+            <a:extLst>
+              <a:ext uri="{28A0092B-C50C-407E-A947-70E740481C1C}">
+                <a14:useLocalDpi xmlns:a14="http://schemas.microsoft.com/office/drawing/2010/main" val="0"/>
+              </a:ext>
+            </a:extLst>
+          </a:blip>
+          <a:stretch>
+            <a:fillRect/>
+          </a:stretch>
+        </p:blipFill>
+        <p:spPr>
+          <a:xfrm>
+            <a:off x="8820641" y="1510080"/>
+            <a:ext cx="1667940" cy="1846948"/>
+          </a:xfrm>
+          <a:prstGeom prst="rect">
+            <a:avLst/>
+          </a:prstGeom>
+          <a:ln>
+            <a:solidFill>
+              <a:schemeClr val="bg1"/>
+            </a:solidFill>
+          </a:ln>
+        </p:spPr>
+      </p:pic>
+      <p:pic>
+        <p:nvPicPr>
+          <p:cNvPr id="10" name="그림 9"/>
+          <p:cNvPicPr>
+            <a:picLocks noChangeAspect="1"/>
+          </p:cNvPicPr>
+          <p:nvPr/>
+        </p:nvPicPr>
+        <p:blipFill>
+          <a:blip r:embed="rId6"/>
+          <a:stretch>
+            <a:fillRect/>
+          </a:stretch>
+        </p:blipFill>
+        <p:spPr>
+          <a:xfrm>
+            <a:off x="1799279" y="3879207"/>
+            <a:ext cx="1653048" cy="1878559"/>
+          </a:xfrm>
+          <a:prstGeom prst="rect">
+            <a:avLst/>
+          </a:prstGeom>
+          <a:ln>
+            <a:solidFill>
+              <a:schemeClr val="bg1"/>
+            </a:solidFill>
+          </a:ln>
+        </p:spPr>
+      </p:pic>
+      <p:pic>
+        <p:nvPicPr>
+          <p:cNvPr id="11" name="그림 10"/>
+          <p:cNvPicPr>
+            <a:picLocks noChangeAspect="1"/>
+          </p:cNvPicPr>
+          <p:nvPr/>
+        </p:nvPicPr>
+        <p:blipFill>
+          <a:blip r:embed="rId7"/>
+          <a:stretch>
+            <a:fillRect/>
+          </a:stretch>
+        </p:blipFill>
+        <p:spPr>
+          <a:xfrm>
+            <a:off x="4097551" y="3879207"/>
+            <a:ext cx="1653048" cy="1823362"/>
+          </a:xfrm>
+          <a:prstGeom prst="rect">
+            <a:avLst/>
+          </a:prstGeom>
+          <a:solidFill>
+            <a:schemeClr val="bg1"/>
+          </a:solidFill>
+          <a:ln>
+            <a:solidFill>
+              <a:schemeClr val="bg1"/>
+            </a:solidFill>
+          </a:ln>
+        </p:spPr>
+      </p:pic>
+      <p:pic>
+        <p:nvPicPr>
+          <p:cNvPr id="12" name="그림 11"/>
+          <p:cNvPicPr>
+            <a:picLocks noChangeAspect="1"/>
+          </p:cNvPicPr>
+          <p:nvPr/>
+        </p:nvPicPr>
+        <p:blipFill>
+          <a:blip r:embed="rId8"/>
+          <a:stretch>
+            <a:fillRect/>
+          </a:stretch>
+        </p:blipFill>
+        <p:spPr>
+          <a:xfrm>
+            <a:off x="6426680" y="3855622"/>
+            <a:ext cx="1653048" cy="1846947"/>
+          </a:xfrm>
+          <a:prstGeom prst="rect">
+            <a:avLst/>
+          </a:prstGeom>
+          <a:ln>
+            <a:solidFill>
+              <a:schemeClr val="bg1"/>
+            </a:solidFill>
+          </a:ln>
+        </p:spPr>
+      </p:pic>
+      <p:pic>
+        <p:nvPicPr>
+          <p:cNvPr id="13" name="그림 12"/>
+          <p:cNvPicPr>
+            <a:picLocks noChangeAspect="1"/>
+          </p:cNvPicPr>
+          <p:nvPr/>
+        </p:nvPicPr>
+        <p:blipFill>
+          <a:blip r:embed="rId9"/>
+          <a:stretch>
+            <a:fillRect/>
+          </a:stretch>
+        </p:blipFill>
+        <p:spPr>
+          <a:xfrm>
+            <a:off x="8820641" y="3855622"/>
+            <a:ext cx="1653048" cy="1823362"/>
+          </a:xfrm>
+          <a:prstGeom prst="rect">
+            <a:avLst/>
+          </a:prstGeom>
+          <a:ln>
+            <a:solidFill>
+              <a:schemeClr val="bg1"/>
+            </a:solidFill>
+          </a:ln>
+        </p:spPr>
+      </p:pic>
+      <p:sp>
+        <p:nvSpPr>
+          <p:cNvPr id="14" name="텍스트 상자 175"/>
+          <p:cNvSpPr txBox="1">
+            <a:spLocks/>
+          </p:cNvSpPr>
+          <p:nvPr/>
+        </p:nvSpPr>
+        <p:spPr>
+          <a:xfrm>
+            <a:off x="3452327" y="6179779"/>
+            <a:ext cx="5273816" cy="247504"/>
+          </a:xfrm>
+          <a:prstGeom prst="rect">
+            <a:avLst/>
+          </a:prstGeom>
+          <a:noFill/>
+          <a:ln w="3175" cap="flat" cmpd="sng">
+            <a:solidFill>
+              <a:schemeClr val="bg1"/>
+            </a:solidFill>
+            <a:prstDash val="solid"/>
+            <a:round/>
+          </a:ln>
+        </p:spPr>
+        <p:txBody>
+          <a:bodyPr vert="horz" wrap="square" lIns="89535" tIns="46355" rIns="89535" bIns="46355" anchor="t">
+            <a:spAutoFit/>
+          </a:bodyPr>
+          <a:lstStyle/>
+          <a:p>
+            <a:pPr marL="0" indent="0" algn="l" hangingPunct="1"/>
+            <a:r>
+              <a:rPr lang="ko-KR" altLang="en-US" sz="1000" b="1" dirty="0" smtClean="0">
+                <a:solidFill>
+                  <a:schemeClr val="bg1"/>
+                </a:solidFill>
+                <a:latin typeface="맑은 고딕" charset="0"/>
+                <a:ea typeface="맑은 고딕" charset="0"/>
+              </a:rPr>
+              <a:t>각 상품 이미지에 </a:t>
+            </a:r>
+            <a:r>
+              <a:rPr lang="en-US" altLang="ko-KR" sz="1000" b="1" dirty="0" err="1" smtClean="0">
+                <a:solidFill>
+                  <a:schemeClr val="bg1"/>
+                </a:solidFill>
+                <a:latin typeface="맑은 고딕" charset="0"/>
+                <a:ea typeface="맑은 고딕" charset="0"/>
+              </a:rPr>
+              <a:t>JQurry</a:t>
+            </a:r>
+            <a:r>
+              <a:rPr lang="ko-KR" altLang="en-US" sz="1000" b="1" dirty="0" smtClean="0">
+                <a:solidFill>
+                  <a:schemeClr val="bg1"/>
+                </a:solidFill>
+                <a:latin typeface="맑은 고딕" charset="0"/>
+                <a:ea typeface="맑은 고딕" charset="0"/>
+              </a:rPr>
+              <a:t>를 </a:t>
+            </a:r>
+            <a:r>
+              <a:rPr lang="ko-KR" altLang="en-US" sz="1000" b="1" dirty="0" smtClean="0">
+                <a:solidFill>
+                  <a:schemeClr val="bg1"/>
+                </a:solidFill>
+                <a:latin typeface="맑은 고딕" charset="0"/>
+                <a:ea typeface="맑은 고딕" charset="0"/>
+              </a:rPr>
+              <a:t>적용시켜 이미지 클릭 시 페이지가 바뀌도록 구현하였습니다</a:t>
+            </a:r>
+            <a:r>
+              <a:rPr lang="en-US" altLang="ko-KR" sz="1000" b="1" dirty="0" smtClean="0">
+                <a:solidFill>
+                  <a:schemeClr val="bg1"/>
+                </a:solidFill>
+                <a:latin typeface="맑은 고딕" charset="0"/>
+                <a:ea typeface="맑은 고딕" charset="0"/>
+              </a:rPr>
+              <a:t>.</a:t>
+            </a:r>
+            <a:endParaRPr lang="ko-KR" altLang="en-US" sz="1000" b="1" dirty="0">
+              <a:solidFill>
+                <a:schemeClr val="bg1"/>
+              </a:solidFill>
+              <a:latin typeface="맑은 고딕" charset="0"/>
+              <a:ea typeface="맑은 고딕" charset="0"/>
+            </a:endParaRPr>
+          </a:p>
+        </p:txBody>
+      </p:sp>
     </p:spTree>
     <p:extLst>
       <p:ext uri="{BB962C8B-B14F-4D97-AF65-F5344CB8AC3E}">
-        <p14:creationId xmlns:p14="http://schemas.microsoft.com/office/powerpoint/2010/main" val="535969465"/>
+        <p14:creationId xmlns:p14="http://schemas.microsoft.com/office/powerpoint/2010/main" val="2373004903"/>
       </p:ext>
     </p:extLst>
   </p:cSld>
@@ -3946,86 +4165,7 @@
       </p:grpSpPr>
       <p:sp>
         <p:nvSpPr>
-          <p:cNvPr id="2" name="텍스트 상자 227"/>
-          <p:cNvSpPr txBox="1">
-            <a:spLocks/>
-          </p:cNvSpPr>
-          <p:nvPr/>
-        </p:nvSpPr>
-        <p:spPr>
-          <a:xfrm>
-            <a:off x="5000623" y="0"/>
-            <a:ext cx="2939728" cy="709168"/>
-          </a:xfrm>
-          <a:prstGeom prst="rect">
-            <a:avLst/>
-          </a:prstGeom>
-          <a:noFill/>
-          <a:ln w="0">
-            <a:noFill/>
-            <a:prstDash/>
-          </a:ln>
-        </p:spPr>
-        <p:txBody>
-          <a:bodyPr vert="horz" wrap="square" lIns="89535" tIns="46355" rIns="89535" bIns="46355" anchor="t">
-            <a:spAutoFit/>
-          </a:bodyPr>
-          <a:lstStyle/>
-          <a:p>
-            <a:pPr marL="0" indent="0" algn="ctr" hangingPunct="1"/>
-            <a:r>
-              <a:rPr lang="en-US" altLang="ko-KR" sz="4000" b="1" dirty="0" smtClean="0">
-                <a:solidFill>
-                  <a:schemeClr val="bg1"/>
-                </a:solidFill>
-                <a:latin typeface="+mj-ea"/>
-                <a:ea typeface="+mj-ea"/>
-              </a:rPr>
-              <a:t>(</a:t>
-            </a:r>
-            <a:r>
-              <a:rPr lang="en-US" altLang="ko-KR" sz="4000" b="1" dirty="0" smtClean="0">
-                <a:solidFill>
-                  <a:schemeClr val="bg1"/>
-                </a:solidFill>
-                <a:latin typeface="Couture" panose="020B0804020202020204" pitchFamily="34" charset="0"/>
-                <a:ea typeface="+mj-ea"/>
-              </a:rPr>
-              <a:t>sub</a:t>
-            </a:r>
-            <a:r>
-              <a:rPr lang="en-US" altLang="ko-KR" sz="4000" b="1" dirty="0" smtClean="0">
-                <a:solidFill>
-                  <a:schemeClr val="bg1"/>
-                </a:solidFill>
-                <a:latin typeface="+mj-ea"/>
-                <a:ea typeface="+mj-ea"/>
-              </a:rPr>
-              <a:t>).</a:t>
-            </a:r>
-            <a:r>
-              <a:rPr lang="en-US" altLang="ko-KR" sz="4000" b="1" dirty="0" smtClean="0">
-                <a:solidFill>
-                  <a:schemeClr val="bg1"/>
-                </a:solidFill>
-                <a:latin typeface="Couture" panose="020B0804020202020204" pitchFamily="34" charset="0"/>
-                <a:ea typeface="+mj-ea"/>
-              </a:rPr>
-              <a:t>pro</a:t>
-            </a:r>
-            <a:endParaRPr lang="ko-KR" altLang="en-US" sz="4000" b="1" dirty="0">
-              <a:solidFill>
-                <a:schemeClr val="bg1"/>
-              </a:solidFill>
-              <a:latin typeface="Couture" panose="020B0804020202020204" pitchFamily="34" charset="0"/>
-              <a:ea typeface="+mj-ea"/>
-            </a:endParaRPr>
-          </a:p>
-        </p:txBody>
-      </p:sp>
-      <p:sp>
-        <p:nvSpPr>
-          <p:cNvPr id="3" name="텍스트 상자 101"/>
+          <p:cNvPr id="2" name="텍스트 상자 101"/>
           <p:cNvSpPr txBox="1">
             <a:spLocks/>
           </p:cNvSpPr>
@@ -4087,7 +4227,7 @@
       </p:sp>
       <p:sp>
         <p:nvSpPr>
-          <p:cNvPr id="4" name="텍스트 상자 102"/>
+          <p:cNvPr id="3" name="텍스트 상자 102"/>
           <p:cNvSpPr txBox="1">
             <a:spLocks/>
           </p:cNvSpPr>
@@ -4116,7 +4256,7 @@
           <a:p>
             <a:pPr marL="0" indent="0" algn="ctr" hangingPunct="1"/>
             <a:r>
-              <a:rPr lang="ko-KR" altLang="en-US" sz="5000" dirty="0" err="1" smtClean="0">
+              <a:rPr lang="ko-KR" altLang="en-US" sz="5000" b="1" dirty="0" err="1" smtClean="0">
                 <a:solidFill>
                   <a:schemeClr val="bg1"/>
                 </a:solidFill>
@@ -4125,7 +4265,7 @@
               </a:rPr>
               <a:t>화면구현</a:t>
             </a:r>
-            <a:endParaRPr lang="ko-KR" altLang="en-US" sz="5000" dirty="0">
+            <a:endParaRPr lang="ko-KR" altLang="en-US" sz="5000" b="1" dirty="0">
               <a:solidFill>
                 <a:schemeClr val="bg1"/>
               </a:solidFill>
@@ -4184,9 +4324,58 @@
           </a:p>
         </p:txBody>
       </p:sp>
+      <p:sp>
+        <p:nvSpPr>
+          <p:cNvPr id="6" name="텍스트 상자 227"/>
+          <p:cNvSpPr txBox="1">
+            <a:spLocks/>
+          </p:cNvSpPr>
+          <p:nvPr/>
+        </p:nvSpPr>
+        <p:spPr>
+          <a:xfrm>
+            <a:off x="5000623" y="0"/>
+            <a:ext cx="2939728" cy="709168"/>
+          </a:xfrm>
+          <a:prstGeom prst="rect">
+            <a:avLst/>
+          </a:prstGeom>
+          <a:noFill/>
+          <a:ln w="0">
+            <a:noFill/>
+            <a:prstDash/>
+          </a:ln>
+        </p:spPr>
+        <p:txBody>
+          <a:bodyPr vert="horz" wrap="square" lIns="89535" tIns="46355" rIns="89535" bIns="46355" anchor="t">
+            <a:spAutoFit/>
+          </a:bodyPr>
+          <a:lstStyle/>
+          <a:p>
+            <a:pPr marL="0" indent="0" algn="ctr" hangingPunct="1"/>
+            <a:r>
+              <a:rPr lang="en-US" altLang="ko-KR" sz="4000" b="1" dirty="0" smtClean="0">
+                <a:solidFill>
+                  <a:schemeClr val="bg1"/>
+                </a:solidFill>
+                <a:latin typeface="Couture" panose="020B0804020202020204" pitchFamily="34" charset="0"/>
+                <a:ea typeface="+mj-ea"/>
+              </a:rPr>
+              <a:t>COMMON</a:t>
+            </a:r>
+            <a:endParaRPr lang="ko-KR" altLang="en-US" sz="4000" b="1" dirty="0">
+              <a:solidFill>
+                <a:schemeClr val="bg1"/>
+              </a:solidFill>
+              <a:latin typeface="Couture" panose="020B0804020202020204" pitchFamily="34" charset="0"/>
+              <a:ea typeface="+mj-ea"/>
+            </a:endParaRPr>
+          </a:p>
+        </p:txBody>
+      </p:sp>
       <p:pic>
         <p:nvPicPr>
-          <p:cNvPr id="6" name="그림 5"/>
+          <p:cNvPr id="7" name="그림 6"/>
           <p:cNvPicPr>
             <a:picLocks noChangeAspect="1"/>
           </p:cNvPicPr>
@@ -4206,22 +4395,17 @@
         </p:blipFill>
         <p:spPr>
           <a:xfrm>
-            <a:off x="1799279" y="1510080"/>
-            <a:ext cx="1653048" cy="1823362"/>
-          </a:xfrm>
-          <a:prstGeom prst="rect">
-            <a:avLst/>
-          </a:prstGeom>
-          <a:ln>
-            <a:solidFill>
-              <a:schemeClr val="bg1"/>
-            </a:solidFill>
-          </a:ln>
+            <a:off x="2233166" y="2791894"/>
+            <a:ext cx="1817334" cy="417495"/>
+          </a:xfrm>
+          <a:prstGeom prst="rect">
+            <a:avLst/>
+          </a:prstGeom>
         </p:spPr>
       </p:pic>
       <p:pic>
         <p:nvPicPr>
-          <p:cNvPr id="7" name="그림 6"/>
+          <p:cNvPr id="8" name="그림 7"/>
           <p:cNvPicPr>
             <a:picLocks noChangeAspect="1"/>
           </p:cNvPicPr>
@@ -4241,22 +4425,17 @@
         </p:blipFill>
         <p:spPr>
           <a:xfrm>
-            <a:off x="4097551" y="1510080"/>
-            <a:ext cx="1650108" cy="1823362"/>
-          </a:xfrm>
-          <a:prstGeom prst="rect">
-            <a:avLst/>
-          </a:prstGeom>
-          <a:ln>
-            <a:solidFill>
-              <a:schemeClr val="bg1"/>
-            </a:solidFill>
-          </a:ln>
+            <a:off x="5366082" y="2744914"/>
+            <a:ext cx="1817334" cy="417494"/>
+          </a:xfrm>
+          <a:prstGeom prst="rect">
+            <a:avLst/>
+          </a:prstGeom>
         </p:spPr>
       </p:pic>
       <p:pic>
         <p:nvPicPr>
-          <p:cNvPr id="8" name="그림 7"/>
+          <p:cNvPr id="9" name="그림 8"/>
           <p:cNvPicPr>
             <a:picLocks noChangeAspect="1"/>
           </p:cNvPicPr>
@@ -4276,22 +4455,17 @@
         </p:blipFill>
         <p:spPr>
           <a:xfrm>
-            <a:off x="6429620" y="1510080"/>
-            <a:ext cx="1650108" cy="1823362"/>
-          </a:xfrm>
-          <a:prstGeom prst="rect">
-            <a:avLst/>
-          </a:prstGeom>
-          <a:ln>
-            <a:solidFill>
-              <a:schemeClr val="bg1"/>
-            </a:solidFill>
-          </a:ln>
+            <a:off x="1629059" y="3570226"/>
+            <a:ext cx="2400171" cy="900064"/>
+          </a:xfrm>
+          <a:prstGeom prst="rect">
+            <a:avLst/>
+          </a:prstGeom>
         </p:spPr>
       </p:pic>
       <p:pic>
         <p:nvPicPr>
-          <p:cNvPr id="9" name="그림 8"/>
+          <p:cNvPr id="10" name="그림 9"/>
           <p:cNvPicPr>
             <a:picLocks noChangeAspect="1"/>
           </p:cNvPicPr>
@@ -4311,46 +4485,12 @@
         </p:blipFill>
         <p:spPr>
           <a:xfrm>
-            <a:off x="8820641" y="1510080"/>
-            <a:ext cx="1667940" cy="1846948"/>
-          </a:xfrm>
-          <a:prstGeom prst="rect">
-            <a:avLst/>
-          </a:prstGeom>
-          <a:ln>
-            <a:solidFill>
-              <a:schemeClr val="bg1"/>
-            </a:solidFill>
-          </a:ln>
-        </p:spPr>
-      </p:pic>
-      <p:pic>
-        <p:nvPicPr>
-          <p:cNvPr id="10" name="그림 9"/>
-          <p:cNvPicPr>
-            <a:picLocks noChangeAspect="1"/>
-          </p:cNvPicPr>
-          <p:nvPr/>
-        </p:nvPicPr>
-        <p:blipFill>
-          <a:blip r:embed="rId6"/>
-          <a:stretch>
-            <a:fillRect/>
-          </a:stretch>
-        </p:blipFill>
-        <p:spPr>
-          <a:xfrm>
-            <a:off x="1799279" y="3879207"/>
-            <a:ext cx="1653048" cy="1878559"/>
-          </a:xfrm>
-          <a:prstGeom prst="rect">
-            <a:avLst/>
-          </a:prstGeom>
-          <a:ln>
-            <a:solidFill>
-              <a:schemeClr val="bg1"/>
-            </a:solidFill>
-          </a:ln>
+            <a:off x="5377710" y="3583603"/>
+            <a:ext cx="2400171" cy="886687"/>
+          </a:xfrm>
+          <a:prstGeom prst="rect">
+            <a:avLst/>
+          </a:prstGeom>
         </p:spPr>
       </p:pic>
       <p:pic>
@@ -4362,27 +4502,25 @@
           <p:nvPr/>
         </p:nvPicPr>
         <p:blipFill>
-          <a:blip r:embed="rId7"/>
+          <a:blip r:embed="rId6">
+            <a:extLst>
+              <a:ext uri="{28A0092B-C50C-407E-A947-70E740481C1C}">
+                <a14:useLocalDpi xmlns:a14="http://schemas.microsoft.com/office/drawing/2010/main" val="0"/>
+              </a:ext>
+            </a:extLst>
+          </a:blip>
           <a:stretch>
             <a:fillRect/>
           </a:stretch>
         </p:blipFill>
         <p:spPr>
           <a:xfrm>
-            <a:off x="4097551" y="3879207"/>
-            <a:ext cx="1653048" cy="1823362"/>
-          </a:xfrm>
-          <a:prstGeom prst="rect">
-            <a:avLst/>
-          </a:prstGeom>
-          <a:solidFill>
-            <a:schemeClr val="bg1"/>
-          </a:solidFill>
-          <a:ln>
-            <a:solidFill>
-              <a:schemeClr val="bg1"/>
-            </a:solidFill>
-          </a:ln>
+            <a:off x="1687641" y="1264776"/>
+            <a:ext cx="5884967" cy="328500"/>
+          </a:xfrm>
+          <a:prstGeom prst="rect">
+            <a:avLst/>
+          </a:prstGeom>
         </p:spPr>
       </p:pic>
       <p:pic>
@@ -4394,6 +4532,144 @@
           <p:nvPr/>
         </p:nvPicPr>
         <p:blipFill>
+          <a:blip r:embed="rId7">
+            <a:extLst>
+              <a:ext uri="{28A0092B-C50C-407E-A947-70E740481C1C}">
+                <a14:useLocalDpi xmlns:a14="http://schemas.microsoft.com/office/drawing/2010/main" val="0"/>
+              </a:ext>
+            </a:extLst>
+          </a:blip>
+          <a:stretch>
+            <a:fillRect/>
+          </a:stretch>
+        </p:blipFill>
+        <p:spPr>
+          <a:xfrm>
+            <a:off x="1682879" y="2069424"/>
+            <a:ext cx="5889729" cy="294933"/>
+          </a:xfrm>
+          <a:prstGeom prst="rect">
+            <a:avLst/>
+          </a:prstGeom>
+        </p:spPr>
+      </p:pic>
+      <p:cxnSp>
+        <p:nvCxnSpPr>
+          <p:cNvPr id="14" name="직선 화살표 연결선 13"/>
+          <p:cNvCxnSpPr/>
+          <p:nvPr/>
+        </p:nvCxnSpPr>
+        <p:spPr>
+          <a:xfrm>
+            <a:off x="4354337" y="3963434"/>
+            <a:ext cx="676177" cy="0"/>
+          </a:xfrm>
+          <a:prstGeom prst="straightConnector1">
+            <a:avLst/>
+          </a:prstGeom>
+          <a:ln>
+            <a:solidFill>
+              <a:schemeClr val="bg1"/>
+            </a:solidFill>
+            <a:tailEnd type="triangle"/>
+          </a:ln>
+        </p:spPr>
+        <p:style>
+          <a:lnRef idx="1">
+            <a:schemeClr val="accent1"/>
+          </a:lnRef>
+          <a:fillRef idx="0">
+            <a:schemeClr val="accent1"/>
+          </a:fillRef>
+          <a:effectRef idx="0">
+            <a:schemeClr val="accent1"/>
+          </a:effectRef>
+          <a:fontRef idx="minor">
+            <a:schemeClr val="tx1"/>
+          </a:fontRef>
+        </p:style>
+      </p:cxnSp>
+      <p:cxnSp>
+        <p:nvCxnSpPr>
+          <p:cNvPr id="15" name="직선 화살표 연결선 14"/>
+          <p:cNvCxnSpPr/>
+          <p:nvPr/>
+        </p:nvCxnSpPr>
+        <p:spPr>
+          <a:xfrm>
+            <a:off x="4342708" y="2953661"/>
+            <a:ext cx="676177" cy="0"/>
+          </a:xfrm>
+          <a:prstGeom prst="straightConnector1">
+            <a:avLst/>
+          </a:prstGeom>
+          <a:ln>
+            <a:solidFill>
+              <a:schemeClr val="bg1"/>
+            </a:solidFill>
+            <a:tailEnd type="triangle"/>
+          </a:ln>
+        </p:spPr>
+        <p:style>
+          <a:lnRef idx="1">
+            <a:schemeClr val="accent1"/>
+          </a:lnRef>
+          <a:fillRef idx="0">
+            <a:schemeClr val="accent1"/>
+          </a:fillRef>
+          <a:effectRef idx="0">
+            <a:schemeClr val="accent1"/>
+          </a:effectRef>
+          <a:fontRef idx="minor">
+            <a:schemeClr val="tx1"/>
+          </a:fontRef>
+        </p:style>
+      </p:cxnSp>
+      <p:cxnSp>
+        <p:nvCxnSpPr>
+          <p:cNvPr id="17" name="직선 화살표 연결선 16"/>
+          <p:cNvCxnSpPr/>
+          <p:nvPr/>
+        </p:nvCxnSpPr>
+        <p:spPr>
+          <a:xfrm>
+            <a:off x="4821366" y="1723215"/>
+            <a:ext cx="0" cy="223934"/>
+          </a:xfrm>
+          <a:prstGeom prst="straightConnector1">
+            <a:avLst/>
+          </a:prstGeom>
+          <a:ln>
+            <a:solidFill>
+              <a:schemeClr val="bg1"/>
+            </a:solidFill>
+            <a:tailEnd type="triangle"/>
+          </a:ln>
+        </p:spPr>
+        <p:style>
+          <a:lnRef idx="1">
+            <a:schemeClr val="accent1"/>
+          </a:lnRef>
+          <a:fillRef idx="0">
+            <a:schemeClr val="accent1"/>
+          </a:fillRef>
+          <a:effectRef idx="0">
+            <a:schemeClr val="accent1"/>
+          </a:effectRef>
+          <a:fontRef idx="minor">
+            <a:schemeClr val="tx1"/>
+          </a:fontRef>
+        </p:style>
+      </p:cxnSp>
+      <p:pic>
+        <p:nvPicPr>
+          <p:cNvPr id="18" name="그림 17"/>
+          <p:cNvPicPr>
+            <a:picLocks noChangeAspect="1"/>
+          </p:cNvPicPr>
+          <p:nvPr/>
+        </p:nvPicPr>
+        <p:blipFill>
           <a:blip r:embed="rId8"/>
           <a:stretch>
             <a:fillRect/>
@@ -4401,8 +4677,8 @@
         </p:blipFill>
         <p:spPr>
           <a:xfrm>
-            <a:off x="6426680" y="3855622"/>
-            <a:ext cx="1653048" cy="1846947"/>
+            <a:off x="2815356" y="5029130"/>
+            <a:ext cx="3657600" cy="161925"/>
           </a:xfrm>
           <a:prstGeom prst="rect">
             <a:avLst/>
@@ -4416,7 +4692,7 @@
       </p:pic>
       <p:pic>
         <p:nvPicPr>
-          <p:cNvPr id="13" name="그림 12"/>
+          <p:cNvPr id="20" name="그림 19"/>
           <p:cNvPicPr>
             <a:picLocks noChangeAspect="1"/>
           </p:cNvPicPr>
@@ -4430,8 +4706,8 @@
         </p:blipFill>
         <p:spPr>
           <a:xfrm>
-            <a:off x="8820641" y="3855622"/>
-            <a:ext cx="1653048" cy="1823362"/>
+            <a:off x="2815550" y="5413268"/>
+            <a:ext cx="3619500" cy="200025"/>
           </a:xfrm>
           <a:prstGeom prst="rect">
             <a:avLst/>
@@ -4443,9 +4719,38 @@
           </a:ln>
         </p:spPr>
       </p:pic>
-      <p:sp>
-        <p:nvSpPr>
-          <p:cNvPr id="14" name="텍스트 상자 175"/>
+      <p:pic>
+        <p:nvPicPr>
+          <p:cNvPr id="21" name="그림 20"/>
+          <p:cNvPicPr>
+            <a:picLocks noChangeAspect="1"/>
+          </p:cNvPicPr>
+          <p:nvPr/>
+        </p:nvPicPr>
+        <p:blipFill>
+          <a:blip r:embed="rId10"/>
+          <a:stretch>
+            <a:fillRect/>
+          </a:stretch>
+        </p:blipFill>
+        <p:spPr>
+          <a:xfrm>
+            <a:off x="3141833" y="5829353"/>
+            <a:ext cx="2809875" cy="209550"/>
+          </a:xfrm>
+          <a:prstGeom prst="rect">
+            <a:avLst/>
+          </a:prstGeom>
+          <a:ln>
+            <a:solidFill>
+              <a:schemeClr val="bg1"/>
+            </a:solidFill>
+          </a:ln>
+        </p:spPr>
+      </p:pic>
+      <p:sp>
+        <p:nvSpPr>
+          <p:cNvPr id="26" name="텍스트 상자 175"/>
           <p:cNvSpPr txBox="1">
             <a:spLocks/>
           </p:cNvSpPr>
@@ -4453,8 +4758,8 @@
         </p:nvSpPr>
         <p:spPr>
           <a:xfrm>
-            <a:off x="3452327" y="6179779"/>
-            <a:ext cx="5273816" cy="247504"/>
+            <a:off x="2705666" y="6290031"/>
+            <a:ext cx="3839268" cy="247504"/>
           </a:xfrm>
           <a:prstGeom prst="rect">
             <a:avLst/>
@@ -4483,27 +4788,7 @@
                 <a:latin typeface="맑은 고딕" charset="0"/>
                 <a:ea typeface="맑은 고딕" charset="0"/>
               </a:rPr>
-              <a:t>각 상품 이미지에 </a:t>
-            </a:r>
-            <a:r>
-              <a:rPr lang="en-US" altLang="ko-KR" sz="1000" b="1" dirty="0" smtClean="0">
-                <a:solidFill>
-                  <a:schemeClr val="bg1"/>
-                </a:solidFill>
-                <a:latin typeface="맑은 고딕" charset="0"/>
-                <a:ea typeface="맑은 고딕" charset="0"/>
-              </a:rPr>
-              <a:t>J script</a:t>
-            </a:r>
-            <a:r>
-              <a:rPr lang="ko-KR" altLang="en-US" sz="1000" b="1" dirty="0" smtClean="0">
-                <a:solidFill>
-                  <a:schemeClr val="bg1"/>
-                </a:solidFill>
-                <a:latin typeface="맑은 고딕" charset="0"/>
-                <a:ea typeface="맑은 고딕" charset="0"/>
-              </a:rPr>
-              <a:t>를 적용시켜 이미지 클릭 시 페이지가 바뀌도록 구현하였습니다</a:t>
+              <a:t>각 부분에 마우스 오버 시 이펙트가 변경되도록 구현하였습니다</a:t>
             </a:r>
             <a:r>
               <a:rPr lang="en-US" altLang="ko-KR" sz="1000" b="1" dirty="0" smtClean="0">
@@ -4525,10 +4810,240 @@
           </a:p>
         </p:txBody>
       </p:sp>
+      <p:sp>
+        <p:nvSpPr>
+          <p:cNvPr id="29" name="직사각형 28"/>
+          <p:cNvSpPr/>
+          <p:nvPr/>
+        </p:nvSpPr>
+        <p:spPr>
+          <a:xfrm>
+            <a:off x="7897715" y="1270686"/>
+            <a:ext cx="3332161" cy="4342607"/>
+          </a:xfrm>
+          <a:prstGeom prst="rect">
+            <a:avLst/>
+          </a:prstGeom>
+          <a:solidFill>
+            <a:schemeClr val="tx1"/>
+          </a:solidFill>
+          <a:ln>
+            <a:solidFill>
+              <a:schemeClr val="bg1"/>
+            </a:solidFill>
+          </a:ln>
+        </p:spPr>
+        <p:style>
+          <a:lnRef idx="2">
+            <a:schemeClr val="accent1">
+              <a:shade val="50000"/>
+            </a:schemeClr>
+          </a:lnRef>
+          <a:fillRef idx="1">
+            <a:schemeClr val="accent1"/>
+          </a:fillRef>
+          <a:effectRef idx="0">
+            <a:schemeClr val="accent1"/>
+          </a:effectRef>
+          <a:fontRef idx="minor">
+            <a:schemeClr val="lt1"/>
+          </a:fontRef>
+        </p:style>
+        <p:txBody>
+          <a:bodyPr rtlCol="0" anchor="ctr"/>
+          <a:lstStyle/>
+          <a:p>
+            <a:pPr algn="ctr"/>
+            <a:endParaRPr lang="ko-KR" altLang="en-US"/>
+          </a:p>
+        </p:txBody>
+      </p:sp>
+      <p:pic>
+        <p:nvPicPr>
+          <p:cNvPr id="30" name="그림 29"/>
+          <p:cNvPicPr>
+            <a:picLocks noChangeAspect="1"/>
+          </p:cNvPicPr>
+          <p:nvPr/>
+        </p:nvPicPr>
+        <p:blipFill>
+          <a:blip r:embed="rId11">
+            <a:extLst>
+              <a:ext uri="{28A0092B-C50C-407E-A947-70E740481C1C}">
+                <a14:useLocalDpi xmlns:a14="http://schemas.microsoft.com/office/drawing/2010/main" val="0"/>
+              </a:ext>
+            </a:extLst>
+          </a:blip>
+          <a:stretch>
+            <a:fillRect/>
+          </a:stretch>
+        </p:blipFill>
+        <p:spPr>
+          <a:xfrm>
+            <a:off x="8371101" y="2069424"/>
+            <a:ext cx="2381250" cy="466725"/>
+          </a:xfrm>
+          <a:prstGeom prst="rect">
+            <a:avLst/>
+          </a:prstGeom>
+        </p:spPr>
+      </p:pic>
+      <p:pic>
+        <p:nvPicPr>
+          <p:cNvPr id="31" name="그림 30"/>
+          <p:cNvPicPr>
+            <a:picLocks noChangeAspect="1"/>
+          </p:cNvPicPr>
+          <p:nvPr/>
+        </p:nvPicPr>
+        <p:blipFill>
+          <a:blip r:embed="rId12">
+            <a:extLst>
+              <a:ext uri="{28A0092B-C50C-407E-A947-70E740481C1C}">
+                <a14:useLocalDpi xmlns:a14="http://schemas.microsoft.com/office/drawing/2010/main" val="0"/>
+              </a:ext>
+            </a:extLst>
+          </a:blip>
+          <a:stretch>
+            <a:fillRect/>
+          </a:stretch>
+        </p:blipFill>
+        <p:spPr>
+          <a:xfrm>
+            <a:off x="8273626" y="3263770"/>
+            <a:ext cx="2486025" cy="475269"/>
+          </a:xfrm>
+          <a:prstGeom prst="rect">
+            <a:avLst/>
+          </a:prstGeom>
+        </p:spPr>
+      </p:pic>
+      <p:cxnSp>
+        <p:nvCxnSpPr>
+          <p:cNvPr id="32" name="직선 화살표 연결선 31"/>
+          <p:cNvCxnSpPr/>
+          <p:nvPr/>
+        </p:nvCxnSpPr>
+        <p:spPr>
+          <a:xfrm>
+            <a:off x="9561726" y="2666968"/>
+            <a:ext cx="0" cy="406900"/>
+          </a:xfrm>
+          <a:prstGeom prst="straightConnector1">
+            <a:avLst/>
+          </a:prstGeom>
+          <a:ln>
+            <a:solidFill>
+              <a:schemeClr val="bg1"/>
+            </a:solidFill>
+            <a:tailEnd type="triangle"/>
+          </a:ln>
+        </p:spPr>
+        <p:style>
+          <a:lnRef idx="1">
+            <a:schemeClr val="accent1"/>
+          </a:lnRef>
+          <a:fillRef idx="0">
+            <a:schemeClr val="accent1"/>
+          </a:fillRef>
+          <a:effectRef idx="0">
+            <a:schemeClr val="accent1"/>
+          </a:effectRef>
+          <a:fontRef idx="minor">
+            <a:schemeClr val="tx1"/>
+          </a:fontRef>
+        </p:style>
+      </p:cxnSp>
+      <p:sp>
+        <p:nvSpPr>
+          <p:cNvPr id="33" name="텍스트 상자 175"/>
+          <p:cNvSpPr txBox="1">
+            <a:spLocks/>
+          </p:cNvSpPr>
+          <p:nvPr/>
+        </p:nvSpPr>
+        <p:spPr>
+          <a:xfrm>
+            <a:off x="7967329" y="4909396"/>
+            <a:ext cx="3192553" cy="401392"/>
+          </a:xfrm>
+          <a:prstGeom prst="rect">
+            <a:avLst/>
+          </a:prstGeom>
+          <a:noFill/>
+          <a:ln w="3175" cap="flat" cmpd="sng">
+            <a:solidFill>
+              <a:schemeClr val="bg1"/>
+            </a:solidFill>
+            <a:prstDash val="solid"/>
+            <a:round/>
+          </a:ln>
+        </p:spPr>
+        <p:txBody>
+          <a:bodyPr vert="horz" wrap="square" lIns="89535" tIns="46355" rIns="89535" bIns="46355" anchor="t">
+            <a:spAutoFit/>
+          </a:bodyPr>
+          <a:lstStyle/>
+          <a:p>
+            <a:pPr marL="0" indent="0" algn="l" hangingPunct="1"/>
+            <a:r>
+              <a:rPr lang="ko-KR" altLang="en-US" sz="1000" b="1" dirty="0" smtClean="0">
+                <a:solidFill>
+                  <a:schemeClr val="bg1"/>
+                </a:solidFill>
+                <a:latin typeface="맑은 고딕" charset="0"/>
+                <a:ea typeface="맑은 고딕" charset="0"/>
+              </a:rPr>
+              <a:t>검색 창을 클릭 시 검색 창이 확대되는 애니메이션을 추가하였습니다</a:t>
+            </a:r>
+            <a:r>
+              <a:rPr lang="en-US" altLang="ko-KR" sz="1000" b="1" dirty="0" smtClean="0">
+                <a:solidFill>
+                  <a:schemeClr val="bg1"/>
+                </a:solidFill>
+                <a:latin typeface="맑은 고딕" charset="0"/>
+                <a:ea typeface="맑은 고딕" charset="0"/>
+              </a:rPr>
+              <a:t>.</a:t>
+            </a:r>
+            <a:endParaRPr lang="ko-KR" altLang="en-US" sz="1000" b="1" dirty="0">
+              <a:solidFill>
+                <a:schemeClr val="bg1"/>
+              </a:solidFill>
+              <a:latin typeface="맑은 고딕" charset="0"/>
+              <a:ea typeface="맑은 고딕" charset="0"/>
+            </a:endParaRPr>
+          </a:p>
+        </p:txBody>
+      </p:sp>
+      <p:pic>
+        <p:nvPicPr>
+          <p:cNvPr id="34" name="그림 33"/>
+          <p:cNvPicPr>
+            <a:picLocks noChangeAspect="1"/>
+          </p:cNvPicPr>
+          <p:nvPr/>
+        </p:nvPicPr>
+        <p:blipFill>
+          <a:blip r:embed="rId13"/>
+          <a:stretch>
+            <a:fillRect/>
+          </a:stretch>
+        </p:blipFill>
+        <p:spPr>
+          <a:xfrm>
+            <a:off x="8141603" y="4327088"/>
+            <a:ext cx="2852970" cy="136859"/>
+          </a:xfrm>
+          <a:prstGeom prst="rect">
+            <a:avLst/>
+          </a:prstGeom>
+        </p:spPr>
+      </p:pic>
     </p:spTree>
     <p:extLst>
       <p:ext uri="{BB962C8B-B14F-4D97-AF65-F5344CB8AC3E}">
-        <p14:creationId xmlns:p14="http://schemas.microsoft.com/office/powerpoint/2010/main" val="2373004903"/>
+        <p14:creationId xmlns:p14="http://schemas.microsoft.com/office/powerpoint/2010/main" val="3650749601"/>
       </p:ext>
     </p:extLst>
   </p:cSld>
@@ -4613,14 +5128,14 @@
               <a:t>0</a:t>
             </a:r>
             <a:r>
-              <a:rPr lang="en-US" altLang="ko-KR" sz="8000" dirty="0" smtClean="0">
+              <a:rPr lang="en-US" altLang="ko-KR" sz="8000" dirty="0">
                 <a:solidFill>
                   <a:schemeClr val="bg1"/>
                 </a:solidFill>
                 <a:latin typeface="맑은 고딕" charset="0"/>
                 <a:ea typeface="맑은 고딕" charset="0"/>
               </a:rPr>
-              <a:t>2</a:t>
+              <a:t>3</a:t>
             </a:r>
             <a:endParaRPr lang="ko-KR" altLang="en-US" sz="8000" dirty="0">
               <a:solidFill>
@@ -4643,7 +5158,7 @@
         <p:spPr>
           <a:xfrm>
             <a:off x="220980" y="1850390"/>
-            <a:ext cx="1083310" cy="3171381"/>
+            <a:ext cx="1083310" cy="1632498"/>
           </a:xfrm>
           <a:prstGeom prst="rect">
             <a:avLst/>
@@ -4663,16 +5178,16 @@
           <a:p>
             <a:pPr marL="0" indent="0" algn="ctr" hangingPunct="1"/>
             <a:r>
-              <a:rPr lang="ko-KR" altLang="en-US" sz="5000" dirty="0" err="1" smtClean="0">
+              <a:rPr lang="ko-KR" altLang="en-US" sz="5000" b="1" dirty="0" smtClean="0">
                 <a:solidFill>
                   <a:schemeClr val="bg1"/>
                 </a:solidFill>
                 <a:latin typeface="맑은 고딕" charset="0"/>
                 <a:ea typeface="맑은 고딕" charset="0"/>
               </a:rPr>
-              <a:t>화면구현</a:t>
-            </a:r>
-            <a:endParaRPr lang="ko-KR" altLang="en-US" sz="5000" dirty="0">
+              <a:t>후기</a:t>
+            </a:r>
+            <a:endParaRPr lang="ko-KR" altLang="en-US" sz="5000" b="1" dirty="0">
               <a:solidFill>
                 <a:schemeClr val="bg1"/>
               </a:solidFill>
@@ -4684,7 +5199,7 @@
       </p:sp>
       <p:sp>
         <p:nvSpPr>
-          <p:cNvPr id="5" name="텍스트 상자 110"/>
+          <p:cNvPr id="4" name="텍스트 상자 110"/>
           <p:cNvSpPr txBox="1">
             <a:spLocks/>
           </p:cNvSpPr>
@@ -4712,14 +5227,14 @@
           <a:p>
             <a:pPr marL="0" indent="0" algn="ctr" hangingPunct="1"/>
             <a:r>
-              <a:rPr lang="en-US" altLang="ko-KR" sz="6000" b="1" dirty="0" err="1" smtClean="0">
+              <a:rPr lang="en-US" altLang="ko-KR" sz="6000" b="1" dirty="0" smtClean="0">
                 <a:solidFill>
                   <a:schemeClr val="bg1"/>
                 </a:solidFill>
                 <a:latin typeface="Couture" charset="0"/>
                 <a:ea typeface="Couture" charset="0"/>
               </a:rPr>
-              <a:t>coDING</a:t>
+              <a:t>review</a:t>
             </a:r>
             <a:endParaRPr lang="ko-KR" altLang="en-US" sz="6000" b="1" dirty="0">
               <a:solidFill>
@@ -4733,506 +5248,20 @@
       </p:sp>
       <p:sp>
         <p:nvSpPr>
-          <p:cNvPr id="6" name="텍스트 상자 227"/>
-          <p:cNvSpPr txBox="1">
-            <a:spLocks/>
-          </p:cNvSpPr>
-          <p:nvPr/>
-        </p:nvSpPr>
-        <p:spPr>
-          <a:xfrm>
-            <a:off x="5000623" y="0"/>
-            <a:ext cx="2939728" cy="709168"/>
-          </a:xfrm>
-          <a:prstGeom prst="rect">
-            <a:avLst/>
-          </a:prstGeom>
-          <a:noFill/>
-          <a:ln w="0">
-            <a:noFill/>
-            <a:prstDash/>
-          </a:ln>
-        </p:spPr>
-        <p:txBody>
-          <a:bodyPr vert="horz" wrap="square" lIns="89535" tIns="46355" rIns="89535" bIns="46355" anchor="t">
-            <a:spAutoFit/>
-          </a:bodyPr>
-          <a:lstStyle/>
-          <a:p>
-            <a:pPr marL="0" indent="0" algn="ctr" hangingPunct="1"/>
-            <a:r>
-              <a:rPr lang="en-US" altLang="ko-KR" sz="4000" b="1" dirty="0" smtClean="0">
-                <a:solidFill>
-                  <a:schemeClr val="bg1"/>
-                </a:solidFill>
-                <a:latin typeface="Couture" panose="020B0804020202020204" pitchFamily="34" charset="0"/>
-                <a:ea typeface="+mj-ea"/>
-              </a:rPr>
-              <a:t>COMMON</a:t>
-            </a:r>
-            <a:endParaRPr lang="ko-KR" altLang="en-US" sz="4000" b="1" dirty="0">
-              <a:solidFill>
-                <a:schemeClr val="bg1"/>
-              </a:solidFill>
-              <a:latin typeface="Couture" panose="020B0804020202020204" pitchFamily="34" charset="0"/>
-              <a:ea typeface="+mj-ea"/>
-            </a:endParaRPr>
-          </a:p>
-        </p:txBody>
-      </p:sp>
-      <p:pic>
-        <p:nvPicPr>
-          <p:cNvPr id="7" name="그림 6"/>
-          <p:cNvPicPr>
-            <a:picLocks noChangeAspect="1"/>
-          </p:cNvPicPr>
-          <p:nvPr/>
-        </p:nvPicPr>
-        <p:blipFill>
-          <a:blip r:embed="rId2">
-            <a:extLst>
-              <a:ext uri="{28A0092B-C50C-407E-A947-70E740481C1C}">
-                <a14:useLocalDpi xmlns:a14="http://schemas.microsoft.com/office/drawing/2010/main" val="0"/>
-              </a:ext>
-            </a:extLst>
-          </a:blip>
-          <a:stretch>
-            <a:fillRect/>
-          </a:stretch>
-        </p:blipFill>
-        <p:spPr>
-          <a:xfrm>
-            <a:off x="2233166" y="2791894"/>
-            <a:ext cx="1817334" cy="417495"/>
-          </a:xfrm>
-          <a:prstGeom prst="rect">
-            <a:avLst/>
-          </a:prstGeom>
-        </p:spPr>
-      </p:pic>
-      <p:pic>
-        <p:nvPicPr>
-          <p:cNvPr id="8" name="그림 7"/>
-          <p:cNvPicPr>
-            <a:picLocks noChangeAspect="1"/>
-          </p:cNvPicPr>
-          <p:nvPr/>
-        </p:nvPicPr>
-        <p:blipFill>
-          <a:blip r:embed="rId3">
-            <a:extLst>
-              <a:ext uri="{28A0092B-C50C-407E-A947-70E740481C1C}">
-                <a14:useLocalDpi xmlns:a14="http://schemas.microsoft.com/office/drawing/2010/main" val="0"/>
-              </a:ext>
-            </a:extLst>
-          </a:blip>
-          <a:stretch>
-            <a:fillRect/>
-          </a:stretch>
-        </p:blipFill>
-        <p:spPr>
-          <a:xfrm>
-            <a:off x="5366082" y="2744914"/>
-            <a:ext cx="1817334" cy="417494"/>
-          </a:xfrm>
-          <a:prstGeom prst="rect">
-            <a:avLst/>
-          </a:prstGeom>
-        </p:spPr>
-      </p:pic>
-      <p:pic>
-        <p:nvPicPr>
-          <p:cNvPr id="9" name="그림 8"/>
-          <p:cNvPicPr>
-            <a:picLocks noChangeAspect="1"/>
-          </p:cNvPicPr>
-          <p:nvPr/>
-        </p:nvPicPr>
-        <p:blipFill>
-          <a:blip r:embed="rId4">
-            <a:extLst>
-              <a:ext uri="{28A0092B-C50C-407E-A947-70E740481C1C}">
-                <a14:useLocalDpi xmlns:a14="http://schemas.microsoft.com/office/drawing/2010/main" val="0"/>
-              </a:ext>
-            </a:extLst>
-          </a:blip>
-          <a:stretch>
-            <a:fillRect/>
-          </a:stretch>
-        </p:blipFill>
-        <p:spPr>
-          <a:xfrm>
-            <a:off x="1629059" y="3570226"/>
-            <a:ext cx="2400171" cy="900064"/>
-          </a:xfrm>
-          <a:prstGeom prst="rect">
-            <a:avLst/>
-          </a:prstGeom>
-        </p:spPr>
-      </p:pic>
-      <p:pic>
-        <p:nvPicPr>
-          <p:cNvPr id="10" name="그림 9"/>
-          <p:cNvPicPr>
-            <a:picLocks noChangeAspect="1"/>
-          </p:cNvPicPr>
-          <p:nvPr/>
-        </p:nvPicPr>
-        <p:blipFill>
-          <a:blip r:embed="rId5">
-            <a:extLst>
-              <a:ext uri="{28A0092B-C50C-407E-A947-70E740481C1C}">
-                <a14:useLocalDpi xmlns:a14="http://schemas.microsoft.com/office/drawing/2010/main" val="0"/>
-              </a:ext>
-            </a:extLst>
-          </a:blip>
-          <a:stretch>
-            <a:fillRect/>
-          </a:stretch>
-        </p:blipFill>
-        <p:spPr>
-          <a:xfrm>
-            <a:off x="5377710" y="3583603"/>
-            <a:ext cx="2400171" cy="886687"/>
-          </a:xfrm>
-          <a:prstGeom prst="rect">
-            <a:avLst/>
-          </a:prstGeom>
-        </p:spPr>
-      </p:pic>
-      <p:pic>
-        <p:nvPicPr>
-          <p:cNvPr id="11" name="그림 10"/>
-          <p:cNvPicPr>
-            <a:picLocks noChangeAspect="1"/>
-          </p:cNvPicPr>
-          <p:nvPr/>
-        </p:nvPicPr>
-        <p:blipFill>
-          <a:blip r:embed="rId6">
-            <a:extLst>
-              <a:ext uri="{28A0092B-C50C-407E-A947-70E740481C1C}">
-                <a14:useLocalDpi xmlns:a14="http://schemas.microsoft.com/office/drawing/2010/main" val="0"/>
-              </a:ext>
-            </a:extLst>
-          </a:blip>
-          <a:stretch>
-            <a:fillRect/>
-          </a:stretch>
-        </p:blipFill>
-        <p:spPr>
-          <a:xfrm>
-            <a:off x="1687641" y="1264776"/>
-            <a:ext cx="5884967" cy="328500"/>
-          </a:xfrm>
-          <a:prstGeom prst="rect">
-            <a:avLst/>
-          </a:prstGeom>
-        </p:spPr>
-      </p:pic>
-      <p:pic>
-        <p:nvPicPr>
-          <p:cNvPr id="12" name="그림 11"/>
-          <p:cNvPicPr>
-            <a:picLocks noChangeAspect="1"/>
-          </p:cNvPicPr>
-          <p:nvPr/>
-        </p:nvPicPr>
-        <p:blipFill>
-          <a:blip r:embed="rId7">
-            <a:extLst>
-              <a:ext uri="{28A0092B-C50C-407E-A947-70E740481C1C}">
-                <a14:useLocalDpi xmlns:a14="http://schemas.microsoft.com/office/drawing/2010/main" val="0"/>
-              </a:ext>
-            </a:extLst>
-          </a:blip>
-          <a:stretch>
-            <a:fillRect/>
-          </a:stretch>
-        </p:blipFill>
-        <p:spPr>
-          <a:xfrm>
-            <a:off x="1682879" y="2069424"/>
-            <a:ext cx="5889729" cy="294933"/>
-          </a:xfrm>
-          <a:prstGeom prst="rect">
-            <a:avLst/>
-          </a:prstGeom>
-        </p:spPr>
-      </p:pic>
-      <p:cxnSp>
-        <p:nvCxnSpPr>
-          <p:cNvPr id="14" name="직선 화살표 연결선 13"/>
-          <p:cNvCxnSpPr/>
-          <p:nvPr/>
-        </p:nvCxnSpPr>
-        <p:spPr>
-          <a:xfrm>
-            <a:off x="4354337" y="3963434"/>
-            <a:ext cx="676177" cy="0"/>
-          </a:xfrm>
-          <a:prstGeom prst="straightConnector1">
-            <a:avLst/>
-          </a:prstGeom>
-          <a:ln>
-            <a:solidFill>
-              <a:schemeClr val="bg1"/>
-            </a:solidFill>
-            <a:tailEnd type="triangle"/>
-          </a:ln>
-        </p:spPr>
-        <p:style>
-          <a:lnRef idx="1">
-            <a:schemeClr val="accent1"/>
-          </a:lnRef>
-          <a:fillRef idx="0">
-            <a:schemeClr val="accent1"/>
-          </a:fillRef>
-          <a:effectRef idx="0">
-            <a:schemeClr val="accent1"/>
-          </a:effectRef>
-          <a:fontRef idx="minor">
-            <a:schemeClr val="tx1"/>
-          </a:fontRef>
-        </p:style>
-      </p:cxnSp>
-      <p:cxnSp>
-        <p:nvCxnSpPr>
-          <p:cNvPr id="15" name="직선 화살표 연결선 14"/>
-          <p:cNvCxnSpPr/>
-          <p:nvPr/>
-        </p:nvCxnSpPr>
-        <p:spPr>
-          <a:xfrm>
-            <a:off x="4342708" y="2953661"/>
-            <a:ext cx="676177" cy="0"/>
-          </a:xfrm>
-          <a:prstGeom prst="straightConnector1">
-            <a:avLst/>
-          </a:prstGeom>
-          <a:ln>
-            <a:solidFill>
-              <a:schemeClr val="bg1"/>
-            </a:solidFill>
-            <a:tailEnd type="triangle"/>
-          </a:ln>
-        </p:spPr>
-        <p:style>
-          <a:lnRef idx="1">
-            <a:schemeClr val="accent1"/>
-          </a:lnRef>
-          <a:fillRef idx="0">
-            <a:schemeClr val="accent1"/>
-          </a:fillRef>
-          <a:effectRef idx="0">
-            <a:schemeClr val="accent1"/>
-          </a:effectRef>
-          <a:fontRef idx="minor">
-            <a:schemeClr val="tx1"/>
-          </a:fontRef>
-        </p:style>
-      </p:cxnSp>
-      <p:cxnSp>
-        <p:nvCxnSpPr>
-          <p:cNvPr id="17" name="직선 화살표 연결선 16"/>
-          <p:cNvCxnSpPr/>
-          <p:nvPr/>
-        </p:nvCxnSpPr>
-        <p:spPr>
-          <a:xfrm>
-            <a:off x="4821366" y="1723215"/>
-            <a:ext cx="0" cy="223934"/>
-          </a:xfrm>
-          <a:prstGeom prst="straightConnector1">
-            <a:avLst/>
-          </a:prstGeom>
-          <a:ln>
-            <a:solidFill>
-              <a:schemeClr val="bg1"/>
-            </a:solidFill>
-            <a:tailEnd type="triangle"/>
-          </a:ln>
-        </p:spPr>
-        <p:style>
-          <a:lnRef idx="1">
-            <a:schemeClr val="accent1"/>
-          </a:lnRef>
-          <a:fillRef idx="0">
-            <a:schemeClr val="accent1"/>
-          </a:fillRef>
-          <a:effectRef idx="0">
-            <a:schemeClr val="accent1"/>
-          </a:effectRef>
-          <a:fontRef idx="minor">
-            <a:schemeClr val="tx1"/>
-          </a:fontRef>
-        </p:style>
-      </p:cxnSp>
-      <p:pic>
-        <p:nvPicPr>
-          <p:cNvPr id="18" name="그림 17"/>
-          <p:cNvPicPr>
-            <a:picLocks noChangeAspect="1"/>
-          </p:cNvPicPr>
-          <p:nvPr/>
-        </p:nvPicPr>
-        <p:blipFill>
-          <a:blip r:embed="rId8"/>
-          <a:stretch>
-            <a:fillRect/>
-          </a:stretch>
-        </p:blipFill>
-        <p:spPr>
-          <a:xfrm>
-            <a:off x="2815356" y="5029130"/>
-            <a:ext cx="3657600" cy="161925"/>
-          </a:xfrm>
-          <a:prstGeom prst="rect">
-            <a:avLst/>
-          </a:prstGeom>
-          <a:ln>
-            <a:solidFill>
-              <a:schemeClr val="bg1"/>
-            </a:solidFill>
-          </a:ln>
-        </p:spPr>
-      </p:pic>
-      <p:pic>
-        <p:nvPicPr>
-          <p:cNvPr id="20" name="그림 19"/>
-          <p:cNvPicPr>
-            <a:picLocks noChangeAspect="1"/>
-          </p:cNvPicPr>
-          <p:nvPr/>
-        </p:nvPicPr>
-        <p:blipFill>
-          <a:blip r:embed="rId9"/>
-          <a:stretch>
-            <a:fillRect/>
-          </a:stretch>
-        </p:blipFill>
-        <p:spPr>
-          <a:xfrm>
-            <a:off x="2815550" y="5413268"/>
-            <a:ext cx="3619500" cy="200025"/>
-          </a:xfrm>
-          <a:prstGeom prst="rect">
-            <a:avLst/>
-          </a:prstGeom>
-          <a:ln>
-            <a:solidFill>
-              <a:schemeClr val="bg1"/>
-            </a:solidFill>
-          </a:ln>
-        </p:spPr>
-      </p:pic>
-      <p:pic>
-        <p:nvPicPr>
-          <p:cNvPr id="21" name="그림 20"/>
-          <p:cNvPicPr>
-            <a:picLocks noChangeAspect="1"/>
-          </p:cNvPicPr>
-          <p:nvPr/>
-        </p:nvPicPr>
-        <p:blipFill>
-          <a:blip r:embed="rId10"/>
-          <a:stretch>
-            <a:fillRect/>
-          </a:stretch>
-        </p:blipFill>
-        <p:spPr>
-          <a:xfrm>
-            <a:off x="3141833" y="5829353"/>
-            <a:ext cx="2809875" cy="209550"/>
-          </a:xfrm>
-          <a:prstGeom prst="rect">
-            <a:avLst/>
-          </a:prstGeom>
-          <a:ln>
-            <a:solidFill>
-              <a:schemeClr val="bg1"/>
-            </a:solidFill>
-          </a:ln>
-        </p:spPr>
-      </p:pic>
-      <p:sp>
-        <p:nvSpPr>
-          <p:cNvPr id="26" name="텍스트 상자 175"/>
-          <p:cNvSpPr txBox="1">
-            <a:spLocks/>
-          </p:cNvSpPr>
-          <p:nvPr/>
-        </p:nvSpPr>
-        <p:spPr>
-          <a:xfrm>
-            <a:off x="2705666" y="6290031"/>
-            <a:ext cx="3839268" cy="247504"/>
-          </a:xfrm>
-          <a:prstGeom prst="rect">
-            <a:avLst/>
-          </a:prstGeom>
-          <a:noFill/>
-          <a:ln w="3175" cap="flat" cmpd="sng">
-            <a:solidFill>
-              <a:schemeClr val="bg1"/>
-            </a:solidFill>
-            <a:prstDash val="solid"/>
-            <a:round/>
-          </a:ln>
-        </p:spPr>
-        <p:txBody>
-          <a:bodyPr vert="horz" wrap="square" lIns="89535" tIns="46355" rIns="89535" bIns="46355" anchor="t">
-            <a:spAutoFit/>
-          </a:bodyPr>
-          <a:lstStyle/>
-          <a:p>
-            <a:pPr marL="0" indent="0" algn="l" hangingPunct="1"/>
-            <a:r>
-              <a:rPr lang="ko-KR" altLang="en-US" sz="1000" b="1" dirty="0" smtClean="0">
-                <a:solidFill>
-                  <a:schemeClr val="bg1"/>
-                </a:solidFill>
-                <a:latin typeface="맑은 고딕" charset="0"/>
-                <a:ea typeface="맑은 고딕" charset="0"/>
-              </a:rPr>
-              <a:t>각 부분에 마우스 오버 시 이펙트가 변경되도록 구현하였습니다</a:t>
-            </a:r>
-            <a:r>
-              <a:rPr lang="en-US" altLang="ko-KR" sz="1000" b="1" dirty="0" smtClean="0">
-                <a:solidFill>
-                  <a:schemeClr val="bg1"/>
-                </a:solidFill>
-                <a:latin typeface="맑은 고딕" charset="0"/>
-                <a:ea typeface="맑은 고딕" charset="0"/>
-              </a:rPr>
-              <a:t>.</a:t>
-            </a:r>
-            <a:endParaRPr lang="ko-KR" altLang="en-US" sz="1000" b="1" dirty="0">
-              <a:solidFill>
-                <a:schemeClr val="bg1"/>
-              </a:solidFill>
-              <a:latin typeface="맑은 고딕" charset="0"/>
-              <a:ea typeface="맑은 고딕" charset="0"/>
-            </a:endParaRPr>
-          </a:p>
-        </p:txBody>
-      </p:sp>
-      <p:sp>
-        <p:nvSpPr>
-          <p:cNvPr id="29" name="직사각형 28"/>
+          <p:cNvPr id="6" name="직사각형 5"/>
           <p:cNvSpPr/>
           <p:nvPr/>
         </p:nvSpPr>
         <p:spPr>
           <a:xfrm>
-            <a:off x="7897715" y="1270686"/>
-            <a:ext cx="3332161" cy="4342607"/>
+            <a:off x="3772677" y="1850390"/>
+            <a:ext cx="6304384" cy="4327842"/>
           </a:xfrm>
           <a:prstGeom prst="rect">
             <a:avLst/>
           </a:prstGeom>
           <a:solidFill>
-            <a:schemeClr val="tx1"/>
+            <a:schemeClr val="bg1"/>
           </a:solidFill>
           <a:ln>
             <a:solidFill>
@@ -5261,408 +5290,478 @@
           <a:lstStyle/>
           <a:p>
             <a:pPr algn="ctr"/>
-            <a:endParaRPr lang="ko-KR" altLang="en-US"/>
-          </a:p>
-        </p:txBody>
-      </p:sp>
-      <p:pic>
-        <p:nvPicPr>
-          <p:cNvPr id="30" name="그림 29"/>
-          <p:cNvPicPr>
-            <a:picLocks noChangeAspect="1"/>
-          </p:cNvPicPr>
-          <p:nvPr/>
-        </p:nvPicPr>
-        <p:blipFill>
-          <a:blip r:embed="rId11">
-            <a:extLst>
-              <a:ext uri="{28A0092B-C50C-407E-A947-70E740481C1C}">
-                <a14:useLocalDpi xmlns:a14="http://schemas.microsoft.com/office/drawing/2010/main" val="0"/>
-              </a:ext>
-            </a:extLst>
-          </a:blip>
-          <a:stretch>
-            <a:fillRect/>
-          </a:stretch>
-        </p:blipFill>
-        <p:spPr>
-          <a:xfrm>
-            <a:off x="8371101" y="2069424"/>
-            <a:ext cx="2381250" cy="466725"/>
-          </a:xfrm>
-          <a:prstGeom prst="rect">
-            <a:avLst/>
-          </a:prstGeom>
-        </p:spPr>
-      </p:pic>
-      <p:pic>
-        <p:nvPicPr>
-          <p:cNvPr id="31" name="그림 30"/>
-          <p:cNvPicPr>
-            <a:picLocks noChangeAspect="1"/>
-          </p:cNvPicPr>
-          <p:nvPr/>
-        </p:nvPicPr>
-        <p:blipFill>
-          <a:blip r:embed="rId12">
-            <a:extLst>
-              <a:ext uri="{28A0092B-C50C-407E-A947-70E740481C1C}">
-                <a14:useLocalDpi xmlns:a14="http://schemas.microsoft.com/office/drawing/2010/main" val="0"/>
-              </a:ext>
-            </a:extLst>
-          </a:blip>
-          <a:stretch>
-            <a:fillRect/>
-          </a:stretch>
-        </p:blipFill>
-        <p:spPr>
-          <a:xfrm>
-            <a:off x="8273626" y="3263770"/>
-            <a:ext cx="2486025" cy="475269"/>
-          </a:xfrm>
-          <a:prstGeom prst="rect">
-            <a:avLst/>
-          </a:prstGeom>
-        </p:spPr>
-      </p:pic>
-      <p:cxnSp>
-        <p:nvCxnSpPr>
-          <p:cNvPr id="32" name="직선 화살표 연결선 31"/>
-          <p:cNvCxnSpPr/>
-          <p:nvPr/>
-        </p:nvCxnSpPr>
-        <p:spPr>
-          <a:xfrm>
-            <a:off x="9561726" y="2666968"/>
-            <a:ext cx="0" cy="406900"/>
-          </a:xfrm>
-          <a:prstGeom prst="straightConnector1">
-            <a:avLst/>
-          </a:prstGeom>
-          <a:ln>
-            <a:solidFill>
-              <a:schemeClr val="bg1"/>
-            </a:solidFill>
-            <a:tailEnd type="triangle"/>
-          </a:ln>
-        </p:spPr>
-        <p:style>
-          <a:lnRef idx="1">
-            <a:schemeClr val="accent1"/>
-          </a:lnRef>
-          <a:fillRef idx="0">
-            <a:schemeClr val="accent1"/>
-          </a:fillRef>
-          <a:effectRef idx="0">
-            <a:schemeClr val="accent1"/>
-          </a:effectRef>
-          <a:fontRef idx="minor">
-            <a:schemeClr val="tx1"/>
-          </a:fontRef>
-        </p:style>
-      </p:cxnSp>
-      <p:sp>
-        <p:nvSpPr>
-          <p:cNvPr id="33" name="텍스트 상자 175"/>
-          <p:cNvSpPr txBox="1">
-            <a:spLocks/>
-          </p:cNvSpPr>
-          <p:nvPr/>
-        </p:nvSpPr>
-        <p:spPr>
-          <a:xfrm>
-            <a:off x="7967329" y="4909396"/>
-            <a:ext cx="3192553" cy="401392"/>
-          </a:xfrm>
-          <a:prstGeom prst="rect">
-            <a:avLst/>
-          </a:prstGeom>
-          <a:noFill/>
-          <a:ln w="3175" cap="flat" cmpd="sng">
-            <a:solidFill>
-              <a:schemeClr val="bg1"/>
-            </a:solidFill>
-            <a:prstDash val="solid"/>
-            <a:round/>
-          </a:ln>
-        </p:spPr>
-        <p:txBody>
-          <a:bodyPr vert="horz" wrap="square" lIns="89535" tIns="46355" rIns="89535" bIns="46355" anchor="t">
-            <a:spAutoFit/>
-          </a:bodyPr>
-          <a:lstStyle/>
-          <a:p>
-            <a:pPr marL="0" indent="0" algn="l" hangingPunct="1"/>
-            <a:r>
-              <a:rPr lang="ko-KR" altLang="en-US" sz="1000" b="1" dirty="0" smtClean="0">
-                <a:solidFill>
-                  <a:schemeClr val="bg1"/>
-                </a:solidFill>
-                <a:latin typeface="맑은 고딕" charset="0"/>
-                <a:ea typeface="맑은 고딕" charset="0"/>
-              </a:rPr>
-              <a:t>검색 창을 클릭 시 검색 창이 확대되는 애니메이션을 추가하였습니다</a:t>
-            </a:r>
-            <a:r>
-              <a:rPr lang="en-US" altLang="ko-KR" sz="1000" b="1" dirty="0" smtClean="0">
-                <a:solidFill>
-                  <a:schemeClr val="bg1"/>
-                </a:solidFill>
-                <a:latin typeface="맑은 고딕" charset="0"/>
-                <a:ea typeface="맑은 고딕" charset="0"/>
+            <a:r>
+              <a:rPr lang="ko-KR" altLang="en-US" sz="1400" dirty="0" smtClean="0">
+                <a:solidFill>
+                  <a:sysClr val="windowText" lastClr="000000"/>
+                </a:solidFill>
+                <a:latin typeface="Adobe 고딕 Std B" panose="020B0800000000000000" pitchFamily="34" charset="-127"/>
+                <a:ea typeface="Adobe 고딕 Std B" panose="020B0800000000000000" pitchFamily="34" charset="-127"/>
+              </a:rPr>
+              <a:t>처음으로 직접 내 손으로 쇼핑몰이라는 페이지를 만들어보았다</a:t>
+            </a:r>
+            <a:r>
+              <a:rPr lang="en-US" altLang="ko-KR" sz="1400" dirty="0" smtClean="0">
+                <a:solidFill>
+                  <a:sysClr val="windowText" lastClr="000000"/>
+                </a:solidFill>
+                <a:latin typeface="Adobe 고딕 Std B" panose="020B0800000000000000" pitchFamily="34" charset="-127"/>
+                <a:ea typeface="Adobe 고딕 Std B" panose="020B0800000000000000" pitchFamily="34" charset="-127"/>
               </a:rPr>
               <a:t>.</a:t>
             </a:r>
-            <a:endParaRPr lang="ko-KR" altLang="en-US" sz="1000" b="1" dirty="0">
+          </a:p>
+          <a:p>
+            <a:pPr algn="ctr"/>
+            <a:r>
+              <a:rPr lang="ko-KR" altLang="en-US" sz="1400" dirty="0" smtClean="0">
+                <a:solidFill>
+                  <a:sysClr val="windowText" lastClr="000000"/>
+                </a:solidFill>
+                <a:latin typeface="Adobe 고딕 Std B" panose="020B0800000000000000" pitchFamily="34" charset="-127"/>
+                <a:ea typeface="Adobe 고딕 Std B" panose="020B0800000000000000" pitchFamily="34" charset="-127"/>
+              </a:rPr>
+              <a:t>분명 처음에는 시도해보지 않은 것이었기에 어렵다는 느낌보다는</a:t>
+            </a:r>
+            <a:endParaRPr lang="en-US" altLang="ko-KR" sz="1400" dirty="0" smtClean="0">
               <a:solidFill>
-                <a:schemeClr val="bg1"/>
+                <a:sysClr val="windowText" lastClr="000000"/>
               </a:solidFill>
-              <a:latin typeface="맑은 고딕" charset="0"/>
-              <a:ea typeface="맑은 고딕" charset="0"/>
+              <a:latin typeface="Adobe 고딕 Std B" panose="020B0800000000000000" pitchFamily="34" charset="-127"/>
+              <a:ea typeface="Adobe 고딕 Std B" panose="020B0800000000000000" pitchFamily="34" charset="-127"/>
             </a:endParaRPr>
           </a:p>
-        </p:txBody>
-      </p:sp>
-      <p:pic>
-        <p:nvPicPr>
-          <p:cNvPr id="34" name="그림 33"/>
-          <p:cNvPicPr>
-            <a:picLocks noChangeAspect="1"/>
-          </p:cNvPicPr>
-          <p:nvPr/>
-        </p:nvPicPr>
-        <p:blipFill>
-          <a:blip r:embed="rId13"/>
-          <a:stretch>
-            <a:fillRect/>
-          </a:stretch>
-        </p:blipFill>
-        <p:spPr>
-          <a:xfrm>
-            <a:off x="8141603" y="4327088"/>
-            <a:ext cx="2852970" cy="136859"/>
-          </a:xfrm>
-          <a:prstGeom prst="rect">
-            <a:avLst/>
-          </a:prstGeom>
-        </p:spPr>
-      </p:pic>
-    </p:spTree>
-    <p:extLst>
-      <p:ext uri="{BB962C8B-B14F-4D97-AF65-F5344CB8AC3E}">
-        <p14:creationId xmlns:p14="http://schemas.microsoft.com/office/powerpoint/2010/main" val="3650749601"/>
-      </p:ext>
-    </p:extLst>
-  </p:cSld>
-  <p:clrMapOvr>
-    <a:masterClrMapping/>
-  </p:clrMapOvr>
-  <p:timing>
-    <p:tnLst>
-      <p:par>
-        <p:cTn id="1" dur="indefinite" restart="never" nodeType="tmRoot"/>
-      </p:par>
-    </p:tnLst>
-  </p:timing>
-</p:sld>
-</file>
-
-<file path=ppt/slides/slide13.xml><?xml version="1.0" encoding="utf-8"?>
-<p:sld xmlns:a="http://schemas.openxmlformats.org/drawingml/2006/main" xmlns:r="http://schemas.openxmlformats.org/officeDocument/2006/relationships" xmlns:p="http://schemas.openxmlformats.org/presentationml/2006/main">
-  <p:cSld>
-    <p:bg>
-      <p:bgPr>
-        <a:solidFill>
-          <a:schemeClr val="tx1"/>
-        </a:solidFill>
-        <a:effectLst/>
-      </p:bgPr>
-    </p:bg>
-    <p:spTree>
-      <p:nvGrpSpPr>
-        <p:cNvPr id="1" name=""/>
-        <p:cNvGrpSpPr/>
-        <p:nvPr/>
-      </p:nvGrpSpPr>
-      <p:grpSpPr>
-        <a:xfrm>
-          <a:off x="0" y="0"/>
-          <a:ext cx="0" cy="0"/>
-          <a:chOff x="0" y="0"/>
-          <a:chExt cx="0" cy="0"/>
-        </a:xfrm>
-      </p:grpSpPr>
-      <p:sp>
-        <p:nvSpPr>
-          <p:cNvPr id="2" name="텍스트 상자 101"/>
-          <p:cNvSpPr txBox="1">
-            <a:spLocks/>
-          </p:cNvSpPr>
-          <p:nvPr/>
-        </p:nvSpPr>
-        <p:spPr>
-          <a:xfrm>
-            <a:off x="97155" y="65405"/>
-            <a:ext cx="1325880" cy="1323975"/>
-          </a:xfrm>
-          <a:prstGeom prst="rect">
-            <a:avLst/>
-          </a:prstGeom>
-          <a:noFill/>
-          <a:ln w="63500" cap="flat" cmpd="sng">
-            <a:solidFill>
-              <a:schemeClr val="bg1"/>
-            </a:solidFill>
-            <a:prstDash val="solid"/>
-            <a:round/>
-          </a:ln>
-        </p:spPr>
-        <p:txBody>
-          <a:bodyPr vert="horz" wrap="square" lIns="89535" tIns="46355" rIns="89535" bIns="46355" anchor="t">
-            <a:spAutoFit/>
-          </a:bodyPr>
-          <a:lstStyle/>
-          <a:p>
-            <a:pPr marL="0" indent="0" algn="ctr" hangingPunct="1"/>
-            <a:r>
-              <a:rPr lang="ko-KR" sz="8000" dirty="0" smtClean="0">
-                <a:solidFill>
-                  <a:schemeClr val="bg1"/>
-                </a:solidFill>
-                <a:latin typeface="맑은 고딕" charset="0"/>
-                <a:ea typeface="맑은 고딕" charset="0"/>
-              </a:rPr>
-              <a:t>0</a:t>
-            </a:r>
-            <a:r>
-              <a:rPr lang="en-US" altLang="ko-KR" sz="8000" dirty="0">
-                <a:solidFill>
-                  <a:schemeClr val="bg1"/>
-                </a:solidFill>
-                <a:latin typeface="맑은 고딕" charset="0"/>
-                <a:ea typeface="맑은 고딕" charset="0"/>
+          <a:p>
+            <a:pPr algn="ctr"/>
+            <a:r>
+              <a:rPr lang="ko-KR" altLang="en-US" sz="1400" dirty="0" smtClean="0">
+                <a:solidFill>
+                  <a:sysClr val="windowText" lastClr="000000"/>
+                </a:solidFill>
+                <a:latin typeface="Adobe 고딕 Std B" panose="020B0800000000000000" pitchFamily="34" charset="-127"/>
+                <a:ea typeface="Adobe 고딕 Std B" panose="020B0800000000000000" pitchFamily="34" charset="-127"/>
+              </a:rPr>
+              <a:t>막막하다는 느낌이 제일 먼저 앞서기도 했지만</a:t>
+            </a:r>
+            <a:r>
+              <a:rPr lang="en-US" altLang="ko-KR" sz="1400" dirty="0" smtClean="0">
+                <a:solidFill>
+                  <a:sysClr val="windowText" lastClr="000000"/>
+                </a:solidFill>
+                <a:latin typeface="Adobe 고딕 Std B" panose="020B0800000000000000" pitchFamily="34" charset="-127"/>
+                <a:ea typeface="Adobe 고딕 Std B" panose="020B0800000000000000" pitchFamily="34" charset="-127"/>
+              </a:rPr>
+              <a:t>, </a:t>
+            </a:r>
+            <a:r>
+              <a:rPr lang="ko-KR" altLang="en-US" sz="1400" dirty="0" smtClean="0">
+                <a:solidFill>
+                  <a:sysClr val="windowText" lastClr="000000"/>
+                </a:solidFill>
+                <a:latin typeface="Adobe 고딕 Std B" panose="020B0800000000000000" pitchFamily="34" charset="-127"/>
+                <a:ea typeface="Adobe 고딕 Std B" panose="020B0800000000000000" pitchFamily="34" charset="-127"/>
+              </a:rPr>
+              <a:t>막상 제작을 시작하니</a:t>
+            </a:r>
+            <a:endParaRPr lang="en-US" altLang="ko-KR" sz="1400" dirty="0" smtClean="0">
+              <a:solidFill>
+                <a:sysClr val="windowText" lastClr="000000"/>
+              </a:solidFill>
+              <a:latin typeface="Adobe 고딕 Std B" panose="020B0800000000000000" pitchFamily="34" charset="-127"/>
+              <a:ea typeface="Adobe 고딕 Std B" panose="020B0800000000000000" pitchFamily="34" charset="-127"/>
+            </a:endParaRPr>
+          </a:p>
+          <a:p>
+            <a:pPr algn="ctr"/>
+            <a:r>
+              <a:rPr lang="en-US" altLang="ko-KR" sz="1400" dirty="0" smtClean="0">
+                <a:solidFill>
+                  <a:sysClr val="windowText" lastClr="000000"/>
+                </a:solidFill>
+                <a:latin typeface="Adobe 고딕 Std B" panose="020B0800000000000000" pitchFamily="34" charset="-127"/>
+                <a:ea typeface="Adobe 고딕 Std B" panose="020B0800000000000000" pitchFamily="34" charset="-127"/>
               </a:rPr>
               <a:t>3</a:t>
             </a:r>
-            <a:endParaRPr lang="ko-KR" altLang="en-US" sz="8000" dirty="0">
+            <a:r>
+              <a:rPr lang="ko-KR" altLang="en-US" sz="1400" dirty="0" smtClean="0">
+                <a:solidFill>
+                  <a:sysClr val="windowText" lastClr="000000"/>
+                </a:solidFill>
+                <a:latin typeface="Adobe 고딕 Std B" panose="020B0800000000000000" pitchFamily="34" charset="-127"/>
+                <a:ea typeface="Adobe 고딕 Std B" panose="020B0800000000000000" pitchFamily="34" charset="-127"/>
+              </a:rPr>
+              <a:t>주라는 짧은 시간 동안 기초적인 내용들이었지만 하나씩 </a:t>
+            </a:r>
+            <a:endParaRPr lang="en-US" altLang="ko-KR" sz="1400" dirty="0" smtClean="0">
               <a:solidFill>
-                <a:schemeClr val="bg1"/>
+                <a:sysClr val="windowText" lastClr="000000"/>
               </a:solidFill>
-              <a:latin typeface="맑은 고딕" charset="0"/>
-              <a:ea typeface="맑은 고딕" charset="0"/>
+              <a:latin typeface="Adobe 고딕 Std B" panose="020B0800000000000000" pitchFamily="34" charset="-127"/>
+              <a:ea typeface="Adobe 고딕 Std B" panose="020B0800000000000000" pitchFamily="34" charset="-127"/>
             </a:endParaRPr>
           </a:p>
-        </p:txBody>
-      </p:sp>
-      <p:sp>
-        <p:nvSpPr>
-          <p:cNvPr id="3" name="텍스트 상자 102"/>
-          <p:cNvSpPr txBox="1">
-            <a:spLocks/>
-          </p:cNvSpPr>
-          <p:nvPr/>
-        </p:nvSpPr>
-        <p:spPr>
-          <a:xfrm>
-            <a:off x="220980" y="1850390"/>
-            <a:ext cx="1083310" cy="1632498"/>
-          </a:xfrm>
-          <a:prstGeom prst="rect">
-            <a:avLst/>
-          </a:prstGeom>
-          <a:noFill/>
-          <a:ln w="38100" cap="flat" cmpd="sng">
-            <a:noFill/>
-            <a:prstDash/>
-            <a:round/>
-          </a:ln>
-        </p:spPr>
-        <p:txBody>
-          <a:bodyPr vert="horz" wrap="square" lIns="89535" tIns="46355" rIns="89535" bIns="46355" anchor="t">
-            <a:spAutoFit/>
-          </a:bodyPr>
-          <a:lstStyle/>
-          <a:p>
-            <a:pPr marL="0" indent="0" algn="ctr" hangingPunct="1"/>
-            <a:r>
-              <a:rPr lang="ko-KR" altLang="en-US" sz="5000" dirty="0" smtClean="0">
-                <a:solidFill>
-                  <a:schemeClr val="bg1"/>
-                </a:solidFill>
-                <a:latin typeface="맑은 고딕" charset="0"/>
-                <a:ea typeface="맑은 고딕" charset="0"/>
-              </a:rPr>
-              <a:t>후기</a:t>
-            </a:r>
-            <a:endParaRPr lang="ko-KR" altLang="en-US" sz="5000" dirty="0">
+          <a:p>
+            <a:pPr algn="ctr"/>
+            <a:r>
+              <a:rPr lang="ko-KR" altLang="en-US" sz="1400" dirty="0" smtClean="0">
+                <a:solidFill>
+                  <a:sysClr val="windowText" lastClr="000000"/>
+                </a:solidFill>
+                <a:latin typeface="Adobe 고딕 Std B" panose="020B0800000000000000" pitchFamily="34" charset="-127"/>
+                <a:ea typeface="Adobe 고딕 Std B" panose="020B0800000000000000" pitchFamily="34" charset="-127"/>
+              </a:rPr>
+              <a:t>머리에 되새겨지며 이 부분엔 이런걸 적용해보고 싶다</a:t>
+            </a:r>
+            <a:r>
+              <a:rPr lang="en-US" altLang="ko-KR" sz="1400" dirty="0" smtClean="0">
+                <a:solidFill>
+                  <a:sysClr val="windowText" lastClr="000000"/>
+                </a:solidFill>
+                <a:latin typeface="Adobe 고딕 Std B" panose="020B0800000000000000" pitchFamily="34" charset="-127"/>
+                <a:ea typeface="Adobe 고딕 Std B" panose="020B0800000000000000" pitchFamily="34" charset="-127"/>
+              </a:rPr>
+              <a:t>. </a:t>
+            </a:r>
+            <a:r>
+              <a:rPr lang="ko-KR" altLang="en-US" sz="1400" dirty="0" smtClean="0">
+                <a:solidFill>
+                  <a:sysClr val="windowText" lastClr="000000"/>
+                </a:solidFill>
+                <a:latin typeface="Adobe 고딕 Std B" panose="020B0800000000000000" pitchFamily="34" charset="-127"/>
+                <a:ea typeface="Adobe 고딕 Std B" panose="020B0800000000000000" pitchFamily="34" charset="-127"/>
+              </a:rPr>
+              <a:t>라던가</a:t>
+            </a:r>
+            <a:endParaRPr lang="en-US" altLang="ko-KR" sz="1400" dirty="0" smtClean="0">
               <a:solidFill>
-                <a:schemeClr val="bg1"/>
+                <a:sysClr val="windowText" lastClr="000000"/>
               </a:solidFill>
-              <a:latin typeface="맑은 고딕" charset="0"/>
-              <a:ea typeface="맑은 고딕" charset="0"/>
+              <a:latin typeface="Adobe 고딕 Std B" panose="020B0800000000000000" pitchFamily="34" charset="-127"/>
+              <a:ea typeface="Adobe 고딕 Std B" panose="020B0800000000000000" pitchFamily="34" charset="-127"/>
             </a:endParaRPr>
           </a:p>
-        </p:txBody>
-      </p:sp>
-      <p:sp>
-        <p:nvSpPr>
-          <p:cNvPr id="4" name="텍스트 상자 110"/>
-          <p:cNvSpPr txBox="1">
-            <a:spLocks/>
-          </p:cNvSpPr>
-          <p:nvPr/>
-        </p:nvSpPr>
-        <p:spPr>
-          <a:xfrm>
-            <a:off x="11229495" y="516646"/>
-            <a:ext cx="872490" cy="5633593"/>
-          </a:xfrm>
-          <a:prstGeom prst="rect">
-            <a:avLst/>
-          </a:prstGeom>
-          <a:noFill/>
-          <a:ln w="0">
-            <a:noFill/>
-            <a:prstDash/>
-          </a:ln>
-        </p:spPr>
-        <p:txBody>
-          <a:bodyPr vert="horz" wrap="square" lIns="89535" tIns="46355" rIns="89535" bIns="46355" anchor="t">
-            <a:spAutoFit/>
-          </a:bodyPr>
-          <a:lstStyle/>
-          <a:p>
-            <a:pPr marL="0" indent="0" algn="ctr" hangingPunct="1"/>
-            <a:r>
-              <a:rPr lang="en-US" altLang="ko-KR" sz="6000" b="1" dirty="0" smtClean="0">
-                <a:solidFill>
-                  <a:schemeClr val="bg1"/>
-                </a:solidFill>
-                <a:latin typeface="Couture" charset="0"/>
-                <a:ea typeface="Couture" charset="0"/>
-              </a:rPr>
-              <a:t>review</a:t>
-            </a:r>
-            <a:endParaRPr lang="ko-KR" altLang="en-US" sz="6000" b="1" dirty="0">
+          <a:p>
+            <a:pPr algn="ctr"/>
+            <a:r>
+              <a:rPr lang="ko-KR" altLang="en-US" sz="1400" dirty="0" smtClean="0">
+                <a:solidFill>
+                  <a:sysClr val="windowText" lastClr="000000"/>
+                </a:solidFill>
+                <a:latin typeface="Adobe 고딕 Std B" panose="020B0800000000000000" pitchFamily="34" charset="-127"/>
+                <a:ea typeface="Adobe 고딕 Std B" panose="020B0800000000000000" pitchFamily="34" charset="-127"/>
+              </a:rPr>
+              <a:t>아직 배우지 않았지만 이런 기능을 적용해보고 싶다</a:t>
+            </a:r>
+            <a:r>
+              <a:rPr lang="en-US" altLang="ko-KR" sz="1400" dirty="0" smtClean="0">
+                <a:solidFill>
+                  <a:sysClr val="windowText" lastClr="000000"/>
+                </a:solidFill>
+                <a:latin typeface="Adobe 고딕 Std B" panose="020B0800000000000000" pitchFamily="34" charset="-127"/>
+                <a:ea typeface="Adobe 고딕 Std B" panose="020B0800000000000000" pitchFamily="34" charset="-127"/>
+              </a:rPr>
+              <a:t>.</a:t>
+            </a:r>
+            <a:r>
+              <a:rPr lang="ko-KR" altLang="en-US" sz="1400" dirty="0" smtClean="0">
+                <a:solidFill>
+                  <a:sysClr val="windowText" lastClr="000000"/>
+                </a:solidFill>
+                <a:latin typeface="Adobe 고딕 Std B" panose="020B0800000000000000" pitchFamily="34" charset="-127"/>
+                <a:ea typeface="Adobe 고딕 Std B" panose="020B0800000000000000" pitchFamily="34" charset="-127"/>
+              </a:rPr>
+              <a:t>라며 </a:t>
+            </a:r>
+            <a:endParaRPr lang="en-US" altLang="ko-KR" sz="1400" dirty="0" smtClean="0">
               <a:solidFill>
-                <a:schemeClr val="bg1"/>
+                <a:sysClr val="windowText" lastClr="000000"/>
               </a:solidFill>
-              <a:latin typeface="Couture" charset="0"/>
-              <a:ea typeface="Couture" charset="0"/>
+              <a:latin typeface="Adobe 고딕 Std B" panose="020B0800000000000000" pitchFamily="34" charset="-127"/>
+              <a:ea typeface="Adobe 고딕 Std B" panose="020B0800000000000000" pitchFamily="34" charset="-127"/>
             </a:endParaRPr>
           </a:p>
-        </p:txBody>
-      </p:sp>
-      <p:sp>
-        <p:nvSpPr>
-          <p:cNvPr id="6" name="직사각형 5"/>
+          <a:p>
+            <a:pPr algn="ctr"/>
+            <a:r>
+              <a:rPr lang="ko-KR" altLang="en-US" sz="1400" dirty="0" smtClean="0">
+                <a:solidFill>
+                  <a:sysClr val="windowText" lastClr="000000"/>
+                </a:solidFill>
+                <a:latin typeface="Adobe 고딕 Std B" panose="020B0800000000000000" pitchFamily="34" charset="-127"/>
+                <a:ea typeface="Adobe 고딕 Std B" panose="020B0800000000000000" pitchFamily="34" charset="-127"/>
+              </a:rPr>
+              <a:t>머리 속에서만 </a:t>
+            </a:r>
+            <a:r>
+              <a:rPr lang="ko-KR" altLang="en-US" sz="1400" dirty="0" err="1" smtClean="0">
+                <a:solidFill>
+                  <a:sysClr val="windowText" lastClr="000000"/>
+                </a:solidFill>
+                <a:latin typeface="Adobe 고딕 Std B" panose="020B0800000000000000" pitchFamily="34" charset="-127"/>
+                <a:ea typeface="Adobe 고딕 Std B" panose="020B0800000000000000" pitchFamily="34" charset="-127"/>
+              </a:rPr>
+              <a:t>되뇌이던</a:t>
+            </a:r>
+            <a:r>
+              <a:rPr lang="ko-KR" altLang="en-US" sz="1400" dirty="0" smtClean="0">
+                <a:solidFill>
+                  <a:sysClr val="windowText" lastClr="000000"/>
+                </a:solidFill>
+                <a:latin typeface="Adobe 고딕 Std B" panose="020B0800000000000000" pitchFamily="34" charset="-127"/>
+                <a:ea typeface="Adobe 고딕 Std B" panose="020B0800000000000000" pitchFamily="34" charset="-127"/>
+              </a:rPr>
+              <a:t> 것들을 그냥 내키는 대로 코드를 </a:t>
+            </a:r>
+            <a:r>
+              <a:rPr lang="ko-KR" altLang="en-US" sz="1400" dirty="0" err="1" smtClean="0">
+                <a:solidFill>
+                  <a:sysClr val="windowText" lastClr="000000"/>
+                </a:solidFill>
+                <a:latin typeface="Adobe 고딕 Std B" panose="020B0800000000000000" pitchFamily="34" charset="-127"/>
+                <a:ea typeface="Adobe 고딕 Std B" panose="020B0800000000000000" pitchFamily="34" charset="-127"/>
+              </a:rPr>
+              <a:t>짜보기도</a:t>
+            </a:r>
+            <a:r>
+              <a:rPr lang="ko-KR" altLang="en-US" sz="1400" dirty="0" smtClean="0">
+                <a:solidFill>
+                  <a:sysClr val="windowText" lastClr="000000"/>
+                </a:solidFill>
+                <a:latin typeface="Adobe 고딕 Std B" panose="020B0800000000000000" pitchFamily="34" charset="-127"/>
+                <a:ea typeface="Adobe 고딕 Std B" panose="020B0800000000000000" pitchFamily="34" charset="-127"/>
+              </a:rPr>
+              <a:t> 하고</a:t>
+            </a:r>
+            <a:endParaRPr lang="en-US" altLang="ko-KR" sz="1400" dirty="0" smtClean="0">
+              <a:solidFill>
+                <a:sysClr val="windowText" lastClr="000000"/>
+              </a:solidFill>
+              <a:latin typeface="Adobe 고딕 Std B" panose="020B0800000000000000" pitchFamily="34" charset="-127"/>
+              <a:ea typeface="Adobe 고딕 Std B" panose="020B0800000000000000" pitchFamily="34" charset="-127"/>
+            </a:endParaRPr>
+          </a:p>
+          <a:p>
+            <a:pPr algn="ctr"/>
+            <a:r>
+              <a:rPr lang="ko-KR" altLang="en-US" sz="1400" dirty="0" smtClean="0">
+                <a:solidFill>
+                  <a:sysClr val="windowText" lastClr="000000"/>
+                </a:solidFill>
+                <a:latin typeface="Adobe 고딕 Std B" panose="020B0800000000000000" pitchFamily="34" charset="-127"/>
+                <a:ea typeface="Adobe 고딕 Std B" panose="020B0800000000000000" pitchFamily="34" charset="-127"/>
+              </a:rPr>
+              <a:t> 그렇게도 안되면 직접 하나씩 찾아보면서 조금씩 수정해보기도 하고</a:t>
+            </a:r>
+            <a:endParaRPr lang="en-US" altLang="ko-KR" sz="1400" dirty="0" smtClean="0">
+              <a:solidFill>
+                <a:sysClr val="windowText" lastClr="000000"/>
+              </a:solidFill>
+              <a:latin typeface="Adobe 고딕 Std B" panose="020B0800000000000000" pitchFamily="34" charset="-127"/>
+              <a:ea typeface="Adobe 고딕 Std B" panose="020B0800000000000000" pitchFamily="34" charset="-127"/>
+            </a:endParaRPr>
+          </a:p>
+          <a:p>
+            <a:pPr algn="ctr"/>
+            <a:r>
+              <a:rPr lang="ko-KR" altLang="en-US" sz="1400" dirty="0" smtClean="0">
+                <a:solidFill>
+                  <a:sysClr val="windowText" lastClr="000000"/>
+                </a:solidFill>
+                <a:latin typeface="Adobe 고딕 Std B" panose="020B0800000000000000" pitchFamily="34" charset="-127"/>
+                <a:ea typeface="Adobe 고딕 Std B" panose="020B0800000000000000" pitchFamily="34" charset="-127"/>
+              </a:rPr>
+              <a:t>그렇게 이 페이지를 완성했다</a:t>
+            </a:r>
+            <a:r>
+              <a:rPr lang="en-US" altLang="ko-KR" sz="1400" dirty="0" smtClean="0">
+                <a:solidFill>
+                  <a:sysClr val="windowText" lastClr="000000"/>
+                </a:solidFill>
+                <a:latin typeface="Adobe 고딕 Std B" panose="020B0800000000000000" pitchFamily="34" charset="-127"/>
+                <a:ea typeface="Adobe 고딕 Std B" panose="020B0800000000000000" pitchFamily="34" charset="-127"/>
+              </a:rPr>
+              <a:t>. </a:t>
+            </a:r>
+            <a:r>
+              <a:rPr lang="ko-KR" altLang="en-US" sz="1400" dirty="0" smtClean="0">
+                <a:solidFill>
+                  <a:sysClr val="windowText" lastClr="000000"/>
+                </a:solidFill>
+                <a:latin typeface="Adobe 고딕 Std B" panose="020B0800000000000000" pitchFamily="34" charset="-127"/>
+                <a:ea typeface="Adobe 고딕 Std B" panose="020B0800000000000000" pitchFamily="34" charset="-127"/>
+              </a:rPr>
+              <a:t>머리 속으로 생각만 하던 기능들을</a:t>
+            </a:r>
+            <a:endParaRPr lang="en-US" altLang="ko-KR" sz="1400" dirty="0" smtClean="0">
+              <a:solidFill>
+                <a:sysClr val="windowText" lastClr="000000"/>
+              </a:solidFill>
+              <a:latin typeface="Adobe 고딕 Std B" panose="020B0800000000000000" pitchFamily="34" charset="-127"/>
+              <a:ea typeface="Adobe 고딕 Std B" panose="020B0800000000000000" pitchFamily="34" charset="-127"/>
+            </a:endParaRPr>
+          </a:p>
+          <a:p>
+            <a:pPr algn="ctr"/>
+            <a:r>
+              <a:rPr lang="ko-KR" altLang="en-US" sz="1400" dirty="0" smtClean="0">
+                <a:solidFill>
+                  <a:sysClr val="windowText" lastClr="000000"/>
+                </a:solidFill>
+                <a:latin typeface="Adobe 고딕 Std B" panose="020B0800000000000000" pitchFamily="34" charset="-127"/>
+                <a:ea typeface="Adobe 고딕 Std B" panose="020B0800000000000000" pitchFamily="34" charset="-127"/>
+              </a:rPr>
+              <a:t>미약하고 부족하게나마 직접 구현했다는 것에  뿌듯했고</a:t>
+            </a:r>
+            <a:r>
+              <a:rPr lang="en-US" altLang="ko-KR" sz="1400" dirty="0" smtClean="0">
+                <a:solidFill>
+                  <a:sysClr val="windowText" lastClr="000000"/>
+                </a:solidFill>
+                <a:latin typeface="Adobe 고딕 Std B" panose="020B0800000000000000" pitchFamily="34" charset="-127"/>
+                <a:ea typeface="Adobe 고딕 Std B" panose="020B0800000000000000" pitchFamily="34" charset="-127"/>
+              </a:rPr>
+              <a:t>,</a:t>
+            </a:r>
+          </a:p>
+          <a:p>
+            <a:pPr algn="ctr"/>
+            <a:r>
+              <a:rPr lang="ko-KR" altLang="en-US" sz="1400" dirty="0" smtClean="0">
+                <a:solidFill>
+                  <a:sysClr val="windowText" lastClr="000000"/>
+                </a:solidFill>
+                <a:latin typeface="Adobe 고딕 Std B" panose="020B0800000000000000" pitchFamily="34" charset="-127"/>
+                <a:ea typeface="Adobe 고딕 Std B" panose="020B0800000000000000" pitchFamily="34" charset="-127"/>
+              </a:rPr>
+              <a:t>처음엔 막막하기만 했던 코딩을 재미있게 해줬던 것 같다</a:t>
+            </a:r>
+            <a:r>
+              <a:rPr lang="en-US" altLang="ko-KR" sz="1400" dirty="0" smtClean="0">
+                <a:solidFill>
+                  <a:sysClr val="windowText" lastClr="000000"/>
+                </a:solidFill>
+                <a:latin typeface="Adobe 고딕 Std B" panose="020B0800000000000000" pitchFamily="34" charset="-127"/>
+                <a:ea typeface="Adobe 고딕 Std B" panose="020B0800000000000000" pitchFamily="34" charset="-127"/>
+              </a:rPr>
+              <a:t>.  </a:t>
+            </a:r>
+          </a:p>
+          <a:p>
+            <a:pPr algn="ctr"/>
+            <a:r>
+              <a:rPr lang="ko-KR" altLang="en-US" sz="1400" dirty="0" smtClean="0">
+                <a:solidFill>
+                  <a:sysClr val="windowText" lastClr="000000"/>
+                </a:solidFill>
+                <a:latin typeface="Adobe 고딕 Std B" panose="020B0800000000000000" pitchFamily="34" charset="-127"/>
+                <a:ea typeface="Adobe 고딕 Std B" panose="020B0800000000000000" pitchFamily="34" charset="-127"/>
+              </a:rPr>
+              <a:t>분명 허술하고 부족한 것이 많지만</a:t>
+            </a:r>
+            <a:endParaRPr lang="en-US" altLang="ko-KR" sz="1400" dirty="0" smtClean="0">
+              <a:solidFill>
+                <a:sysClr val="windowText" lastClr="000000"/>
+              </a:solidFill>
+              <a:latin typeface="Adobe 고딕 Std B" panose="020B0800000000000000" pitchFamily="34" charset="-127"/>
+              <a:ea typeface="Adobe 고딕 Std B" panose="020B0800000000000000" pitchFamily="34" charset="-127"/>
+            </a:endParaRPr>
+          </a:p>
+          <a:p>
+            <a:pPr algn="ctr"/>
+            <a:r>
+              <a:rPr lang="ko-KR" altLang="en-US" sz="1400" dirty="0" smtClean="0">
+                <a:solidFill>
+                  <a:sysClr val="windowText" lastClr="000000"/>
+                </a:solidFill>
+                <a:latin typeface="Adobe 고딕 Std B" panose="020B0800000000000000" pitchFamily="34" charset="-127"/>
+                <a:ea typeface="Adobe 고딕 Std B" panose="020B0800000000000000" pitchFamily="34" charset="-127"/>
+              </a:rPr>
+              <a:t>나에게 있어서는 적은 지식으로</a:t>
+            </a:r>
+            <a:r>
+              <a:rPr lang="en-US" altLang="ko-KR" sz="1400" dirty="0" smtClean="0">
+                <a:solidFill>
+                  <a:sysClr val="windowText" lastClr="000000"/>
+                </a:solidFill>
+                <a:latin typeface="Adobe 고딕 Std B" panose="020B0800000000000000" pitchFamily="34" charset="-127"/>
+                <a:ea typeface="Adobe 고딕 Std B" panose="020B0800000000000000" pitchFamily="34" charset="-127"/>
+              </a:rPr>
+              <a:t>, </a:t>
+            </a:r>
+            <a:r>
+              <a:rPr lang="ko-KR" altLang="en-US" sz="1400" dirty="0" smtClean="0">
+                <a:solidFill>
+                  <a:sysClr val="windowText" lastClr="000000"/>
+                </a:solidFill>
+                <a:latin typeface="Adobe 고딕 Std B" panose="020B0800000000000000" pitchFamily="34" charset="-127"/>
+                <a:ea typeface="Adobe 고딕 Std B" panose="020B0800000000000000" pitchFamily="34" charset="-127"/>
+              </a:rPr>
+              <a:t>적은 소스들로</a:t>
+            </a:r>
+            <a:r>
+              <a:rPr lang="en-US" altLang="ko-KR" sz="1400" dirty="0" smtClean="0">
+                <a:solidFill>
+                  <a:sysClr val="windowText" lastClr="000000"/>
+                </a:solidFill>
+                <a:latin typeface="Adobe 고딕 Std B" panose="020B0800000000000000" pitchFamily="34" charset="-127"/>
+                <a:ea typeface="Adobe 고딕 Std B" panose="020B0800000000000000" pitchFamily="34" charset="-127"/>
+              </a:rPr>
+              <a:t>, </a:t>
+            </a:r>
+            <a:r>
+              <a:rPr lang="ko-KR" altLang="en-US" sz="1400" dirty="0" smtClean="0">
+                <a:solidFill>
+                  <a:sysClr val="windowText" lastClr="000000"/>
+                </a:solidFill>
+                <a:latin typeface="Adobe 고딕 Std B" panose="020B0800000000000000" pitchFamily="34" charset="-127"/>
+                <a:ea typeface="Adobe 고딕 Std B" panose="020B0800000000000000" pitchFamily="34" charset="-127"/>
+              </a:rPr>
+              <a:t>적은 경험으로</a:t>
+            </a:r>
+            <a:endParaRPr lang="en-US" altLang="ko-KR" sz="1400" dirty="0" smtClean="0">
+              <a:solidFill>
+                <a:sysClr val="windowText" lastClr="000000"/>
+              </a:solidFill>
+              <a:latin typeface="Adobe 고딕 Std B" panose="020B0800000000000000" pitchFamily="34" charset="-127"/>
+              <a:ea typeface="Adobe 고딕 Std B" panose="020B0800000000000000" pitchFamily="34" charset="-127"/>
+            </a:endParaRPr>
+          </a:p>
+          <a:p>
+            <a:pPr algn="ctr"/>
+            <a:r>
+              <a:rPr lang="ko-KR" altLang="en-US" sz="1400" dirty="0" smtClean="0">
+                <a:solidFill>
+                  <a:sysClr val="windowText" lastClr="000000"/>
+                </a:solidFill>
+                <a:latin typeface="Adobe 고딕 Std B" panose="020B0800000000000000" pitchFamily="34" charset="-127"/>
+                <a:ea typeface="Adobe 고딕 Std B" panose="020B0800000000000000" pitchFamily="34" charset="-127"/>
+              </a:rPr>
+              <a:t>새로운 것을 시도 해 볼 수 있었던 중요한 경험이었던 것 같다</a:t>
+            </a:r>
+            <a:r>
+              <a:rPr lang="en-US" altLang="ko-KR" sz="1400" dirty="0" smtClean="0">
+                <a:solidFill>
+                  <a:sysClr val="windowText" lastClr="000000"/>
+                </a:solidFill>
+                <a:latin typeface="Adobe 고딕 Std B" panose="020B0800000000000000" pitchFamily="34" charset="-127"/>
+                <a:ea typeface="Adobe 고딕 Std B" panose="020B0800000000000000" pitchFamily="34" charset="-127"/>
+              </a:rPr>
+              <a:t>.</a:t>
+            </a:r>
+          </a:p>
+        </p:txBody>
+      </p:sp>
+      <p:sp>
+        <p:nvSpPr>
+          <p:cNvPr id="7" name="직사각형 6"/>
           <p:cNvSpPr/>
           <p:nvPr/>
         </p:nvSpPr>
         <p:spPr>
           <a:xfrm>
-            <a:off x="3772677" y="1850390"/>
-            <a:ext cx="6304384" cy="4327842"/>
+            <a:off x="2089779" y="1002600"/>
+            <a:ext cx="2314270" cy="1376706"/>
           </a:xfrm>
           <a:prstGeom prst="rect">
             <a:avLst/>
@@ -5698,532 +5797,26 @@
           <a:p>
             <a:pPr algn="ctr"/>
             <a:r>
-              <a:rPr lang="ko-KR" altLang="en-US" sz="1600" b="1" dirty="0" smtClean="0">
+              <a:rPr lang="ko-KR" altLang="en-US" dirty="0" smtClean="0">
                 <a:solidFill>
                   <a:sysClr val="windowText" lastClr="000000"/>
                 </a:solidFill>
                 <a:latin typeface="10X10 Bold" panose="020D0604000000000000" pitchFamily="50" charset="-127"/>
                 <a:ea typeface="10X10 Bold" panose="020D0604000000000000" pitchFamily="50" charset="-127"/>
               </a:rPr>
-              <a:t>처음으로 직접 내 손으로 쇼핑몰이라는 페이지를 만들어보았다</a:t>
-            </a:r>
-            <a:r>
-              <a:rPr lang="en-US" altLang="ko-KR" sz="1600" b="1" dirty="0" smtClean="0">
+              <a:t>첫 번째 페이지를 </a:t>
+            </a:r>
+            <a:r>
+              <a:rPr lang="ko-KR" altLang="en-US" smtClean="0">
                 <a:solidFill>
                   <a:sysClr val="windowText" lastClr="000000"/>
                 </a:solidFill>
                 <a:latin typeface="10X10 Bold" panose="020D0604000000000000" pitchFamily="50" charset="-127"/>
                 <a:ea typeface="10X10 Bold" panose="020D0604000000000000" pitchFamily="50" charset="-127"/>
               </a:rPr>
-              <a:t>.</a:t>
-            </a:r>
-          </a:p>
-          <a:p>
-            <a:pPr algn="ctr"/>
-            <a:r>
-              <a:rPr lang="ko-KR" altLang="en-US" sz="1600" b="1" dirty="0" smtClean="0">
-                <a:solidFill>
-                  <a:sysClr val="windowText" lastClr="000000"/>
-                </a:solidFill>
-                <a:latin typeface="10X10 Bold" panose="020D0604000000000000" pitchFamily="50" charset="-127"/>
-                <a:ea typeface="10X10 Bold" panose="020D0604000000000000" pitchFamily="50" charset="-127"/>
-              </a:rPr>
-              <a:t>분명 처음에는 시도해보지 않은 것이었기에 어렵다는 느낌보다는</a:t>
-            </a:r>
-            <a:endParaRPr lang="en-US" altLang="ko-KR" sz="1600" b="1" dirty="0" smtClean="0">
-              <a:solidFill>
-                <a:sysClr val="windowText" lastClr="000000"/>
-              </a:solidFill>
-              <a:latin typeface="10X10 Bold" panose="020D0604000000000000" pitchFamily="50" charset="-127"/>
-              <a:ea typeface="10X10 Bold" panose="020D0604000000000000" pitchFamily="50" charset="-127"/>
-            </a:endParaRPr>
-          </a:p>
-          <a:p>
-            <a:pPr algn="ctr"/>
-            <a:r>
-              <a:rPr lang="ko-KR" altLang="en-US" sz="1600" b="1" dirty="0" smtClean="0">
-                <a:solidFill>
-                  <a:sysClr val="windowText" lastClr="000000"/>
-                </a:solidFill>
-                <a:latin typeface="10X10 Bold" panose="020D0604000000000000" pitchFamily="50" charset="-127"/>
-                <a:ea typeface="10X10 Bold" panose="020D0604000000000000" pitchFamily="50" charset="-127"/>
-              </a:rPr>
-              <a:t>막막하다는 느낌이 제일 먼저 앞서기도 했지만</a:t>
-            </a:r>
-            <a:r>
-              <a:rPr lang="en-US" altLang="ko-KR" sz="1600" b="1" dirty="0" smtClean="0">
-                <a:solidFill>
-                  <a:sysClr val="windowText" lastClr="000000"/>
-                </a:solidFill>
-                <a:latin typeface="10X10 Bold" panose="020D0604000000000000" pitchFamily="50" charset="-127"/>
-                <a:ea typeface="10X10 Bold" panose="020D0604000000000000" pitchFamily="50" charset="-127"/>
-              </a:rPr>
-              <a:t>, </a:t>
-            </a:r>
-            <a:r>
-              <a:rPr lang="ko-KR" altLang="en-US" sz="1600" b="1" dirty="0" smtClean="0">
-                <a:solidFill>
-                  <a:sysClr val="windowText" lastClr="000000"/>
-                </a:solidFill>
-                <a:latin typeface="10X10 Bold" panose="020D0604000000000000" pitchFamily="50" charset="-127"/>
-                <a:ea typeface="10X10 Bold" panose="020D0604000000000000" pitchFamily="50" charset="-127"/>
-              </a:rPr>
-              <a:t>막상 제작을 시작하니</a:t>
-            </a:r>
-            <a:endParaRPr lang="en-US" altLang="ko-KR" sz="1600" b="1" dirty="0" smtClean="0">
-              <a:solidFill>
-                <a:sysClr val="windowText" lastClr="000000"/>
-              </a:solidFill>
-              <a:latin typeface="10X10 Bold" panose="020D0604000000000000" pitchFamily="50" charset="-127"/>
-              <a:ea typeface="10X10 Bold" panose="020D0604000000000000" pitchFamily="50" charset="-127"/>
-            </a:endParaRPr>
-          </a:p>
-          <a:p>
-            <a:pPr algn="ctr"/>
-            <a:r>
-              <a:rPr lang="en-US" altLang="ko-KR" sz="1600" b="1" dirty="0" smtClean="0">
-                <a:solidFill>
-                  <a:sysClr val="windowText" lastClr="000000"/>
-                </a:solidFill>
-                <a:latin typeface="10X10 Bold" panose="020D0604000000000000" pitchFamily="50" charset="-127"/>
-                <a:ea typeface="10X10 Bold" panose="020D0604000000000000" pitchFamily="50" charset="-127"/>
-              </a:rPr>
-              <a:t>3</a:t>
-            </a:r>
-            <a:r>
-              <a:rPr lang="ko-KR" altLang="en-US" sz="1600" b="1" dirty="0" smtClean="0">
-                <a:solidFill>
-                  <a:sysClr val="windowText" lastClr="000000"/>
-                </a:solidFill>
-                <a:latin typeface="10X10 Bold" panose="020D0604000000000000" pitchFamily="50" charset="-127"/>
-                <a:ea typeface="10X10 Bold" panose="020D0604000000000000" pitchFamily="50" charset="-127"/>
-              </a:rPr>
-              <a:t>주라는 짧은 시간 동안 기초적인 내용들이었지만 하나씩 </a:t>
-            </a:r>
-            <a:endParaRPr lang="en-US" altLang="ko-KR" sz="1600" b="1" dirty="0" smtClean="0">
-              <a:solidFill>
-                <a:sysClr val="windowText" lastClr="000000"/>
-              </a:solidFill>
-              <a:latin typeface="10X10 Bold" panose="020D0604000000000000" pitchFamily="50" charset="-127"/>
-              <a:ea typeface="10X10 Bold" panose="020D0604000000000000" pitchFamily="50" charset="-127"/>
-            </a:endParaRPr>
-          </a:p>
-          <a:p>
-            <a:pPr algn="ctr"/>
-            <a:r>
-              <a:rPr lang="ko-KR" altLang="en-US" sz="1600" b="1" dirty="0" smtClean="0">
-                <a:solidFill>
-                  <a:sysClr val="windowText" lastClr="000000"/>
-                </a:solidFill>
-                <a:latin typeface="10X10 Bold" panose="020D0604000000000000" pitchFamily="50" charset="-127"/>
-                <a:ea typeface="10X10 Bold" panose="020D0604000000000000" pitchFamily="50" charset="-127"/>
-              </a:rPr>
-              <a:t>머리에 되새겨지며 이 부분엔 이런걸 적용해보고 싶다</a:t>
-            </a:r>
-            <a:r>
-              <a:rPr lang="en-US" altLang="ko-KR" sz="1600" b="1" dirty="0" smtClean="0">
-                <a:solidFill>
-                  <a:sysClr val="windowText" lastClr="000000"/>
-                </a:solidFill>
-                <a:latin typeface="10X10 Bold" panose="020D0604000000000000" pitchFamily="50" charset="-127"/>
-                <a:ea typeface="10X10 Bold" panose="020D0604000000000000" pitchFamily="50" charset="-127"/>
-              </a:rPr>
-              <a:t>. </a:t>
-            </a:r>
-            <a:r>
-              <a:rPr lang="ko-KR" altLang="en-US" sz="1600" b="1" dirty="0" smtClean="0">
-                <a:solidFill>
-                  <a:sysClr val="windowText" lastClr="000000"/>
-                </a:solidFill>
-                <a:latin typeface="10X10 Bold" panose="020D0604000000000000" pitchFamily="50" charset="-127"/>
-                <a:ea typeface="10X10 Bold" panose="020D0604000000000000" pitchFamily="50" charset="-127"/>
-              </a:rPr>
-              <a:t>라던가</a:t>
-            </a:r>
-            <a:endParaRPr lang="en-US" altLang="ko-KR" sz="1600" b="1" dirty="0" smtClean="0">
-              <a:solidFill>
-                <a:sysClr val="windowText" lastClr="000000"/>
-              </a:solidFill>
-              <a:latin typeface="10X10 Bold" panose="020D0604000000000000" pitchFamily="50" charset="-127"/>
-              <a:ea typeface="10X10 Bold" panose="020D0604000000000000" pitchFamily="50" charset="-127"/>
-            </a:endParaRPr>
-          </a:p>
-          <a:p>
-            <a:pPr algn="ctr"/>
-            <a:r>
-              <a:rPr lang="ko-KR" altLang="en-US" sz="1600" b="1" dirty="0" smtClean="0">
-                <a:solidFill>
-                  <a:sysClr val="windowText" lastClr="000000"/>
-                </a:solidFill>
-                <a:latin typeface="10X10 Bold" panose="020D0604000000000000" pitchFamily="50" charset="-127"/>
-                <a:ea typeface="10X10 Bold" panose="020D0604000000000000" pitchFamily="50" charset="-127"/>
-              </a:rPr>
-              <a:t>아직 배우지 않았지만 이런 기능을 적용해보고 싶다</a:t>
-            </a:r>
-            <a:r>
-              <a:rPr lang="en-US" altLang="ko-KR" sz="1600" b="1" dirty="0" smtClean="0">
-                <a:solidFill>
-                  <a:sysClr val="windowText" lastClr="000000"/>
-                </a:solidFill>
-                <a:latin typeface="10X10 Bold" panose="020D0604000000000000" pitchFamily="50" charset="-127"/>
-                <a:ea typeface="10X10 Bold" panose="020D0604000000000000" pitchFamily="50" charset="-127"/>
-              </a:rPr>
-              <a:t>.</a:t>
-            </a:r>
-            <a:r>
-              <a:rPr lang="ko-KR" altLang="en-US" sz="1600" b="1" dirty="0" smtClean="0">
-                <a:solidFill>
-                  <a:sysClr val="windowText" lastClr="000000"/>
-                </a:solidFill>
-                <a:latin typeface="10X10 Bold" panose="020D0604000000000000" pitchFamily="50" charset="-127"/>
-                <a:ea typeface="10X10 Bold" panose="020D0604000000000000" pitchFamily="50" charset="-127"/>
-              </a:rPr>
-              <a:t>라며 </a:t>
-            </a:r>
-            <a:endParaRPr lang="en-US" altLang="ko-KR" sz="1600" b="1" dirty="0" smtClean="0">
-              <a:solidFill>
-                <a:sysClr val="windowText" lastClr="000000"/>
-              </a:solidFill>
-              <a:latin typeface="10X10 Bold" panose="020D0604000000000000" pitchFamily="50" charset="-127"/>
-              <a:ea typeface="10X10 Bold" panose="020D0604000000000000" pitchFamily="50" charset="-127"/>
-            </a:endParaRPr>
-          </a:p>
-          <a:p>
-            <a:pPr algn="ctr"/>
-            <a:r>
-              <a:rPr lang="ko-KR" altLang="en-US" sz="1600" b="1" dirty="0" smtClean="0">
-                <a:solidFill>
-                  <a:sysClr val="windowText" lastClr="000000"/>
-                </a:solidFill>
-                <a:latin typeface="10X10 Bold" panose="020D0604000000000000" pitchFamily="50" charset="-127"/>
-                <a:ea typeface="10X10 Bold" panose="020D0604000000000000" pitchFamily="50" charset="-127"/>
-              </a:rPr>
-              <a:t>머리 속에서만 </a:t>
-            </a:r>
-            <a:r>
-              <a:rPr lang="ko-KR" altLang="en-US" sz="1600" b="1" dirty="0" err="1" smtClean="0">
-                <a:solidFill>
-                  <a:sysClr val="windowText" lastClr="000000"/>
-                </a:solidFill>
-                <a:latin typeface="10X10 Bold" panose="020D0604000000000000" pitchFamily="50" charset="-127"/>
-                <a:ea typeface="10X10 Bold" panose="020D0604000000000000" pitchFamily="50" charset="-127"/>
-              </a:rPr>
-              <a:t>되뇌이던</a:t>
-            </a:r>
-            <a:r>
-              <a:rPr lang="ko-KR" altLang="en-US" sz="1600" b="1" dirty="0" smtClean="0">
-                <a:solidFill>
-                  <a:sysClr val="windowText" lastClr="000000"/>
-                </a:solidFill>
-                <a:latin typeface="10X10 Bold" panose="020D0604000000000000" pitchFamily="50" charset="-127"/>
-                <a:ea typeface="10X10 Bold" panose="020D0604000000000000" pitchFamily="50" charset="-127"/>
-              </a:rPr>
-              <a:t> 것들을 그냥 내키는 대로 코드를 </a:t>
-            </a:r>
-            <a:r>
-              <a:rPr lang="ko-KR" altLang="en-US" sz="1600" b="1" dirty="0" err="1" smtClean="0">
-                <a:solidFill>
-                  <a:sysClr val="windowText" lastClr="000000"/>
-                </a:solidFill>
-                <a:latin typeface="10X10 Bold" panose="020D0604000000000000" pitchFamily="50" charset="-127"/>
-                <a:ea typeface="10X10 Bold" panose="020D0604000000000000" pitchFamily="50" charset="-127"/>
-              </a:rPr>
-              <a:t>짜보기도</a:t>
-            </a:r>
-            <a:r>
-              <a:rPr lang="ko-KR" altLang="en-US" sz="1600" b="1" dirty="0" smtClean="0">
-                <a:solidFill>
-                  <a:sysClr val="windowText" lastClr="000000"/>
-                </a:solidFill>
-                <a:latin typeface="10X10 Bold" panose="020D0604000000000000" pitchFamily="50" charset="-127"/>
-                <a:ea typeface="10X10 Bold" panose="020D0604000000000000" pitchFamily="50" charset="-127"/>
-              </a:rPr>
-              <a:t> 하고</a:t>
-            </a:r>
-            <a:endParaRPr lang="en-US" altLang="ko-KR" sz="1600" b="1" dirty="0" smtClean="0">
-              <a:solidFill>
-                <a:sysClr val="windowText" lastClr="000000"/>
-              </a:solidFill>
-              <a:latin typeface="10X10 Bold" panose="020D0604000000000000" pitchFamily="50" charset="-127"/>
-              <a:ea typeface="10X10 Bold" panose="020D0604000000000000" pitchFamily="50" charset="-127"/>
-            </a:endParaRPr>
-          </a:p>
-          <a:p>
-            <a:pPr algn="ctr"/>
-            <a:r>
-              <a:rPr lang="ko-KR" altLang="en-US" sz="1600" b="1" dirty="0" smtClean="0">
-                <a:solidFill>
-                  <a:sysClr val="windowText" lastClr="000000"/>
-                </a:solidFill>
-                <a:latin typeface="10X10 Bold" panose="020D0604000000000000" pitchFamily="50" charset="-127"/>
-                <a:ea typeface="10X10 Bold" panose="020D0604000000000000" pitchFamily="50" charset="-127"/>
-              </a:rPr>
-              <a:t> 그렇게도 안되면 직접 하나씩 찾아보면서 조금씩 수정해보기도 하고</a:t>
-            </a:r>
-            <a:endParaRPr lang="en-US" altLang="ko-KR" sz="1600" b="1" dirty="0" smtClean="0">
-              <a:solidFill>
-                <a:sysClr val="windowText" lastClr="000000"/>
-              </a:solidFill>
-              <a:latin typeface="10X10 Bold" panose="020D0604000000000000" pitchFamily="50" charset="-127"/>
-              <a:ea typeface="10X10 Bold" panose="020D0604000000000000" pitchFamily="50" charset="-127"/>
-            </a:endParaRPr>
-          </a:p>
-          <a:p>
-            <a:pPr algn="ctr"/>
-            <a:r>
-              <a:rPr lang="ko-KR" altLang="en-US" sz="1600" b="1" dirty="0" smtClean="0">
-                <a:solidFill>
-                  <a:sysClr val="windowText" lastClr="000000"/>
-                </a:solidFill>
-                <a:latin typeface="10X10 Bold" panose="020D0604000000000000" pitchFamily="50" charset="-127"/>
-                <a:ea typeface="10X10 Bold" panose="020D0604000000000000" pitchFamily="50" charset="-127"/>
-              </a:rPr>
-              <a:t>그렇게 이 페이지를 완성했다</a:t>
-            </a:r>
-            <a:r>
-              <a:rPr lang="en-US" altLang="ko-KR" sz="1600" b="1" dirty="0" smtClean="0">
-                <a:solidFill>
-                  <a:sysClr val="windowText" lastClr="000000"/>
-                </a:solidFill>
-                <a:latin typeface="10X10 Bold" panose="020D0604000000000000" pitchFamily="50" charset="-127"/>
-                <a:ea typeface="10X10 Bold" panose="020D0604000000000000" pitchFamily="50" charset="-127"/>
-              </a:rPr>
-              <a:t>. </a:t>
-            </a:r>
-            <a:r>
-              <a:rPr lang="ko-KR" altLang="en-US" sz="1600" b="1" dirty="0" smtClean="0">
-                <a:solidFill>
-                  <a:sysClr val="windowText" lastClr="000000"/>
-                </a:solidFill>
-                <a:latin typeface="10X10 Bold" panose="020D0604000000000000" pitchFamily="50" charset="-127"/>
-                <a:ea typeface="10X10 Bold" panose="020D0604000000000000" pitchFamily="50" charset="-127"/>
-              </a:rPr>
-              <a:t>머리 속으로 생각만 하던 기능들을</a:t>
-            </a:r>
-            <a:endParaRPr lang="en-US" altLang="ko-KR" sz="1600" b="1" dirty="0" smtClean="0">
-              <a:solidFill>
-                <a:sysClr val="windowText" lastClr="000000"/>
-              </a:solidFill>
-              <a:latin typeface="10X10 Bold" panose="020D0604000000000000" pitchFamily="50" charset="-127"/>
-              <a:ea typeface="10X10 Bold" panose="020D0604000000000000" pitchFamily="50" charset="-127"/>
-            </a:endParaRPr>
-          </a:p>
-          <a:p>
-            <a:pPr algn="ctr"/>
-            <a:r>
-              <a:rPr lang="ko-KR" altLang="en-US" sz="1600" b="1" dirty="0" smtClean="0">
-                <a:solidFill>
-                  <a:sysClr val="windowText" lastClr="000000"/>
-                </a:solidFill>
-                <a:latin typeface="10X10 Bold" panose="020D0604000000000000" pitchFamily="50" charset="-127"/>
-                <a:ea typeface="10X10 Bold" panose="020D0604000000000000" pitchFamily="50" charset="-127"/>
-              </a:rPr>
-              <a:t>미약하고 부족하게나마 직접 구현했다는 것에  뿌듯했고</a:t>
-            </a:r>
-            <a:r>
-              <a:rPr lang="en-US" altLang="ko-KR" sz="1600" b="1" dirty="0" smtClean="0">
-                <a:solidFill>
-                  <a:sysClr val="windowText" lastClr="000000"/>
-                </a:solidFill>
-                <a:latin typeface="10X10 Bold" panose="020D0604000000000000" pitchFamily="50" charset="-127"/>
-                <a:ea typeface="10X10 Bold" panose="020D0604000000000000" pitchFamily="50" charset="-127"/>
-              </a:rPr>
-              <a:t>,</a:t>
-            </a:r>
-          </a:p>
-          <a:p>
-            <a:pPr algn="ctr"/>
-            <a:r>
-              <a:rPr lang="ko-KR" altLang="en-US" sz="1600" b="1" dirty="0" smtClean="0">
-                <a:solidFill>
-                  <a:sysClr val="windowText" lastClr="000000"/>
-                </a:solidFill>
-                <a:latin typeface="10X10 Bold" panose="020D0604000000000000" pitchFamily="50" charset="-127"/>
-                <a:ea typeface="10X10 Bold" panose="020D0604000000000000" pitchFamily="50" charset="-127"/>
-              </a:rPr>
-              <a:t>처음엔 막막하기만 했던 코딩을 재미있게 해줬던 것 같다</a:t>
-            </a:r>
-            <a:r>
-              <a:rPr lang="en-US" altLang="ko-KR" sz="1600" b="1" dirty="0" smtClean="0">
-                <a:solidFill>
-                  <a:sysClr val="windowText" lastClr="000000"/>
-                </a:solidFill>
-                <a:latin typeface="10X10 Bold" panose="020D0604000000000000" pitchFamily="50" charset="-127"/>
-                <a:ea typeface="10X10 Bold" panose="020D0604000000000000" pitchFamily="50" charset="-127"/>
-              </a:rPr>
-              <a:t>.  </a:t>
-            </a:r>
-          </a:p>
-          <a:p>
-            <a:pPr algn="ctr"/>
-            <a:r>
-              <a:rPr lang="ko-KR" altLang="en-US" sz="1600" b="1" dirty="0" smtClean="0">
-                <a:solidFill>
-                  <a:sysClr val="windowText" lastClr="000000"/>
-                </a:solidFill>
-                <a:latin typeface="10X10 Bold" panose="020D0604000000000000" pitchFamily="50" charset="-127"/>
-                <a:ea typeface="10X10 Bold" panose="020D0604000000000000" pitchFamily="50" charset="-127"/>
-              </a:rPr>
-              <a:t>분명 허술하고 부족한 것이 많지만</a:t>
-            </a:r>
-            <a:endParaRPr lang="en-US" altLang="ko-KR" sz="1600" b="1" dirty="0" smtClean="0">
-              <a:solidFill>
-                <a:sysClr val="windowText" lastClr="000000"/>
-              </a:solidFill>
-              <a:latin typeface="10X10 Bold" panose="020D0604000000000000" pitchFamily="50" charset="-127"/>
-              <a:ea typeface="10X10 Bold" panose="020D0604000000000000" pitchFamily="50" charset="-127"/>
-            </a:endParaRPr>
-          </a:p>
-          <a:p>
-            <a:pPr algn="ctr"/>
-            <a:r>
-              <a:rPr lang="ko-KR" altLang="en-US" sz="1600" b="1" dirty="0" smtClean="0">
-                <a:solidFill>
-                  <a:sysClr val="windowText" lastClr="000000"/>
-                </a:solidFill>
-                <a:latin typeface="10X10 Bold" panose="020D0604000000000000" pitchFamily="50" charset="-127"/>
-                <a:ea typeface="10X10 Bold" panose="020D0604000000000000" pitchFamily="50" charset="-127"/>
-              </a:rPr>
-              <a:t>나에게 있어서는 적은 지식으로</a:t>
-            </a:r>
-            <a:r>
-              <a:rPr lang="en-US" altLang="ko-KR" sz="1600" b="1" dirty="0" smtClean="0">
-                <a:solidFill>
-                  <a:sysClr val="windowText" lastClr="000000"/>
-                </a:solidFill>
-                <a:latin typeface="10X10 Bold" panose="020D0604000000000000" pitchFamily="50" charset="-127"/>
-                <a:ea typeface="10X10 Bold" panose="020D0604000000000000" pitchFamily="50" charset="-127"/>
-              </a:rPr>
-              <a:t>, </a:t>
-            </a:r>
-            <a:r>
-              <a:rPr lang="ko-KR" altLang="en-US" sz="1600" b="1" dirty="0" smtClean="0">
-                <a:solidFill>
-                  <a:sysClr val="windowText" lastClr="000000"/>
-                </a:solidFill>
-                <a:latin typeface="10X10 Bold" panose="020D0604000000000000" pitchFamily="50" charset="-127"/>
-                <a:ea typeface="10X10 Bold" panose="020D0604000000000000" pitchFamily="50" charset="-127"/>
-              </a:rPr>
-              <a:t>적은 소스들로</a:t>
-            </a:r>
-            <a:r>
-              <a:rPr lang="en-US" altLang="ko-KR" sz="1600" b="1" dirty="0" smtClean="0">
-                <a:solidFill>
-                  <a:sysClr val="windowText" lastClr="000000"/>
-                </a:solidFill>
-                <a:latin typeface="10X10 Bold" panose="020D0604000000000000" pitchFamily="50" charset="-127"/>
-                <a:ea typeface="10X10 Bold" panose="020D0604000000000000" pitchFamily="50" charset="-127"/>
-              </a:rPr>
-              <a:t>, </a:t>
-            </a:r>
-            <a:r>
-              <a:rPr lang="ko-KR" altLang="en-US" sz="1600" b="1" dirty="0" smtClean="0">
-                <a:solidFill>
-                  <a:sysClr val="windowText" lastClr="000000"/>
-                </a:solidFill>
-                <a:latin typeface="10X10 Bold" panose="020D0604000000000000" pitchFamily="50" charset="-127"/>
-                <a:ea typeface="10X10 Bold" panose="020D0604000000000000" pitchFamily="50" charset="-127"/>
-              </a:rPr>
-              <a:t>적은 경험으로</a:t>
-            </a:r>
-            <a:endParaRPr lang="en-US" altLang="ko-KR" sz="1600" b="1" dirty="0" smtClean="0">
-              <a:solidFill>
-                <a:sysClr val="windowText" lastClr="000000"/>
-              </a:solidFill>
-              <a:latin typeface="10X10 Bold" panose="020D0604000000000000" pitchFamily="50" charset="-127"/>
-              <a:ea typeface="10X10 Bold" panose="020D0604000000000000" pitchFamily="50" charset="-127"/>
-            </a:endParaRPr>
-          </a:p>
-          <a:p>
-            <a:pPr algn="ctr"/>
-            <a:r>
-              <a:rPr lang="ko-KR" altLang="en-US" sz="1600" b="1" dirty="0" smtClean="0">
-                <a:solidFill>
-                  <a:sysClr val="windowText" lastClr="000000"/>
-                </a:solidFill>
-                <a:latin typeface="10X10 Bold" panose="020D0604000000000000" pitchFamily="50" charset="-127"/>
-                <a:ea typeface="10X10 Bold" panose="020D0604000000000000" pitchFamily="50" charset="-127"/>
-              </a:rPr>
-              <a:t>새로운 것을 시도 해 볼 수 있었던 중요한 경험이었던 것 같다</a:t>
-            </a:r>
-            <a:r>
-              <a:rPr lang="en-US" altLang="ko-KR" sz="1600" b="1" dirty="0" smtClean="0">
-                <a:solidFill>
-                  <a:sysClr val="windowText" lastClr="000000"/>
-                </a:solidFill>
-                <a:latin typeface="10X10 Bold" panose="020D0604000000000000" pitchFamily="50" charset="-127"/>
-                <a:ea typeface="10X10 Bold" panose="020D0604000000000000" pitchFamily="50" charset="-127"/>
-              </a:rPr>
-              <a:t>.</a:t>
-            </a:r>
-          </a:p>
-        </p:txBody>
-      </p:sp>
-      <p:sp>
-        <p:nvSpPr>
-          <p:cNvPr id="7" name="직사각형 6"/>
-          <p:cNvSpPr/>
-          <p:nvPr/>
-        </p:nvSpPr>
-        <p:spPr>
-          <a:xfrm>
-            <a:off x="2089779" y="1002600"/>
-            <a:ext cx="2314270" cy="1376706"/>
-          </a:xfrm>
-          <a:prstGeom prst="rect">
-            <a:avLst/>
-          </a:prstGeom>
-          <a:solidFill>
-            <a:schemeClr val="bg1"/>
-          </a:solidFill>
-          <a:ln>
-            <a:solidFill>
-              <a:schemeClr val="bg1"/>
-            </a:solidFill>
-          </a:ln>
-        </p:spPr>
-        <p:style>
-          <a:lnRef idx="2">
-            <a:schemeClr val="accent1">
-              <a:shade val="50000"/>
-            </a:schemeClr>
-          </a:lnRef>
-          <a:fillRef idx="1">
-            <a:schemeClr val="accent1"/>
-          </a:fillRef>
-          <a:effectRef idx="0">
-            <a:schemeClr val="accent1"/>
-          </a:effectRef>
-          <a:fontRef idx="minor">
-            <a:schemeClr val="lt1"/>
-          </a:fontRef>
-        </p:style>
-        <p:txBody>
-          <a:bodyPr rtlCol="0" anchor="ctr"/>
-          <a:lstStyle/>
-          <a:p>
-            <a:pPr algn="ctr"/>
-            <a:r>
-              <a:rPr lang="ko-KR" altLang="en-US" b="1" dirty="0" smtClean="0">
-                <a:solidFill>
-                  <a:sysClr val="windowText" lastClr="000000"/>
-                </a:solidFill>
-                <a:latin typeface="10X10 Bold" panose="020D0604000000000000" pitchFamily="50" charset="-127"/>
-                <a:ea typeface="10X10 Bold" panose="020D0604000000000000" pitchFamily="50" charset="-127"/>
-              </a:rPr>
-              <a:t>첫 번째 페이지를 </a:t>
-            </a:r>
-            <a:r>
-              <a:rPr lang="ko-KR" altLang="en-US" b="1" smtClean="0">
-                <a:solidFill>
-                  <a:sysClr val="windowText" lastClr="000000"/>
-                </a:solidFill>
-                <a:latin typeface="10X10 Bold" panose="020D0604000000000000" pitchFamily="50" charset="-127"/>
-                <a:ea typeface="10X10 Bold" panose="020D0604000000000000" pitchFamily="50" charset="-127"/>
-              </a:rPr>
               <a:t>제작 해 본 후기</a:t>
             </a:r>
-            <a:endParaRPr lang="ko-KR" altLang="en-US" b="1" dirty="0">
+            <a:endParaRPr lang="ko-KR" altLang="en-US" dirty="0">
               <a:solidFill>
                 <a:sysClr val="windowText" lastClr="000000"/>
               </a:solidFill>
@@ -6402,7 +5995,7 @@
           <a:p>
             <a:pPr marL="0" indent="0" algn="ctr" hangingPunct="1"/>
             <a:r>
-              <a:rPr sz="5000" dirty="0">
+              <a:rPr sz="5000" b="1" dirty="0">
                 <a:solidFill>
                   <a:schemeClr val="bg1"/>
                 </a:solidFill>
@@ -6412,7 +6005,7 @@
               <a:t>기</a:t>
             </a:r>
             <a:r>
-              <a:rPr lang="ko-KR" sz="5000" dirty="0">
+              <a:rPr lang="ko-KR" sz="5000" b="1" dirty="0">
                 <a:solidFill>
                   <a:schemeClr val="bg1"/>
                 </a:solidFill>
@@ -6421,7 +6014,7 @@
               </a:rPr>
               <a:t>획</a:t>
             </a:r>
-            <a:endParaRPr lang="ko-KR" altLang="en-US" sz="5000" dirty="0">
+            <a:endParaRPr lang="ko-KR" altLang="en-US" sz="5000" b="1" dirty="0">
               <a:solidFill>
                 <a:schemeClr val="bg1"/>
               </a:solidFill>
@@ -6442,7 +6035,7 @@
         <p:spPr>
           <a:xfrm>
             <a:off x="4774381" y="2862542"/>
-            <a:ext cx="1325880" cy="1323975"/>
+            <a:ext cx="1325880" cy="1324722"/>
           </a:xfrm>
           <a:prstGeom prst="rect">
             <a:avLst/>
@@ -6524,7 +6117,7 @@
           <a:p>
             <a:pPr marL="0" indent="0" algn="ctr" hangingPunct="1"/>
             <a:r>
-              <a:rPr lang="ko-KR" altLang="en-US" sz="5000" dirty="0" err="1" smtClean="0">
+              <a:rPr lang="ko-KR" altLang="en-US" sz="5000" b="1" dirty="0" err="1" smtClean="0">
                 <a:solidFill>
                   <a:schemeClr val="bg1"/>
                 </a:solidFill>
@@ -6533,7 +6126,7 @@
               </a:rPr>
               <a:t>화면구현</a:t>
             </a:r>
-            <a:endParaRPr lang="ko-KR" altLang="en-US" sz="5000" dirty="0">
+            <a:endParaRPr lang="ko-KR" altLang="en-US" sz="5000" b="1" dirty="0">
               <a:solidFill>
                 <a:schemeClr val="bg1"/>
               </a:solidFill>
@@ -6554,7 +6147,7 @@
         <p:spPr>
           <a:xfrm>
             <a:off x="8278870" y="4192947"/>
-            <a:ext cx="1325880" cy="1323975"/>
+            <a:ext cx="1325880" cy="1324722"/>
           </a:xfrm>
           <a:prstGeom prst="rect">
             <a:avLst/>
@@ -6636,7 +6229,7 @@
           <a:p>
             <a:pPr marL="0" indent="0" algn="ctr" hangingPunct="1"/>
             <a:r>
-              <a:rPr lang="ko-KR" altLang="en-US" sz="5000" dirty="0" smtClean="0">
+              <a:rPr lang="ko-KR" altLang="en-US" sz="5000" b="1" dirty="0" smtClean="0">
                 <a:solidFill>
                   <a:schemeClr val="bg1"/>
                 </a:solidFill>
@@ -6645,7 +6238,7 @@
               </a:rPr>
               <a:t>후기</a:t>
             </a:r>
-            <a:endParaRPr lang="ko-KR" altLang="en-US" sz="5000" dirty="0">
+            <a:endParaRPr lang="ko-KR" altLang="en-US" sz="5000" b="1" dirty="0">
               <a:solidFill>
                 <a:schemeClr val="bg1"/>
               </a:solidFill>
@@ -6783,7 +6376,7 @@
           <a:p>
             <a:pPr marL="0" indent="0" algn="ctr" hangingPunct="1"/>
             <a:r>
-              <a:rPr sz="5000" dirty="0">
+              <a:rPr sz="5000" b="1" dirty="0">
                 <a:solidFill>
                   <a:schemeClr val="bg1"/>
                 </a:solidFill>
@@ -6793,7 +6386,7 @@
               <a:t>기</a:t>
             </a:r>
             <a:r>
-              <a:rPr lang="ko-KR" sz="5000" dirty="0">
+              <a:rPr lang="ko-KR" sz="5000" b="1" dirty="0">
                 <a:solidFill>
                   <a:schemeClr val="bg1"/>
                 </a:solidFill>
@@ -6802,7 +6395,7 @@
               </a:rPr>
               <a:t>획</a:t>
             </a:r>
-            <a:endParaRPr lang="ko-KR" altLang="en-US" sz="5000" dirty="0">
+            <a:endParaRPr lang="ko-KR" altLang="en-US" sz="5000" b="1" dirty="0">
               <a:solidFill>
                 <a:schemeClr val="bg1"/>
               </a:solidFill>
@@ -6915,7 +6508,10 @@
           <a:lstStyle/>
           <a:p>
             <a:pPr algn="ctr"/>
-            <a:endParaRPr lang="ko-KR" altLang="en-US"/>
+            <a:endParaRPr lang="ko-KR" altLang="en-US">
+              <a:latin typeface="Adobe 고딕 Std B" panose="020B0800000000000000" pitchFamily="34" charset="-127"/>
+              <a:ea typeface="Adobe 고딕 Std B" panose="020B0800000000000000" pitchFamily="34" charset="-127"/>
+            </a:endParaRPr>
           </a:p>
         </p:txBody>
       </p:sp>
@@ -6947,8 +6543,8 @@
                 <a:solidFill>
                   <a:schemeClr val="bg1"/>
                 </a:solidFill>
-                <a:latin typeface="10X10 Bold" panose="020D0604000000000000" pitchFamily="50" charset="-127"/>
-                <a:ea typeface="10X10 Bold" panose="020D0604000000000000" pitchFamily="50" charset="-127"/>
+                <a:latin typeface="Adobe 고딕 Std B" panose="020B0800000000000000" pitchFamily="34" charset="-127"/>
+                <a:ea typeface="Adobe 고딕 Std B" panose="020B0800000000000000" pitchFamily="34" charset="-127"/>
               </a:rPr>
               <a:t>이지현 </a:t>
             </a:r>
@@ -6957,8 +6553,8 @@
                 <a:solidFill>
                   <a:schemeClr val="bg1"/>
                 </a:solidFill>
-                <a:latin typeface="10X10 Bold" panose="020D0604000000000000" pitchFamily="50" charset="-127"/>
-                <a:ea typeface="10X10 Bold" panose="020D0604000000000000" pitchFamily="50" charset="-127"/>
+                <a:latin typeface="Adobe 고딕 Std B" panose="020B0800000000000000" pitchFamily="34" charset="-127"/>
+                <a:ea typeface="Adobe 고딕 Std B" panose="020B0800000000000000" pitchFamily="34" charset="-127"/>
               </a:rPr>
               <a:t>(26)</a:t>
             </a:r>
@@ -6966,8 +6562,8 @@
               <a:solidFill>
                 <a:schemeClr val="bg1"/>
               </a:solidFill>
-              <a:latin typeface="10X10 Bold" panose="020D0604000000000000" pitchFamily="50" charset="-127"/>
-              <a:ea typeface="10X10 Bold" panose="020D0604000000000000" pitchFamily="50" charset="-127"/>
+              <a:latin typeface="Adobe 고딕 Std B" panose="020B0800000000000000" pitchFamily="34" charset="-127"/>
+              <a:ea typeface="Adobe 고딕 Std B" panose="020B0800000000000000" pitchFamily="34" charset="-127"/>
             </a:endParaRPr>
           </a:p>
         </p:txBody>
@@ -7000,8 +6596,8 @@
                 <a:solidFill>
                   <a:schemeClr val="bg1"/>
                 </a:solidFill>
-                <a:latin typeface="10X10 Bold" panose="020D0604000000000000" pitchFamily="50" charset="-127"/>
-                <a:ea typeface="10X10 Bold" panose="020D0604000000000000" pitchFamily="50" charset="-127"/>
+                <a:latin typeface="Adobe 고딕 Std B" panose="020B0800000000000000" pitchFamily="34" charset="-127"/>
+                <a:ea typeface="Adobe 고딕 Std B" panose="020B0800000000000000" pitchFamily="34" charset="-127"/>
               </a:rPr>
               <a:t>호텔리어</a:t>
             </a:r>
@@ -7009,8 +6605,8 @@
               <a:solidFill>
                 <a:schemeClr val="bg1"/>
               </a:solidFill>
-              <a:latin typeface="10X10 Bold" panose="020D0604000000000000" pitchFamily="50" charset="-127"/>
-              <a:ea typeface="10X10 Bold" panose="020D0604000000000000" pitchFamily="50" charset="-127"/>
+              <a:latin typeface="Adobe 고딕 Std B" panose="020B0800000000000000" pitchFamily="34" charset="-127"/>
+              <a:ea typeface="Adobe 고딕 Std B" panose="020B0800000000000000" pitchFamily="34" charset="-127"/>
             </a:endParaRPr>
           </a:p>
         </p:txBody>
@@ -7043,8 +6639,8 @@
                 <a:solidFill>
                   <a:schemeClr val="bg1"/>
                 </a:solidFill>
-                <a:latin typeface="10X10 Bold" panose="020D0604000000000000" pitchFamily="50" charset="-127"/>
-                <a:ea typeface="10X10 Bold" panose="020D0604000000000000" pitchFamily="50" charset="-127"/>
+                <a:latin typeface="Adobe 고딕 Std B" panose="020B0800000000000000" pitchFamily="34" charset="-127"/>
+                <a:ea typeface="Adobe 고딕 Std B" panose="020B0800000000000000" pitchFamily="34" charset="-127"/>
               </a:rPr>
               <a:t>최고급 호텔에서</a:t>
             </a:r>
@@ -7053,8 +6649,8 @@
                 <a:solidFill>
                   <a:schemeClr val="bg1"/>
                 </a:solidFill>
-                <a:latin typeface="10X10 Bold" panose="020D0604000000000000" pitchFamily="50" charset="-127"/>
-                <a:ea typeface="10X10 Bold" panose="020D0604000000000000" pitchFamily="50" charset="-127"/>
+                <a:latin typeface="Adobe 고딕 Std B" panose="020B0800000000000000" pitchFamily="34" charset="-127"/>
+                <a:ea typeface="Adobe 고딕 Std B" panose="020B0800000000000000" pitchFamily="34" charset="-127"/>
               </a:rPr>
               <a:t> </a:t>
             </a:r>
@@ -7063,8 +6659,8 @@
                 <a:solidFill>
                   <a:schemeClr val="bg1"/>
                 </a:solidFill>
-                <a:latin typeface="10X10 Bold" panose="020D0604000000000000" pitchFamily="50" charset="-127"/>
-                <a:ea typeface="10X10 Bold" panose="020D0604000000000000" pitchFamily="50" charset="-127"/>
+                <a:latin typeface="Adobe 고딕 Std B" panose="020B0800000000000000" pitchFamily="34" charset="-127"/>
+                <a:ea typeface="Adobe 고딕 Std B" panose="020B0800000000000000" pitchFamily="34" charset="-127"/>
               </a:rPr>
               <a:t>근무하는 그녀는</a:t>
             </a:r>
@@ -7072,8 +6668,8 @@
               <a:solidFill>
                 <a:schemeClr val="bg1"/>
               </a:solidFill>
-              <a:latin typeface="10X10 Bold" panose="020D0604000000000000" pitchFamily="50" charset="-127"/>
-              <a:ea typeface="10X10 Bold" panose="020D0604000000000000" pitchFamily="50" charset="-127"/>
+              <a:latin typeface="Adobe 고딕 Std B" panose="020B0800000000000000" pitchFamily="34" charset="-127"/>
+              <a:ea typeface="Adobe 고딕 Std B" panose="020B0800000000000000" pitchFamily="34" charset="-127"/>
             </a:endParaRPr>
           </a:p>
           <a:p>
@@ -7083,8 +6679,8 @@
                 <a:solidFill>
                   <a:schemeClr val="bg1"/>
                 </a:solidFill>
-                <a:latin typeface="10X10 Bold" panose="020D0604000000000000" pitchFamily="50" charset="-127"/>
-                <a:ea typeface="10X10 Bold" panose="020D0604000000000000" pitchFamily="50" charset="-127"/>
+                <a:latin typeface="Adobe 고딕 Std B" panose="020B0800000000000000" pitchFamily="34" charset="-127"/>
+                <a:ea typeface="Adobe 고딕 Std B" panose="020B0800000000000000" pitchFamily="34" charset="-127"/>
               </a:rPr>
               <a:t>자신이 근무하는</a:t>
             </a:r>
@@ -7093,8 +6689,8 @@
                 <a:solidFill>
                   <a:schemeClr val="bg1"/>
                 </a:solidFill>
-                <a:latin typeface="10X10 Bold" panose="020D0604000000000000" pitchFamily="50" charset="-127"/>
-                <a:ea typeface="10X10 Bold" panose="020D0604000000000000" pitchFamily="50" charset="-127"/>
+                <a:latin typeface="Adobe 고딕 Std B" panose="020B0800000000000000" pitchFamily="34" charset="-127"/>
+                <a:ea typeface="Adobe 고딕 Std B" panose="020B0800000000000000" pitchFamily="34" charset="-127"/>
               </a:rPr>
               <a:t> </a:t>
             </a:r>
@@ -7103,8 +6699,8 @@
                 <a:solidFill>
                   <a:schemeClr val="bg1"/>
                 </a:solidFill>
-                <a:latin typeface="10X10 Bold" panose="020D0604000000000000" pitchFamily="50" charset="-127"/>
-                <a:ea typeface="10X10 Bold" panose="020D0604000000000000" pitchFamily="50" charset="-127"/>
+                <a:latin typeface="Adobe 고딕 Std B" panose="020B0800000000000000" pitchFamily="34" charset="-127"/>
+                <a:ea typeface="Adobe 고딕 Std B" panose="020B0800000000000000" pitchFamily="34" charset="-127"/>
               </a:rPr>
               <a:t>호텔에 맞는 </a:t>
             </a:r>
@@ -7112,8 +6708,8 @@
               <a:solidFill>
                 <a:schemeClr val="bg1"/>
               </a:solidFill>
-              <a:latin typeface="10X10 Bold" panose="020D0604000000000000" pitchFamily="50" charset="-127"/>
-              <a:ea typeface="10X10 Bold" panose="020D0604000000000000" pitchFamily="50" charset="-127"/>
+              <a:latin typeface="Adobe 고딕 Std B" panose="020B0800000000000000" pitchFamily="34" charset="-127"/>
+              <a:ea typeface="Adobe 고딕 Std B" panose="020B0800000000000000" pitchFamily="34" charset="-127"/>
             </a:endParaRPr>
           </a:p>
           <a:p>
@@ -7123,8 +6719,8 @@
                 <a:solidFill>
                   <a:schemeClr val="bg1"/>
                 </a:solidFill>
-                <a:latin typeface="10X10 Bold" panose="020D0604000000000000" pitchFamily="50" charset="-127"/>
-                <a:ea typeface="10X10 Bold" panose="020D0604000000000000" pitchFamily="50" charset="-127"/>
+                <a:latin typeface="Adobe 고딕 Std B" panose="020B0800000000000000" pitchFamily="34" charset="-127"/>
+                <a:ea typeface="Adobe 고딕 Std B" panose="020B0800000000000000" pitchFamily="34" charset="-127"/>
               </a:rPr>
               <a:t>고급 향수를 찾고 싶어한다</a:t>
             </a:r>
@@ -7133,8 +6729,8 @@
                 <a:solidFill>
                   <a:schemeClr val="bg1"/>
                 </a:solidFill>
-                <a:latin typeface="10X10 Bold" panose="020D0604000000000000" pitchFamily="50" charset="-127"/>
-                <a:ea typeface="10X10 Bold" panose="020D0604000000000000" pitchFamily="50" charset="-127"/>
+                <a:latin typeface="Adobe 고딕 Std B" panose="020B0800000000000000" pitchFamily="34" charset="-127"/>
+                <a:ea typeface="Adobe 고딕 Std B" panose="020B0800000000000000" pitchFamily="34" charset="-127"/>
               </a:rPr>
               <a:t>.</a:t>
             </a:r>
@@ -7150,7 +6746,7 @@
         <p:spPr>
           <a:xfrm>
             <a:off x="2373642" y="5131549"/>
-            <a:ext cx="1614197" cy="1015663"/>
+            <a:ext cx="1614197" cy="1200329"/>
           </a:xfrm>
           <a:prstGeom prst="rect">
             <a:avLst/>
@@ -7169,8 +6765,8 @@
                 <a:solidFill>
                   <a:schemeClr val="bg1"/>
                 </a:solidFill>
-                <a:latin typeface="10X10 Bold" panose="020D0604000000000000" pitchFamily="50" charset="-127"/>
-                <a:ea typeface="10X10 Bold" panose="020D0604000000000000" pitchFamily="50" charset="-127"/>
+                <a:latin typeface="Adobe 고딕 Std B" panose="020B0800000000000000" pitchFamily="34" charset="-127"/>
+                <a:ea typeface="Adobe 고딕 Std B" panose="020B0800000000000000" pitchFamily="34" charset="-127"/>
               </a:rPr>
               <a:t>“</a:t>
             </a:r>
@@ -7179,8 +6775,8 @@
                 <a:solidFill>
                   <a:schemeClr val="bg1"/>
                 </a:solidFill>
-                <a:latin typeface="10X10 Bold" panose="020D0604000000000000" pitchFamily="50" charset="-127"/>
-                <a:ea typeface="10X10 Bold" panose="020D0604000000000000" pitchFamily="50" charset="-127"/>
+                <a:latin typeface="Adobe 고딕 Std B" panose="020B0800000000000000" pitchFamily="34" charset="-127"/>
+                <a:ea typeface="Adobe 고딕 Std B" panose="020B0800000000000000" pitchFamily="34" charset="-127"/>
               </a:rPr>
               <a:t> </a:t>
             </a:r>
@@ -7189,8 +6785,8 @@
                 <a:solidFill>
                   <a:schemeClr val="bg1"/>
                 </a:solidFill>
-                <a:latin typeface="10X10 Bold" panose="020D0604000000000000" pitchFamily="50" charset="-127"/>
-                <a:ea typeface="10X10 Bold" panose="020D0604000000000000" pitchFamily="50" charset="-127"/>
+                <a:latin typeface="Adobe 고딕 Std B" panose="020B0800000000000000" pitchFamily="34" charset="-127"/>
+                <a:ea typeface="Adobe 고딕 Std B" panose="020B0800000000000000" pitchFamily="34" charset="-127"/>
               </a:rPr>
               <a:t>호텔리어는</a:t>
             </a:r>
@@ -7199,8 +6795,8 @@
                 <a:solidFill>
                   <a:schemeClr val="bg1"/>
                 </a:solidFill>
-                <a:latin typeface="10X10 Bold" panose="020D0604000000000000" pitchFamily="50" charset="-127"/>
-                <a:ea typeface="10X10 Bold" panose="020D0604000000000000" pitchFamily="50" charset="-127"/>
+                <a:latin typeface="Adobe 고딕 Std B" panose="020B0800000000000000" pitchFamily="34" charset="-127"/>
+                <a:ea typeface="Adobe 고딕 Std B" panose="020B0800000000000000" pitchFamily="34" charset="-127"/>
               </a:rPr>
               <a:t> 호텔의 얼굴이나 마찬가지인데 아무 향수나 쓸 수 없어</a:t>
             </a:r>
@@ -7209,8 +6805,8 @@
                 <a:solidFill>
                   <a:schemeClr val="bg1"/>
                 </a:solidFill>
-                <a:latin typeface="10X10 Bold" panose="020D0604000000000000" pitchFamily="50" charset="-127"/>
-                <a:ea typeface="10X10 Bold" panose="020D0604000000000000" pitchFamily="50" charset="-127"/>
+                <a:latin typeface="Adobe 고딕 Std B" panose="020B0800000000000000" pitchFamily="34" charset="-127"/>
+                <a:ea typeface="Adobe 고딕 Std B" panose="020B0800000000000000" pitchFamily="34" charset="-127"/>
               </a:rPr>
               <a:t>. </a:t>
             </a:r>
@@ -7219,8 +6815,8 @@
                 <a:solidFill>
                   <a:schemeClr val="bg1"/>
                 </a:solidFill>
-                <a:latin typeface="10X10 Bold" panose="020D0604000000000000" pitchFamily="50" charset="-127"/>
-                <a:ea typeface="10X10 Bold" panose="020D0604000000000000" pitchFamily="50" charset="-127"/>
+                <a:latin typeface="Adobe 고딕 Std B" panose="020B0800000000000000" pitchFamily="34" charset="-127"/>
+                <a:ea typeface="Adobe 고딕 Std B" panose="020B0800000000000000" pitchFamily="34" charset="-127"/>
               </a:rPr>
               <a:t>우아하고 고급스러운 향수가 없을까</a:t>
             </a:r>
@@ -7229,8 +6825,8 @@
                 <a:solidFill>
                   <a:schemeClr val="bg1"/>
                 </a:solidFill>
-                <a:latin typeface="10X10 Bold" panose="020D0604000000000000" pitchFamily="50" charset="-127"/>
-                <a:ea typeface="10X10 Bold" panose="020D0604000000000000" pitchFamily="50" charset="-127"/>
+                <a:latin typeface="Adobe 고딕 Std B" panose="020B0800000000000000" pitchFamily="34" charset="-127"/>
+                <a:ea typeface="Adobe 고딕 Std B" panose="020B0800000000000000" pitchFamily="34" charset="-127"/>
               </a:rPr>
               <a:t>? “</a:t>
             </a:r>
@@ -7277,10 +6873,16 @@
           <a:p>
             <a:pPr algn="ctr"/>
             <a:r>
-              <a:rPr lang="ko-KR" altLang="en-US" smtClean="0"/>
+              <a:rPr lang="ko-KR" altLang="en-US" smtClean="0">
+                <a:latin typeface="Adobe 고딕 Std B" panose="020B0800000000000000" pitchFamily="34" charset="-127"/>
+                <a:ea typeface="Adobe 고딕 Std B" panose="020B0800000000000000" pitchFamily="34" charset="-127"/>
+              </a:rPr>
               <a:t>ㅍ</a:t>
             </a:r>
-            <a:endParaRPr lang="ko-KR" altLang="en-US" dirty="0"/>
+            <a:endParaRPr lang="ko-KR" altLang="en-US" dirty="0">
+              <a:latin typeface="Adobe 고딕 Std B" panose="020B0800000000000000" pitchFamily="34" charset="-127"/>
+              <a:ea typeface="Adobe 고딕 Std B" panose="020B0800000000000000" pitchFamily="34" charset="-127"/>
+            </a:endParaRPr>
           </a:p>
         </p:txBody>
       </p:sp>
@@ -7338,7 +6940,10 @@
           <a:lstStyle/>
           <a:p>
             <a:pPr algn="ctr"/>
-            <a:endParaRPr lang="ko-KR" altLang="en-US"/>
+            <a:endParaRPr lang="ko-KR" altLang="en-US">
+              <a:latin typeface="Adobe 고딕 Std B" panose="020B0800000000000000" pitchFamily="34" charset="-127"/>
+              <a:ea typeface="Adobe 고딕 Std B" panose="020B0800000000000000" pitchFamily="34" charset="-127"/>
+            </a:endParaRPr>
           </a:p>
         </p:txBody>
       </p:sp>
@@ -7367,21 +6972,21 @@
             <a:pPr algn="ctr"/>
             <a:r>
               <a:rPr lang="ko-KR" altLang="en-US" dirty="0" smtClean="0">
-                <a:latin typeface="10X10 Bold" panose="020D0604000000000000" pitchFamily="50" charset="-127"/>
-                <a:ea typeface="10X10 Bold" panose="020D0604000000000000" pitchFamily="50" charset="-127"/>
+                <a:latin typeface="Adobe 고딕 Std B" panose="020B0800000000000000" pitchFamily="34" charset="-127"/>
+                <a:ea typeface="Adobe 고딕 Std B" panose="020B0800000000000000" pitchFamily="34" charset="-127"/>
               </a:rPr>
               <a:t>지성인 </a:t>
             </a:r>
             <a:r>
               <a:rPr lang="en-US" altLang="ko-KR" dirty="0" smtClean="0">
-                <a:latin typeface="10X10 Bold" panose="020D0604000000000000" pitchFamily="50" charset="-127"/>
-                <a:ea typeface="10X10 Bold" panose="020D0604000000000000" pitchFamily="50" charset="-127"/>
+                <a:latin typeface="Adobe 고딕 Std B" panose="020B0800000000000000" pitchFamily="34" charset="-127"/>
+                <a:ea typeface="Adobe 고딕 Std B" panose="020B0800000000000000" pitchFamily="34" charset="-127"/>
               </a:rPr>
               <a:t>(32)</a:t>
             </a:r>
             <a:endParaRPr lang="ko-KR" altLang="en-US" dirty="0">
-              <a:latin typeface="10X10 Bold" panose="020D0604000000000000" pitchFamily="50" charset="-127"/>
-              <a:ea typeface="10X10 Bold" panose="020D0604000000000000" pitchFamily="50" charset="-127"/>
+              <a:latin typeface="Adobe 고딕 Std B" panose="020B0800000000000000" pitchFamily="34" charset="-127"/>
+              <a:ea typeface="Adobe 고딕 Std B" panose="020B0800000000000000" pitchFamily="34" charset="-127"/>
             </a:endParaRPr>
           </a:p>
         </p:txBody>
@@ -7395,7 +7000,7 @@
         <p:spPr>
           <a:xfrm>
             <a:off x="5456076" y="3481705"/>
-            <a:ext cx="1394926" cy="307777"/>
+            <a:ext cx="1394926" cy="523220"/>
           </a:xfrm>
           <a:prstGeom prst="rect">
             <a:avLst/>
@@ -7411,14 +7016,14 @@
             <a:pPr algn="ctr"/>
             <a:r>
               <a:rPr lang="ko-KR" altLang="en-US" sz="1400" smtClean="0">
-                <a:latin typeface="10X10 Bold" panose="020D0604000000000000" pitchFamily="50" charset="-127"/>
-                <a:ea typeface="10X10 Bold" panose="020D0604000000000000" pitchFamily="50" charset="-127"/>
+                <a:latin typeface="Adobe 고딕 Std B" panose="020B0800000000000000" pitchFamily="34" charset="-127"/>
+                <a:ea typeface="Adobe 고딕 Std B" panose="020B0800000000000000" pitchFamily="34" charset="-127"/>
               </a:rPr>
               <a:t>레스토랑 매니저</a:t>
             </a:r>
             <a:endParaRPr lang="ko-KR" altLang="en-US" sz="1400" dirty="0">
-              <a:latin typeface="10X10 Bold" panose="020D0604000000000000" pitchFamily="50" charset="-127"/>
-              <a:ea typeface="10X10 Bold" panose="020D0604000000000000" pitchFamily="50" charset="-127"/>
+              <a:latin typeface="Adobe 고딕 Std B" panose="020B0800000000000000" pitchFamily="34" charset="-127"/>
+              <a:ea typeface="Adobe 고딕 Std B" panose="020B0800000000000000" pitchFamily="34" charset="-127"/>
             </a:endParaRPr>
           </a:p>
         </p:txBody>
@@ -7447,8 +7052,8 @@
           <a:p>
             <a:pPr algn="ctr"/>
             <a:endParaRPr lang="en-US" altLang="ko-KR" sz="1200" dirty="0" smtClean="0">
-              <a:latin typeface="10X10 Bold" panose="020D0604000000000000" pitchFamily="50" charset="-127"/>
-              <a:ea typeface="10X10 Bold" panose="020D0604000000000000" pitchFamily="50" charset="-127"/>
+              <a:latin typeface="Adobe 고딕 Std B" panose="020B0800000000000000" pitchFamily="34" charset="-127"/>
+              <a:ea typeface="Adobe 고딕 Std B" panose="020B0800000000000000" pitchFamily="34" charset="-127"/>
             </a:endParaRPr>
           </a:p>
         </p:txBody>
@@ -7462,7 +7067,7 @@
         <p:spPr>
           <a:xfrm>
             <a:off x="5240304" y="3916051"/>
-            <a:ext cx="1826467" cy="830997"/>
+            <a:ext cx="1826467" cy="1015663"/>
           </a:xfrm>
           <a:prstGeom prst="rect">
             <a:avLst/>
@@ -7478,29 +7083,29 @@
             <a:pPr algn="ctr"/>
             <a:r>
               <a:rPr lang="ko-KR" altLang="en-US" sz="1200" dirty="0" smtClean="0">
-                <a:latin typeface="10X10 Bold" panose="020D0604000000000000" pitchFamily="50" charset="-127"/>
-                <a:ea typeface="10X10 Bold" panose="020D0604000000000000" pitchFamily="50" charset="-127"/>
+                <a:latin typeface="Adobe 고딕 Std B" panose="020B0800000000000000" pitchFamily="34" charset="-127"/>
+                <a:ea typeface="Adobe 고딕 Std B" panose="020B0800000000000000" pitchFamily="34" charset="-127"/>
               </a:rPr>
               <a:t>고급 이탈리아 레스토랑을 운영하는 그는 항상 자신이 할 수 있는 최선을 하고 </a:t>
             </a:r>
             <a:endParaRPr lang="en-US" altLang="ko-KR" sz="1200" dirty="0" smtClean="0">
-              <a:latin typeface="10X10 Bold" panose="020D0604000000000000" pitchFamily="50" charset="-127"/>
-              <a:ea typeface="10X10 Bold" panose="020D0604000000000000" pitchFamily="50" charset="-127"/>
+              <a:latin typeface="Adobe 고딕 Std B" panose="020B0800000000000000" pitchFamily="34" charset="-127"/>
+              <a:ea typeface="Adobe 고딕 Std B" panose="020B0800000000000000" pitchFamily="34" charset="-127"/>
             </a:endParaRPr>
           </a:p>
           <a:p>
             <a:pPr algn="ctr"/>
             <a:r>
               <a:rPr lang="ko-KR" altLang="en-US" sz="1200" dirty="0" smtClean="0">
-                <a:latin typeface="10X10 Bold" panose="020D0604000000000000" pitchFamily="50" charset="-127"/>
-                <a:ea typeface="10X10 Bold" panose="020D0604000000000000" pitchFamily="50" charset="-127"/>
+                <a:latin typeface="Adobe 고딕 Std B" panose="020B0800000000000000" pitchFamily="34" charset="-127"/>
+                <a:ea typeface="Adobe 고딕 Std B" panose="020B0800000000000000" pitchFamily="34" charset="-127"/>
               </a:rPr>
               <a:t>싶어한다</a:t>
             </a:r>
             <a:r>
               <a:rPr lang="en-US" altLang="ko-KR" sz="1200" dirty="0" smtClean="0">
-                <a:latin typeface="10X10 Bold" panose="020D0604000000000000" pitchFamily="50" charset="-127"/>
-                <a:ea typeface="10X10 Bold" panose="020D0604000000000000" pitchFamily="50" charset="-127"/>
+                <a:latin typeface="Adobe 고딕 Std B" panose="020B0800000000000000" pitchFamily="34" charset="-127"/>
+                <a:ea typeface="Adobe 고딕 Std B" panose="020B0800000000000000" pitchFamily="34" charset="-127"/>
               </a:rPr>
               <a:t>.</a:t>
             </a:r>
@@ -7516,7 +7121,7 @@
         <p:spPr>
           <a:xfrm>
             <a:off x="5201813" y="5131548"/>
-            <a:ext cx="1903448" cy="1015663"/>
+            <a:ext cx="1903448" cy="1200329"/>
           </a:xfrm>
           <a:prstGeom prst="rect">
             <a:avLst/>
@@ -7532,43 +7137,43 @@
             <a:pPr algn="ctr"/>
             <a:r>
               <a:rPr lang="en-US" altLang="ko-KR" sz="1200" dirty="0" smtClean="0">
-                <a:latin typeface="10X10 Bold" panose="020D0604000000000000" pitchFamily="50" charset="-127"/>
-                <a:ea typeface="10X10 Bold" panose="020D0604000000000000" pitchFamily="50" charset="-127"/>
+                <a:latin typeface="Adobe 고딕 Std B" panose="020B0800000000000000" pitchFamily="34" charset="-127"/>
+                <a:ea typeface="Adobe 고딕 Std B" panose="020B0800000000000000" pitchFamily="34" charset="-127"/>
               </a:rPr>
               <a:t>“</a:t>
             </a:r>
             <a:r>
               <a:rPr lang="en-US" altLang="ko-KR" sz="1200" dirty="0">
-                <a:latin typeface="10X10 Bold" panose="020D0604000000000000" pitchFamily="50" charset="-127"/>
-                <a:ea typeface="10X10 Bold" panose="020D0604000000000000" pitchFamily="50" charset="-127"/>
+                <a:latin typeface="Adobe 고딕 Std B" panose="020B0800000000000000" pitchFamily="34" charset="-127"/>
+                <a:ea typeface="Adobe 고딕 Std B" panose="020B0800000000000000" pitchFamily="34" charset="-127"/>
               </a:rPr>
               <a:t> </a:t>
             </a:r>
             <a:r>
               <a:rPr lang="ko-KR" altLang="en-US" sz="1200" dirty="0" smtClean="0">
-                <a:latin typeface="10X10 Bold" panose="020D0604000000000000" pitchFamily="50" charset="-127"/>
-                <a:ea typeface="10X10 Bold" panose="020D0604000000000000" pitchFamily="50" charset="-127"/>
+                <a:latin typeface="Adobe 고딕 Std B" panose="020B0800000000000000" pitchFamily="34" charset="-127"/>
+                <a:ea typeface="Adobe 고딕 Std B" panose="020B0800000000000000" pitchFamily="34" charset="-127"/>
               </a:rPr>
               <a:t>우리 레스토랑은 항상 최고라고 자부하고 있어</a:t>
             </a:r>
             <a:r>
               <a:rPr lang="en-US" altLang="ko-KR" sz="1200" dirty="0" smtClean="0">
-                <a:latin typeface="10X10 Bold" panose="020D0604000000000000" pitchFamily="50" charset="-127"/>
-                <a:ea typeface="10X10 Bold" panose="020D0604000000000000" pitchFamily="50" charset="-127"/>
+                <a:latin typeface="Adobe 고딕 Std B" panose="020B0800000000000000" pitchFamily="34" charset="-127"/>
+                <a:ea typeface="Adobe 고딕 Std B" panose="020B0800000000000000" pitchFamily="34" charset="-127"/>
               </a:rPr>
               <a:t>. </a:t>
             </a:r>
             <a:r>
               <a:rPr lang="ko-KR" altLang="en-US" sz="1200" dirty="0" smtClean="0">
-                <a:latin typeface="10X10 Bold" panose="020D0604000000000000" pitchFamily="50" charset="-127"/>
-                <a:ea typeface="10X10 Bold" panose="020D0604000000000000" pitchFamily="50" charset="-127"/>
+                <a:latin typeface="Adobe 고딕 Std B" panose="020B0800000000000000" pitchFamily="34" charset="-127"/>
+                <a:ea typeface="Adobe 고딕 Std B" panose="020B0800000000000000" pitchFamily="34" charset="-127"/>
               </a:rPr>
               <a:t>우리 레스토랑의 이미지를 강조할 수 있는 고급스러운 느낌의 향수가 필요해</a:t>
             </a:r>
             <a:r>
               <a:rPr lang="en-US" altLang="ko-KR" sz="1200" dirty="0" smtClean="0">
-                <a:latin typeface="10X10 Bold" panose="020D0604000000000000" pitchFamily="50" charset="-127"/>
-                <a:ea typeface="10X10 Bold" panose="020D0604000000000000" pitchFamily="50" charset="-127"/>
+                <a:latin typeface="Adobe 고딕 Std B" panose="020B0800000000000000" pitchFamily="34" charset="-127"/>
+                <a:ea typeface="Adobe 고딕 Std B" panose="020B0800000000000000" pitchFamily="34" charset="-127"/>
               </a:rPr>
               <a:t>.  “</a:t>
             </a:r>
@@ -7629,7 +7234,10 @@
           <a:lstStyle/>
           <a:p>
             <a:pPr algn="ctr"/>
-            <a:endParaRPr lang="ko-KR" altLang="en-US"/>
+            <a:endParaRPr lang="ko-KR" altLang="en-US">
+              <a:latin typeface="Adobe 고딕 Std B" panose="020B0800000000000000" pitchFamily="34" charset="-127"/>
+              <a:ea typeface="Adobe 고딕 Std B" panose="020B0800000000000000" pitchFamily="34" charset="-127"/>
+            </a:endParaRPr>
           </a:p>
         </p:txBody>
       </p:sp>
@@ -7661,8 +7269,8 @@
                 <a:solidFill>
                   <a:schemeClr val="bg1"/>
                 </a:solidFill>
-                <a:latin typeface="10X10 Bold" panose="020D0604000000000000" pitchFamily="50" charset="-127"/>
-                <a:ea typeface="10X10 Bold" panose="020D0604000000000000" pitchFamily="50" charset="-127"/>
+                <a:latin typeface="Adobe 고딕 Std B" panose="020B0800000000000000" pitchFamily="34" charset="-127"/>
+                <a:ea typeface="Adobe 고딕 Std B" panose="020B0800000000000000" pitchFamily="34" charset="-127"/>
               </a:rPr>
               <a:t>지성윤</a:t>
             </a:r>
@@ -7671,8 +7279,8 @@
                 <a:solidFill>
                   <a:schemeClr val="bg1"/>
                 </a:solidFill>
-                <a:latin typeface="10X10 Bold" panose="020D0604000000000000" pitchFamily="50" charset="-127"/>
-                <a:ea typeface="10X10 Bold" panose="020D0604000000000000" pitchFamily="50" charset="-127"/>
+                <a:latin typeface="Adobe 고딕 Std B" panose="020B0800000000000000" pitchFamily="34" charset="-127"/>
+                <a:ea typeface="Adobe 고딕 Std B" panose="020B0800000000000000" pitchFamily="34" charset="-127"/>
               </a:rPr>
               <a:t> </a:t>
             </a:r>
@@ -7681,8 +7289,8 @@
                 <a:solidFill>
                   <a:schemeClr val="bg1"/>
                 </a:solidFill>
-                <a:latin typeface="10X10 Bold" panose="020D0604000000000000" pitchFamily="50" charset="-127"/>
-                <a:ea typeface="10X10 Bold" panose="020D0604000000000000" pitchFamily="50" charset="-127"/>
+                <a:latin typeface="Adobe 고딕 Std B" panose="020B0800000000000000" pitchFamily="34" charset="-127"/>
+                <a:ea typeface="Adobe 고딕 Std B" panose="020B0800000000000000" pitchFamily="34" charset="-127"/>
               </a:rPr>
               <a:t>(29)</a:t>
             </a:r>
@@ -7690,8 +7298,8 @@
               <a:solidFill>
                 <a:schemeClr val="bg1"/>
               </a:solidFill>
-              <a:latin typeface="10X10 Bold" panose="020D0604000000000000" pitchFamily="50" charset="-127"/>
-              <a:ea typeface="10X10 Bold" panose="020D0604000000000000" pitchFamily="50" charset="-127"/>
+              <a:latin typeface="Adobe 고딕 Std B" panose="020B0800000000000000" pitchFamily="34" charset="-127"/>
+              <a:ea typeface="Adobe 고딕 Std B" panose="020B0800000000000000" pitchFamily="34" charset="-127"/>
             </a:endParaRPr>
           </a:p>
         </p:txBody>
@@ -7705,7 +7313,7 @@
         <p:spPr>
           <a:xfrm>
             <a:off x="8437880" y="3392543"/>
-            <a:ext cx="1519646" cy="307777"/>
+            <a:ext cx="1519646" cy="523220"/>
           </a:xfrm>
           <a:prstGeom prst="rect">
             <a:avLst/>
@@ -7724,8 +7332,8 @@
                 <a:solidFill>
                   <a:schemeClr val="bg1"/>
                 </a:solidFill>
-                <a:latin typeface="10X10 Bold" panose="020D0604000000000000" pitchFamily="50" charset="-127"/>
-                <a:ea typeface="10X10 Bold" panose="020D0604000000000000" pitchFamily="50" charset="-127"/>
+                <a:latin typeface="Adobe 고딕 Std B" panose="020B0800000000000000" pitchFamily="34" charset="-127"/>
+                <a:ea typeface="Adobe 고딕 Std B" panose="020B0800000000000000" pitchFamily="34" charset="-127"/>
               </a:rPr>
               <a:t>제약회사 영업직원</a:t>
             </a:r>
@@ -7733,8 +7341,8 @@
               <a:solidFill>
                 <a:schemeClr val="bg1"/>
               </a:solidFill>
-              <a:latin typeface="10X10 Bold" panose="020D0604000000000000" pitchFamily="50" charset="-127"/>
-              <a:ea typeface="10X10 Bold" panose="020D0604000000000000" pitchFamily="50" charset="-127"/>
+              <a:latin typeface="Adobe 고딕 Std B" panose="020B0800000000000000" pitchFamily="34" charset="-127"/>
+              <a:ea typeface="Adobe 고딕 Std B" panose="020B0800000000000000" pitchFamily="34" charset="-127"/>
             </a:endParaRPr>
           </a:p>
         </p:txBody>
@@ -7767,8 +7375,8 @@
                 <a:solidFill>
                   <a:schemeClr val="bg1"/>
                 </a:solidFill>
-                <a:latin typeface="10X10 Bold" panose="020D0604000000000000" pitchFamily="50" charset="-127"/>
-                <a:ea typeface="10X10 Bold" panose="020D0604000000000000" pitchFamily="50" charset="-127"/>
+                <a:latin typeface="Adobe 고딕 Std B" panose="020B0800000000000000" pitchFamily="34" charset="-127"/>
+                <a:ea typeface="Adobe 고딕 Std B" panose="020B0800000000000000" pitchFamily="34" charset="-127"/>
               </a:rPr>
               <a:t>글로벌 스케일의 제약 회사의 영업직원으로 근무 중인 그는 평소에</a:t>
             </a:r>
@@ -7776,8 +7384,8 @@
               <a:solidFill>
                 <a:schemeClr val="bg1"/>
               </a:solidFill>
-              <a:latin typeface="10X10 Bold" panose="020D0604000000000000" pitchFamily="50" charset="-127"/>
-              <a:ea typeface="10X10 Bold" panose="020D0604000000000000" pitchFamily="50" charset="-127"/>
+              <a:latin typeface="Adobe 고딕 Std B" panose="020B0800000000000000" pitchFamily="34" charset="-127"/>
+              <a:ea typeface="Adobe 고딕 Std B" panose="020B0800000000000000" pitchFamily="34" charset="-127"/>
             </a:endParaRPr>
           </a:p>
           <a:p>
@@ -7787,8 +7395,8 @@
                 <a:solidFill>
                   <a:schemeClr val="bg1"/>
                 </a:solidFill>
-                <a:latin typeface="10X10 Bold" panose="020D0604000000000000" pitchFamily="50" charset="-127"/>
-                <a:ea typeface="10X10 Bold" panose="020D0604000000000000" pitchFamily="50" charset="-127"/>
+                <a:latin typeface="Adobe 고딕 Std B" panose="020B0800000000000000" pitchFamily="34" charset="-127"/>
+                <a:ea typeface="Adobe 고딕 Std B" panose="020B0800000000000000" pitchFamily="34" charset="-127"/>
               </a:rPr>
               <a:t>온갖 미팅 등 여러 사람을 만나기 위해 자신을 꾸며줄 향수를 찾고 있다</a:t>
             </a:r>
@@ -7797,8 +7405,8 @@
                 <a:solidFill>
                   <a:schemeClr val="bg1"/>
                 </a:solidFill>
-                <a:latin typeface="10X10 Bold" panose="020D0604000000000000" pitchFamily="50" charset="-127"/>
-                <a:ea typeface="10X10 Bold" panose="020D0604000000000000" pitchFamily="50" charset="-127"/>
+                <a:latin typeface="Adobe 고딕 Std B" panose="020B0800000000000000" pitchFamily="34" charset="-127"/>
+                <a:ea typeface="Adobe 고딕 Std B" panose="020B0800000000000000" pitchFamily="34" charset="-127"/>
               </a:rPr>
               <a:t>.</a:t>
             </a:r>
@@ -7814,7 +7422,7 @@
         <p:spPr>
           <a:xfrm>
             <a:off x="8163195" y="5131547"/>
-            <a:ext cx="2069013" cy="1015663"/>
+            <a:ext cx="2069013" cy="1200329"/>
           </a:xfrm>
           <a:prstGeom prst="rect">
             <a:avLst/>
@@ -7833,8 +7441,8 @@
                 <a:solidFill>
                   <a:schemeClr val="bg1"/>
                 </a:solidFill>
-                <a:latin typeface="10X10 Bold" panose="020D0604000000000000" pitchFamily="50" charset="-127"/>
-                <a:ea typeface="10X10 Bold" panose="020D0604000000000000" pitchFamily="50" charset="-127"/>
+                <a:latin typeface="Adobe 고딕 Std B" panose="020B0800000000000000" pitchFamily="34" charset="-127"/>
+                <a:ea typeface="Adobe 고딕 Std B" panose="020B0800000000000000" pitchFamily="34" charset="-127"/>
               </a:rPr>
               <a:t>“</a:t>
             </a:r>
@@ -7843,8 +7451,8 @@
                 <a:solidFill>
                   <a:schemeClr val="bg1"/>
                 </a:solidFill>
-                <a:latin typeface="10X10 Bold" panose="020D0604000000000000" pitchFamily="50" charset="-127"/>
-                <a:ea typeface="10X10 Bold" panose="020D0604000000000000" pitchFamily="50" charset="-127"/>
+                <a:latin typeface="Adobe 고딕 Std B" panose="020B0800000000000000" pitchFamily="34" charset="-127"/>
+                <a:ea typeface="Adobe 고딕 Std B" panose="020B0800000000000000" pitchFamily="34" charset="-127"/>
               </a:rPr>
               <a:t>영업사원은 회사의 얼굴로써 중요한 사람들을 만나고 다니는데 아무렇게나 다닐 수 없어</a:t>
             </a:r>
@@ -7853,8 +7461,8 @@
                 <a:solidFill>
                   <a:schemeClr val="bg1"/>
                 </a:solidFill>
-                <a:latin typeface="10X10 Bold" panose="020D0604000000000000" pitchFamily="50" charset="-127"/>
-                <a:ea typeface="10X10 Bold" panose="020D0604000000000000" pitchFamily="50" charset="-127"/>
+                <a:latin typeface="Adobe 고딕 Std B" panose="020B0800000000000000" pitchFamily="34" charset="-127"/>
+                <a:ea typeface="Adobe 고딕 Std B" panose="020B0800000000000000" pitchFamily="34" charset="-127"/>
               </a:rPr>
               <a:t>. </a:t>
             </a:r>
@@ -7863,8 +7471,8 @@
                 <a:solidFill>
                   <a:schemeClr val="bg1"/>
                 </a:solidFill>
-                <a:latin typeface="10X10 Bold" panose="020D0604000000000000" pitchFamily="50" charset="-127"/>
-                <a:ea typeface="10X10 Bold" panose="020D0604000000000000" pitchFamily="50" charset="-127"/>
+                <a:latin typeface="Adobe 고딕 Std B" panose="020B0800000000000000" pitchFamily="34" charset="-127"/>
+                <a:ea typeface="Adobe 고딕 Std B" panose="020B0800000000000000" pitchFamily="34" charset="-127"/>
               </a:rPr>
               <a:t>깔끔하고 단정한 느낌을 줄 수 있는 향수는 없을까</a:t>
             </a:r>
@@ -7873,8 +7481,8 @@
                 <a:solidFill>
                   <a:schemeClr val="bg1"/>
                 </a:solidFill>
-                <a:latin typeface="10X10 Bold" panose="020D0604000000000000" pitchFamily="50" charset="-127"/>
-                <a:ea typeface="10X10 Bold" panose="020D0604000000000000" pitchFamily="50" charset="-127"/>
+                <a:latin typeface="Adobe 고딕 Std B" panose="020B0800000000000000" pitchFamily="34" charset="-127"/>
+                <a:ea typeface="Adobe 고딕 Std B" panose="020B0800000000000000" pitchFamily="34" charset="-127"/>
               </a:rPr>
               <a:t>? “</a:t>
             </a:r>
@@ -8009,7 +7617,7 @@
           <a:p>
             <a:pPr marL="0" indent="0" algn="ctr" hangingPunct="1"/>
             <a:r>
-              <a:rPr sz="5000" dirty="0">
+              <a:rPr sz="5000" b="1" dirty="0">
                 <a:solidFill>
                   <a:schemeClr val="bg1"/>
                 </a:solidFill>
@@ -8019,7 +7627,7 @@
               <a:t>기</a:t>
             </a:r>
             <a:r>
-              <a:rPr lang="ko-KR" sz="5000" dirty="0">
+              <a:rPr lang="ko-KR" sz="5000" b="1" dirty="0">
                 <a:solidFill>
                   <a:schemeClr val="bg1"/>
                 </a:solidFill>
@@ -8028,7 +7636,7 @@
               </a:rPr>
               <a:t>획</a:t>
             </a:r>
-            <a:endParaRPr lang="ko-KR" altLang="en-US" sz="5000" dirty="0">
+            <a:endParaRPr lang="ko-KR" altLang="en-US" sz="5000" b="1" dirty="0">
               <a:solidFill>
                 <a:schemeClr val="bg1"/>
               </a:solidFill>
@@ -8187,7 +7795,7 @@
         </p:nvSpPr>
         <p:spPr>
           <a:xfrm>
-            <a:off x="2757034" y="4026160"/>
+            <a:off x="2763980" y="4026160"/>
             <a:ext cx="6736702" cy="1828800"/>
           </a:xfrm>
           <a:prstGeom prst="rect">
@@ -8246,50 +7854,62 @@
           <a:p>
             <a:pPr algn="ctr"/>
             <a:r>
-              <a:rPr lang="ko-KR" altLang="en-US" b="1" dirty="0" smtClean="0">
-                <a:solidFill>
-                  <a:schemeClr val="bg1"/>
-                </a:solidFill>
+              <a:rPr lang="ko-KR" altLang="en-US" dirty="0" smtClean="0">
+                <a:solidFill>
+                  <a:schemeClr val="bg1"/>
+                </a:solidFill>
+                <a:latin typeface="Adobe 고딕 Std B" panose="020B0800000000000000" pitchFamily="34" charset="-127"/>
+                <a:ea typeface="Adobe 고딕 Std B" panose="020B0800000000000000" pitchFamily="34" charset="-127"/>
               </a:rPr>
               <a:t>기존 샤넬 브랜드의 캐릭터 컬러인 블랙 </a:t>
             </a:r>
             <a:r>
-              <a:rPr lang="en-US" altLang="ko-KR" b="1" dirty="0" smtClean="0">
-                <a:solidFill>
-                  <a:schemeClr val="bg1"/>
-                </a:solidFill>
+              <a:rPr lang="en-US" altLang="ko-KR" dirty="0" smtClean="0">
+                <a:solidFill>
+                  <a:schemeClr val="bg1"/>
+                </a:solidFill>
+                <a:latin typeface="Adobe 고딕 Std B" panose="020B0800000000000000" pitchFamily="34" charset="-127"/>
+                <a:ea typeface="Adobe 고딕 Std B" panose="020B0800000000000000" pitchFamily="34" charset="-127"/>
               </a:rPr>
               <a:t>&amp; </a:t>
             </a:r>
             <a:r>
-              <a:rPr lang="ko-KR" altLang="en-US" b="1" dirty="0" smtClean="0">
-                <a:solidFill>
-                  <a:schemeClr val="bg1"/>
-                </a:solidFill>
+              <a:rPr lang="ko-KR" altLang="en-US" dirty="0" smtClean="0">
+                <a:solidFill>
+                  <a:schemeClr val="bg1"/>
+                </a:solidFill>
+                <a:latin typeface="Adobe 고딕 Std B" panose="020B0800000000000000" pitchFamily="34" charset="-127"/>
+                <a:ea typeface="Adobe 고딕 Std B" panose="020B0800000000000000" pitchFamily="34" charset="-127"/>
               </a:rPr>
               <a:t>화이트 컨셉을 살려서</a:t>
             </a:r>
-            <a:endParaRPr lang="en-US" altLang="ko-KR" b="1" dirty="0" smtClean="0">
+            <a:endParaRPr lang="en-US" altLang="ko-KR" dirty="0" smtClean="0">
               <a:solidFill>
                 <a:schemeClr val="bg1"/>
               </a:solidFill>
+              <a:latin typeface="Adobe 고딕 Std B" panose="020B0800000000000000" pitchFamily="34" charset="-127"/>
+              <a:ea typeface="Adobe 고딕 Std B" panose="020B0800000000000000" pitchFamily="34" charset="-127"/>
             </a:endParaRPr>
           </a:p>
           <a:p>
             <a:pPr algn="ctr"/>
             <a:r>
-              <a:rPr lang="ko-KR" altLang="en-US" b="1" dirty="0" smtClean="0">
-                <a:solidFill>
-                  <a:schemeClr val="bg1"/>
-                </a:solidFill>
+              <a:rPr lang="ko-KR" altLang="en-US" dirty="0" smtClean="0">
+                <a:solidFill>
+                  <a:schemeClr val="bg1"/>
+                </a:solidFill>
+                <a:latin typeface="Adobe 고딕 Std B" panose="020B0800000000000000" pitchFamily="34" charset="-127"/>
+                <a:ea typeface="Adobe 고딕 Std B" panose="020B0800000000000000" pitchFamily="34" charset="-127"/>
               </a:rPr>
               <a:t>고급스럽고 깔끔한 이미지를 강조했습니다</a:t>
             </a:r>
             <a:r>
-              <a:rPr lang="en-US" altLang="ko-KR" b="1" dirty="0" smtClean="0">
-                <a:solidFill>
-                  <a:schemeClr val="bg1"/>
-                </a:solidFill>
+              <a:rPr lang="en-US" altLang="ko-KR" dirty="0" smtClean="0">
+                <a:solidFill>
+                  <a:schemeClr val="bg1"/>
+                </a:solidFill>
+                <a:latin typeface="Adobe 고딕 Std B" panose="020B0800000000000000" pitchFamily="34" charset="-127"/>
+                <a:ea typeface="Adobe 고딕 Std B" panose="020B0800000000000000" pitchFamily="34" charset="-127"/>
               </a:rPr>
               <a:t>.</a:t>
             </a:r>
@@ -8424,7 +8044,7 @@
           <a:p>
             <a:pPr marL="0" indent="0" algn="ctr" hangingPunct="1"/>
             <a:r>
-              <a:rPr sz="5000" dirty="0">
+              <a:rPr sz="5000" b="1" dirty="0">
                 <a:solidFill>
                   <a:schemeClr val="bg1"/>
                 </a:solidFill>
@@ -8434,7 +8054,7 @@
               <a:t>기</a:t>
             </a:r>
             <a:r>
-              <a:rPr lang="ko-KR" sz="5000" dirty="0">
+              <a:rPr lang="ko-KR" sz="5000" b="1" dirty="0">
                 <a:solidFill>
                   <a:schemeClr val="bg1"/>
                 </a:solidFill>
@@ -8443,7 +8063,7 @@
               </a:rPr>
               <a:t>획</a:t>
             </a:r>
-            <a:endParaRPr lang="ko-KR" altLang="en-US" sz="5000" dirty="0">
+            <a:endParaRPr lang="ko-KR" altLang="en-US" sz="5000" b="1" dirty="0">
               <a:solidFill>
                 <a:schemeClr val="bg1"/>
               </a:solidFill>
@@ -8749,7 +8369,7 @@
           <a:p>
             <a:pPr marL="0" indent="0" algn="ctr" hangingPunct="1"/>
             <a:r>
-              <a:rPr sz="5000" dirty="0">
+              <a:rPr sz="5000" b="1" dirty="0">
                 <a:solidFill>
                   <a:schemeClr val="bg1"/>
                 </a:solidFill>
@@ -8759,7 +8379,7 @@
               <a:t>기</a:t>
             </a:r>
             <a:r>
-              <a:rPr lang="ko-KR" sz="5000" dirty="0">
+              <a:rPr lang="ko-KR" sz="5000" b="1" dirty="0">
                 <a:solidFill>
                   <a:schemeClr val="bg1"/>
                 </a:solidFill>
@@ -8768,7 +8388,7 @@
               </a:rPr>
               <a:t>획</a:t>
             </a:r>
-            <a:endParaRPr lang="ko-KR" altLang="en-US" sz="5000" dirty="0">
+            <a:endParaRPr lang="ko-KR" altLang="en-US" sz="5000" b="1" dirty="0">
               <a:solidFill>
                 <a:schemeClr val="bg1"/>
               </a:solidFill>
@@ -9084,7 +8704,7 @@
           <a:p>
             <a:pPr marL="0" indent="0" algn="ctr" hangingPunct="1"/>
             <a:r>
-              <a:rPr lang="ko-KR" altLang="en-US" sz="5000" dirty="0" err="1" smtClean="0">
+              <a:rPr lang="ko-KR" altLang="en-US" sz="5000" b="1" dirty="0" err="1" smtClean="0">
                 <a:solidFill>
                   <a:schemeClr val="bg1"/>
                 </a:solidFill>
@@ -9093,7 +8713,7 @@
               </a:rPr>
               <a:t>화면구현</a:t>
             </a:r>
-            <a:endParaRPr lang="ko-KR" altLang="en-US" sz="5000" dirty="0">
+            <a:endParaRPr lang="ko-KR" altLang="en-US" sz="5000" b="1" dirty="0">
               <a:solidFill>
                 <a:schemeClr val="bg1"/>
               </a:solidFill>
@@ -9316,8 +8936,8 @@
         </p:nvSpPr>
         <p:spPr>
           <a:xfrm>
-            <a:off x="4930805" y="18224"/>
-            <a:ext cx="3261473" cy="709168"/>
+            <a:off x="4930806" y="18224"/>
+            <a:ext cx="3016162" cy="709168"/>
           </a:xfrm>
           <a:prstGeom prst="rect">
             <a:avLst/>
@@ -9343,7 +8963,17 @@
                 <a:latin typeface="Couture" charset="0"/>
                 <a:ea typeface="Couture" charset="0"/>
               </a:rPr>
-              <a:t>sub page 1</a:t>
+              <a:t>sub </a:t>
+            </a:r>
+            <a:r>
+              <a:rPr lang="en-US" altLang="ko-KR" sz="4000" b="1" dirty="0" smtClean="0">
+                <a:solidFill>
+                  <a:schemeClr val="bg1"/>
+                </a:solidFill>
+                <a:latin typeface="Couture" charset="0"/>
+                <a:ea typeface="Couture" charset="0"/>
+              </a:rPr>
+              <a:t>page</a:t>
             </a:r>
             <a:endParaRPr lang="ko-KR" altLang="en-US" sz="4000" b="1" dirty="0">
               <a:solidFill>
@@ -9448,7 +9078,7 @@
           <a:p>
             <a:pPr marL="0" indent="0" algn="ctr" hangingPunct="1"/>
             <a:r>
-              <a:rPr lang="ko-KR" altLang="en-US" sz="5000" dirty="0" err="1" smtClean="0">
+              <a:rPr lang="ko-KR" altLang="en-US" sz="5000" b="1" dirty="0" err="1" smtClean="0">
                 <a:solidFill>
                   <a:schemeClr val="bg1"/>
                 </a:solidFill>
@@ -9457,7 +9087,7 @@
               </a:rPr>
               <a:t>화면구현</a:t>
             </a:r>
-            <a:endParaRPr lang="ko-KR" altLang="en-US" sz="5000" dirty="0">
+            <a:endParaRPr lang="ko-KR" altLang="en-US" sz="5000" b="1" dirty="0">
               <a:solidFill>
                 <a:schemeClr val="bg1"/>
               </a:solidFill>
@@ -9518,14 +9148,38 @@
       </p:sp>
       <p:pic>
         <p:nvPicPr>
-          <p:cNvPr id="6" name="그림 5"/>
+          <p:cNvPr id="7" name="그림 6"/>
           <p:cNvPicPr>
             <a:picLocks noChangeAspect="1"/>
           </p:cNvPicPr>
           <p:nvPr/>
         </p:nvPicPr>
         <p:blipFill>
-          <a:blip r:embed="rId2">
+          <a:blip r:embed="rId2"/>
+          <a:stretch>
+            <a:fillRect/>
+          </a:stretch>
+        </p:blipFill>
+        <p:spPr>
+          <a:xfrm>
+            <a:off x="1746481" y="1545524"/>
+            <a:ext cx="4815060" cy="3926330"/>
+          </a:xfrm>
+          <a:prstGeom prst="rect">
+            <a:avLst/>
+          </a:prstGeom>
+        </p:spPr>
+      </p:pic>
+      <p:pic>
+        <p:nvPicPr>
+          <p:cNvPr id="8" name="그림 7"/>
+          <p:cNvPicPr>
+            <a:picLocks noChangeAspect="1"/>
+          </p:cNvPicPr>
+          <p:nvPr/>
+        </p:nvPicPr>
+        <p:blipFill>
+          <a:blip r:embed="rId3" cstate="print">
             <a:extLst>
               <a:ext uri="{28A0092B-C50C-407E-A947-70E740481C1C}">
                 <a14:useLocalDpi xmlns:a14="http://schemas.microsoft.com/office/drawing/2010/main" val="0"/>
@@ -9538,8 +9192,8 @@
         </p:blipFill>
         <p:spPr>
           <a:xfrm>
-            <a:off x="1722819" y="1152508"/>
-            <a:ext cx="9196571" cy="4912390"/>
+            <a:off x="6884987" y="1156623"/>
+            <a:ext cx="4166443" cy="5038923"/>
           </a:xfrm>
           <a:prstGeom prst="rect">
             <a:avLst/>
@@ -9684,7 +9338,7 @@
           <a:p>
             <a:pPr marL="0" indent="0" algn="ctr" hangingPunct="1"/>
             <a:r>
-              <a:rPr lang="ko-KR" altLang="en-US" sz="5000" dirty="0" err="1" smtClean="0">
+              <a:rPr lang="ko-KR" altLang="en-US" sz="5000" b="1" dirty="0" err="1" smtClean="0">
                 <a:solidFill>
                   <a:schemeClr val="bg1"/>
                 </a:solidFill>
@@ -9693,7 +9347,7 @@
               </a:rPr>
               <a:t>화면구현</a:t>
             </a:r>
-            <a:endParaRPr lang="ko-KR" altLang="en-US" sz="5000" dirty="0">
+            <a:endParaRPr lang="ko-KR" altLang="en-US" sz="5000" b="1" dirty="0">
               <a:solidFill>
                 <a:schemeClr val="bg1"/>
               </a:solidFill>
@@ -9713,8 +9367,8 @@
         </p:nvSpPr>
         <p:spPr>
           <a:xfrm>
-            <a:off x="11145520" y="136525"/>
-            <a:ext cx="872490" cy="6556923"/>
+            <a:off x="11229495" y="516646"/>
+            <a:ext cx="872490" cy="5633593"/>
           </a:xfrm>
           <a:prstGeom prst="rect">
             <a:avLst/>
@@ -9733,14 +9387,14 @@
           <a:p>
             <a:pPr marL="0" indent="0" algn="ctr" hangingPunct="1"/>
             <a:r>
-              <a:rPr lang="en-US" altLang="ko-KR" sz="6000" b="1" dirty="0" smtClean="0">
+              <a:rPr lang="en-US" altLang="ko-KR" sz="6000" b="1" dirty="0" err="1" smtClean="0">
                 <a:solidFill>
                   <a:schemeClr val="bg1"/>
                 </a:solidFill>
                 <a:latin typeface="Couture" charset="0"/>
                 <a:ea typeface="Couture" charset="0"/>
               </a:rPr>
-              <a:t>PREVIEW</a:t>
+              <a:t>coDING</a:t>
             </a:r>
             <a:endParaRPr lang="ko-KR" altLang="en-US" sz="6000" b="1" dirty="0">
               <a:solidFill>
@@ -9763,7 +9417,7 @@
         <p:spPr>
           <a:xfrm>
             <a:off x="5000623" y="0"/>
-            <a:ext cx="3298796" cy="709168"/>
+            <a:ext cx="2939728" cy="709168"/>
           </a:xfrm>
           <a:prstGeom prst="rect">
             <a:avLst/>
@@ -9786,17 +9440,47 @@
                 <a:solidFill>
                   <a:schemeClr val="bg1"/>
                 </a:solidFill>
-                <a:latin typeface="Couture" charset="0"/>
-                <a:ea typeface="Couture" charset="0"/>
-              </a:rPr>
-              <a:t>sub page 2</a:t>
+                <a:latin typeface="+mj-ea"/>
+                <a:ea typeface="+mj-ea"/>
+              </a:rPr>
+              <a:t>(</a:t>
+            </a:r>
+            <a:r>
+              <a:rPr lang="en-US" altLang="ko-KR" sz="4000" b="1" dirty="0" smtClean="0">
+                <a:solidFill>
+                  <a:schemeClr val="bg1"/>
+                </a:solidFill>
+                <a:latin typeface="Couture" panose="020B0804020202020204" pitchFamily="34" charset="0"/>
+                <a:ea typeface="+mj-ea"/>
+              </a:rPr>
+              <a:t>sub</a:t>
+            </a:r>
+            <a:r>
+              <a:rPr lang="en-US" altLang="ko-KR" sz="4000" b="1" dirty="0" smtClean="0">
+                <a:solidFill>
+                  <a:schemeClr val="bg1"/>
+                </a:solidFill>
+                <a:latin typeface="+mj-ea"/>
+                <a:ea typeface="+mj-ea"/>
+              </a:rPr>
+              <a:t>).</a:t>
+            </a:r>
+            <a:r>
+              <a:rPr lang="en-US" altLang="ko-KR" sz="4000" b="1" dirty="0" smtClean="0">
+                <a:solidFill>
+                  <a:schemeClr val="bg1"/>
+                </a:solidFill>
+                <a:latin typeface="Couture" panose="020B0804020202020204" pitchFamily="34" charset="0"/>
+                <a:ea typeface="+mj-ea"/>
+              </a:rPr>
+              <a:t>pro</a:t>
             </a:r>
             <a:endParaRPr lang="ko-KR" altLang="en-US" sz="4000" b="1" dirty="0">
               <a:solidFill>
                 <a:schemeClr val="bg1"/>
               </a:solidFill>
-              <a:latin typeface="Couture" charset="0"/>
-              <a:ea typeface="Couture" charset="0"/>
+              <a:latin typeface="Couture" panose="020B0804020202020204" pitchFamily="34" charset="0"/>
+              <a:ea typeface="+mj-ea"/>
             </a:endParaRPr>
           </a:p>
         </p:txBody>
@@ -9810,7 +9494,7 @@
           <p:nvPr/>
         </p:nvPicPr>
         <p:blipFill>
-          <a:blip r:embed="rId2" cstate="print">
+          <a:blip r:embed="rId2">
             <a:extLst>
               <a:ext uri="{28A0092B-C50C-407E-A947-70E740481C1C}">
                 <a14:useLocalDpi xmlns:a14="http://schemas.microsoft.com/office/drawing/2010/main" val="0"/>
@@ -9823,8 +9507,204 @@
         </p:blipFill>
         <p:spPr>
           <a:xfrm>
-            <a:off x="4436382" y="1389380"/>
-            <a:ext cx="4166443" cy="5038923"/>
+            <a:off x="2953936" y="1682439"/>
+            <a:ext cx="6625913" cy="1137783"/>
+          </a:xfrm>
+          <a:prstGeom prst="rect">
+            <a:avLst/>
+          </a:prstGeom>
+          <a:ln>
+            <a:solidFill>
+              <a:schemeClr val="bg1"/>
+            </a:solidFill>
+          </a:ln>
+        </p:spPr>
+      </p:pic>
+      <p:sp>
+        <p:nvSpPr>
+          <p:cNvPr id="8" name="액자 7"/>
+          <p:cNvSpPr/>
+          <p:nvPr/>
+        </p:nvSpPr>
+        <p:spPr>
+          <a:xfrm>
+            <a:off x="3006461" y="1691769"/>
+            <a:ext cx="6531429" cy="1069657"/>
+          </a:xfrm>
+          <a:prstGeom prst="frame">
+            <a:avLst>
+              <a:gd name="adj1" fmla="val 3928"/>
+            </a:avLst>
+          </a:prstGeom>
+          <a:solidFill>
+            <a:srgbClr val="FF0000"/>
+          </a:solidFill>
+        </p:spPr>
+        <p:style>
+          <a:lnRef idx="2">
+            <a:schemeClr val="accent1">
+              <a:shade val="50000"/>
+            </a:schemeClr>
+          </a:lnRef>
+          <a:fillRef idx="1">
+            <a:schemeClr val="accent1"/>
+          </a:fillRef>
+          <a:effectRef idx="0">
+            <a:schemeClr val="accent1"/>
+          </a:effectRef>
+          <a:fontRef idx="minor">
+            <a:schemeClr val="lt1"/>
+          </a:fontRef>
+        </p:style>
+        <p:txBody>
+          <a:bodyPr rtlCol="0" anchor="ctr"/>
+          <a:lstStyle/>
+          <a:p>
+            <a:pPr algn="ctr"/>
+            <a:endParaRPr lang="ko-KR" altLang="en-US">
+              <a:solidFill>
+                <a:schemeClr val="tx1"/>
+              </a:solidFill>
+            </a:endParaRPr>
+          </a:p>
+        </p:txBody>
+      </p:sp>
+      <p:sp>
+        <p:nvSpPr>
+          <p:cNvPr id="9" name="텍스트 상자 175"/>
+          <p:cNvSpPr txBox="1">
+            <a:spLocks/>
+          </p:cNvSpPr>
+          <p:nvPr/>
+        </p:nvSpPr>
+        <p:spPr>
+          <a:xfrm>
+            <a:off x="1816941" y="1244698"/>
+            <a:ext cx="5535581" cy="247504"/>
+          </a:xfrm>
+          <a:prstGeom prst="rect">
+            <a:avLst/>
+          </a:prstGeom>
+          <a:noFill/>
+          <a:ln w="3175" cap="flat" cmpd="sng">
+            <a:solidFill>
+              <a:schemeClr val="bg1"/>
+            </a:solidFill>
+            <a:prstDash val="solid"/>
+            <a:round/>
+          </a:ln>
+        </p:spPr>
+        <p:txBody>
+          <a:bodyPr vert="horz" wrap="square" lIns="89535" tIns="46355" rIns="89535" bIns="46355" anchor="t">
+            <a:spAutoFit/>
+          </a:bodyPr>
+          <a:lstStyle/>
+          <a:p>
+            <a:pPr marL="0" indent="0" algn="l" hangingPunct="1"/>
+            <a:r>
+              <a:rPr lang="ko-KR" altLang="en-US" sz="1000" b="1" dirty="0" smtClean="0">
+                <a:solidFill>
+                  <a:schemeClr val="bg1"/>
+                </a:solidFill>
+                <a:latin typeface="맑은 고딕" charset="0"/>
+                <a:ea typeface="맑은 고딕" charset="0"/>
+              </a:rPr>
+              <a:t>상품 이미지 클릭 시에 각 상품에 대한 </a:t>
+            </a:r>
+            <a:r>
+              <a:rPr lang="ko-KR" altLang="en-US" sz="1000" b="1" dirty="0" err="1" smtClean="0">
+                <a:solidFill>
+                  <a:schemeClr val="bg1"/>
+                </a:solidFill>
+                <a:latin typeface="맑은 고딕" charset="0"/>
+                <a:ea typeface="맑은 고딕" charset="0"/>
+              </a:rPr>
+              <a:t>구매창과</a:t>
+            </a:r>
+            <a:r>
+              <a:rPr lang="ko-KR" altLang="en-US" sz="1000" b="1" dirty="0" smtClean="0">
+                <a:solidFill>
+                  <a:schemeClr val="bg1"/>
+                </a:solidFill>
+                <a:latin typeface="맑은 고딕" charset="0"/>
+                <a:ea typeface="맑은 고딕" charset="0"/>
+              </a:rPr>
+              <a:t> 상세 페이지로 변경되도록 구현하였습니다</a:t>
+            </a:r>
+            <a:r>
+              <a:rPr lang="en-US" altLang="ko-KR" sz="1000" b="1" dirty="0" smtClean="0">
+                <a:solidFill>
+                  <a:schemeClr val="bg1"/>
+                </a:solidFill>
+                <a:latin typeface="맑은 고딕" charset="0"/>
+                <a:ea typeface="맑은 고딕" charset="0"/>
+              </a:rPr>
+              <a:t>.</a:t>
+            </a:r>
+            <a:endParaRPr lang="ko-KR" altLang="en-US" sz="1000" b="1" dirty="0">
+              <a:solidFill>
+                <a:schemeClr val="bg1"/>
+              </a:solidFill>
+              <a:latin typeface="맑은 고딕" charset="0"/>
+              <a:ea typeface="맑은 고딕" charset="0"/>
+            </a:endParaRPr>
+          </a:p>
+        </p:txBody>
+      </p:sp>
+      <p:pic>
+        <p:nvPicPr>
+          <p:cNvPr id="10" name="그림 9"/>
+          <p:cNvPicPr>
+            <a:picLocks noChangeAspect="1"/>
+          </p:cNvPicPr>
+          <p:nvPr/>
+        </p:nvPicPr>
+        <p:blipFill>
+          <a:blip r:embed="rId3" cstate="print">
+            <a:extLst>
+              <a:ext uri="{28A0092B-C50C-407E-A947-70E740481C1C}">
+                <a14:useLocalDpi xmlns:a14="http://schemas.microsoft.com/office/drawing/2010/main" val="0"/>
+              </a:ext>
+            </a:extLst>
+          </a:blip>
+          <a:stretch>
+            <a:fillRect/>
+          </a:stretch>
+        </p:blipFill>
+        <p:spPr>
+          <a:xfrm>
+            <a:off x="3295960" y="3793493"/>
+            <a:ext cx="3030305" cy="1684998"/>
+          </a:xfrm>
+          <a:prstGeom prst="rect">
+            <a:avLst/>
+          </a:prstGeom>
+        </p:spPr>
+      </p:pic>
+      <p:pic>
+        <p:nvPicPr>
+          <p:cNvPr id="11" name="그림 10"/>
+          <p:cNvPicPr>
+            <a:picLocks noChangeAspect="1"/>
+          </p:cNvPicPr>
+          <p:nvPr/>
+        </p:nvPicPr>
+        <p:blipFill>
+          <a:blip r:embed="rId4" cstate="print">
+            <a:extLst>
+              <a:ext uri="{28A0092B-C50C-407E-A947-70E740481C1C}">
+                <a14:useLocalDpi xmlns:a14="http://schemas.microsoft.com/office/drawing/2010/main" val="0"/>
+              </a:ext>
+            </a:extLst>
+          </a:blip>
+          <a:stretch>
+            <a:fillRect/>
+          </a:stretch>
+        </p:blipFill>
+        <p:spPr>
+          <a:xfrm>
+            <a:off x="6942562" y="3281047"/>
+            <a:ext cx="1927872" cy="3139780"/>
           </a:xfrm>
           <a:prstGeom prst="rect">
             <a:avLst/>
@@ -9834,7 +9714,7 @@
     </p:spTree>
     <p:extLst>
       <p:ext uri="{BB962C8B-B14F-4D97-AF65-F5344CB8AC3E}">
-        <p14:creationId xmlns:p14="http://schemas.microsoft.com/office/powerpoint/2010/main" val="686760843"/>
+        <p14:creationId xmlns:p14="http://schemas.microsoft.com/office/powerpoint/2010/main" val="535969465"/>
       </p:ext>
     </p:extLst>
   </p:cSld>
